--- a/2021/ITで地域課題を解決しよう.pptx
+++ b/2021/ITで地域課題を解決しよう.pptx
@@ -17,7 +17,7 @@
     <p:sldId id="300" r:id="rId11"/>
     <p:sldId id="284" r:id="rId12"/>
     <p:sldId id="307" r:id="rId13"/>
-    <p:sldId id="302" r:id="rId14"/>
+    <p:sldId id="310" r:id="rId14"/>
     <p:sldId id="303" r:id="rId15"/>
     <p:sldId id="304" r:id="rId16"/>
     <p:sldId id="278" r:id="rId17"/>
@@ -294,6 +294,694 @@
 
 <file path=ppt/changesInfos/changesInfo1.xml><?xml version="1.0" encoding="utf-8"?>
 <pc:chgInfo xmlns:a="http://schemas.openxmlformats.org/drawingml/2006/main" xmlns:r="http://schemas.openxmlformats.org/officeDocument/2006/relationships" xmlns:ac="http://schemas.microsoft.com/office/drawing/2013/main/command" xmlns:pc="http://schemas.microsoft.com/office/powerpoint/2013/main/command">
+  <pc:docChgLst>
+    <pc:chgData name="Itoh Kiyohito" userId="973df969519ed28b" providerId="LiveId" clId="{A9ED4E88-A9D2-42DC-AA60-140FD6D8B4AD}"/>
+    <pc:docChg chg="undo custSel delSld modSld sldOrd">
+      <pc:chgData name="Itoh Kiyohito" userId="973df969519ed28b" providerId="LiveId" clId="{A9ED4E88-A9D2-42DC-AA60-140FD6D8B4AD}" dt="2021-07-12T08:53:39.220" v="3508" actId="1076"/>
+      <pc:docMkLst>
+        <pc:docMk/>
+      </pc:docMkLst>
+      <pc:sldChg chg="addSp modSp mod">
+        <pc:chgData name="Itoh Kiyohito" userId="973df969519ed28b" providerId="LiveId" clId="{A9ED4E88-A9D2-42DC-AA60-140FD6D8B4AD}" dt="2021-07-12T06:16:17.596" v="114" actId="20577"/>
+        <pc:sldMkLst>
+          <pc:docMk/>
+          <pc:sldMk cId="0" sldId="256"/>
+        </pc:sldMkLst>
+        <pc:spChg chg="add mod">
+          <ac:chgData name="Itoh Kiyohito" userId="973df969519ed28b" providerId="LiveId" clId="{A9ED4E88-A9D2-42DC-AA60-140FD6D8B4AD}" dt="2021-07-12T06:16:17.596" v="114" actId="20577"/>
+          <ac:spMkLst>
+            <pc:docMk/>
+            <pc:sldMk cId="0" sldId="256"/>
+            <ac:spMk id="4" creationId="{5B84FDDC-4025-4DCF-9979-F406FBC438C5}"/>
+          </ac:spMkLst>
+        </pc:spChg>
+      </pc:sldChg>
+      <pc:sldChg chg="addSp modSp mod ord">
+        <pc:chgData name="Itoh Kiyohito" userId="973df969519ed28b" providerId="LiveId" clId="{A9ED4E88-A9D2-42DC-AA60-140FD6D8B4AD}" dt="2021-07-12T08:53:39.220" v="3508" actId="1076"/>
+        <pc:sldMkLst>
+          <pc:docMk/>
+          <pc:sldMk cId="0" sldId="262"/>
+        </pc:sldMkLst>
+        <pc:spChg chg="mod">
+          <ac:chgData name="Itoh Kiyohito" userId="973df969519ed28b" providerId="LiveId" clId="{A9ED4E88-A9D2-42DC-AA60-140FD6D8B4AD}" dt="2021-07-12T06:27:30.252" v="380" actId="20577"/>
+          <ac:spMkLst>
+            <pc:docMk/>
+            <pc:sldMk cId="0" sldId="262"/>
+            <ac:spMk id="107" creationId="{00000000-0000-0000-0000-000000000000}"/>
+          </ac:spMkLst>
+        </pc:spChg>
+        <pc:picChg chg="add mod">
+          <ac:chgData name="Itoh Kiyohito" userId="973df969519ed28b" providerId="LiveId" clId="{A9ED4E88-A9D2-42DC-AA60-140FD6D8B4AD}" dt="2021-07-12T08:53:39.220" v="3508" actId="1076"/>
+          <ac:picMkLst>
+            <pc:docMk/>
+            <pc:sldMk cId="0" sldId="262"/>
+            <ac:picMk id="1026" creationId="{A26A7807-A3CE-474D-9DD4-79A4DDCF0EAC}"/>
+          </ac:picMkLst>
+        </pc:picChg>
+      </pc:sldChg>
+      <pc:sldChg chg="addSp delSp modSp mod">
+        <pc:chgData name="Itoh Kiyohito" userId="973df969519ed28b" providerId="LiveId" clId="{A9ED4E88-A9D2-42DC-AA60-140FD6D8B4AD}" dt="2021-07-12T07:59:09.198" v="2161" actId="20577"/>
+        <pc:sldMkLst>
+          <pc:docMk/>
+          <pc:sldMk cId="0" sldId="267"/>
+        </pc:sldMkLst>
+        <pc:spChg chg="add del">
+          <ac:chgData name="Itoh Kiyohito" userId="973df969519ed28b" providerId="LiveId" clId="{A9ED4E88-A9D2-42DC-AA60-140FD6D8B4AD}" dt="2021-07-12T06:36:56.919" v="757" actId="11529"/>
+          <ac:spMkLst>
+            <pc:docMk/>
+            <pc:sldMk cId="0" sldId="267"/>
+            <ac:spMk id="2" creationId="{FA097213-BDDC-49F7-A624-4C24979B47D6}"/>
+          </ac:spMkLst>
+        </pc:spChg>
+        <pc:spChg chg="add mod">
+          <ac:chgData name="Itoh Kiyohito" userId="973df969519ed28b" providerId="LiveId" clId="{A9ED4E88-A9D2-42DC-AA60-140FD6D8B4AD}" dt="2021-07-12T07:56:27.028" v="2131" actId="1038"/>
+          <ac:spMkLst>
+            <pc:docMk/>
+            <pc:sldMk cId="0" sldId="267"/>
+            <ac:spMk id="3" creationId="{BA3FAF98-5A6B-45D8-AEDC-6359B1502ADC}"/>
+          </ac:spMkLst>
+        </pc:spChg>
+        <pc:spChg chg="add mod">
+          <ac:chgData name="Itoh Kiyohito" userId="973df969519ed28b" providerId="LiveId" clId="{A9ED4E88-A9D2-42DC-AA60-140FD6D8B4AD}" dt="2021-07-12T07:56:27.028" v="2131" actId="1038"/>
+          <ac:spMkLst>
+            <pc:docMk/>
+            <pc:sldMk cId="0" sldId="267"/>
+            <ac:spMk id="9" creationId="{BC22BE19-18B4-4A32-BC71-815743C03EF5}"/>
+          </ac:spMkLst>
+        </pc:spChg>
+        <pc:spChg chg="add mod">
+          <ac:chgData name="Itoh Kiyohito" userId="973df969519ed28b" providerId="LiveId" clId="{A9ED4E88-A9D2-42DC-AA60-140FD6D8B4AD}" dt="2021-07-12T07:59:09.198" v="2161" actId="20577"/>
+          <ac:spMkLst>
+            <pc:docMk/>
+            <pc:sldMk cId="0" sldId="267"/>
+            <ac:spMk id="10" creationId="{944DB7F7-0981-461B-A039-55C8C6399A1A}"/>
+          </ac:spMkLst>
+        </pc:spChg>
+        <pc:spChg chg="add del mod">
+          <ac:chgData name="Itoh Kiyohito" userId="973df969519ed28b" providerId="LiveId" clId="{A9ED4E88-A9D2-42DC-AA60-140FD6D8B4AD}" dt="2021-07-12T06:48:06.163" v="1010" actId="478"/>
+          <ac:spMkLst>
+            <pc:docMk/>
+            <pc:sldMk cId="0" sldId="267"/>
+            <ac:spMk id="11" creationId="{38A4C412-FC5C-4845-A1F0-A4FDC9EB1E19}"/>
+          </ac:spMkLst>
+        </pc:spChg>
+        <pc:spChg chg="add mod">
+          <ac:chgData name="Itoh Kiyohito" userId="973df969519ed28b" providerId="LiveId" clId="{A9ED4E88-A9D2-42DC-AA60-140FD6D8B4AD}" dt="2021-07-12T07:56:27.028" v="2131" actId="1038"/>
+          <ac:spMkLst>
+            <pc:docMk/>
+            <pc:sldMk cId="0" sldId="267"/>
+            <ac:spMk id="12" creationId="{686D13A8-995E-4490-BBAA-626373A0DE1D}"/>
+          </ac:spMkLst>
+        </pc:spChg>
+        <pc:spChg chg="add mod">
+          <ac:chgData name="Itoh Kiyohito" userId="973df969519ed28b" providerId="LiveId" clId="{A9ED4E88-A9D2-42DC-AA60-140FD6D8B4AD}" dt="2021-07-12T07:56:27.028" v="2131" actId="1038"/>
+          <ac:spMkLst>
+            <pc:docMk/>
+            <pc:sldMk cId="0" sldId="267"/>
+            <ac:spMk id="13" creationId="{AB87D2B6-F4EF-43E3-91C9-3B2164A61A51}"/>
+          </ac:spMkLst>
+        </pc:spChg>
+        <pc:spChg chg="add mod">
+          <ac:chgData name="Itoh Kiyohito" userId="973df969519ed28b" providerId="LiveId" clId="{A9ED4E88-A9D2-42DC-AA60-140FD6D8B4AD}" dt="2021-07-12T07:56:27.028" v="2131" actId="1038"/>
+          <ac:spMkLst>
+            <pc:docMk/>
+            <pc:sldMk cId="0" sldId="267"/>
+            <ac:spMk id="14" creationId="{6FB91F32-BF31-462C-81EA-C94E4ACF1776}"/>
+          </ac:spMkLst>
+        </pc:spChg>
+        <pc:spChg chg="add mod">
+          <ac:chgData name="Itoh Kiyohito" userId="973df969519ed28b" providerId="LiveId" clId="{A9ED4E88-A9D2-42DC-AA60-140FD6D8B4AD}" dt="2021-07-12T07:56:27.028" v="2131" actId="1038"/>
+          <ac:spMkLst>
+            <pc:docMk/>
+            <pc:sldMk cId="0" sldId="267"/>
+            <ac:spMk id="15" creationId="{4C48F3EB-9DE9-485E-8BF9-E04DF6106725}"/>
+          </ac:spMkLst>
+        </pc:spChg>
+        <pc:spChg chg="add mod">
+          <ac:chgData name="Itoh Kiyohito" userId="973df969519ed28b" providerId="LiveId" clId="{A9ED4E88-A9D2-42DC-AA60-140FD6D8B4AD}" dt="2021-07-12T07:56:27.028" v="2131" actId="1038"/>
+          <ac:spMkLst>
+            <pc:docMk/>
+            <pc:sldMk cId="0" sldId="267"/>
+            <ac:spMk id="16" creationId="{1FFA94B3-E487-4E38-A39B-30937810333B}"/>
+          </ac:spMkLst>
+        </pc:spChg>
+        <pc:spChg chg="add mod">
+          <ac:chgData name="Itoh Kiyohito" userId="973df969519ed28b" providerId="LiveId" clId="{A9ED4E88-A9D2-42DC-AA60-140FD6D8B4AD}" dt="2021-07-12T07:56:27.028" v="2131" actId="1038"/>
+          <ac:spMkLst>
+            <pc:docMk/>
+            <pc:sldMk cId="0" sldId="267"/>
+            <ac:spMk id="17" creationId="{D4A33FA7-327D-4C4C-B3CB-016E5C39AE1A}"/>
+          </ac:spMkLst>
+        </pc:spChg>
+        <pc:spChg chg="add mod">
+          <ac:chgData name="Itoh Kiyohito" userId="973df969519ed28b" providerId="LiveId" clId="{A9ED4E88-A9D2-42DC-AA60-140FD6D8B4AD}" dt="2021-07-12T07:56:27.028" v="2131" actId="1038"/>
+          <ac:spMkLst>
+            <pc:docMk/>
+            <pc:sldMk cId="0" sldId="267"/>
+            <ac:spMk id="18" creationId="{20B15E00-7C6A-4463-B035-0C6BBD646AD0}"/>
+          </ac:spMkLst>
+        </pc:spChg>
+        <pc:spChg chg="add mod">
+          <ac:chgData name="Itoh Kiyohito" userId="973df969519ed28b" providerId="LiveId" clId="{A9ED4E88-A9D2-42DC-AA60-140FD6D8B4AD}" dt="2021-07-12T07:56:27.028" v="2131" actId="1038"/>
+          <ac:spMkLst>
+            <pc:docMk/>
+            <pc:sldMk cId="0" sldId="267"/>
+            <ac:spMk id="19" creationId="{D1D9F2A9-EC2D-4B36-87E4-E1C762C39C4E}"/>
+          </ac:spMkLst>
+        </pc:spChg>
+        <pc:spChg chg="add mod">
+          <ac:chgData name="Itoh Kiyohito" userId="973df969519ed28b" providerId="LiveId" clId="{A9ED4E88-A9D2-42DC-AA60-140FD6D8B4AD}" dt="2021-07-12T07:56:27.028" v="2131" actId="1038"/>
+          <ac:spMkLst>
+            <pc:docMk/>
+            <pc:sldMk cId="0" sldId="267"/>
+            <ac:spMk id="20" creationId="{504F5624-06EB-47CE-9B16-EB3133416221}"/>
+          </ac:spMkLst>
+        </pc:spChg>
+        <pc:spChg chg="add mod">
+          <ac:chgData name="Itoh Kiyohito" userId="973df969519ed28b" providerId="LiveId" clId="{A9ED4E88-A9D2-42DC-AA60-140FD6D8B4AD}" dt="2021-07-12T07:56:27.028" v="2131" actId="1038"/>
+          <ac:spMkLst>
+            <pc:docMk/>
+            <pc:sldMk cId="0" sldId="267"/>
+            <ac:spMk id="21" creationId="{AD0CCC33-9302-4E9D-892F-23C6CE50F9BB}"/>
+          </ac:spMkLst>
+        </pc:spChg>
+        <pc:spChg chg="add mod">
+          <ac:chgData name="Itoh Kiyohito" userId="973df969519ed28b" providerId="LiveId" clId="{A9ED4E88-A9D2-42DC-AA60-140FD6D8B4AD}" dt="2021-07-12T07:56:27.028" v="2131" actId="1038"/>
+          <ac:spMkLst>
+            <pc:docMk/>
+            <pc:sldMk cId="0" sldId="267"/>
+            <ac:spMk id="22" creationId="{B8ECAC2C-F4CD-4CF4-AE33-9F5B3EE45FD1}"/>
+          </ac:spMkLst>
+        </pc:spChg>
+        <pc:spChg chg="add mod">
+          <ac:chgData name="Itoh Kiyohito" userId="973df969519ed28b" providerId="LiveId" clId="{A9ED4E88-A9D2-42DC-AA60-140FD6D8B4AD}" dt="2021-07-12T07:56:27.028" v="2131" actId="1038"/>
+          <ac:spMkLst>
+            <pc:docMk/>
+            <pc:sldMk cId="0" sldId="267"/>
+            <ac:spMk id="23" creationId="{8C39156F-C149-41DB-95B5-E3B4B3C71F64}"/>
+          </ac:spMkLst>
+        </pc:spChg>
+        <pc:spChg chg="add mod">
+          <ac:chgData name="Itoh Kiyohito" userId="973df969519ed28b" providerId="LiveId" clId="{A9ED4E88-A9D2-42DC-AA60-140FD6D8B4AD}" dt="2021-07-12T07:56:27.028" v="2131" actId="1038"/>
+          <ac:spMkLst>
+            <pc:docMk/>
+            <pc:sldMk cId="0" sldId="267"/>
+            <ac:spMk id="24" creationId="{45ECAE92-DEDC-4545-B50C-A8A29E1E4A4E}"/>
+          </ac:spMkLst>
+        </pc:spChg>
+        <pc:spChg chg="add mod">
+          <ac:chgData name="Itoh Kiyohito" userId="973df969519ed28b" providerId="LiveId" clId="{A9ED4E88-A9D2-42DC-AA60-140FD6D8B4AD}" dt="2021-07-12T07:56:27.028" v="2131" actId="1038"/>
+          <ac:spMkLst>
+            <pc:docMk/>
+            <pc:sldMk cId="0" sldId="267"/>
+            <ac:spMk id="25" creationId="{07AEF24E-6620-43B3-9014-D9F9A66092B2}"/>
+          </ac:spMkLst>
+        </pc:spChg>
+        <pc:spChg chg="mod">
+          <ac:chgData name="Itoh Kiyohito" userId="973df969519ed28b" providerId="LiveId" clId="{A9ED4E88-A9D2-42DC-AA60-140FD6D8B4AD}" dt="2021-07-12T07:42:59.504" v="1960" actId="20577"/>
+          <ac:spMkLst>
+            <pc:docMk/>
+            <pc:sldMk cId="0" sldId="267"/>
+            <ac:spMk id="160" creationId="{00000000-0000-0000-0000-000000000000}"/>
+          </ac:spMkLst>
+        </pc:spChg>
+        <pc:spChg chg="mod">
+          <ac:chgData name="Itoh Kiyohito" userId="973df969519ed28b" providerId="LiveId" clId="{A9ED4E88-A9D2-42DC-AA60-140FD6D8B4AD}" dt="2021-07-12T07:56:27.028" v="2131" actId="1038"/>
+          <ac:spMkLst>
+            <pc:docMk/>
+            <pc:sldMk cId="0" sldId="267"/>
+            <ac:spMk id="161" creationId="{00000000-0000-0000-0000-000000000000}"/>
+          </ac:spMkLst>
+        </pc:spChg>
+        <pc:spChg chg="mod">
+          <ac:chgData name="Itoh Kiyohito" userId="973df969519ed28b" providerId="LiveId" clId="{A9ED4E88-A9D2-42DC-AA60-140FD6D8B4AD}" dt="2021-07-12T07:56:27.028" v="2131" actId="1038"/>
+          <ac:spMkLst>
+            <pc:docMk/>
+            <pc:sldMk cId="0" sldId="267"/>
+            <ac:spMk id="162" creationId="{00000000-0000-0000-0000-000000000000}"/>
+          </ac:spMkLst>
+        </pc:spChg>
+        <pc:spChg chg="mod">
+          <ac:chgData name="Itoh Kiyohito" userId="973df969519ed28b" providerId="LiveId" clId="{A9ED4E88-A9D2-42DC-AA60-140FD6D8B4AD}" dt="2021-07-12T07:56:27.028" v="2131" actId="1038"/>
+          <ac:spMkLst>
+            <pc:docMk/>
+            <pc:sldMk cId="0" sldId="267"/>
+            <ac:spMk id="163" creationId="{00000000-0000-0000-0000-000000000000}"/>
+          </ac:spMkLst>
+        </pc:spChg>
+      </pc:sldChg>
+      <pc:sldChg chg="modSp mod">
+        <pc:chgData name="Itoh Kiyohito" userId="973df969519ed28b" providerId="LiveId" clId="{A9ED4E88-A9D2-42DC-AA60-140FD6D8B4AD}" dt="2021-07-12T08:51:17.354" v="3485" actId="20577"/>
+        <pc:sldMkLst>
+          <pc:docMk/>
+          <pc:sldMk cId="0" sldId="284"/>
+        </pc:sldMkLst>
+        <pc:graphicFrameChg chg="modGraphic">
+          <ac:chgData name="Itoh Kiyohito" userId="973df969519ed28b" providerId="LiveId" clId="{A9ED4E88-A9D2-42DC-AA60-140FD6D8B4AD}" dt="2021-07-12T08:51:17.354" v="3485" actId="20577"/>
+          <ac:graphicFrameMkLst>
+            <pc:docMk/>
+            <pc:sldMk cId="0" sldId="284"/>
+            <ac:graphicFrameMk id="480" creationId="{00000000-0000-0000-0000-000000000000}"/>
+          </ac:graphicFrameMkLst>
+        </pc:graphicFrameChg>
+      </pc:sldChg>
+      <pc:sldChg chg="modSp mod">
+        <pc:chgData name="Itoh Kiyohito" userId="973df969519ed28b" providerId="LiveId" clId="{A9ED4E88-A9D2-42DC-AA60-140FD6D8B4AD}" dt="2021-07-12T07:58:15.827" v="2146" actId="20577"/>
+        <pc:sldMkLst>
+          <pc:docMk/>
+          <pc:sldMk cId="3613530894" sldId="295"/>
+        </pc:sldMkLst>
+        <pc:spChg chg="mod">
+          <ac:chgData name="Itoh Kiyohito" userId="973df969519ed28b" providerId="LiveId" clId="{A9ED4E88-A9D2-42DC-AA60-140FD6D8B4AD}" dt="2021-07-12T07:58:15.827" v="2146" actId="20577"/>
+          <ac:spMkLst>
+            <pc:docMk/>
+            <pc:sldMk cId="3613530894" sldId="295"/>
+            <ac:spMk id="12" creationId="{2A671D8A-90FB-4257-88A8-14D5C315EEE4}"/>
+          </ac:spMkLst>
+        </pc:spChg>
+        <pc:spChg chg="mod">
+          <ac:chgData name="Itoh Kiyohito" userId="973df969519ed28b" providerId="LiveId" clId="{A9ED4E88-A9D2-42DC-AA60-140FD6D8B4AD}" dt="2021-07-12T07:58:04.914" v="2142" actId="20577"/>
+          <ac:spMkLst>
+            <pc:docMk/>
+            <pc:sldMk cId="3613530894" sldId="295"/>
+            <ac:spMk id="571" creationId="{00000000-0000-0000-0000-000000000000}"/>
+          </ac:spMkLst>
+        </pc:spChg>
+        <pc:spChg chg="mod">
+          <ac:chgData name="Itoh Kiyohito" userId="973df969519ed28b" providerId="LiveId" clId="{A9ED4E88-A9D2-42DC-AA60-140FD6D8B4AD}" dt="2021-07-12T07:58:07.249" v="2143" actId="20577"/>
+          <ac:spMkLst>
+            <pc:docMk/>
+            <pc:sldMk cId="3613530894" sldId="295"/>
+            <ac:spMk id="572" creationId="{00000000-0000-0000-0000-000000000000}"/>
+          </ac:spMkLst>
+        </pc:spChg>
+        <pc:spChg chg="mod">
+          <ac:chgData name="Itoh Kiyohito" userId="973df969519ed28b" providerId="LiveId" clId="{A9ED4E88-A9D2-42DC-AA60-140FD6D8B4AD}" dt="2021-07-12T07:58:09.626" v="2144" actId="20577"/>
+          <ac:spMkLst>
+            <pc:docMk/>
+            <pc:sldMk cId="3613530894" sldId="295"/>
+            <ac:spMk id="573" creationId="{00000000-0000-0000-0000-000000000000}"/>
+          </ac:spMkLst>
+        </pc:spChg>
+        <pc:spChg chg="mod">
+          <ac:chgData name="Itoh Kiyohito" userId="973df969519ed28b" providerId="LiveId" clId="{A9ED4E88-A9D2-42DC-AA60-140FD6D8B4AD}" dt="2021-07-12T07:58:12.374" v="2145" actId="20577"/>
+          <ac:spMkLst>
+            <pc:docMk/>
+            <pc:sldMk cId="3613530894" sldId="295"/>
+            <ac:spMk id="574" creationId="{00000000-0000-0000-0000-000000000000}"/>
+          </ac:spMkLst>
+        </pc:spChg>
+      </pc:sldChg>
+      <pc:sldChg chg="del">
+        <pc:chgData name="Itoh Kiyohito" userId="973df969519ed28b" providerId="LiveId" clId="{A9ED4E88-A9D2-42DC-AA60-140FD6D8B4AD}" dt="2021-07-12T07:57:56.652" v="2141" actId="47"/>
+        <pc:sldMkLst>
+          <pc:docMk/>
+          <pc:sldMk cId="1930786836" sldId="297"/>
+        </pc:sldMkLst>
+      </pc:sldChg>
+      <pc:sldChg chg="modSp mod ord">
+        <pc:chgData name="Itoh Kiyohito" userId="973df969519ed28b" providerId="LiveId" clId="{A9ED4E88-A9D2-42DC-AA60-140FD6D8B4AD}" dt="2021-07-12T08:52:14.293" v="3499" actId="1035"/>
+        <pc:sldMkLst>
+          <pc:docMk/>
+          <pc:sldMk cId="1229821054" sldId="298"/>
+        </pc:sldMkLst>
+        <pc:spChg chg="mod">
+          <ac:chgData name="Itoh Kiyohito" userId="973df969519ed28b" providerId="LiveId" clId="{A9ED4E88-A9D2-42DC-AA60-140FD6D8B4AD}" dt="2021-07-12T08:52:14.293" v="3499" actId="1035"/>
+          <ac:spMkLst>
+            <pc:docMk/>
+            <pc:sldMk cId="1229821054" sldId="298"/>
+            <ac:spMk id="100" creationId="{00000000-0000-0000-0000-000000000000}"/>
+          </ac:spMkLst>
+        </pc:spChg>
+      </pc:sldChg>
+      <pc:sldChg chg="del">
+        <pc:chgData name="Itoh Kiyohito" userId="973df969519ed28b" providerId="LiveId" clId="{A9ED4E88-A9D2-42DC-AA60-140FD6D8B4AD}" dt="2021-07-12T07:54:12.663" v="2072" actId="47"/>
+        <pc:sldMkLst>
+          <pc:docMk/>
+          <pc:sldMk cId="553870286" sldId="299"/>
+        </pc:sldMkLst>
+      </pc:sldChg>
+      <pc:sldChg chg="delSp modSp mod">
+        <pc:chgData name="Itoh Kiyohito" userId="973df969519ed28b" providerId="LiveId" clId="{A9ED4E88-A9D2-42DC-AA60-140FD6D8B4AD}" dt="2021-07-12T08:00:29.797" v="2199" actId="478"/>
+        <pc:sldMkLst>
+          <pc:docMk/>
+          <pc:sldMk cId="2960280254" sldId="301"/>
+        </pc:sldMkLst>
+        <pc:spChg chg="mod">
+          <ac:chgData name="Itoh Kiyohito" userId="973df969519ed28b" providerId="LiveId" clId="{A9ED4E88-A9D2-42DC-AA60-140FD6D8B4AD}" dt="2021-07-12T08:00:20.718" v="2196" actId="1037"/>
+          <ac:spMkLst>
+            <pc:docMk/>
+            <pc:sldMk cId="2960280254" sldId="301"/>
+            <ac:spMk id="42" creationId="{2E2BBCCD-E041-4F14-970D-45F841CB6B5A}"/>
+          </ac:spMkLst>
+        </pc:spChg>
+        <pc:spChg chg="del mod">
+          <ac:chgData name="Itoh Kiyohito" userId="973df969519ed28b" providerId="LiveId" clId="{A9ED4E88-A9D2-42DC-AA60-140FD6D8B4AD}" dt="2021-07-12T08:00:29.797" v="2199" actId="478"/>
+          <ac:spMkLst>
+            <pc:docMk/>
+            <pc:sldMk cId="2960280254" sldId="301"/>
+            <ac:spMk id="427" creationId="{00000000-0000-0000-0000-000000000000}"/>
+          </ac:spMkLst>
+        </pc:spChg>
+        <pc:spChg chg="del">
+          <ac:chgData name="Itoh Kiyohito" userId="973df969519ed28b" providerId="LiveId" clId="{A9ED4E88-A9D2-42DC-AA60-140FD6D8B4AD}" dt="2021-07-12T08:00:25.793" v="2197" actId="478"/>
+          <ac:spMkLst>
+            <pc:docMk/>
+            <pc:sldMk cId="2960280254" sldId="301"/>
+            <ac:spMk id="435" creationId="{00000000-0000-0000-0000-000000000000}"/>
+          </ac:spMkLst>
+        </pc:spChg>
+        <pc:cxnChg chg="mod">
+          <ac:chgData name="Itoh Kiyohito" userId="973df969519ed28b" providerId="LiveId" clId="{A9ED4E88-A9D2-42DC-AA60-140FD6D8B4AD}" dt="2021-07-12T08:00:20.718" v="2196" actId="1037"/>
+          <ac:cxnSpMkLst>
+            <pc:docMk/>
+            <pc:sldMk cId="2960280254" sldId="301"/>
+            <ac:cxnSpMk id="41" creationId="{E3946EE2-FA32-4ABD-A1E1-57240C0B4FEA}"/>
+          </ac:cxnSpMkLst>
+        </pc:cxnChg>
+        <pc:cxnChg chg="del mod">
+          <ac:chgData name="Itoh Kiyohito" userId="973df969519ed28b" providerId="LiveId" clId="{A9ED4E88-A9D2-42DC-AA60-140FD6D8B4AD}" dt="2021-07-12T08:00:29.797" v="2199" actId="478"/>
+          <ac:cxnSpMkLst>
+            <pc:docMk/>
+            <pc:sldMk cId="2960280254" sldId="301"/>
+            <ac:cxnSpMk id="426" creationId="{00000000-0000-0000-0000-000000000000}"/>
+          </ac:cxnSpMkLst>
+        </pc:cxnChg>
+        <pc:cxnChg chg="del">
+          <ac:chgData name="Itoh Kiyohito" userId="973df969519ed28b" providerId="LiveId" clId="{A9ED4E88-A9D2-42DC-AA60-140FD6D8B4AD}" dt="2021-07-12T08:00:25.793" v="2197" actId="478"/>
+          <ac:cxnSpMkLst>
+            <pc:docMk/>
+            <pc:sldMk cId="2960280254" sldId="301"/>
+            <ac:cxnSpMk id="434" creationId="{00000000-0000-0000-0000-000000000000}"/>
+          </ac:cxnSpMkLst>
+        </pc:cxnChg>
+      </pc:sldChg>
+      <pc:sldChg chg="del">
+        <pc:chgData name="Itoh Kiyohito" userId="973df969519ed28b" providerId="LiveId" clId="{A9ED4E88-A9D2-42DC-AA60-140FD6D8B4AD}" dt="2021-07-12T07:59:52.286" v="2162" actId="47"/>
+        <pc:sldMkLst>
+          <pc:docMk/>
+          <pc:sldMk cId="3244503695" sldId="306"/>
+        </pc:sldMkLst>
+      </pc:sldChg>
+    </pc:docChg>
+  </pc:docChgLst>
+  <pc:docChgLst>
+    <pc:chgData name="Itoh Kiyohito" userId="973df969519ed28b" providerId="LiveId" clId="{547C3CDD-96C2-4A28-89E7-0547D37E74C2}"/>
+    <pc:docChg chg="addSld delSld modSld">
+      <pc:chgData name="Itoh Kiyohito" userId="973df969519ed28b" providerId="LiveId" clId="{547C3CDD-96C2-4A28-89E7-0547D37E74C2}" dt="2021-06-29T23:44:33.419" v="5" actId="47"/>
+      <pc:docMkLst>
+        <pc:docMk/>
+      </pc:docMkLst>
+      <pc:sldChg chg="modSp mod">
+        <pc:chgData name="Itoh Kiyohito" userId="973df969519ed28b" providerId="LiveId" clId="{547C3CDD-96C2-4A28-89E7-0547D37E74C2}" dt="2021-06-29T23:43:36.950" v="2" actId="6549"/>
+        <pc:sldMkLst>
+          <pc:docMk/>
+          <pc:sldMk cId="0" sldId="256"/>
+        </pc:sldMkLst>
+        <pc:spChg chg="mod">
+          <ac:chgData name="Itoh Kiyohito" userId="973df969519ed28b" providerId="LiveId" clId="{547C3CDD-96C2-4A28-89E7-0547D37E74C2}" dt="2021-06-29T23:43:36.950" v="2" actId="6549"/>
+          <ac:spMkLst>
+            <pc:docMk/>
+            <pc:sldMk cId="0" sldId="256"/>
+            <ac:spMk id="62" creationId="{00000000-0000-0000-0000-000000000000}"/>
+          </ac:spMkLst>
+        </pc:spChg>
+      </pc:sldChg>
+      <pc:sldChg chg="modNotes">
+        <pc:chgData name="Itoh Kiyohito" userId="973df969519ed28b" providerId="LiveId" clId="{547C3CDD-96C2-4A28-89E7-0547D37E74C2}" dt="2021-06-29T23:43:51.281" v="3" actId="16037"/>
+        <pc:sldMkLst>
+          <pc:docMk/>
+          <pc:sldMk cId="0" sldId="257"/>
+        </pc:sldMkLst>
+      </pc:sldChg>
+      <pc:sldChg chg="modNotes">
+        <pc:chgData name="Itoh Kiyohito" userId="973df969519ed28b" providerId="LiveId" clId="{547C3CDD-96C2-4A28-89E7-0547D37E74C2}" dt="2021-06-29T23:43:51.281" v="3" actId="16037"/>
+        <pc:sldMkLst>
+          <pc:docMk/>
+          <pc:sldMk cId="0" sldId="258"/>
+        </pc:sldMkLst>
+      </pc:sldChg>
+      <pc:sldChg chg="modNotes">
+        <pc:chgData name="Itoh Kiyohito" userId="973df969519ed28b" providerId="LiveId" clId="{547C3CDD-96C2-4A28-89E7-0547D37E74C2}" dt="2021-06-29T23:43:51.281" v="3" actId="16037"/>
+        <pc:sldMkLst>
+          <pc:docMk/>
+          <pc:sldMk cId="0" sldId="259"/>
+        </pc:sldMkLst>
+      </pc:sldChg>
+      <pc:sldChg chg="modNotes">
+        <pc:chgData name="Itoh Kiyohito" userId="973df969519ed28b" providerId="LiveId" clId="{547C3CDD-96C2-4A28-89E7-0547D37E74C2}" dt="2021-06-29T23:43:51.281" v="3" actId="16037"/>
+        <pc:sldMkLst>
+          <pc:docMk/>
+          <pc:sldMk cId="0" sldId="260"/>
+        </pc:sldMkLst>
+      </pc:sldChg>
+      <pc:sldChg chg="modNotes">
+        <pc:chgData name="Itoh Kiyohito" userId="973df969519ed28b" providerId="LiveId" clId="{547C3CDD-96C2-4A28-89E7-0547D37E74C2}" dt="2021-06-29T23:43:51.281" v="3" actId="16037"/>
+        <pc:sldMkLst>
+          <pc:docMk/>
+          <pc:sldMk cId="0" sldId="261"/>
+        </pc:sldMkLst>
+      </pc:sldChg>
+      <pc:sldChg chg="modNotes">
+        <pc:chgData name="Itoh Kiyohito" userId="973df969519ed28b" providerId="LiveId" clId="{547C3CDD-96C2-4A28-89E7-0547D37E74C2}" dt="2021-06-29T23:43:51.281" v="3" actId="16037"/>
+        <pc:sldMkLst>
+          <pc:docMk/>
+          <pc:sldMk cId="0" sldId="262"/>
+        </pc:sldMkLst>
+      </pc:sldChg>
+      <pc:sldChg chg="modNotes">
+        <pc:chgData name="Itoh Kiyohito" userId="973df969519ed28b" providerId="LiveId" clId="{547C3CDD-96C2-4A28-89E7-0547D37E74C2}" dt="2021-06-29T23:43:51.281" v="3" actId="16037"/>
+        <pc:sldMkLst>
+          <pc:docMk/>
+          <pc:sldMk cId="0" sldId="263"/>
+        </pc:sldMkLst>
+      </pc:sldChg>
+      <pc:sldChg chg="modNotes">
+        <pc:chgData name="Itoh Kiyohito" userId="973df969519ed28b" providerId="LiveId" clId="{547C3CDD-96C2-4A28-89E7-0547D37E74C2}" dt="2021-06-29T23:43:51.281" v="3" actId="16037"/>
+        <pc:sldMkLst>
+          <pc:docMk/>
+          <pc:sldMk cId="0" sldId="264"/>
+        </pc:sldMkLst>
+      </pc:sldChg>
+      <pc:sldChg chg="modNotes">
+        <pc:chgData name="Itoh Kiyohito" userId="973df969519ed28b" providerId="LiveId" clId="{547C3CDD-96C2-4A28-89E7-0547D37E74C2}" dt="2021-06-29T23:43:51.281" v="3" actId="16037"/>
+        <pc:sldMkLst>
+          <pc:docMk/>
+          <pc:sldMk cId="0" sldId="265"/>
+        </pc:sldMkLst>
+      </pc:sldChg>
+      <pc:sldChg chg="modNotes">
+        <pc:chgData name="Itoh Kiyohito" userId="973df969519ed28b" providerId="LiveId" clId="{547C3CDD-96C2-4A28-89E7-0547D37E74C2}" dt="2021-06-29T23:43:51.281" v="3" actId="16037"/>
+        <pc:sldMkLst>
+          <pc:docMk/>
+          <pc:sldMk cId="0" sldId="266"/>
+        </pc:sldMkLst>
+      </pc:sldChg>
+      <pc:sldChg chg="modNotes">
+        <pc:chgData name="Itoh Kiyohito" userId="973df969519ed28b" providerId="LiveId" clId="{547C3CDD-96C2-4A28-89E7-0547D37E74C2}" dt="2021-06-29T23:43:51.281" v="3" actId="16037"/>
+        <pc:sldMkLst>
+          <pc:docMk/>
+          <pc:sldMk cId="0" sldId="267"/>
+        </pc:sldMkLst>
+      </pc:sldChg>
+      <pc:sldChg chg="modNotes">
+        <pc:chgData name="Itoh Kiyohito" userId="973df969519ed28b" providerId="LiveId" clId="{547C3CDD-96C2-4A28-89E7-0547D37E74C2}" dt="2021-06-29T23:43:51.281" v="3" actId="16037"/>
+        <pc:sldMkLst>
+          <pc:docMk/>
+          <pc:sldMk cId="0" sldId="268"/>
+        </pc:sldMkLst>
+      </pc:sldChg>
+      <pc:sldChg chg="modNotes">
+        <pc:chgData name="Itoh Kiyohito" userId="973df969519ed28b" providerId="LiveId" clId="{547C3CDD-96C2-4A28-89E7-0547D37E74C2}" dt="2021-06-29T23:43:51.281" v="3" actId="16037"/>
+        <pc:sldMkLst>
+          <pc:docMk/>
+          <pc:sldMk cId="0" sldId="269"/>
+        </pc:sldMkLst>
+      </pc:sldChg>
+      <pc:sldChg chg="modNotes">
+        <pc:chgData name="Itoh Kiyohito" userId="973df969519ed28b" providerId="LiveId" clId="{547C3CDD-96C2-4A28-89E7-0547D37E74C2}" dt="2021-06-29T23:43:51.281" v="3" actId="16037"/>
+        <pc:sldMkLst>
+          <pc:docMk/>
+          <pc:sldMk cId="0" sldId="270"/>
+        </pc:sldMkLst>
+      </pc:sldChg>
+      <pc:sldChg chg="modNotes">
+        <pc:chgData name="Itoh Kiyohito" userId="973df969519ed28b" providerId="LiveId" clId="{547C3CDD-96C2-4A28-89E7-0547D37E74C2}" dt="2021-06-29T23:43:51.281" v="3" actId="16037"/>
+        <pc:sldMkLst>
+          <pc:docMk/>
+          <pc:sldMk cId="0" sldId="271"/>
+        </pc:sldMkLst>
+      </pc:sldChg>
+      <pc:sldChg chg="modNotes">
+        <pc:chgData name="Itoh Kiyohito" userId="973df969519ed28b" providerId="LiveId" clId="{547C3CDD-96C2-4A28-89E7-0547D37E74C2}" dt="2021-06-29T23:43:51.281" v="3" actId="16037"/>
+        <pc:sldMkLst>
+          <pc:docMk/>
+          <pc:sldMk cId="0" sldId="272"/>
+        </pc:sldMkLst>
+      </pc:sldChg>
+      <pc:sldChg chg="modNotes">
+        <pc:chgData name="Itoh Kiyohito" userId="973df969519ed28b" providerId="LiveId" clId="{547C3CDD-96C2-4A28-89E7-0547D37E74C2}" dt="2021-06-29T23:43:51.281" v="3" actId="16037"/>
+        <pc:sldMkLst>
+          <pc:docMk/>
+          <pc:sldMk cId="0" sldId="273"/>
+        </pc:sldMkLst>
+      </pc:sldChg>
+      <pc:sldChg chg="modNotes">
+        <pc:chgData name="Itoh Kiyohito" userId="973df969519ed28b" providerId="LiveId" clId="{547C3CDD-96C2-4A28-89E7-0547D37E74C2}" dt="2021-06-29T23:43:51.281" v="3" actId="16037"/>
+        <pc:sldMkLst>
+          <pc:docMk/>
+          <pc:sldMk cId="0" sldId="274"/>
+        </pc:sldMkLst>
+      </pc:sldChg>
+      <pc:sldChg chg="modNotes">
+        <pc:chgData name="Itoh Kiyohito" userId="973df969519ed28b" providerId="LiveId" clId="{547C3CDD-96C2-4A28-89E7-0547D37E74C2}" dt="2021-06-29T23:43:51.281" v="3" actId="16037"/>
+        <pc:sldMkLst>
+          <pc:docMk/>
+          <pc:sldMk cId="0" sldId="275"/>
+        </pc:sldMkLst>
+      </pc:sldChg>
+      <pc:sldChg chg="modNotes">
+        <pc:chgData name="Itoh Kiyohito" userId="973df969519ed28b" providerId="LiveId" clId="{547C3CDD-96C2-4A28-89E7-0547D37E74C2}" dt="2021-06-29T23:43:51.281" v="3" actId="16037"/>
+        <pc:sldMkLst>
+          <pc:docMk/>
+          <pc:sldMk cId="0" sldId="276"/>
+        </pc:sldMkLst>
+      </pc:sldChg>
+      <pc:sldChg chg="modNotes">
+        <pc:chgData name="Itoh Kiyohito" userId="973df969519ed28b" providerId="LiveId" clId="{547C3CDD-96C2-4A28-89E7-0547D37E74C2}" dt="2021-06-29T23:43:51.281" v="3" actId="16037"/>
+        <pc:sldMkLst>
+          <pc:docMk/>
+          <pc:sldMk cId="0" sldId="277"/>
+        </pc:sldMkLst>
+      </pc:sldChg>
+      <pc:sldChg chg="modNotes">
+        <pc:chgData name="Itoh Kiyohito" userId="973df969519ed28b" providerId="LiveId" clId="{547C3CDD-96C2-4A28-89E7-0547D37E74C2}" dt="2021-06-29T23:43:51.281" v="3" actId="16037"/>
+        <pc:sldMkLst>
+          <pc:docMk/>
+          <pc:sldMk cId="1535067874" sldId="278"/>
+        </pc:sldMkLst>
+      </pc:sldChg>
+      <pc:sldChg chg="modNotes">
+        <pc:chgData name="Itoh Kiyohito" userId="973df969519ed28b" providerId="LiveId" clId="{547C3CDD-96C2-4A28-89E7-0547D37E74C2}" dt="2021-06-29T23:43:51.281" v="3" actId="16037"/>
+        <pc:sldMkLst>
+          <pc:docMk/>
+          <pc:sldMk cId="0" sldId="279"/>
+        </pc:sldMkLst>
+      </pc:sldChg>
+      <pc:sldChg chg="modNotes">
+        <pc:chgData name="Itoh Kiyohito" userId="973df969519ed28b" providerId="LiveId" clId="{547C3CDD-96C2-4A28-89E7-0547D37E74C2}" dt="2021-06-29T23:43:51.281" v="3" actId="16037"/>
+        <pc:sldMkLst>
+          <pc:docMk/>
+          <pc:sldMk cId="0" sldId="280"/>
+        </pc:sldMkLst>
+      </pc:sldChg>
+      <pc:sldChg chg="modNotes">
+        <pc:chgData name="Itoh Kiyohito" userId="973df969519ed28b" providerId="LiveId" clId="{547C3CDD-96C2-4A28-89E7-0547D37E74C2}" dt="2021-06-29T23:43:51.281" v="3" actId="16037"/>
+        <pc:sldMkLst>
+          <pc:docMk/>
+          <pc:sldMk cId="0" sldId="281"/>
+        </pc:sldMkLst>
+      </pc:sldChg>
+      <pc:sldChg chg="modNotes">
+        <pc:chgData name="Itoh Kiyohito" userId="973df969519ed28b" providerId="LiveId" clId="{547C3CDD-96C2-4A28-89E7-0547D37E74C2}" dt="2021-06-29T23:43:51.281" v="3" actId="16037"/>
+        <pc:sldMkLst>
+          <pc:docMk/>
+          <pc:sldMk cId="0" sldId="282"/>
+        </pc:sldMkLst>
+      </pc:sldChg>
+      <pc:sldChg chg="modNotes">
+        <pc:chgData name="Itoh Kiyohito" userId="973df969519ed28b" providerId="LiveId" clId="{547C3CDD-96C2-4A28-89E7-0547D37E74C2}" dt="2021-06-29T23:43:51.281" v="3" actId="16037"/>
+        <pc:sldMkLst>
+          <pc:docMk/>
+          <pc:sldMk cId="0" sldId="283"/>
+        </pc:sldMkLst>
+      </pc:sldChg>
+      <pc:sldChg chg="modNotes">
+        <pc:chgData name="Itoh Kiyohito" userId="973df969519ed28b" providerId="LiveId" clId="{547C3CDD-96C2-4A28-89E7-0547D37E74C2}" dt="2021-06-29T23:43:51.281" v="3" actId="16037"/>
+        <pc:sldMkLst>
+          <pc:docMk/>
+          <pc:sldMk cId="0" sldId="284"/>
+        </pc:sldMkLst>
+      </pc:sldChg>
+      <pc:sldChg chg="modNotes">
+        <pc:chgData name="Itoh Kiyohito" userId="973df969519ed28b" providerId="LiveId" clId="{547C3CDD-96C2-4A28-89E7-0547D37E74C2}" dt="2021-06-29T23:43:51.281" v="3" actId="16037"/>
+        <pc:sldMkLst>
+          <pc:docMk/>
+          <pc:sldMk cId="0" sldId="285"/>
+        </pc:sldMkLst>
+      </pc:sldChg>
+      <pc:sldChg chg="modNotes">
+        <pc:chgData name="Itoh Kiyohito" userId="973df969519ed28b" providerId="LiveId" clId="{547C3CDD-96C2-4A28-89E7-0547D37E74C2}" dt="2021-06-29T23:43:51.281" v="3" actId="16037"/>
+        <pc:sldMkLst>
+          <pc:docMk/>
+          <pc:sldMk cId="0" sldId="286"/>
+        </pc:sldMkLst>
+      </pc:sldChg>
+      <pc:sldChg chg="modNotes">
+        <pc:chgData name="Itoh Kiyohito" userId="973df969519ed28b" providerId="LiveId" clId="{547C3CDD-96C2-4A28-89E7-0547D37E74C2}" dt="2021-06-29T23:43:51.281" v="3" actId="16037"/>
+        <pc:sldMkLst>
+          <pc:docMk/>
+          <pc:sldMk cId="0" sldId="287"/>
+        </pc:sldMkLst>
+      </pc:sldChg>
+      <pc:sldChg chg="modNotes">
+        <pc:chgData name="Itoh Kiyohito" userId="973df969519ed28b" providerId="LiveId" clId="{547C3CDD-96C2-4A28-89E7-0547D37E74C2}" dt="2021-06-29T23:43:51.281" v="3" actId="16037"/>
+        <pc:sldMkLst>
+          <pc:docMk/>
+          <pc:sldMk cId="0" sldId="288"/>
+        </pc:sldMkLst>
+      </pc:sldChg>
+      <pc:sldChg chg="modNotes">
+        <pc:chgData name="Itoh Kiyohito" userId="973df969519ed28b" providerId="LiveId" clId="{547C3CDD-96C2-4A28-89E7-0547D37E74C2}" dt="2021-06-29T23:43:51.281" v="3" actId="16037"/>
+        <pc:sldMkLst>
+          <pc:docMk/>
+          <pc:sldMk cId="0" sldId="289"/>
+        </pc:sldMkLst>
+      </pc:sldChg>
+      <pc:sldChg chg="modNotes">
+        <pc:chgData name="Itoh Kiyohito" userId="973df969519ed28b" providerId="LiveId" clId="{547C3CDD-96C2-4A28-89E7-0547D37E74C2}" dt="2021-06-29T23:43:51.281" v="3" actId="16037"/>
+        <pc:sldMkLst>
+          <pc:docMk/>
+          <pc:sldMk cId="0" sldId="290"/>
+        </pc:sldMkLst>
+      </pc:sldChg>
+      <pc:sldChg chg="modNotes">
+        <pc:chgData name="Itoh Kiyohito" userId="973df969519ed28b" providerId="LiveId" clId="{547C3CDD-96C2-4A28-89E7-0547D37E74C2}" dt="2021-06-29T23:43:51.281" v="3" actId="16037"/>
+        <pc:sldMkLst>
+          <pc:docMk/>
+          <pc:sldMk cId="0" sldId="291"/>
+        </pc:sldMkLst>
+      </pc:sldChg>
+      <pc:sldChg chg="modNotes">
+        <pc:chgData name="Itoh Kiyohito" userId="973df969519ed28b" providerId="LiveId" clId="{547C3CDD-96C2-4A28-89E7-0547D37E74C2}" dt="2021-06-29T23:43:51.281" v="3" actId="16037"/>
+        <pc:sldMkLst>
+          <pc:docMk/>
+          <pc:sldMk cId="0" sldId="292"/>
+        </pc:sldMkLst>
+      </pc:sldChg>
+      <pc:sldChg chg="modNotes">
+        <pc:chgData name="Itoh Kiyohito" userId="973df969519ed28b" providerId="LiveId" clId="{547C3CDD-96C2-4A28-89E7-0547D37E74C2}" dt="2021-06-29T23:43:51.281" v="3" actId="16037"/>
+        <pc:sldMkLst>
+          <pc:docMk/>
+          <pc:sldMk cId="0" sldId="293"/>
+        </pc:sldMkLst>
+      </pc:sldChg>
+      <pc:sldChg chg="modNotes">
+        <pc:chgData name="Itoh Kiyohito" userId="973df969519ed28b" providerId="LiveId" clId="{547C3CDD-96C2-4A28-89E7-0547D37E74C2}" dt="2021-06-29T23:43:51.281" v="3" actId="16037"/>
+        <pc:sldMkLst>
+          <pc:docMk/>
+          <pc:sldMk cId="0" sldId="294"/>
+        </pc:sldMkLst>
+      </pc:sldChg>
+      <pc:sldChg chg="new del">
+        <pc:chgData name="Itoh Kiyohito" userId="973df969519ed28b" providerId="LiveId" clId="{547C3CDD-96C2-4A28-89E7-0547D37E74C2}" dt="2021-06-29T23:44:33.419" v="5" actId="47"/>
+        <pc:sldMkLst>
+          <pc:docMk/>
+          <pc:sldMk cId="4124671055" sldId="295"/>
+        </pc:sldMkLst>
+      </pc:sldChg>
+    </pc:docChg>
+  </pc:docChgLst>
   <pc:docChgLst>
     <pc:chgData name="Itoh Kiyohito" userId="973df969519ed28b" providerId="LiveId" clId="{4E1BB6A1-EDAF-4481-A0D1-9DE730E36F66}"/>
     <pc:docChg chg="undo custSel addSld delSld modSld sldOrd">
@@ -1757,694 +2445,6 @@
           </pc:sldLayoutMkLst>
         </pc:sldLayoutChg>
       </pc:sldMasterChg>
-    </pc:docChg>
-  </pc:docChgLst>
-  <pc:docChgLst>
-    <pc:chgData name="Itoh Kiyohito" userId="973df969519ed28b" providerId="LiveId" clId="{A9ED4E88-A9D2-42DC-AA60-140FD6D8B4AD}"/>
-    <pc:docChg chg="undo custSel delSld modSld sldOrd">
-      <pc:chgData name="Itoh Kiyohito" userId="973df969519ed28b" providerId="LiveId" clId="{A9ED4E88-A9D2-42DC-AA60-140FD6D8B4AD}" dt="2021-07-12T08:53:39.220" v="3508" actId="1076"/>
-      <pc:docMkLst>
-        <pc:docMk/>
-      </pc:docMkLst>
-      <pc:sldChg chg="addSp modSp mod">
-        <pc:chgData name="Itoh Kiyohito" userId="973df969519ed28b" providerId="LiveId" clId="{A9ED4E88-A9D2-42DC-AA60-140FD6D8B4AD}" dt="2021-07-12T06:16:17.596" v="114" actId="20577"/>
-        <pc:sldMkLst>
-          <pc:docMk/>
-          <pc:sldMk cId="0" sldId="256"/>
-        </pc:sldMkLst>
-        <pc:spChg chg="add mod">
-          <ac:chgData name="Itoh Kiyohito" userId="973df969519ed28b" providerId="LiveId" clId="{A9ED4E88-A9D2-42DC-AA60-140FD6D8B4AD}" dt="2021-07-12T06:16:17.596" v="114" actId="20577"/>
-          <ac:spMkLst>
-            <pc:docMk/>
-            <pc:sldMk cId="0" sldId="256"/>
-            <ac:spMk id="4" creationId="{5B84FDDC-4025-4DCF-9979-F406FBC438C5}"/>
-          </ac:spMkLst>
-        </pc:spChg>
-      </pc:sldChg>
-      <pc:sldChg chg="addSp modSp mod ord">
-        <pc:chgData name="Itoh Kiyohito" userId="973df969519ed28b" providerId="LiveId" clId="{A9ED4E88-A9D2-42DC-AA60-140FD6D8B4AD}" dt="2021-07-12T08:53:39.220" v="3508" actId="1076"/>
-        <pc:sldMkLst>
-          <pc:docMk/>
-          <pc:sldMk cId="0" sldId="262"/>
-        </pc:sldMkLst>
-        <pc:spChg chg="mod">
-          <ac:chgData name="Itoh Kiyohito" userId="973df969519ed28b" providerId="LiveId" clId="{A9ED4E88-A9D2-42DC-AA60-140FD6D8B4AD}" dt="2021-07-12T06:27:30.252" v="380" actId="20577"/>
-          <ac:spMkLst>
-            <pc:docMk/>
-            <pc:sldMk cId="0" sldId="262"/>
-            <ac:spMk id="107" creationId="{00000000-0000-0000-0000-000000000000}"/>
-          </ac:spMkLst>
-        </pc:spChg>
-        <pc:picChg chg="add mod">
-          <ac:chgData name="Itoh Kiyohito" userId="973df969519ed28b" providerId="LiveId" clId="{A9ED4E88-A9D2-42DC-AA60-140FD6D8B4AD}" dt="2021-07-12T08:53:39.220" v="3508" actId="1076"/>
-          <ac:picMkLst>
-            <pc:docMk/>
-            <pc:sldMk cId="0" sldId="262"/>
-            <ac:picMk id="1026" creationId="{A26A7807-A3CE-474D-9DD4-79A4DDCF0EAC}"/>
-          </ac:picMkLst>
-        </pc:picChg>
-      </pc:sldChg>
-      <pc:sldChg chg="addSp delSp modSp mod">
-        <pc:chgData name="Itoh Kiyohito" userId="973df969519ed28b" providerId="LiveId" clId="{A9ED4E88-A9D2-42DC-AA60-140FD6D8B4AD}" dt="2021-07-12T07:59:09.198" v="2161" actId="20577"/>
-        <pc:sldMkLst>
-          <pc:docMk/>
-          <pc:sldMk cId="0" sldId="267"/>
-        </pc:sldMkLst>
-        <pc:spChg chg="add del">
-          <ac:chgData name="Itoh Kiyohito" userId="973df969519ed28b" providerId="LiveId" clId="{A9ED4E88-A9D2-42DC-AA60-140FD6D8B4AD}" dt="2021-07-12T06:36:56.919" v="757" actId="11529"/>
-          <ac:spMkLst>
-            <pc:docMk/>
-            <pc:sldMk cId="0" sldId="267"/>
-            <ac:spMk id="2" creationId="{FA097213-BDDC-49F7-A624-4C24979B47D6}"/>
-          </ac:spMkLst>
-        </pc:spChg>
-        <pc:spChg chg="add mod">
-          <ac:chgData name="Itoh Kiyohito" userId="973df969519ed28b" providerId="LiveId" clId="{A9ED4E88-A9D2-42DC-AA60-140FD6D8B4AD}" dt="2021-07-12T07:56:27.028" v="2131" actId="1038"/>
-          <ac:spMkLst>
-            <pc:docMk/>
-            <pc:sldMk cId="0" sldId="267"/>
-            <ac:spMk id="3" creationId="{BA3FAF98-5A6B-45D8-AEDC-6359B1502ADC}"/>
-          </ac:spMkLst>
-        </pc:spChg>
-        <pc:spChg chg="add mod">
-          <ac:chgData name="Itoh Kiyohito" userId="973df969519ed28b" providerId="LiveId" clId="{A9ED4E88-A9D2-42DC-AA60-140FD6D8B4AD}" dt="2021-07-12T07:56:27.028" v="2131" actId="1038"/>
-          <ac:spMkLst>
-            <pc:docMk/>
-            <pc:sldMk cId="0" sldId="267"/>
-            <ac:spMk id="9" creationId="{BC22BE19-18B4-4A32-BC71-815743C03EF5}"/>
-          </ac:spMkLst>
-        </pc:spChg>
-        <pc:spChg chg="add mod">
-          <ac:chgData name="Itoh Kiyohito" userId="973df969519ed28b" providerId="LiveId" clId="{A9ED4E88-A9D2-42DC-AA60-140FD6D8B4AD}" dt="2021-07-12T07:59:09.198" v="2161" actId="20577"/>
-          <ac:spMkLst>
-            <pc:docMk/>
-            <pc:sldMk cId="0" sldId="267"/>
-            <ac:spMk id="10" creationId="{944DB7F7-0981-461B-A039-55C8C6399A1A}"/>
-          </ac:spMkLst>
-        </pc:spChg>
-        <pc:spChg chg="add del mod">
-          <ac:chgData name="Itoh Kiyohito" userId="973df969519ed28b" providerId="LiveId" clId="{A9ED4E88-A9D2-42DC-AA60-140FD6D8B4AD}" dt="2021-07-12T06:48:06.163" v="1010" actId="478"/>
-          <ac:spMkLst>
-            <pc:docMk/>
-            <pc:sldMk cId="0" sldId="267"/>
-            <ac:spMk id="11" creationId="{38A4C412-FC5C-4845-A1F0-A4FDC9EB1E19}"/>
-          </ac:spMkLst>
-        </pc:spChg>
-        <pc:spChg chg="add mod">
-          <ac:chgData name="Itoh Kiyohito" userId="973df969519ed28b" providerId="LiveId" clId="{A9ED4E88-A9D2-42DC-AA60-140FD6D8B4AD}" dt="2021-07-12T07:56:27.028" v="2131" actId="1038"/>
-          <ac:spMkLst>
-            <pc:docMk/>
-            <pc:sldMk cId="0" sldId="267"/>
-            <ac:spMk id="12" creationId="{686D13A8-995E-4490-BBAA-626373A0DE1D}"/>
-          </ac:spMkLst>
-        </pc:spChg>
-        <pc:spChg chg="add mod">
-          <ac:chgData name="Itoh Kiyohito" userId="973df969519ed28b" providerId="LiveId" clId="{A9ED4E88-A9D2-42DC-AA60-140FD6D8B4AD}" dt="2021-07-12T07:56:27.028" v="2131" actId="1038"/>
-          <ac:spMkLst>
-            <pc:docMk/>
-            <pc:sldMk cId="0" sldId="267"/>
-            <ac:spMk id="13" creationId="{AB87D2B6-F4EF-43E3-91C9-3B2164A61A51}"/>
-          </ac:spMkLst>
-        </pc:spChg>
-        <pc:spChg chg="add mod">
-          <ac:chgData name="Itoh Kiyohito" userId="973df969519ed28b" providerId="LiveId" clId="{A9ED4E88-A9D2-42DC-AA60-140FD6D8B4AD}" dt="2021-07-12T07:56:27.028" v="2131" actId="1038"/>
-          <ac:spMkLst>
-            <pc:docMk/>
-            <pc:sldMk cId="0" sldId="267"/>
-            <ac:spMk id="14" creationId="{6FB91F32-BF31-462C-81EA-C94E4ACF1776}"/>
-          </ac:spMkLst>
-        </pc:spChg>
-        <pc:spChg chg="add mod">
-          <ac:chgData name="Itoh Kiyohito" userId="973df969519ed28b" providerId="LiveId" clId="{A9ED4E88-A9D2-42DC-AA60-140FD6D8B4AD}" dt="2021-07-12T07:56:27.028" v="2131" actId="1038"/>
-          <ac:spMkLst>
-            <pc:docMk/>
-            <pc:sldMk cId="0" sldId="267"/>
-            <ac:spMk id="15" creationId="{4C48F3EB-9DE9-485E-8BF9-E04DF6106725}"/>
-          </ac:spMkLst>
-        </pc:spChg>
-        <pc:spChg chg="add mod">
-          <ac:chgData name="Itoh Kiyohito" userId="973df969519ed28b" providerId="LiveId" clId="{A9ED4E88-A9D2-42DC-AA60-140FD6D8B4AD}" dt="2021-07-12T07:56:27.028" v="2131" actId="1038"/>
-          <ac:spMkLst>
-            <pc:docMk/>
-            <pc:sldMk cId="0" sldId="267"/>
-            <ac:spMk id="16" creationId="{1FFA94B3-E487-4E38-A39B-30937810333B}"/>
-          </ac:spMkLst>
-        </pc:spChg>
-        <pc:spChg chg="add mod">
-          <ac:chgData name="Itoh Kiyohito" userId="973df969519ed28b" providerId="LiveId" clId="{A9ED4E88-A9D2-42DC-AA60-140FD6D8B4AD}" dt="2021-07-12T07:56:27.028" v="2131" actId="1038"/>
-          <ac:spMkLst>
-            <pc:docMk/>
-            <pc:sldMk cId="0" sldId="267"/>
-            <ac:spMk id="17" creationId="{D4A33FA7-327D-4C4C-B3CB-016E5C39AE1A}"/>
-          </ac:spMkLst>
-        </pc:spChg>
-        <pc:spChg chg="add mod">
-          <ac:chgData name="Itoh Kiyohito" userId="973df969519ed28b" providerId="LiveId" clId="{A9ED4E88-A9D2-42DC-AA60-140FD6D8B4AD}" dt="2021-07-12T07:56:27.028" v="2131" actId="1038"/>
-          <ac:spMkLst>
-            <pc:docMk/>
-            <pc:sldMk cId="0" sldId="267"/>
-            <ac:spMk id="18" creationId="{20B15E00-7C6A-4463-B035-0C6BBD646AD0}"/>
-          </ac:spMkLst>
-        </pc:spChg>
-        <pc:spChg chg="add mod">
-          <ac:chgData name="Itoh Kiyohito" userId="973df969519ed28b" providerId="LiveId" clId="{A9ED4E88-A9D2-42DC-AA60-140FD6D8B4AD}" dt="2021-07-12T07:56:27.028" v="2131" actId="1038"/>
-          <ac:spMkLst>
-            <pc:docMk/>
-            <pc:sldMk cId="0" sldId="267"/>
-            <ac:spMk id="19" creationId="{D1D9F2A9-EC2D-4B36-87E4-E1C762C39C4E}"/>
-          </ac:spMkLst>
-        </pc:spChg>
-        <pc:spChg chg="add mod">
-          <ac:chgData name="Itoh Kiyohito" userId="973df969519ed28b" providerId="LiveId" clId="{A9ED4E88-A9D2-42DC-AA60-140FD6D8B4AD}" dt="2021-07-12T07:56:27.028" v="2131" actId="1038"/>
-          <ac:spMkLst>
-            <pc:docMk/>
-            <pc:sldMk cId="0" sldId="267"/>
-            <ac:spMk id="20" creationId="{504F5624-06EB-47CE-9B16-EB3133416221}"/>
-          </ac:spMkLst>
-        </pc:spChg>
-        <pc:spChg chg="add mod">
-          <ac:chgData name="Itoh Kiyohito" userId="973df969519ed28b" providerId="LiveId" clId="{A9ED4E88-A9D2-42DC-AA60-140FD6D8B4AD}" dt="2021-07-12T07:56:27.028" v="2131" actId="1038"/>
-          <ac:spMkLst>
-            <pc:docMk/>
-            <pc:sldMk cId="0" sldId="267"/>
-            <ac:spMk id="21" creationId="{AD0CCC33-9302-4E9D-892F-23C6CE50F9BB}"/>
-          </ac:spMkLst>
-        </pc:spChg>
-        <pc:spChg chg="add mod">
-          <ac:chgData name="Itoh Kiyohito" userId="973df969519ed28b" providerId="LiveId" clId="{A9ED4E88-A9D2-42DC-AA60-140FD6D8B4AD}" dt="2021-07-12T07:56:27.028" v="2131" actId="1038"/>
-          <ac:spMkLst>
-            <pc:docMk/>
-            <pc:sldMk cId="0" sldId="267"/>
-            <ac:spMk id="22" creationId="{B8ECAC2C-F4CD-4CF4-AE33-9F5B3EE45FD1}"/>
-          </ac:spMkLst>
-        </pc:spChg>
-        <pc:spChg chg="add mod">
-          <ac:chgData name="Itoh Kiyohito" userId="973df969519ed28b" providerId="LiveId" clId="{A9ED4E88-A9D2-42DC-AA60-140FD6D8B4AD}" dt="2021-07-12T07:56:27.028" v="2131" actId="1038"/>
-          <ac:spMkLst>
-            <pc:docMk/>
-            <pc:sldMk cId="0" sldId="267"/>
-            <ac:spMk id="23" creationId="{8C39156F-C149-41DB-95B5-E3B4B3C71F64}"/>
-          </ac:spMkLst>
-        </pc:spChg>
-        <pc:spChg chg="add mod">
-          <ac:chgData name="Itoh Kiyohito" userId="973df969519ed28b" providerId="LiveId" clId="{A9ED4E88-A9D2-42DC-AA60-140FD6D8B4AD}" dt="2021-07-12T07:56:27.028" v="2131" actId="1038"/>
-          <ac:spMkLst>
-            <pc:docMk/>
-            <pc:sldMk cId="0" sldId="267"/>
-            <ac:spMk id="24" creationId="{45ECAE92-DEDC-4545-B50C-A8A29E1E4A4E}"/>
-          </ac:spMkLst>
-        </pc:spChg>
-        <pc:spChg chg="add mod">
-          <ac:chgData name="Itoh Kiyohito" userId="973df969519ed28b" providerId="LiveId" clId="{A9ED4E88-A9D2-42DC-AA60-140FD6D8B4AD}" dt="2021-07-12T07:56:27.028" v="2131" actId="1038"/>
-          <ac:spMkLst>
-            <pc:docMk/>
-            <pc:sldMk cId="0" sldId="267"/>
-            <ac:spMk id="25" creationId="{07AEF24E-6620-43B3-9014-D9F9A66092B2}"/>
-          </ac:spMkLst>
-        </pc:spChg>
-        <pc:spChg chg="mod">
-          <ac:chgData name="Itoh Kiyohito" userId="973df969519ed28b" providerId="LiveId" clId="{A9ED4E88-A9D2-42DC-AA60-140FD6D8B4AD}" dt="2021-07-12T07:42:59.504" v="1960" actId="20577"/>
-          <ac:spMkLst>
-            <pc:docMk/>
-            <pc:sldMk cId="0" sldId="267"/>
-            <ac:spMk id="160" creationId="{00000000-0000-0000-0000-000000000000}"/>
-          </ac:spMkLst>
-        </pc:spChg>
-        <pc:spChg chg="mod">
-          <ac:chgData name="Itoh Kiyohito" userId="973df969519ed28b" providerId="LiveId" clId="{A9ED4E88-A9D2-42DC-AA60-140FD6D8B4AD}" dt="2021-07-12T07:56:27.028" v="2131" actId="1038"/>
-          <ac:spMkLst>
-            <pc:docMk/>
-            <pc:sldMk cId="0" sldId="267"/>
-            <ac:spMk id="161" creationId="{00000000-0000-0000-0000-000000000000}"/>
-          </ac:spMkLst>
-        </pc:spChg>
-        <pc:spChg chg="mod">
-          <ac:chgData name="Itoh Kiyohito" userId="973df969519ed28b" providerId="LiveId" clId="{A9ED4E88-A9D2-42DC-AA60-140FD6D8B4AD}" dt="2021-07-12T07:56:27.028" v="2131" actId="1038"/>
-          <ac:spMkLst>
-            <pc:docMk/>
-            <pc:sldMk cId="0" sldId="267"/>
-            <ac:spMk id="162" creationId="{00000000-0000-0000-0000-000000000000}"/>
-          </ac:spMkLst>
-        </pc:spChg>
-        <pc:spChg chg="mod">
-          <ac:chgData name="Itoh Kiyohito" userId="973df969519ed28b" providerId="LiveId" clId="{A9ED4E88-A9D2-42DC-AA60-140FD6D8B4AD}" dt="2021-07-12T07:56:27.028" v="2131" actId="1038"/>
-          <ac:spMkLst>
-            <pc:docMk/>
-            <pc:sldMk cId="0" sldId="267"/>
-            <ac:spMk id="163" creationId="{00000000-0000-0000-0000-000000000000}"/>
-          </ac:spMkLst>
-        </pc:spChg>
-      </pc:sldChg>
-      <pc:sldChg chg="modSp mod">
-        <pc:chgData name="Itoh Kiyohito" userId="973df969519ed28b" providerId="LiveId" clId="{A9ED4E88-A9D2-42DC-AA60-140FD6D8B4AD}" dt="2021-07-12T08:51:17.354" v="3485" actId="20577"/>
-        <pc:sldMkLst>
-          <pc:docMk/>
-          <pc:sldMk cId="0" sldId="284"/>
-        </pc:sldMkLst>
-        <pc:graphicFrameChg chg="modGraphic">
-          <ac:chgData name="Itoh Kiyohito" userId="973df969519ed28b" providerId="LiveId" clId="{A9ED4E88-A9D2-42DC-AA60-140FD6D8B4AD}" dt="2021-07-12T08:51:17.354" v="3485" actId="20577"/>
-          <ac:graphicFrameMkLst>
-            <pc:docMk/>
-            <pc:sldMk cId="0" sldId="284"/>
-            <ac:graphicFrameMk id="480" creationId="{00000000-0000-0000-0000-000000000000}"/>
-          </ac:graphicFrameMkLst>
-        </pc:graphicFrameChg>
-      </pc:sldChg>
-      <pc:sldChg chg="modSp mod">
-        <pc:chgData name="Itoh Kiyohito" userId="973df969519ed28b" providerId="LiveId" clId="{A9ED4E88-A9D2-42DC-AA60-140FD6D8B4AD}" dt="2021-07-12T07:58:15.827" v="2146" actId="20577"/>
-        <pc:sldMkLst>
-          <pc:docMk/>
-          <pc:sldMk cId="3613530894" sldId="295"/>
-        </pc:sldMkLst>
-        <pc:spChg chg="mod">
-          <ac:chgData name="Itoh Kiyohito" userId="973df969519ed28b" providerId="LiveId" clId="{A9ED4E88-A9D2-42DC-AA60-140FD6D8B4AD}" dt="2021-07-12T07:58:15.827" v="2146" actId="20577"/>
-          <ac:spMkLst>
-            <pc:docMk/>
-            <pc:sldMk cId="3613530894" sldId="295"/>
-            <ac:spMk id="12" creationId="{2A671D8A-90FB-4257-88A8-14D5C315EEE4}"/>
-          </ac:spMkLst>
-        </pc:spChg>
-        <pc:spChg chg="mod">
-          <ac:chgData name="Itoh Kiyohito" userId="973df969519ed28b" providerId="LiveId" clId="{A9ED4E88-A9D2-42DC-AA60-140FD6D8B4AD}" dt="2021-07-12T07:58:04.914" v="2142" actId="20577"/>
-          <ac:spMkLst>
-            <pc:docMk/>
-            <pc:sldMk cId="3613530894" sldId="295"/>
-            <ac:spMk id="571" creationId="{00000000-0000-0000-0000-000000000000}"/>
-          </ac:spMkLst>
-        </pc:spChg>
-        <pc:spChg chg="mod">
-          <ac:chgData name="Itoh Kiyohito" userId="973df969519ed28b" providerId="LiveId" clId="{A9ED4E88-A9D2-42DC-AA60-140FD6D8B4AD}" dt="2021-07-12T07:58:07.249" v="2143" actId="20577"/>
-          <ac:spMkLst>
-            <pc:docMk/>
-            <pc:sldMk cId="3613530894" sldId="295"/>
-            <ac:spMk id="572" creationId="{00000000-0000-0000-0000-000000000000}"/>
-          </ac:spMkLst>
-        </pc:spChg>
-        <pc:spChg chg="mod">
-          <ac:chgData name="Itoh Kiyohito" userId="973df969519ed28b" providerId="LiveId" clId="{A9ED4E88-A9D2-42DC-AA60-140FD6D8B4AD}" dt="2021-07-12T07:58:09.626" v="2144" actId="20577"/>
-          <ac:spMkLst>
-            <pc:docMk/>
-            <pc:sldMk cId="3613530894" sldId="295"/>
-            <ac:spMk id="573" creationId="{00000000-0000-0000-0000-000000000000}"/>
-          </ac:spMkLst>
-        </pc:spChg>
-        <pc:spChg chg="mod">
-          <ac:chgData name="Itoh Kiyohito" userId="973df969519ed28b" providerId="LiveId" clId="{A9ED4E88-A9D2-42DC-AA60-140FD6D8B4AD}" dt="2021-07-12T07:58:12.374" v="2145" actId="20577"/>
-          <ac:spMkLst>
-            <pc:docMk/>
-            <pc:sldMk cId="3613530894" sldId="295"/>
-            <ac:spMk id="574" creationId="{00000000-0000-0000-0000-000000000000}"/>
-          </ac:spMkLst>
-        </pc:spChg>
-      </pc:sldChg>
-      <pc:sldChg chg="del">
-        <pc:chgData name="Itoh Kiyohito" userId="973df969519ed28b" providerId="LiveId" clId="{A9ED4E88-A9D2-42DC-AA60-140FD6D8B4AD}" dt="2021-07-12T07:57:56.652" v="2141" actId="47"/>
-        <pc:sldMkLst>
-          <pc:docMk/>
-          <pc:sldMk cId="1930786836" sldId="297"/>
-        </pc:sldMkLst>
-      </pc:sldChg>
-      <pc:sldChg chg="modSp mod ord">
-        <pc:chgData name="Itoh Kiyohito" userId="973df969519ed28b" providerId="LiveId" clId="{A9ED4E88-A9D2-42DC-AA60-140FD6D8B4AD}" dt="2021-07-12T08:52:14.293" v="3499" actId="1035"/>
-        <pc:sldMkLst>
-          <pc:docMk/>
-          <pc:sldMk cId="1229821054" sldId="298"/>
-        </pc:sldMkLst>
-        <pc:spChg chg="mod">
-          <ac:chgData name="Itoh Kiyohito" userId="973df969519ed28b" providerId="LiveId" clId="{A9ED4E88-A9D2-42DC-AA60-140FD6D8B4AD}" dt="2021-07-12T08:52:14.293" v="3499" actId="1035"/>
-          <ac:spMkLst>
-            <pc:docMk/>
-            <pc:sldMk cId="1229821054" sldId="298"/>
-            <ac:spMk id="100" creationId="{00000000-0000-0000-0000-000000000000}"/>
-          </ac:spMkLst>
-        </pc:spChg>
-      </pc:sldChg>
-      <pc:sldChg chg="del">
-        <pc:chgData name="Itoh Kiyohito" userId="973df969519ed28b" providerId="LiveId" clId="{A9ED4E88-A9D2-42DC-AA60-140FD6D8B4AD}" dt="2021-07-12T07:54:12.663" v="2072" actId="47"/>
-        <pc:sldMkLst>
-          <pc:docMk/>
-          <pc:sldMk cId="553870286" sldId="299"/>
-        </pc:sldMkLst>
-      </pc:sldChg>
-      <pc:sldChg chg="delSp modSp mod">
-        <pc:chgData name="Itoh Kiyohito" userId="973df969519ed28b" providerId="LiveId" clId="{A9ED4E88-A9D2-42DC-AA60-140FD6D8B4AD}" dt="2021-07-12T08:00:29.797" v="2199" actId="478"/>
-        <pc:sldMkLst>
-          <pc:docMk/>
-          <pc:sldMk cId="2960280254" sldId="301"/>
-        </pc:sldMkLst>
-        <pc:spChg chg="mod">
-          <ac:chgData name="Itoh Kiyohito" userId="973df969519ed28b" providerId="LiveId" clId="{A9ED4E88-A9D2-42DC-AA60-140FD6D8B4AD}" dt="2021-07-12T08:00:20.718" v="2196" actId="1037"/>
-          <ac:spMkLst>
-            <pc:docMk/>
-            <pc:sldMk cId="2960280254" sldId="301"/>
-            <ac:spMk id="42" creationId="{2E2BBCCD-E041-4F14-970D-45F841CB6B5A}"/>
-          </ac:spMkLst>
-        </pc:spChg>
-        <pc:spChg chg="del mod">
-          <ac:chgData name="Itoh Kiyohito" userId="973df969519ed28b" providerId="LiveId" clId="{A9ED4E88-A9D2-42DC-AA60-140FD6D8B4AD}" dt="2021-07-12T08:00:29.797" v="2199" actId="478"/>
-          <ac:spMkLst>
-            <pc:docMk/>
-            <pc:sldMk cId="2960280254" sldId="301"/>
-            <ac:spMk id="427" creationId="{00000000-0000-0000-0000-000000000000}"/>
-          </ac:spMkLst>
-        </pc:spChg>
-        <pc:spChg chg="del">
-          <ac:chgData name="Itoh Kiyohito" userId="973df969519ed28b" providerId="LiveId" clId="{A9ED4E88-A9D2-42DC-AA60-140FD6D8B4AD}" dt="2021-07-12T08:00:25.793" v="2197" actId="478"/>
-          <ac:spMkLst>
-            <pc:docMk/>
-            <pc:sldMk cId="2960280254" sldId="301"/>
-            <ac:spMk id="435" creationId="{00000000-0000-0000-0000-000000000000}"/>
-          </ac:spMkLst>
-        </pc:spChg>
-        <pc:cxnChg chg="mod">
-          <ac:chgData name="Itoh Kiyohito" userId="973df969519ed28b" providerId="LiveId" clId="{A9ED4E88-A9D2-42DC-AA60-140FD6D8B4AD}" dt="2021-07-12T08:00:20.718" v="2196" actId="1037"/>
-          <ac:cxnSpMkLst>
-            <pc:docMk/>
-            <pc:sldMk cId="2960280254" sldId="301"/>
-            <ac:cxnSpMk id="41" creationId="{E3946EE2-FA32-4ABD-A1E1-57240C0B4FEA}"/>
-          </ac:cxnSpMkLst>
-        </pc:cxnChg>
-        <pc:cxnChg chg="del mod">
-          <ac:chgData name="Itoh Kiyohito" userId="973df969519ed28b" providerId="LiveId" clId="{A9ED4E88-A9D2-42DC-AA60-140FD6D8B4AD}" dt="2021-07-12T08:00:29.797" v="2199" actId="478"/>
-          <ac:cxnSpMkLst>
-            <pc:docMk/>
-            <pc:sldMk cId="2960280254" sldId="301"/>
-            <ac:cxnSpMk id="426" creationId="{00000000-0000-0000-0000-000000000000}"/>
-          </ac:cxnSpMkLst>
-        </pc:cxnChg>
-        <pc:cxnChg chg="del">
-          <ac:chgData name="Itoh Kiyohito" userId="973df969519ed28b" providerId="LiveId" clId="{A9ED4E88-A9D2-42DC-AA60-140FD6D8B4AD}" dt="2021-07-12T08:00:25.793" v="2197" actId="478"/>
-          <ac:cxnSpMkLst>
-            <pc:docMk/>
-            <pc:sldMk cId="2960280254" sldId="301"/>
-            <ac:cxnSpMk id="434" creationId="{00000000-0000-0000-0000-000000000000}"/>
-          </ac:cxnSpMkLst>
-        </pc:cxnChg>
-      </pc:sldChg>
-      <pc:sldChg chg="del">
-        <pc:chgData name="Itoh Kiyohito" userId="973df969519ed28b" providerId="LiveId" clId="{A9ED4E88-A9D2-42DC-AA60-140FD6D8B4AD}" dt="2021-07-12T07:59:52.286" v="2162" actId="47"/>
-        <pc:sldMkLst>
-          <pc:docMk/>
-          <pc:sldMk cId="3244503695" sldId="306"/>
-        </pc:sldMkLst>
-      </pc:sldChg>
-    </pc:docChg>
-  </pc:docChgLst>
-  <pc:docChgLst>
-    <pc:chgData name="Itoh Kiyohito" userId="973df969519ed28b" providerId="LiveId" clId="{547C3CDD-96C2-4A28-89E7-0547D37E74C2}"/>
-    <pc:docChg chg="addSld delSld modSld">
-      <pc:chgData name="Itoh Kiyohito" userId="973df969519ed28b" providerId="LiveId" clId="{547C3CDD-96C2-4A28-89E7-0547D37E74C2}" dt="2021-06-29T23:44:33.419" v="5" actId="47"/>
-      <pc:docMkLst>
-        <pc:docMk/>
-      </pc:docMkLst>
-      <pc:sldChg chg="modSp mod">
-        <pc:chgData name="Itoh Kiyohito" userId="973df969519ed28b" providerId="LiveId" clId="{547C3CDD-96C2-4A28-89E7-0547D37E74C2}" dt="2021-06-29T23:43:36.950" v="2" actId="6549"/>
-        <pc:sldMkLst>
-          <pc:docMk/>
-          <pc:sldMk cId="0" sldId="256"/>
-        </pc:sldMkLst>
-        <pc:spChg chg="mod">
-          <ac:chgData name="Itoh Kiyohito" userId="973df969519ed28b" providerId="LiveId" clId="{547C3CDD-96C2-4A28-89E7-0547D37E74C2}" dt="2021-06-29T23:43:36.950" v="2" actId="6549"/>
-          <ac:spMkLst>
-            <pc:docMk/>
-            <pc:sldMk cId="0" sldId="256"/>
-            <ac:spMk id="62" creationId="{00000000-0000-0000-0000-000000000000}"/>
-          </ac:spMkLst>
-        </pc:spChg>
-      </pc:sldChg>
-      <pc:sldChg chg="modNotes">
-        <pc:chgData name="Itoh Kiyohito" userId="973df969519ed28b" providerId="LiveId" clId="{547C3CDD-96C2-4A28-89E7-0547D37E74C2}" dt="2021-06-29T23:43:51.281" v="3" actId="16037"/>
-        <pc:sldMkLst>
-          <pc:docMk/>
-          <pc:sldMk cId="0" sldId="257"/>
-        </pc:sldMkLst>
-      </pc:sldChg>
-      <pc:sldChg chg="modNotes">
-        <pc:chgData name="Itoh Kiyohito" userId="973df969519ed28b" providerId="LiveId" clId="{547C3CDD-96C2-4A28-89E7-0547D37E74C2}" dt="2021-06-29T23:43:51.281" v="3" actId="16037"/>
-        <pc:sldMkLst>
-          <pc:docMk/>
-          <pc:sldMk cId="0" sldId="258"/>
-        </pc:sldMkLst>
-      </pc:sldChg>
-      <pc:sldChg chg="modNotes">
-        <pc:chgData name="Itoh Kiyohito" userId="973df969519ed28b" providerId="LiveId" clId="{547C3CDD-96C2-4A28-89E7-0547D37E74C2}" dt="2021-06-29T23:43:51.281" v="3" actId="16037"/>
-        <pc:sldMkLst>
-          <pc:docMk/>
-          <pc:sldMk cId="0" sldId="259"/>
-        </pc:sldMkLst>
-      </pc:sldChg>
-      <pc:sldChg chg="modNotes">
-        <pc:chgData name="Itoh Kiyohito" userId="973df969519ed28b" providerId="LiveId" clId="{547C3CDD-96C2-4A28-89E7-0547D37E74C2}" dt="2021-06-29T23:43:51.281" v="3" actId="16037"/>
-        <pc:sldMkLst>
-          <pc:docMk/>
-          <pc:sldMk cId="0" sldId="260"/>
-        </pc:sldMkLst>
-      </pc:sldChg>
-      <pc:sldChg chg="modNotes">
-        <pc:chgData name="Itoh Kiyohito" userId="973df969519ed28b" providerId="LiveId" clId="{547C3CDD-96C2-4A28-89E7-0547D37E74C2}" dt="2021-06-29T23:43:51.281" v="3" actId="16037"/>
-        <pc:sldMkLst>
-          <pc:docMk/>
-          <pc:sldMk cId="0" sldId="261"/>
-        </pc:sldMkLst>
-      </pc:sldChg>
-      <pc:sldChg chg="modNotes">
-        <pc:chgData name="Itoh Kiyohito" userId="973df969519ed28b" providerId="LiveId" clId="{547C3CDD-96C2-4A28-89E7-0547D37E74C2}" dt="2021-06-29T23:43:51.281" v="3" actId="16037"/>
-        <pc:sldMkLst>
-          <pc:docMk/>
-          <pc:sldMk cId="0" sldId="262"/>
-        </pc:sldMkLst>
-      </pc:sldChg>
-      <pc:sldChg chg="modNotes">
-        <pc:chgData name="Itoh Kiyohito" userId="973df969519ed28b" providerId="LiveId" clId="{547C3CDD-96C2-4A28-89E7-0547D37E74C2}" dt="2021-06-29T23:43:51.281" v="3" actId="16037"/>
-        <pc:sldMkLst>
-          <pc:docMk/>
-          <pc:sldMk cId="0" sldId="263"/>
-        </pc:sldMkLst>
-      </pc:sldChg>
-      <pc:sldChg chg="modNotes">
-        <pc:chgData name="Itoh Kiyohito" userId="973df969519ed28b" providerId="LiveId" clId="{547C3CDD-96C2-4A28-89E7-0547D37E74C2}" dt="2021-06-29T23:43:51.281" v="3" actId="16037"/>
-        <pc:sldMkLst>
-          <pc:docMk/>
-          <pc:sldMk cId="0" sldId="264"/>
-        </pc:sldMkLst>
-      </pc:sldChg>
-      <pc:sldChg chg="modNotes">
-        <pc:chgData name="Itoh Kiyohito" userId="973df969519ed28b" providerId="LiveId" clId="{547C3CDD-96C2-4A28-89E7-0547D37E74C2}" dt="2021-06-29T23:43:51.281" v="3" actId="16037"/>
-        <pc:sldMkLst>
-          <pc:docMk/>
-          <pc:sldMk cId="0" sldId="265"/>
-        </pc:sldMkLst>
-      </pc:sldChg>
-      <pc:sldChg chg="modNotes">
-        <pc:chgData name="Itoh Kiyohito" userId="973df969519ed28b" providerId="LiveId" clId="{547C3CDD-96C2-4A28-89E7-0547D37E74C2}" dt="2021-06-29T23:43:51.281" v="3" actId="16037"/>
-        <pc:sldMkLst>
-          <pc:docMk/>
-          <pc:sldMk cId="0" sldId="266"/>
-        </pc:sldMkLst>
-      </pc:sldChg>
-      <pc:sldChg chg="modNotes">
-        <pc:chgData name="Itoh Kiyohito" userId="973df969519ed28b" providerId="LiveId" clId="{547C3CDD-96C2-4A28-89E7-0547D37E74C2}" dt="2021-06-29T23:43:51.281" v="3" actId="16037"/>
-        <pc:sldMkLst>
-          <pc:docMk/>
-          <pc:sldMk cId="0" sldId="267"/>
-        </pc:sldMkLst>
-      </pc:sldChg>
-      <pc:sldChg chg="modNotes">
-        <pc:chgData name="Itoh Kiyohito" userId="973df969519ed28b" providerId="LiveId" clId="{547C3CDD-96C2-4A28-89E7-0547D37E74C2}" dt="2021-06-29T23:43:51.281" v="3" actId="16037"/>
-        <pc:sldMkLst>
-          <pc:docMk/>
-          <pc:sldMk cId="0" sldId="268"/>
-        </pc:sldMkLst>
-      </pc:sldChg>
-      <pc:sldChg chg="modNotes">
-        <pc:chgData name="Itoh Kiyohito" userId="973df969519ed28b" providerId="LiveId" clId="{547C3CDD-96C2-4A28-89E7-0547D37E74C2}" dt="2021-06-29T23:43:51.281" v="3" actId="16037"/>
-        <pc:sldMkLst>
-          <pc:docMk/>
-          <pc:sldMk cId="0" sldId="269"/>
-        </pc:sldMkLst>
-      </pc:sldChg>
-      <pc:sldChg chg="modNotes">
-        <pc:chgData name="Itoh Kiyohito" userId="973df969519ed28b" providerId="LiveId" clId="{547C3CDD-96C2-4A28-89E7-0547D37E74C2}" dt="2021-06-29T23:43:51.281" v="3" actId="16037"/>
-        <pc:sldMkLst>
-          <pc:docMk/>
-          <pc:sldMk cId="0" sldId="270"/>
-        </pc:sldMkLst>
-      </pc:sldChg>
-      <pc:sldChg chg="modNotes">
-        <pc:chgData name="Itoh Kiyohito" userId="973df969519ed28b" providerId="LiveId" clId="{547C3CDD-96C2-4A28-89E7-0547D37E74C2}" dt="2021-06-29T23:43:51.281" v="3" actId="16037"/>
-        <pc:sldMkLst>
-          <pc:docMk/>
-          <pc:sldMk cId="0" sldId="271"/>
-        </pc:sldMkLst>
-      </pc:sldChg>
-      <pc:sldChg chg="modNotes">
-        <pc:chgData name="Itoh Kiyohito" userId="973df969519ed28b" providerId="LiveId" clId="{547C3CDD-96C2-4A28-89E7-0547D37E74C2}" dt="2021-06-29T23:43:51.281" v="3" actId="16037"/>
-        <pc:sldMkLst>
-          <pc:docMk/>
-          <pc:sldMk cId="0" sldId="272"/>
-        </pc:sldMkLst>
-      </pc:sldChg>
-      <pc:sldChg chg="modNotes">
-        <pc:chgData name="Itoh Kiyohito" userId="973df969519ed28b" providerId="LiveId" clId="{547C3CDD-96C2-4A28-89E7-0547D37E74C2}" dt="2021-06-29T23:43:51.281" v="3" actId="16037"/>
-        <pc:sldMkLst>
-          <pc:docMk/>
-          <pc:sldMk cId="0" sldId="273"/>
-        </pc:sldMkLst>
-      </pc:sldChg>
-      <pc:sldChg chg="modNotes">
-        <pc:chgData name="Itoh Kiyohito" userId="973df969519ed28b" providerId="LiveId" clId="{547C3CDD-96C2-4A28-89E7-0547D37E74C2}" dt="2021-06-29T23:43:51.281" v="3" actId="16037"/>
-        <pc:sldMkLst>
-          <pc:docMk/>
-          <pc:sldMk cId="0" sldId="274"/>
-        </pc:sldMkLst>
-      </pc:sldChg>
-      <pc:sldChg chg="modNotes">
-        <pc:chgData name="Itoh Kiyohito" userId="973df969519ed28b" providerId="LiveId" clId="{547C3CDD-96C2-4A28-89E7-0547D37E74C2}" dt="2021-06-29T23:43:51.281" v="3" actId="16037"/>
-        <pc:sldMkLst>
-          <pc:docMk/>
-          <pc:sldMk cId="0" sldId="275"/>
-        </pc:sldMkLst>
-      </pc:sldChg>
-      <pc:sldChg chg="modNotes">
-        <pc:chgData name="Itoh Kiyohito" userId="973df969519ed28b" providerId="LiveId" clId="{547C3CDD-96C2-4A28-89E7-0547D37E74C2}" dt="2021-06-29T23:43:51.281" v="3" actId="16037"/>
-        <pc:sldMkLst>
-          <pc:docMk/>
-          <pc:sldMk cId="0" sldId="276"/>
-        </pc:sldMkLst>
-      </pc:sldChg>
-      <pc:sldChg chg="modNotes">
-        <pc:chgData name="Itoh Kiyohito" userId="973df969519ed28b" providerId="LiveId" clId="{547C3CDD-96C2-4A28-89E7-0547D37E74C2}" dt="2021-06-29T23:43:51.281" v="3" actId="16037"/>
-        <pc:sldMkLst>
-          <pc:docMk/>
-          <pc:sldMk cId="0" sldId="277"/>
-        </pc:sldMkLst>
-      </pc:sldChg>
-      <pc:sldChg chg="modNotes">
-        <pc:chgData name="Itoh Kiyohito" userId="973df969519ed28b" providerId="LiveId" clId="{547C3CDD-96C2-4A28-89E7-0547D37E74C2}" dt="2021-06-29T23:43:51.281" v="3" actId="16037"/>
-        <pc:sldMkLst>
-          <pc:docMk/>
-          <pc:sldMk cId="1535067874" sldId="278"/>
-        </pc:sldMkLst>
-      </pc:sldChg>
-      <pc:sldChg chg="modNotes">
-        <pc:chgData name="Itoh Kiyohito" userId="973df969519ed28b" providerId="LiveId" clId="{547C3CDD-96C2-4A28-89E7-0547D37E74C2}" dt="2021-06-29T23:43:51.281" v="3" actId="16037"/>
-        <pc:sldMkLst>
-          <pc:docMk/>
-          <pc:sldMk cId="0" sldId="279"/>
-        </pc:sldMkLst>
-      </pc:sldChg>
-      <pc:sldChg chg="modNotes">
-        <pc:chgData name="Itoh Kiyohito" userId="973df969519ed28b" providerId="LiveId" clId="{547C3CDD-96C2-4A28-89E7-0547D37E74C2}" dt="2021-06-29T23:43:51.281" v="3" actId="16037"/>
-        <pc:sldMkLst>
-          <pc:docMk/>
-          <pc:sldMk cId="0" sldId="280"/>
-        </pc:sldMkLst>
-      </pc:sldChg>
-      <pc:sldChg chg="modNotes">
-        <pc:chgData name="Itoh Kiyohito" userId="973df969519ed28b" providerId="LiveId" clId="{547C3CDD-96C2-4A28-89E7-0547D37E74C2}" dt="2021-06-29T23:43:51.281" v="3" actId="16037"/>
-        <pc:sldMkLst>
-          <pc:docMk/>
-          <pc:sldMk cId="0" sldId="281"/>
-        </pc:sldMkLst>
-      </pc:sldChg>
-      <pc:sldChg chg="modNotes">
-        <pc:chgData name="Itoh Kiyohito" userId="973df969519ed28b" providerId="LiveId" clId="{547C3CDD-96C2-4A28-89E7-0547D37E74C2}" dt="2021-06-29T23:43:51.281" v="3" actId="16037"/>
-        <pc:sldMkLst>
-          <pc:docMk/>
-          <pc:sldMk cId="0" sldId="282"/>
-        </pc:sldMkLst>
-      </pc:sldChg>
-      <pc:sldChg chg="modNotes">
-        <pc:chgData name="Itoh Kiyohito" userId="973df969519ed28b" providerId="LiveId" clId="{547C3CDD-96C2-4A28-89E7-0547D37E74C2}" dt="2021-06-29T23:43:51.281" v="3" actId="16037"/>
-        <pc:sldMkLst>
-          <pc:docMk/>
-          <pc:sldMk cId="0" sldId="283"/>
-        </pc:sldMkLst>
-      </pc:sldChg>
-      <pc:sldChg chg="modNotes">
-        <pc:chgData name="Itoh Kiyohito" userId="973df969519ed28b" providerId="LiveId" clId="{547C3CDD-96C2-4A28-89E7-0547D37E74C2}" dt="2021-06-29T23:43:51.281" v="3" actId="16037"/>
-        <pc:sldMkLst>
-          <pc:docMk/>
-          <pc:sldMk cId="0" sldId="284"/>
-        </pc:sldMkLst>
-      </pc:sldChg>
-      <pc:sldChg chg="modNotes">
-        <pc:chgData name="Itoh Kiyohito" userId="973df969519ed28b" providerId="LiveId" clId="{547C3CDD-96C2-4A28-89E7-0547D37E74C2}" dt="2021-06-29T23:43:51.281" v="3" actId="16037"/>
-        <pc:sldMkLst>
-          <pc:docMk/>
-          <pc:sldMk cId="0" sldId="285"/>
-        </pc:sldMkLst>
-      </pc:sldChg>
-      <pc:sldChg chg="modNotes">
-        <pc:chgData name="Itoh Kiyohito" userId="973df969519ed28b" providerId="LiveId" clId="{547C3CDD-96C2-4A28-89E7-0547D37E74C2}" dt="2021-06-29T23:43:51.281" v="3" actId="16037"/>
-        <pc:sldMkLst>
-          <pc:docMk/>
-          <pc:sldMk cId="0" sldId="286"/>
-        </pc:sldMkLst>
-      </pc:sldChg>
-      <pc:sldChg chg="modNotes">
-        <pc:chgData name="Itoh Kiyohito" userId="973df969519ed28b" providerId="LiveId" clId="{547C3CDD-96C2-4A28-89E7-0547D37E74C2}" dt="2021-06-29T23:43:51.281" v="3" actId="16037"/>
-        <pc:sldMkLst>
-          <pc:docMk/>
-          <pc:sldMk cId="0" sldId="287"/>
-        </pc:sldMkLst>
-      </pc:sldChg>
-      <pc:sldChg chg="modNotes">
-        <pc:chgData name="Itoh Kiyohito" userId="973df969519ed28b" providerId="LiveId" clId="{547C3CDD-96C2-4A28-89E7-0547D37E74C2}" dt="2021-06-29T23:43:51.281" v="3" actId="16037"/>
-        <pc:sldMkLst>
-          <pc:docMk/>
-          <pc:sldMk cId="0" sldId="288"/>
-        </pc:sldMkLst>
-      </pc:sldChg>
-      <pc:sldChg chg="modNotes">
-        <pc:chgData name="Itoh Kiyohito" userId="973df969519ed28b" providerId="LiveId" clId="{547C3CDD-96C2-4A28-89E7-0547D37E74C2}" dt="2021-06-29T23:43:51.281" v="3" actId="16037"/>
-        <pc:sldMkLst>
-          <pc:docMk/>
-          <pc:sldMk cId="0" sldId="289"/>
-        </pc:sldMkLst>
-      </pc:sldChg>
-      <pc:sldChg chg="modNotes">
-        <pc:chgData name="Itoh Kiyohito" userId="973df969519ed28b" providerId="LiveId" clId="{547C3CDD-96C2-4A28-89E7-0547D37E74C2}" dt="2021-06-29T23:43:51.281" v="3" actId="16037"/>
-        <pc:sldMkLst>
-          <pc:docMk/>
-          <pc:sldMk cId="0" sldId="290"/>
-        </pc:sldMkLst>
-      </pc:sldChg>
-      <pc:sldChg chg="modNotes">
-        <pc:chgData name="Itoh Kiyohito" userId="973df969519ed28b" providerId="LiveId" clId="{547C3CDD-96C2-4A28-89E7-0547D37E74C2}" dt="2021-06-29T23:43:51.281" v="3" actId="16037"/>
-        <pc:sldMkLst>
-          <pc:docMk/>
-          <pc:sldMk cId="0" sldId="291"/>
-        </pc:sldMkLst>
-      </pc:sldChg>
-      <pc:sldChg chg="modNotes">
-        <pc:chgData name="Itoh Kiyohito" userId="973df969519ed28b" providerId="LiveId" clId="{547C3CDD-96C2-4A28-89E7-0547D37E74C2}" dt="2021-06-29T23:43:51.281" v="3" actId="16037"/>
-        <pc:sldMkLst>
-          <pc:docMk/>
-          <pc:sldMk cId="0" sldId="292"/>
-        </pc:sldMkLst>
-      </pc:sldChg>
-      <pc:sldChg chg="modNotes">
-        <pc:chgData name="Itoh Kiyohito" userId="973df969519ed28b" providerId="LiveId" clId="{547C3CDD-96C2-4A28-89E7-0547D37E74C2}" dt="2021-06-29T23:43:51.281" v="3" actId="16037"/>
-        <pc:sldMkLst>
-          <pc:docMk/>
-          <pc:sldMk cId="0" sldId="293"/>
-        </pc:sldMkLst>
-      </pc:sldChg>
-      <pc:sldChg chg="modNotes">
-        <pc:chgData name="Itoh Kiyohito" userId="973df969519ed28b" providerId="LiveId" clId="{547C3CDD-96C2-4A28-89E7-0547D37E74C2}" dt="2021-06-29T23:43:51.281" v="3" actId="16037"/>
-        <pc:sldMkLst>
-          <pc:docMk/>
-          <pc:sldMk cId="0" sldId="294"/>
-        </pc:sldMkLst>
-      </pc:sldChg>
-      <pc:sldChg chg="new del">
-        <pc:chgData name="Itoh Kiyohito" userId="973df969519ed28b" providerId="LiveId" clId="{547C3CDD-96C2-4A28-89E7-0547D37E74C2}" dt="2021-06-29T23:44:33.419" v="5" actId="47"/>
-        <pc:sldMkLst>
-          <pc:docMk/>
-          <pc:sldMk cId="4124671055" sldId="295"/>
-        </pc:sldMkLst>
-      </pc:sldChg>
     </pc:docChg>
   </pc:docChgLst>
   <pc:docChgLst>
@@ -4567,7 +4567,7 @@
     </p:spTree>
     <p:extLst>
       <p:ext uri="{BB962C8B-B14F-4D97-AF65-F5344CB8AC3E}">
-        <p14:creationId xmlns:p14="http://schemas.microsoft.com/office/powerpoint/2010/main" val="2438242202"/>
+        <p14:creationId xmlns:p14="http://schemas.microsoft.com/office/powerpoint/2010/main" val="1075277931"/>
       </p:ext>
     </p:extLst>
   </p:cSld>
@@ -9974,7 +9974,7 @@
     </p:spTree>
     <p:extLst>
       <p:ext uri="{BB962C8B-B14F-4D97-AF65-F5344CB8AC3E}">
-        <p14:creationId xmlns:p14="http://schemas.microsoft.com/office/powerpoint/2010/main" val="3041598266"/>
+        <p14:creationId xmlns:p14="http://schemas.microsoft.com/office/powerpoint/2010/main" val="3055642373"/>
       </p:ext>
     </p:extLst>
   </p:cSld>
@@ -21478,14 +21478,14 @@
           <p:nvPr>
             <p:extLst>
               <p:ext uri="{D42A27DB-BD31-4B8C-83A1-F6EECF244321}">
-                <p14:modId xmlns:p14="http://schemas.microsoft.com/office/powerpoint/2010/main" val="4293169943"/>
+                <p14:modId xmlns:p14="http://schemas.microsoft.com/office/powerpoint/2010/main" val="2571265857"/>
               </p:ext>
             </p:extLst>
           </p:nvPr>
         </p:nvGraphicFramePr>
         <p:xfrm>
-          <a:off x="781566" y="2297197"/>
-          <a:ext cx="7894250" cy="1188520"/>
+          <a:off x="781566" y="1967580"/>
+          <a:ext cx="7894250" cy="1066600"/>
         </p:xfrm>
         <a:graphic>
           <a:graphicData uri="http://schemas.openxmlformats.org/drawingml/2006/table">
@@ -23488,6 +23488,18 @@
                         </a:spcAft>
                         <a:buNone/>
                       </a:pPr>
+                      <a:r>
+                        <a:rPr lang="ja-JP" altLang="en-US" sz="800" b="0" dirty="0">
+                          <a:solidFill>
+                            <a:schemeClr val="tx1"/>
+                          </a:solidFill>
+                          <a:latin typeface="游ゴシック" panose="020B0400000000000000" pitchFamily="50" charset="-128"/>
+                          <a:ea typeface="游ゴシック" panose="020B0400000000000000" pitchFamily="50" charset="-128"/>
+                          <a:cs typeface="Montserrat"/>
+                          <a:sym typeface="Montserrat"/>
+                        </a:rPr>
+                        <a:t>閉場</a:t>
+                      </a:r>
                       <a:endParaRPr sz="800" b="0" dirty="0">
                         <a:solidFill>
                           <a:schemeClr val="tx1"/>
@@ -23555,18 +23567,6 @@
                         </a:spcAft>
                         <a:buNone/>
                       </a:pPr>
-                      <a:r>
-                        <a:rPr lang="ja-JP" altLang="en-US" sz="800" b="0" dirty="0">
-                          <a:solidFill>
-                            <a:schemeClr val="tx1"/>
-                          </a:solidFill>
-                          <a:latin typeface="游ゴシック" panose="020B0400000000000000" pitchFamily="50" charset="-128"/>
-                          <a:ea typeface="游ゴシック" panose="020B0400000000000000" pitchFamily="50" charset="-128"/>
-                          <a:cs typeface="Montserrat"/>
-                          <a:sym typeface="Montserrat"/>
-                        </a:rPr>
-                        <a:t>閉場</a:t>
-                      </a:r>
                       <a:endParaRPr sz="800" b="0" dirty="0">
                         <a:solidFill>
                           <a:schemeClr val="tx1"/>
@@ -23914,74 +23914,6 @@
                         </a:spcAft>
                         <a:buNone/>
                       </a:pPr>
-                      <a:r>
-                        <a:rPr lang="ja-JP" altLang="en-US" sz="800" b="0" dirty="0">
-                          <a:solidFill>
-                            <a:schemeClr val="tx1"/>
-                          </a:solidFill>
-                          <a:latin typeface="游ゴシック" panose="020B0400000000000000" pitchFamily="50" charset="-128"/>
-                          <a:ea typeface="游ゴシック" panose="020B0400000000000000" pitchFamily="50" charset="-128"/>
-                          <a:cs typeface="Montserrat"/>
-                          <a:sym typeface="Montserrat"/>
-                        </a:rPr>
-                        <a:t>ビジョン</a:t>
-                      </a:r>
-                      <a:endParaRPr lang="en-US" altLang="ja-JP" sz="800" b="0" dirty="0">
-                        <a:solidFill>
-                          <a:schemeClr val="tx1"/>
-                        </a:solidFill>
-                        <a:latin typeface="游ゴシック" panose="020B0400000000000000" pitchFamily="50" charset="-128"/>
-                        <a:ea typeface="游ゴシック" panose="020B0400000000000000" pitchFamily="50" charset="-128"/>
-                        <a:cs typeface="Montserrat"/>
-                        <a:sym typeface="Montserrat"/>
-                      </a:endParaRPr>
-                    </a:p>
-                    <a:p>
-                      <a:pPr marL="0" lvl="0" indent="0" algn="ctr" rtl="0">
-                        <a:spcBef>
-                          <a:spcPts val="0"/>
-                        </a:spcBef>
-                        <a:spcAft>
-                          <a:spcPts val="0"/>
-                        </a:spcAft>
-                        <a:buNone/>
-                      </a:pPr>
-                      <a:r>
-                        <a:rPr lang="ja-JP" altLang="en-US" sz="800" b="0" dirty="0">
-                          <a:solidFill>
-                            <a:schemeClr val="tx1"/>
-                          </a:solidFill>
-                          <a:latin typeface="游ゴシック" panose="020B0400000000000000" pitchFamily="50" charset="-128"/>
-                          <a:ea typeface="游ゴシック" panose="020B0400000000000000" pitchFamily="50" charset="-128"/>
-                          <a:cs typeface="Montserrat"/>
-                          <a:sym typeface="Montserrat"/>
-                        </a:rPr>
-                        <a:t>課題</a:t>
-                      </a:r>
-                      <a:r>
-                        <a:rPr lang="en-US" altLang="ja-JP" sz="800" b="0" dirty="0">
-                          <a:solidFill>
-                            <a:schemeClr val="tx1"/>
-                          </a:solidFill>
-                          <a:latin typeface="游ゴシック" panose="020B0400000000000000" pitchFamily="50" charset="-128"/>
-                          <a:ea typeface="游ゴシック" panose="020B0400000000000000" pitchFamily="50" charset="-128"/>
-                          <a:cs typeface="Montserrat"/>
-                          <a:sym typeface="Montserrat"/>
-                        </a:rPr>
-                        <a:t>/</a:t>
-                      </a:r>
-                      <a:r>
-                        <a:rPr lang="ja-JP" altLang="en-US" sz="800" b="0" dirty="0">
-                          <a:solidFill>
-                            <a:schemeClr val="tx1"/>
-                          </a:solidFill>
-                          <a:latin typeface="游ゴシック" panose="020B0400000000000000" pitchFamily="50" charset="-128"/>
-                          <a:ea typeface="游ゴシック" panose="020B0400000000000000" pitchFamily="50" charset="-128"/>
-                          <a:cs typeface="Montserrat"/>
-                          <a:sym typeface="Montserrat"/>
-                        </a:rPr>
-                        <a:t>解決策</a:t>
-                      </a:r>
                       <a:endParaRPr lang="en-US" altLang="ja-JP" sz="800" b="0" dirty="0">
                         <a:solidFill>
                           <a:schemeClr val="tx1"/>
@@ -24165,7 +24097,7 @@
                       <a:tailEnd type="none" w="sm" len="sm"/>
                     </a:lnB>
                     <a:solidFill>
-                      <a:schemeClr val="tx2"/>
+                      <a:schemeClr val="accent2"/>
                     </a:solidFill>
                   </a:tcPr>
                 </a:tc>
@@ -24250,50 +24182,6 @@
                         </a:spcAft>
                         <a:buNone/>
                       </a:pPr>
-                      <a:r>
-                        <a:rPr lang="ja-JP" altLang="en-US" sz="800" b="0" dirty="0">
-                          <a:solidFill>
-                            <a:schemeClr val="tx1"/>
-                          </a:solidFill>
-                          <a:latin typeface="游ゴシック" panose="020B0400000000000000" pitchFamily="50" charset="-128"/>
-                          <a:ea typeface="游ゴシック" panose="020B0400000000000000" pitchFamily="50" charset="-128"/>
-                          <a:cs typeface="Montserrat"/>
-                          <a:sym typeface="Montserrat"/>
-                        </a:rPr>
-                        <a:t>ペルソナ</a:t>
-                      </a:r>
-                      <a:endParaRPr lang="en-US" altLang="ja-JP" sz="800" b="0" dirty="0">
-                        <a:solidFill>
-                          <a:schemeClr val="tx1"/>
-                        </a:solidFill>
-                        <a:latin typeface="游ゴシック" panose="020B0400000000000000" pitchFamily="50" charset="-128"/>
-                        <a:ea typeface="游ゴシック" panose="020B0400000000000000" pitchFamily="50" charset="-128"/>
-                        <a:cs typeface="Montserrat"/>
-                        <a:sym typeface="Montserrat"/>
-                      </a:endParaRPr>
-                    </a:p>
-                    <a:p>
-                      <a:pPr marL="0" lvl="0" indent="0" algn="ctr" rtl="0">
-                        <a:spcBef>
-                          <a:spcPts val="0"/>
-                        </a:spcBef>
-                        <a:spcAft>
-                          <a:spcPts val="0"/>
-                        </a:spcAft>
-                        <a:buNone/>
-                      </a:pPr>
-                      <a:r>
-                        <a:rPr lang="en-US" altLang="ja-JP" sz="800" b="0" dirty="0">
-                          <a:solidFill>
-                            <a:schemeClr val="tx1"/>
-                          </a:solidFill>
-                          <a:latin typeface="游ゴシック" panose="020B0400000000000000" pitchFamily="50" charset="-128"/>
-                          <a:ea typeface="游ゴシック" panose="020B0400000000000000" pitchFamily="50" charset="-128"/>
-                          <a:cs typeface="Montserrat"/>
-                          <a:sym typeface="Montserrat"/>
-                        </a:rPr>
-                        <a:t>UX</a:t>
-                      </a:r>
                       <a:endParaRPr sz="800" b="0" dirty="0">
                         <a:solidFill>
                           <a:schemeClr val="tx1"/>
@@ -24477,7 +24365,7 @@
                       <a:tailEnd type="none" w="sm" len="sm"/>
                     </a:lnB>
                     <a:solidFill>
-                      <a:schemeClr val="tx2"/>
+                      <a:schemeClr val="accent2"/>
                     </a:solidFill>
                   </a:tcPr>
                 </a:tc>
@@ -24495,18 +24383,6 @@
                         </a:spcAft>
                         <a:buNone/>
                       </a:pPr>
-                      <a:r>
-                        <a:rPr lang="en-US" altLang="ja-JP" sz="800" b="0" dirty="0">
-                          <a:solidFill>
-                            <a:schemeClr val="tx1"/>
-                          </a:solidFill>
-                          <a:latin typeface="游ゴシック" panose="020B0400000000000000" pitchFamily="50" charset="-128"/>
-                          <a:ea typeface="游ゴシック" panose="020B0400000000000000" pitchFamily="50" charset="-128"/>
-                          <a:cs typeface="Montserrat"/>
-                          <a:sym typeface="Montserrat"/>
-                        </a:rPr>
-                        <a:t>UI</a:t>
-                      </a:r>
                       <a:endParaRPr sz="800" b="0" dirty="0">
                         <a:solidFill>
                           <a:schemeClr val="tx1"/>
@@ -25439,7 +25315,7 @@
                       <a:tailEnd type="none" w="sm" len="sm"/>
                     </a:lnB>
                     <a:solidFill>
-                      <a:schemeClr val="bg1"/>
+                      <a:schemeClr val="accent1"/>
                     </a:solidFill>
                   </a:tcPr>
                 </a:tc>
@@ -25506,7 +25382,7 @@
                       <a:tailEnd type="none" w="sm" len="sm"/>
                     </a:lnB>
                     <a:solidFill>
-                      <a:schemeClr val="accent1"/>
+                      <a:schemeClr val="bg1"/>
                     </a:solidFill>
                   </a:tcPr>
                 </a:tc>
@@ -25640,7 +25516,7 @@
                       <a:tailEnd type="none" w="sm" len="sm"/>
                     </a:lnB>
                     <a:solidFill>
-                      <a:schemeClr val="bg1"/>
+                      <a:schemeClr val="accent1"/>
                     </a:solidFill>
                   </a:tcPr>
                 </a:tc>
@@ -25707,7 +25583,7 @@
                       <a:tailEnd type="none" w="sm" len="sm"/>
                     </a:lnB>
                     <a:solidFill>
-                      <a:schemeClr val="accent1"/>
+                      <a:schemeClr val="bg1"/>
                     </a:solidFill>
                   </a:tcPr>
                 </a:tc>
@@ -26675,7 +26551,7 @@
                         </a:spcAft>
                         <a:buNone/>
                       </a:pPr>
-                      <a:endParaRPr sz="800" b="0">
+                      <a:endParaRPr sz="800" b="0" dirty="0">
                         <a:solidFill>
                           <a:schemeClr val="tx1"/>
                         </a:solidFill>
@@ -26724,7 +26600,7 @@
                       <a:tailEnd type="none" w="sm" len="sm"/>
                     </a:lnB>
                     <a:solidFill>
-                      <a:schemeClr val="lt2"/>
+                      <a:schemeClr val="accent5"/>
                     </a:solidFill>
                   </a:tcPr>
                 </a:tc>
@@ -27006,6 +26882,330 @@
           </a:graphicData>
         </a:graphic>
       </p:graphicFrame>
+      <p:sp>
+        <p:nvSpPr>
+          <p:cNvPr id="7" name="Google Shape;100;p16">
+            <a:extLst>
+              <a:ext uri="{FF2B5EF4-FFF2-40B4-BE49-F238E27FC236}">
+                <a16:creationId xmlns:a16="http://schemas.microsoft.com/office/drawing/2014/main" id="{9BC095A3-B7BB-4B60-B924-DF08D9566B22}"/>
+              </a:ext>
+            </a:extLst>
+          </p:cNvPr>
+          <p:cNvSpPr txBox="1">
+            <a:spLocks/>
+          </p:cNvSpPr>
+          <p:nvPr/>
+        </p:nvSpPr>
+        <p:spPr>
+          <a:xfrm>
+            <a:off x="691200" y="3285452"/>
+            <a:ext cx="7761600" cy="1066599"/>
+          </a:xfrm>
+          <a:prstGeom prst="rect">
+            <a:avLst/>
+          </a:prstGeom>
+        </p:spPr>
+        <p:txBody>
+          <a:bodyPr spcFirstLastPara="1" wrap="square" lIns="91425" tIns="91425" rIns="91425" bIns="91425" anchor="t" anchorCtr="0">
+            <a:noAutofit/>
+          </a:bodyPr>
+          <a:lstStyle>
+            <a:defPPr marR="0" lvl="0" algn="l" rtl="0">
+              <a:lnSpc>
+                <a:spcPct val="100000"/>
+              </a:lnSpc>
+              <a:spcBef>
+                <a:spcPts val="0"/>
+              </a:spcBef>
+              <a:spcAft>
+                <a:spcPts val="0"/>
+              </a:spcAft>
+            </a:defPPr>
+            <a:lvl1pPr marR="0" lvl="0" algn="l" rtl="0">
+              <a:lnSpc>
+                <a:spcPct val="100000"/>
+              </a:lnSpc>
+              <a:spcBef>
+                <a:spcPts val="0"/>
+              </a:spcBef>
+              <a:spcAft>
+                <a:spcPts val="0"/>
+              </a:spcAft>
+              <a:buClr>
+                <a:srgbClr val="000000"/>
+              </a:buClr>
+              <a:buFont typeface="Arial"/>
+              <a:defRPr sz="1400" b="0" i="0" u="none" strike="noStrike" cap="none">
+                <a:solidFill>
+                  <a:srgbClr val="000000"/>
+                </a:solidFill>
+                <a:latin typeface="Arial"/>
+                <a:ea typeface="Arial"/>
+                <a:cs typeface="Arial"/>
+                <a:sym typeface="Arial"/>
+              </a:defRPr>
+            </a:lvl1pPr>
+            <a:lvl2pPr marR="0" lvl="1" algn="l" rtl="0">
+              <a:lnSpc>
+                <a:spcPct val="100000"/>
+              </a:lnSpc>
+              <a:spcBef>
+                <a:spcPts val="0"/>
+              </a:spcBef>
+              <a:spcAft>
+                <a:spcPts val="0"/>
+              </a:spcAft>
+              <a:buClr>
+                <a:srgbClr val="000000"/>
+              </a:buClr>
+              <a:buFont typeface="Arial"/>
+              <a:defRPr sz="1400" b="0" i="0" u="none" strike="noStrike" cap="none">
+                <a:solidFill>
+                  <a:srgbClr val="000000"/>
+                </a:solidFill>
+                <a:latin typeface="Arial"/>
+                <a:ea typeface="Arial"/>
+                <a:cs typeface="Arial"/>
+                <a:sym typeface="Arial"/>
+              </a:defRPr>
+            </a:lvl2pPr>
+            <a:lvl3pPr marR="0" lvl="2" algn="l" rtl="0">
+              <a:lnSpc>
+                <a:spcPct val="100000"/>
+              </a:lnSpc>
+              <a:spcBef>
+                <a:spcPts val="0"/>
+              </a:spcBef>
+              <a:spcAft>
+                <a:spcPts val="0"/>
+              </a:spcAft>
+              <a:buClr>
+                <a:srgbClr val="000000"/>
+              </a:buClr>
+              <a:buFont typeface="Arial"/>
+              <a:defRPr sz="1400" b="0" i="0" u="none" strike="noStrike" cap="none">
+                <a:solidFill>
+                  <a:srgbClr val="000000"/>
+                </a:solidFill>
+                <a:latin typeface="Arial"/>
+                <a:ea typeface="Arial"/>
+                <a:cs typeface="Arial"/>
+                <a:sym typeface="Arial"/>
+              </a:defRPr>
+            </a:lvl3pPr>
+            <a:lvl4pPr marR="0" lvl="3" algn="l" rtl="0">
+              <a:lnSpc>
+                <a:spcPct val="100000"/>
+              </a:lnSpc>
+              <a:spcBef>
+                <a:spcPts val="0"/>
+              </a:spcBef>
+              <a:spcAft>
+                <a:spcPts val="0"/>
+              </a:spcAft>
+              <a:buClr>
+                <a:srgbClr val="000000"/>
+              </a:buClr>
+              <a:buFont typeface="Arial"/>
+              <a:defRPr sz="1400" b="0" i="0" u="none" strike="noStrike" cap="none">
+                <a:solidFill>
+                  <a:srgbClr val="000000"/>
+                </a:solidFill>
+                <a:latin typeface="Arial"/>
+                <a:ea typeface="Arial"/>
+                <a:cs typeface="Arial"/>
+                <a:sym typeface="Arial"/>
+              </a:defRPr>
+            </a:lvl4pPr>
+            <a:lvl5pPr marR="0" lvl="4" algn="l" rtl="0">
+              <a:lnSpc>
+                <a:spcPct val="100000"/>
+              </a:lnSpc>
+              <a:spcBef>
+                <a:spcPts val="0"/>
+              </a:spcBef>
+              <a:spcAft>
+                <a:spcPts val="0"/>
+              </a:spcAft>
+              <a:buClr>
+                <a:srgbClr val="000000"/>
+              </a:buClr>
+              <a:buFont typeface="Arial"/>
+              <a:defRPr sz="1400" b="0" i="0" u="none" strike="noStrike" cap="none">
+                <a:solidFill>
+                  <a:srgbClr val="000000"/>
+                </a:solidFill>
+                <a:latin typeface="Arial"/>
+                <a:ea typeface="Arial"/>
+                <a:cs typeface="Arial"/>
+                <a:sym typeface="Arial"/>
+              </a:defRPr>
+            </a:lvl5pPr>
+            <a:lvl6pPr marR="0" lvl="5" algn="l" rtl="0">
+              <a:lnSpc>
+                <a:spcPct val="100000"/>
+              </a:lnSpc>
+              <a:spcBef>
+                <a:spcPts val="0"/>
+              </a:spcBef>
+              <a:spcAft>
+                <a:spcPts val="0"/>
+              </a:spcAft>
+              <a:buClr>
+                <a:srgbClr val="000000"/>
+              </a:buClr>
+              <a:buFont typeface="Arial"/>
+              <a:defRPr sz="1400" b="0" i="0" u="none" strike="noStrike" cap="none">
+                <a:solidFill>
+                  <a:srgbClr val="000000"/>
+                </a:solidFill>
+                <a:latin typeface="Arial"/>
+                <a:ea typeface="Arial"/>
+                <a:cs typeface="Arial"/>
+                <a:sym typeface="Arial"/>
+              </a:defRPr>
+            </a:lvl6pPr>
+            <a:lvl7pPr marR="0" lvl="6" algn="l" rtl="0">
+              <a:lnSpc>
+                <a:spcPct val="100000"/>
+              </a:lnSpc>
+              <a:spcBef>
+                <a:spcPts val="0"/>
+              </a:spcBef>
+              <a:spcAft>
+                <a:spcPts val="0"/>
+              </a:spcAft>
+              <a:buClr>
+                <a:srgbClr val="000000"/>
+              </a:buClr>
+              <a:buFont typeface="Arial"/>
+              <a:defRPr sz="1400" b="0" i="0" u="none" strike="noStrike" cap="none">
+                <a:solidFill>
+                  <a:srgbClr val="000000"/>
+                </a:solidFill>
+                <a:latin typeface="Arial"/>
+                <a:ea typeface="Arial"/>
+                <a:cs typeface="Arial"/>
+                <a:sym typeface="Arial"/>
+              </a:defRPr>
+            </a:lvl7pPr>
+            <a:lvl8pPr marR="0" lvl="7" algn="l" rtl="0">
+              <a:lnSpc>
+                <a:spcPct val="100000"/>
+              </a:lnSpc>
+              <a:spcBef>
+                <a:spcPts val="0"/>
+              </a:spcBef>
+              <a:spcAft>
+                <a:spcPts val="0"/>
+              </a:spcAft>
+              <a:buClr>
+                <a:srgbClr val="000000"/>
+              </a:buClr>
+              <a:buFont typeface="Arial"/>
+              <a:defRPr sz="1400" b="0" i="0" u="none" strike="noStrike" cap="none">
+                <a:solidFill>
+                  <a:srgbClr val="000000"/>
+                </a:solidFill>
+                <a:latin typeface="Arial"/>
+                <a:ea typeface="Arial"/>
+                <a:cs typeface="Arial"/>
+                <a:sym typeface="Arial"/>
+              </a:defRPr>
+            </a:lvl8pPr>
+            <a:lvl9pPr marR="0" lvl="8" algn="l" rtl="0">
+              <a:lnSpc>
+                <a:spcPct val="100000"/>
+              </a:lnSpc>
+              <a:spcBef>
+                <a:spcPts val="0"/>
+              </a:spcBef>
+              <a:spcAft>
+                <a:spcPts val="0"/>
+              </a:spcAft>
+              <a:buClr>
+                <a:srgbClr val="000000"/>
+              </a:buClr>
+              <a:buFont typeface="Arial"/>
+              <a:defRPr sz="1400" b="0" i="0" u="none" strike="noStrike" cap="none">
+                <a:solidFill>
+                  <a:srgbClr val="000000"/>
+                </a:solidFill>
+                <a:latin typeface="Arial"/>
+                <a:ea typeface="Arial"/>
+                <a:cs typeface="Arial"/>
+                <a:sym typeface="Arial"/>
+              </a:defRPr>
+            </a:lvl9pPr>
+          </a:lstStyle>
+          <a:p>
+            <a:pPr marL="76200">
+              <a:spcBef>
+                <a:spcPts val="600"/>
+              </a:spcBef>
+              <a:buSzPts val="2400"/>
+            </a:pPr>
+            <a:r>
+              <a:rPr lang="ja-JP" altLang="en-US" sz="1600" dirty="0">
+                <a:latin typeface="游ゴシック" panose="020B0400000000000000" pitchFamily="50" charset="-128"/>
+                <a:ea typeface="游ゴシック" panose="020B0400000000000000" pitchFamily="50" charset="-128"/>
+              </a:rPr>
+              <a:t>ビジョン、課題と解決案、ペルソナ、</a:t>
+            </a:r>
+            <a:r>
+              <a:rPr lang="en-US" altLang="ja-JP" sz="1600" dirty="0">
+                <a:latin typeface="游ゴシック" panose="020B0400000000000000" pitchFamily="50" charset="-128"/>
+                <a:ea typeface="游ゴシック" panose="020B0400000000000000" pitchFamily="50" charset="-128"/>
+              </a:rPr>
+              <a:t>UX</a:t>
+            </a:r>
+            <a:r>
+              <a:rPr lang="ja-JP" altLang="en-US" sz="1600" dirty="0">
+                <a:latin typeface="游ゴシック" panose="020B0400000000000000" pitchFamily="50" charset="-128"/>
+                <a:ea typeface="游ゴシック" panose="020B0400000000000000" pitchFamily="50" charset="-128"/>
+              </a:rPr>
+              <a:t>、</a:t>
+            </a:r>
+            <a:r>
+              <a:rPr lang="en-US" altLang="ja-JP" sz="1600" dirty="0">
+                <a:latin typeface="游ゴシック" panose="020B0400000000000000" pitchFamily="50" charset="-128"/>
+                <a:ea typeface="游ゴシック" panose="020B0400000000000000" pitchFamily="50" charset="-128"/>
+              </a:rPr>
+              <a:t>UI</a:t>
+            </a:r>
+            <a:r>
+              <a:rPr lang="ja-JP" altLang="en-US" sz="1600" dirty="0">
+                <a:latin typeface="游ゴシック" panose="020B0400000000000000" pitchFamily="50" charset="-128"/>
+                <a:ea typeface="游ゴシック" panose="020B0400000000000000" pitchFamily="50" charset="-128"/>
+              </a:rPr>
+              <a:t>をチームで検討し、</a:t>
+            </a:r>
+            <a:endParaRPr lang="en-US" altLang="ja-JP" sz="1600" dirty="0">
+              <a:latin typeface="游ゴシック" panose="020B0400000000000000" pitchFamily="50" charset="-128"/>
+              <a:ea typeface="游ゴシック" panose="020B0400000000000000" pitchFamily="50" charset="-128"/>
+            </a:endParaRPr>
+          </a:p>
+          <a:p>
+            <a:pPr marL="76200">
+              <a:spcBef>
+                <a:spcPts val="600"/>
+              </a:spcBef>
+              <a:buSzPts val="2400"/>
+            </a:pPr>
+            <a:r>
+              <a:rPr lang="ja-JP" altLang="en-US" sz="1600" dirty="0">
+                <a:latin typeface="游ゴシック" panose="020B0400000000000000" pitchFamily="50" charset="-128"/>
+                <a:ea typeface="游ゴシック" panose="020B0400000000000000" pitchFamily="50" charset="-128"/>
+              </a:rPr>
+              <a:t>繰り返しインタビューしてブラッシュアップします。</a:t>
+            </a:r>
+            <a:endParaRPr lang="en-US" altLang="ja-JP" sz="1600" dirty="0">
+              <a:latin typeface="游ゴシック" panose="020B0400000000000000" pitchFamily="50" charset="-128"/>
+              <a:ea typeface="游ゴシック" panose="020B0400000000000000" pitchFamily="50" charset="-128"/>
+            </a:endParaRPr>
+          </a:p>
+        </p:txBody>
+      </p:sp>
     </p:spTree>
   </p:cSld>
   <p:clrMapOvr>
@@ -27148,13 +27348,13 @@
           <p:nvPr>
             <p:extLst>
               <p:ext uri="{D42A27DB-BD31-4B8C-83A1-F6EECF244321}">
-                <p14:modId xmlns:p14="http://schemas.microsoft.com/office/powerpoint/2010/main" val="434306777"/>
+                <p14:modId xmlns:p14="http://schemas.microsoft.com/office/powerpoint/2010/main" val="2475214426"/>
               </p:ext>
             </p:extLst>
           </p:nvPr>
         </p:nvGraphicFramePr>
         <p:xfrm>
-          <a:off x="817425" y="3051394"/>
+          <a:off x="817425" y="2828903"/>
           <a:ext cx="7894250" cy="1066600"/>
         </p:xfrm>
         <a:graphic>
@@ -29531,7 +29731,7 @@
                         <a:buNone/>
                       </a:pPr>
                       <a:r>
-                        <a:rPr lang="ja-JP" altLang="en-US" sz="800">
+                        <a:rPr lang="ja-JP" altLang="en-US" sz="800" dirty="0">
                           <a:solidFill>
                             <a:schemeClr val="dk2"/>
                           </a:solidFill>
@@ -29540,7 +29740,7 @@
                           <a:cs typeface="Montserrat"/>
                           <a:sym typeface="Montserrat"/>
                         </a:rPr>
-                        <a:t>ハッキング</a:t>
+                        <a:t>ハッキング、資料作成</a:t>
                       </a:r>
                       <a:endParaRPr sz="800" dirty="0">
                         <a:solidFill>
@@ -29859,7 +30059,7 @@
                       <a:tailEnd type="none" w="sm" len="sm"/>
                     </a:lnB>
                     <a:solidFill>
-                      <a:schemeClr val="tx2"/>
+                      <a:schemeClr val="accent2"/>
                     </a:solidFill>
                   </a:tcPr>
                 </a:tc>
@@ -30194,7 +30394,7 @@
                       <a:tailEnd type="none" w="sm" len="sm"/>
                     </a:lnB>
                     <a:solidFill>
-                      <a:schemeClr val="bg1"/>
+                      <a:schemeClr val="tx2"/>
                     </a:solidFill>
                   </a:tcPr>
                 </a:tc>
@@ -32593,7 +32793,7 @@
           <p:nvPr>
             <p:extLst>
               <p:ext uri="{D42A27DB-BD31-4B8C-83A1-F6EECF244321}">
-                <p14:modId xmlns:p14="http://schemas.microsoft.com/office/powerpoint/2010/main" val="755244889"/>
+                <p14:modId xmlns:p14="http://schemas.microsoft.com/office/powerpoint/2010/main" val="688654796"/>
               </p:ext>
             </p:extLst>
           </p:nvPr>
@@ -34627,6 +34827,18 @@
                         </a:spcAft>
                         <a:buNone/>
                       </a:pPr>
+                      <a:r>
+                        <a:rPr lang="ja-JP" altLang="en-US" sz="800" b="0" dirty="0">
+                          <a:solidFill>
+                            <a:schemeClr val="tx1"/>
+                          </a:solidFill>
+                          <a:latin typeface="游ゴシック" panose="020B0400000000000000" pitchFamily="50" charset="-128"/>
+                          <a:ea typeface="游ゴシック" panose="020B0400000000000000" pitchFamily="50" charset="-128"/>
+                          <a:cs typeface="Montserrat"/>
+                          <a:sym typeface="Montserrat"/>
+                        </a:rPr>
+                        <a:t>閉場</a:t>
+                      </a:r>
                       <a:endParaRPr sz="800" b="0" dirty="0">
                         <a:solidFill>
                           <a:schemeClr val="tx1"/>
@@ -34685,7 +34897,7 @@
                     <a:bodyPr/>
                     <a:lstStyle/>
                     <a:p>
-                      <a:pPr marL="0" lvl="0" indent="0" algn="r" rtl="0">
+                      <a:pPr marL="0" lvl="0" indent="0" algn="ctr" rtl="0">
                         <a:spcBef>
                           <a:spcPts val="0"/>
                         </a:spcBef>
@@ -34694,18 +34906,6 @@
                         </a:spcAft>
                         <a:buNone/>
                       </a:pPr>
-                      <a:r>
-                        <a:rPr lang="ja-JP" altLang="en-US" sz="800" b="0" dirty="0">
-                          <a:solidFill>
-                            <a:schemeClr val="tx1"/>
-                          </a:solidFill>
-                          <a:latin typeface="游ゴシック" panose="020B0400000000000000" pitchFamily="50" charset="-128"/>
-                          <a:ea typeface="游ゴシック" panose="020B0400000000000000" pitchFamily="50" charset="-128"/>
-                          <a:cs typeface="Montserrat"/>
-                          <a:sym typeface="Montserrat"/>
-                        </a:rPr>
-                        <a:t>閉場</a:t>
-                      </a:r>
                       <a:endParaRPr sz="800" b="0" dirty="0">
                         <a:solidFill>
                           <a:schemeClr val="tx1"/>
@@ -35303,7 +35503,7 @@
                       <a:tailEnd type="none" w="sm" len="sm"/>
                     </a:lnB>
                     <a:solidFill>
-                      <a:schemeClr val="tx2"/>
+                      <a:schemeClr val="accent2"/>
                     </a:solidFill>
                   </a:tcPr>
                 </a:tc>
@@ -35571,7 +35771,7 @@
                       <a:tailEnd type="none" w="sm" len="sm"/>
                     </a:lnB>
                     <a:solidFill>
-                      <a:schemeClr val="tx2"/>
+                      <a:schemeClr val="accent2"/>
                     </a:solidFill>
                   </a:tcPr>
                 </a:tc>
@@ -35705,7 +35905,7 @@
                       <a:tailEnd type="none" w="sm" len="sm"/>
                     </a:lnB>
                     <a:solidFill>
-                      <a:schemeClr val="accent2"/>
+                      <a:schemeClr val="tx2"/>
                     </a:solidFill>
                   </a:tcPr>
                 </a:tc>
@@ -37016,6 +37216,321 @@
           </a:graphicData>
         </a:graphic>
       </p:graphicFrame>
+      <p:sp>
+        <p:nvSpPr>
+          <p:cNvPr id="7" name="Google Shape;100;p16">
+            <a:extLst>
+              <a:ext uri="{FF2B5EF4-FFF2-40B4-BE49-F238E27FC236}">
+                <a16:creationId xmlns:a16="http://schemas.microsoft.com/office/drawing/2014/main" id="{DB5C275A-0A8E-490D-81AA-6D626A47C986}"/>
+              </a:ext>
+            </a:extLst>
+          </p:cNvPr>
+          <p:cNvSpPr txBox="1">
+            <a:spLocks/>
+          </p:cNvSpPr>
+          <p:nvPr/>
+        </p:nvSpPr>
+        <p:spPr>
+          <a:xfrm>
+            <a:off x="817425" y="3926403"/>
+            <a:ext cx="7761600" cy="1066599"/>
+          </a:xfrm>
+          <a:prstGeom prst="rect">
+            <a:avLst/>
+          </a:prstGeom>
+        </p:spPr>
+        <p:txBody>
+          <a:bodyPr spcFirstLastPara="1" wrap="square" lIns="91425" tIns="91425" rIns="91425" bIns="91425" anchor="t" anchorCtr="0">
+            <a:noAutofit/>
+          </a:bodyPr>
+          <a:lstStyle>
+            <a:defPPr marR="0" lvl="0" algn="l" rtl="0">
+              <a:lnSpc>
+                <a:spcPct val="100000"/>
+              </a:lnSpc>
+              <a:spcBef>
+                <a:spcPts val="0"/>
+              </a:spcBef>
+              <a:spcAft>
+                <a:spcPts val="0"/>
+              </a:spcAft>
+            </a:defPPr>
+            <a:lvl1pPr marR="0" lvl="0" algn="l" rtl="0">
+              <a:lnSpc>
+                <a:spcPct val="100000"/>
+              </a:lnSpc>
+              <a:spcBef>
+                <a:spcPts val="0"/>
+              </a:spcBef>
+              <a:spcAft>
+                <a:spcPts val="0"/>
+              </a:spcAft>
+              <a:buClr>
+                <a:srgbClr val="000000"/>
+              </a:buClr>
+              <a:buFont typeface="Arial"/>
+              <a:defRPr sz="1400" b="0" i="0" u="none" strike="noStrike" cap="none">
+                <a:solidFill>
+                  <a:srgbClr val="000000"/>
+                </a:solidFill>
+                <a:latin typeface="Arial"/>
+                <a:ea typeface="Arial"/>
+                <a:cs typeface="Arial"/>
+                <a:sym typeface="Arial"/>
+              </a:defRPr>
+            </a:lvl1pPr>
+            <a:lvl2pPr marR="0" lvl="1" algn="l" rtl="0">
+              <a:lnSpc>
+                <a:spcPct val="100000"/>
+              </a:lnSpc>
+              <a:spcBef>
+                <a:spcPts val="0"/>
+              </a:spcBef>
+              <a:spcAft>
+                <a:spcPts val="0"/>
+              </a:spcAft>
+              <a:buClr>
+                <a:srgbClr val="000000"/>
+              </a:buClr>
+              <a:buFont typeface="Arial"/>
+              <a:defRPr sz="1400" b="0" i="0" u="none" strike="noStrike" cap="none">
+                <a:solidFill>
+                  <a:srgbClr val="000000"/>
+                </a:solidFill>
+                <a:latin typeface="Arial"/>
+                <a:ea typeface="Arial"/>
+                <a:cs typeface="Arial"/>
+                <a:sym typeface="Arial"/>
+              </a:defRPr>
+            </a:lvl2pPr>
+            <a:lvl3pPr marR="0" lvl="2" algn="l" rtl="0">
+              <a:lnSpc>
+                <a:spcPct val="100000"/>
+              </a:lnSpc>
+              <a:spcBef>
+                <a:spcPts val="0"/>
+              </a:spcBef>
+              <a:spcAft>
+                <a:spcPts val="0"/>
+              </a:spcAft>
+              <a:buClr>
+                <a:srgbClr val="000000"/>
+              </a:buClr>
+              <a:buFont typeface="Arial"/>
+              <a:defRPr sz="1400" b="0" i="0" u="none" strike="noStrike" cap="none">
+                <a:solidFill>
+                  <a:srgbClr val="000000"/>
+                </a:solidFill>
+                <a:latin typeface="Arial"/>
+                <a:ea typeface="Arial"/>
+                <a:cs typeface="Arial"/>
+                <a:sym typeface="Arial"/>
+              </a:defRPr>
+            </a:lvl3pPr>
+            <a:lvl4pPr marR="0" lvl="3" algn="l" rtl="0">
+              <a:lnSpc>
+                <a:spcPct val="100000"/>
+              </a:lnSpc>
+              <a:spcBef>
+                <a:spcPts val="0"/>
+              </a:spcBef>
+              <a:spcAft>
+                <a:spcPts val="0"/>
+              </a:spcAft>
+              <a:buClr>
+                <a:srgbClr val="000000"/>
+              </a:buClr>
+              <a:buFont typeface="Arial"/>
+              <a:defRPr sz="1400" b="0" i="0" u="none" strike="noStrike" cap="none">
+                <a:solidFill>
+                  <a:srgbClr val="000000"/>
+                </a:solidFill>
+                <a:latin typeface="Arial"/>
+                <a:ea typeface="Arial"/>
+                <a:cs typeface="Arial"/>
+                <a:sym typeface="Arial"/>
+              </a:defRPr>
+            </a:lvl4pPr>
+            <a:lvl5pPr marR="0" lvl="4" algn="l" rtl="0">
+              <a:lnSpc>
+                <a:spcPct val="100000"/>
+              </a:lnSpc>
+              <a:spcBef>
+                <a:spcPts val="0"/>
+              </a:spcBef>
+              <a:spcAft>
+                <a:spcPts val="0"/>
+              </a:spcAft>
+              <a:buClr>
+                <a:srgbClr val="000000"/>
+              </a:buClr>
+              <a:buFont typeface="Arial"/>
+              <a:defRPr sz="1400" b="0" i="0" u="none" strike="noStrike" cap="none">
+                <a:solidFill>
+                  <a:srgbClr val="000000"/>
+                </a:solidFill>
+                <a:latin typeface="Arial"/>
+                <a:ea typeface="Arial"/>
+                <a:cs typeface="Arial"/>
+                <a:sym typeface="Arial"/>
+              </a:defRPr>
+            </a:lvl5pPr>
+            <a:lvl6pPr marR="0" lvl="5" algn="l" rtl="0">
+              <a:lnSpc>
+                <a:spcPct val="100000"/>
+              </a:lnSpc>
+              <a:spcBef>
+                <a:spcPts val="0"/>
+              </a:spcBef>
+              <a:spcAft>
+                <a:spcPts val="0"/>
+              </a:spcAft>
+              <a:buClr>
+                <a:srgbClr val="000000"/>
+              </a:buClr>
+              <a:buFont typeface="Arial"/>
+              <a:defRPr sz="1400" b="0" i="0" u="none" strike="noStrike" cap="none">
+                <a:solidFill>
+                  <a:srgbClr val="000000"/>
+                </a:solidFill>
+                <a:latin typeface="Arial"/>
+                <a:ea typeface="Arial"/>
+                <a:cs typeface="Arial"/>
+                <a:sym typeface="Arial"/>
+              </a:defRPr>
+            </a:lvl6pPr>
+            <a:lvl7pPr marR="0" lvl="6" algn="l" rtl="0">
+              <a:lnSpc>
+                <a:spcPct val="100000"/>
+              </a:lnSpc>
+              <a:spcBef>
+                <a:spcPts val="0"/>
+              </a:spcBef>
+              <a:spcAft>
+                <a:spcPts val="0"/>
+              </a:spcAft>
+              <a:buClr>
+                <a:srgbClr val="000000"/>
+              </a:buClr>
+              <a:buFont typeface="Arial"/>
+              <a:defRPr sz="1400" b="0" i="0" u="none" strike="noStrike" cap="none">
+                <a:solidFill>
+                  <a:srgbClr val="000000"/>
+                </a:solidFill>
+                <a:latin typeface="Arial"/>
+                <a:ea typeface="Arial"/>
+                <a:cs typeface="Arial"/>
+                <a:sym typeface="Arial"/>
+              </a:defRPr>
+            </a:lvl7pPr>
+            <a:lvl8pPr marR="0" lvl="7" algn="l" rtl="0">
+              <a:lnSpc>
+                <a:spcPct val="100000"/>
+              </a:lnSpc>
+              <a:spcBef>
+                <a:spcPts val="0"/>
+              </a:spcBef>
+              <a:spcAft>
+                <a:spcPts val="0"/>
+              </a:spcAft>
+              <a:buClr>
+                <a:srgbClr val="000000"/>
+              </a:buClr>
+              <a:buFont typeface="Arial"/>
+              <a:defRPr sz="1400" b="0" i="0" u="none" strike="noStrike" cap="none">
+                <a:solidFill>
+                  <a:srgbClr val="000000"/>
+                </a:solidFill>
+                <a:latin typeface="Arial"/>
+                <a:ea typeface="Arial"/>
+                <a:cs typeface="Arial"/>
+                <a:sym typeface="Arial"/>
+              </a:defRPr>
+            </a:lvl8pPr>
+            <a:lvl9pPr marR="0" lvl="8" algn="l" rtl="0">
+              <a:lnSpc>
+                <a:spcPct val="100000"/>
+              </a:lnSpc>
+              <a:spcBef>
+                <a:spcPts val="0"/>
+              </a:spcBef>
+              <a:spcAft>
+                <a:spcPts val="0"/>
+              </a:spcAft>
+              <a:buClr>
+                <a:srgbClr val="000000"/>
+              </a:buClr>
+              <a:buFont typeface="Arial"/>
+              <a:defRPr sz="1400" b="0" i="0" u="none" strike="noStrike" cap="none">
+                <a:solidFill>
+                  <a:srgbClr val="000000"/>
+                </a:solidFill>
+                <a:latin typeface="Arial"/>
+                <a:ea typeface="Arial"/>
+                <a:cs typeface="Arial"/>
+                <a:sym typeface="Arial"/>
+              </a:defRPr>
+            </a:lvl9pPr>
+          </a:lstStyle>
+          <a:p>
+            <a:pPr marL="76200">
+              <a:spcBef>
+                <a:spcPts val="600"/>
+              </a:spcBef>
+              <a:buSzPts val="2400"/>
+            </a:pPr>
+            <a:r>
+              <a:rPr lang="ja-JP" altLang="en-US" sz="1600" dirty="0">
+                <a:latin typeface="游ゴシック" panose="020B0400000000000000" pitchFamily="50" charset="-128"/>
+                <a:ea typeface="游ゴシック" panose="020B0400000000000000" pitchFamily="50" charset="-128"/>
+              </a:rPr>
+              <a:t>アイデアソンで検討したアイデアをもとにプロトタイプを開発します。</a:t>
+            </a:r>
+            <a:endParaRPr lang="en-US" altLang="ja-JP" sz="1600" dirty="0">
+              <a:latin typeface="游ゴシック" panose="020B0400000000000000" pitchFamily="50" charset="-128"/>
+              <a:ea typeface="游ゴシック" panose="020B0400000000000000" pitchFamily="50" charset="-128"/>
+            </a:endParaRPr>
+          </a:p>
+          <a:p>
+            <a:pPr marL="76200">
+              <a:spcBef>
+                <a:spcPts val="600"/>
+              </a:spcBef>
+              <a:buSzPts val="2400"/>
+            </a:pPr>
+            <a:r>
+              <a:rPr lang="ja-JP" altLang="en-US" sz="1600" dirty="0">
+                <a:latin typeface="游ゴシック" panose="020B0400000000000000" pitchFamily="50" charset="-128"/>
+                <a:ea typeface="游ゴシック" panose="020B0400000000000000" pitchFamily="50" charset="-128"/>
+              </a:rPr>
+              <a:t>中間発表でフィードバックをもらいブラッシュアップします。</a:t>
+            </a:r>
+            <a:endParaRPr lang="en-US" altLang="ja-JP" sz="1600" dirty="0">
+              <a:latin typeface="游ゴシック" panose="020B0400000000000000" pitchFamily="50" charset="-128"/>
+              <a:ea typeface="游ゴシック" panose="020B0400000000000000" pitchFamily="50" charset="-128"/>
+            </a:endParaRPr>
+          </a:p>
+          <a:p>
+            <a:pPr marL="76200">
+              <a:spcBef>
+                <a:spcPts val="600"/>
+              </a:spcBef>
+              <a:buSzPts val="2400"/>
+            </a:pPr>
+            <a:r>
+              <a:rPr lang="ja-JP" altLang="en-US" sz="1600" dirty="0">
+                <a:latin typeface="游ゴシック" panose="020B0400000000000000" pitchFamily="50" charset="-128"/>
+                <a:ea typeface="游ゴシック" panose="020B0400000000000000" pitchFamily="50" charset="-128"/>
+              </a:rPr>
+              <a:t>発表資料を作成し、最後に成果発表を行います。</a:t>
+            </a:r>
+            <a:endParaRPr lang="en-US" altLang="ja-JP" sz="1600" dirty="0">
+              <a:latin typeface="游ゴシック" panose="020B0400000000000000" pitchFamily="50" charset="-128"/>
+              <a:ea typeface="游ゴシック" panose="020B0400000000000000" pitchFamily="50" charset="-128"/>
+            </a:endParaRPr>
+          </a:p>
+        </p:txBody>
+      </p:sp>
     </p:spTree>
     <p:extLst>
       <p:ext uri="{BB962C8B-B14F-4D97-AF65-F5344CB8AC3E}">
@@ -37532,21 +38047,6 @@
 </file>
 
 <file path=customXml/item1.xml><?xml version="1.0" encoding="utf-8"?>
-<p:properties xmlns:p="http://schemas.microsoft.com/office/2006/metadata/properties" xmlns:xsi="http://www.w3.org/2001/XMLSchema-instance" xmlns:pc="http://schemas.microsoft.com/office/infopath/2007/PartnerControls">
-  <documentManagement/>
-</p:properties>
-</file>
-
-<file path=customXml/item2.xml><?xml version="1.0" encoding="utf-8"?>
-<?mso-contentType ?>
-<FormTemplates xmlns="http://schemas.microsoft.com/sharepoint/v3/contenttype/forms">
-  <Display>DocumentLibraryForm</Display>
-  <Edit>DocumentLibraryForm</Edit>
-  <New>DocumentLibraryForm</New>
-</FormTemplates>
-</file>
-
-<file path=customXml/item3.xml><?xml version="1.0" encoding="utf-8"?>
 <ct:contentTypeSchema xmlns:ct="http://schemas.microsoft.com/office/2006/metadata/contentType" xmlns:ma="http://schemas.microsoft.com/office/2006/metadata/properties/metaAttributes" ct:_="" ma:_="" ma:contentTypeName="ドキュメント" ma:contentTypeID="0x010100849F533D870BD84A9D38273CC91B496D" ma:contentTypeVersion="9" ma:contentTypeDescription="新しいドキュメントを作成します。" ma:contentTypeScope="" ma:versionID="ca4a1d3cb04f69359678dbec6c4b7a52">
   <xsd:schema xmlns:xsd="http://www.w3.org/2001/XMLSchema" xmlns:xs="http://www.w3.org/2001/XMLSchema" xmlns:p="http://schemas.microsoft.com/office/2006/metadata/properties" xmlns:ns2="f50685a2-08a6-49dc-aa5f-a248d4ba7af6" xmlns:ns3="08971484-f606-4522-aa8e-4044dc1a5090" targetNamespace="http://schemas.microsoft.com/office/2006/metadata/properties" ma:root="true" ma:fieldsID="13f254b1b3ba571b2a6d056e41aaac49" ns2:_="" ns3:_="">
     <xsd:import namespace="f50685a2-08a6-49dc-aa5f-a248d4ba7af6"/>
@@ -37743,32 +38243,22 @@
 </ct:contentTypeSchema>
 </file>
 
-<file path=customXml/itemProps1.xml><?xml version="1.0" encoding="utf-8"?>
-<ds:datastoreItem xmlns:ds="http://schemas.openxmlformats.org/officeDocument/2006/customXml" ds:itemID="{8AEE9B38-13DB-4563-ACCD-BDAB12348357}">
-  <ds:schemaRefs>
-    <ds:schemaRef ds:uri="http://www.w3.org/XML/1998/namespace"/>
-    <ds:schemaRef ds:uri="http://schemas.microsoft.com/office/infopath/2007/PartnerControls"/>
-    <ds:schemaRef ds:uri="08971484-f606-4522-aa8e-4044dc1a5090"/>
-    <ds:schemaRef ds:uri="http://schemas.microsoft.com/office/2006/metadata/properties"/>
-    <ds:schemaRef ds:uri="http://purl.org/dc/terms/"/>
-    <ds:schemaRef ds:uri="http://purl.org/dc/elements/1.1/"/>
-    <ds:schemaRef ds:uri="http://schemas.openxmlformats.org/package/2006/metadata/core-properties"/>
-    <ds:schemaRef ds:uri="http://schemas.microsoft.com/office/2006/documentManagement/types"/>
-    <ds:schemaRef ds:uri="f50685a2-08a6-49dc-aa5f-a248d4ba7af6"/>
-    <ds:schemaRef ds:uri="http://purl.org/dc/dcmitype/"/>
-  </ds:schemaRefs>
-</ds:datastoreItem>
+<file path=customXml/item2.xml><?xml version="1.0" encoding="utf-8"?>
+<?mso-contentType ?>
+<FormTemplates xmlns="http://schemas.microsoft.com/sharepoint/v3/contenttype/forms">
+  <Display>DocumentLibraryForm</Display>
+  <Edit>DocumentLibraryForm</Edit>
+  <New>DocumentLibraryForm</New>
+</FormTemplates>
 </file>
 
-<file path=customXml/itemProps2.xml><?xml version="1.0" encoding="utf-8"?>
-<ds:datastoreItem xmlns:ds="http://schemas.openxmlformats.org/officeDocument/2006/customXml" ds:itemID="{0EBD1781-257C-4386-A510-75977046327B}">
-  <ds:schemaRefs>
-    <ds:schemaRef ds:uri="http://schemas.microsoft.com/sharepoint/v3/contenttype/forms"/>
-  </ds:schemaRefs>
-</ds:datastoreItem>
+<file path=customXml/item3.xml><?xml version="1.0" encoding="utf-8"?>
+<p:properties xmlns:p="http://schemas.microsoft.com/office/2006/metadata/properties" xmlns:xsi="http://www.w3.org/2001/XMLSchema-instance" xmlns:pc="http://schemas.microsoft.com/office/infopath/2007/PartnerControls">
+  <documentManagement/>
+</p:properties>
 </file>
 
-<file path=customXml/itemProps3.xml><?xml version="1.0" encoding="utf-8"?>
+<file path=customXml/itemProps1.xml><?xml version="1.0" encoding="utf-8"?>
 <ds:datastoreItem xmlns:ds="http://schemas.openxmlformats.org/officeDocument/2006/customXml" ds:itemID="{E6AD931F-C54A-489C-81E1-A6D5DB399D7B}">
   <ds:schemaRefs>
     <ds:schemaRef ds:uri="http://schemas.microsoft.com/office/2006/metadata/contentType"/>
@@ -37785,4 +38275,29 @@
     <ds:schemaRef ds:uri="http://schemas.microsoft.com/internal/obd"/>
   </ds:schemaRefs>
 </ds:datastoreItem>
+</file>
+
+<file path=customXml/itemProps2.xml><?xml version="1.0" encoding="utf-8"?>
+<ds:datastoreItem xmlns:ds="http://schemas.openxmlformats.org/officeDocument/2006/customXml" ds:itemID="{0EBD1781-257C-4386-A510-75977046327B}">
+  <ds:schemaRefs>
+    <ds:schemaRef ds:uri="http://schemas.microsoft.com/sharepoint/v3/contenttype/forms"/>
+  </ds:schemaRefs>
+</ds:datastoreItem>
+</file>
+
+<file path=customXml/itemProps3.xml><?xml version="1.0" encoding="utf-8"?>
+<ds:datastoreItem xmlns:ds="http://schemas.openxmlformats.org/officeDocument/2006/customXml" ds:itemID="{8AEE9B38-13DB-4563-ACCD-BDAB12348357}">
+  <ds:schemaRefs>
+    <ds:schemaRef ds:uri="http://www.w3.org/XML/1998/namespace"/>
+    <ds:schemaRef ds:uri="http://schemas.microsoft.com/office/infopath/2007/PartnerControls"/>
+    <ds:schemaRef ds:uri="08971484-f606-4522-aa8e-4044dc1a5090"/>
+    <ds:schemaRef ds:uri="http://schemas.microsoft.com/office/2006/metadata/properties"/>
+    <ds:schemaRef ds:uri="http://purl.org/dc/terms/"/>
+    <ds:schemaRef ds:uri="http://purl.org/dc/elements/1.1/"/>
+    <ds:schemaRef ds:uri="http://schemas.openxmlformats.org/package/2006/metadata/core-properties"/>
+    <ds:schemaRef ds:uri="http://schemas.microsoft.com/office/2006/documentManagement/types"/>
+    <ds:schemaRef ds:uri="f50685a2-08a6-49dc-aa5f-a248d4ba7af6"/>
+    <ds:schemaRef ds:uri="http://purl.org/dc/dcmitype/"/>
+  </ds:schemaRefs>
+</ds:datastoreItem>
 </file>
--- a/2021/ITで地域課題を解決しよう.pptx
+++ b/2021/ITで地域課題を解決しよう.pptx
@@ -21478,7 +21478,7 @@
           <p:nvPr>
             <p:extLst>
               <p:ext uri="{D42A27DB-BD31-4B8C-83A1-F6EECF244321}">
-                <p14:modId xmlns:p14="http://schemas.microsoft.com/office/powerpoint/2010/main" val="2571265857"/>
+                <p14:modId xmlns:p14="http://schemas.microsoft.com/office/powerpoint/2010/main" val="2405549041"/>
               </p:ext>
             </p:extLst>
           </p:nvPr>
@@ -24164,7 +24164,7 @@
                       <a:tailEnd type="none" w="sm" len="sm"/>
                     </a:lnB>
                     <a:solidFill>
-                      <a:schemeClr val="tx2"/>
+                      <a:schemeClr val="accent2"/>
                     </a:solidFill>
                   </a:tcPr>
                 </a:tc>
@@ -38047,6 +38047,21 @@
 </file>
 
 <file path=customXml/item1.xml><?xml version="1.0" encoding="utf-8"?>
+<p:properties xmlns:p="http://schemas.microsoft.com/office/2006/metadata/properties" xmlns:xsi="http://www.w3.org/2001/XMLSchema-instance" xmlns:pc="http://schemas.microsoft.com/office/infopath/2007/PartnerControls">
+  <documentManagement/>
+</p:properties>
+</file>
+
+<file path=customXml/item2.xml><?xml version="1.0" encoding="utf-8"?>
+<?mso-contentType ?>
+<FormTemplates xmlns="http://schemas.microsoft.com/sharepoint/v3/contenttype/forms">
+  <Display>DocumentLibraryForm</Display>
+  <Edit>DocumentLibraryForm</Edit>
+  <New>DocumentLibraryForm</New>
+</FormTemplates>
+</file>
+
+<file path=customXml/item3.xml><?xml version="1.0" encoding="utf-8"?>
 <ct:contentTypeSchema xmlns:ct="http://schemas.microsoft.com/office/2006/metadata/contentType" xmlns:ma="http://schemas.microsoft.com/office/2006/metadata/properties/metaAttributes" ct:_="" ma:_="" ma:contentTypeName="ドキュメント" ma:contentTypeID="0x010100849F533D870BD84A9D38273CC91B496D" ma:contentTypeVersion="9" ma:contentTypeDescription="新しいドキュメントを作成します。" ma:contentTypeScope="" ma:versionID="ca4a1d3cb04f69359678dbec6c4b7a52">
   <xsd:schema xmlns:xsd="http://www.w3.org/2001/XMLSchema" xmlns:xs="http://www.w3.org/2001/XMLSchema" xmlns:p="http://schemas.microsoft.com/office/2006/metadata/properties" xmlns:ns2="f50685a2-08a6-49dc-aa5f-a248d4ba7af6" xmlns:ns3="08971484-f606-4522-aa8e-4044dc1a5090" targetNamespace="http://schemas.microsoft.com/office/2006/metadata/properties" ma:root="true" ma:fieldsID="13f254b1b3ba571b2a6d056e41aaac49" ns2:_="" ns3:_="">
     <xsd:import namespace="f50685a2-08a6-49dc-aa5f-a248d4ba7af6"/>
@@ -38243,22 +38258,32 @@
 </ct:contentTypeSchema>
 </file>
 
-<file path=customXml/item2.xml><?xml version="1.0" encoding="utf-8"?>
-<?mso-contentType ?>
-<FormTemplates xmlns="http://schemas.microsoft.com/sharepoint/v3/contenttype/forms">
-  <Display>DocumentLibraryForm</Display>
-  <Edit>DocumentLibraryForm</Edit>
-  <New>DocumentLibraryForm</New>
-</FormTemplates>
+<file path=customXml/itemProps1.xml><?xml version="1.0" encoding="utf-8"?>
+<ds:datastoreItem xmlns:ds="http://schemas.openxmlformats.org/officeDocument/2006/customXml" ds:itemID="{8AEE9B38-13DB-4563-ACCD-BDAB12348357}">
+  <ds:schemaRefs>
+    <ds:schemaRef ds:uri="http://www.w3.org/XML/1998/namespace"/>
+    <ds:schemaRef ds:uri="http://schemas.microsoft.com/office/infopath/2007/PartnerControls"/>
+    <ds:schemaRef ds:uri="08971484-f606-4522-aa8e-4044dc1a5090"/>
+    <ds:schemaRef ds:uri="http://schemas.microsoft.com/office/2006/metadata/properties"/>
+    <ds:schemaRef ds:uri="http://purl.org/dc/terms/"/>
+    <ds:schemaRef ds:uri="http://purl.org/dc/elements/1.1/"/>
+    <ds:schemaRef ds:uri="http://schemas.openxmlformats.org/package/2006/metadata/core-properties"/>
+    <ds:schemaRef ds:uri="http://schemas.microsoft.com/office/2006/documentManagement/types"/>
+    <ds:schemaRef ds:uri="f50685a2-08a6-49dc-aa5f-a248d4ba7af6"/>
+    <ds:schemaRef ds:uri="http://purl.org/dc/dcmitype/"/>
+  </ds:schemaRefs>
+</ds:datastoreItem>
 </file>
 
-<file path=customXml/item3.xml><?xml version="1.0" encoding="utf-8"?>
-<p:properties xmlns:p="http://schemas.microsoft.com/office/2006/metadata/properties" xmlns:xsi="http://www.w3.org/2001/XMLSchema-instance" xmlns:pc="http://schemas.microsoft.com/office/infopath/2007/PartnerControls">
-  <documentManagement/>
-</p:properties>
+<file path=customXml/itemProps2.xml><?xml version="1.0" encoding="utf-8"?>
+<ds:datastoreItem xmlns:ds="http://schemas.openxmlformats.org/officeDocument/2006/customXml" ds:itemID="{0EBD1781-257C-4386-A510-75977046327B}">
+  <ds:schemaRefs>
+    <ds:schemaRef ds:uri="http://schemas.microsoft.com/sharepoint/v3/contenttype/forms"/>
+  </ds:schemaRefs>
+</ds:datastoreItem>
 </file>
 
-<file path=customXml/itemProps1.xml><?xml version="1.0" encoding="utf-8"?>
+<file path=customXml/itemProps3.xml><?xml version="1.0" encoding="utf-8"?>
 <ds:datastoreItem xmlns:ds="http://schemas.openxmlformats.org/officeDocument/2006/customXml" ds:itemID="{E6AD931F-C54A-489C-81E1-A6D5DB399D7B}">
   <ds:schemaRefs>
     <ds:schemaRef ds:uri="http://schemas.microsoft.com/office/2006/metadata/contentType"/>
@@ -38275,29 +38300,4 @@
     <ds:schemaRef ds:uri="http://schemas.microsoft.com/internal/obd"/>
   </ds:schemaRefs>
 </ds:datastoreItem>
-</file>
-
-<file path=customXml/itemProps2.xml><?xml version="1.0" encoding="utf-8"?>
-<ds:datastoreItem xmlns:ds="http://schemas.openxmlformats.org/officeDocument/2006/customXml" ds:itemID="{0EBD1781-257C-4386-A510-75977046327B}">
-  <ds:schemaRefs>
-    <ds:schemaRef ds:uri="http://schemas.microsoft.com/sharepoint/v3/contenttype/forms"/>
-  </ds:schemaRefs>
-</ds:datastoreItem>
-</file>
-
-<file path=customXml/itemProps3.xml><?xml version="1.0" encoding="utf-8"?>
-<ds:datastoreItem xmlns:ds="http://schemas.openxmlformats.org/officeDocument/2006/customXml" ds:itemID="{8AEE9B38-13DB-4563-ACCD-BDAB12348357}">
-  <ds:schemaRefs>
-    <ds:schemaRef ds:uri="http://www.w3.org/XML/1998/namespace"/>
-    <ds:schemaRef ds:uri="http://schemas.microsoft.com/office/infopath/2007/PartnerControls"/>
-    <ds:schemaRef ds:uri="08971484-f606-4522-aa8e-4044dc1a5090"/>
-    <ds:schemaRef ds:uri="http://schemas.microsoft.com/office/2006/metadata/properties"/>
-    <ds:schemaRef ds:uri="http://purl.org/dc/terms/"/>
-    <ds:schemaRef ds:uri="http://purl.org/dc/elements/1.1/"/>
-    <ds:schemaRef ds:uri="http://schemas.openxmlformats.org/package/2006/metadata/core-properties"/>
-    <ds:schemaRef ds:uri="http://schemas.microsoft.com/office/2006/documentManagement/types"/>
-    <ds:schemaRef ds:uri="f50685a2-08a6-49dc-aa5f-a248d4ba7af6"/>
-    <ds:schemaRef ds:uri="http://purl.org/dc/dcmitype/"/>
-  </ds:schemaRefs>
-</ds:datastoreItem>
 </file>
--- a/2021/ITで地域課題を解決しよう.pptx
+++ b/2021/ITで地域課題を解決しよう.pptx
@@ -5,7 +5,7 @@
     <p:sldMasterId id="2147483657" r:id="rId4"/>
   </p:sldMasterIdLst>
   <p:notesMasterIdLst>
-    <p:notesMasterId r:id="rId20"/>
+    <p:notesMasterId r:id="rId19"/>
   </p:notesMasterIdLst>
   <p:sldIdLst>
     <p:sldId id="256" r:id="rId5"/>
@@ -22,29 +22,28 @@
     <p:sldId id="304" r:id="rId16"/>
     <p:sldId id="278" r:id="rId17"/>
     <p:sldId id="294" r:id="rId18"/>
-    <p:sldId id="308" r:id="rId19"/>
   </p:sldIdLst>
   <p:sldSz cx="9144000" cy="5143500" type="screen16x9"/>
   <p:notesSz cx="6858000" cy="9144000"/>
   <p:embeddedFontLst>
     <p:embeddedFont>
       <p:font typeface="Calibri" panose="020F0502020204030204" pitchFamily="34" charset="0"/>
-      <p:regular r:id="rId21"/>
-      <p:bold r:id="rId22"/>
-      <p:italic r:id="rId23"/>
-      <p:boldItalic r:id="rId24"/>
+      <p:regular r:id="rId20"/>
+      <p:bold r:id="rId21"/>
+      <p:italic r:id="rId22"/>
+      <p:boldItalic r:id="rId23"/>
     </p:embeddedFont>
     <p:embeddedFont>
       <p:font typeface="Montserrat" panose="020B0600070205080204" charset="0"/>
-      <p:regular r:id="rId25"/>
-      <p:bold r:id="rId26"/>
-      <p:italic r:id="rId27"/>
-      <p:boldItalic r:id="rId28"/>
+      <p:regular r:id="rId24"/>
+      <p:bold r:id="rId25"/>
+      <p:italic r:id="rId26"/>
+      <p:boldItalic r:id="rId27"/>
     </p:embeddedFont>
     <p:embeddedFont>
       <p:font typeface="游ゴシック" panose="020B0400000000000000" pitchFamily="50" charset="-128"/>
-      <p:regular r:id="rId29"/>
-      <p:bold r:id="rId30"/>
+      <p:regular r:id="rId28"/>
+      <p:bold r:id="rId29"/>
     </p:embeddedFont>
   </p:embeddedFontLst>
   <p:defaultTextStyle>
@@ -12770,1966 +12769,6 @@
 </p:sld>
 </file>
 
-<file path=ppt/slides/slide15.xml><?xml version="1.0" encoding="utf-8"?>
-<p:sld xmlns:a="http://schemas.openxmlformats.org/drawingml/2006/main" xmlns:r="http://schemas.openxmlformats.org/officeDocument/2006/relationships" xmlns:p="http://schemas.openxmlformats.org/presentationml/2006/main">
-  <p:cSld>
-    <p:spTree>
-      <p:nvGrpSpPr>
-        <p:cNvPr id="1" name=""/>
-        <p:cNvGrpSpPr/>
-        <p:nvPr/>
-      </p:nvGrpSpPr>
-      <p:grpSpPr>
-        <a:xfrm>
-          <a:off x="0" y="0"/>
-          <a:ext cx="0" cy="0"/>
-          <a:chOff x="0" y="0"/>
-          <a:chExt cx="0" cy="0"/>
-        </a:xfrm>
-      </p:grpSpPr>
-      <p:sp>
-        <p:nvSpPr>
-          <p:cNvPr id="2" name="スライド番号プレースホルダー 1">
-            <a:extLst>
-              <a:ext uri="{FF2B5EF4-FFF2-40B4-BE49-F238E27FC236}">
-                <a16:creationId xmlns:a16="http://schemas.microsoft.com/office/drawing/2014/main" id="{34904A81-E4C3-439D-9946-6D4F5960624F}"/>
-              </a:ext>
-            </a:extLst>
-          </p:cNvPr>
-          <p:cNvSpPr>
-            <a:spLocks noGrp="1"/>
-          </p:cNvSpPr>
-          <p:nvPr>
-            <p:ph type="sldNum" idx="12"/>
-          </p:nvPr>
-        </p:nvSpPr>
-        <p:spPr/>
-        <p:txBody>
-          <a:bodyPr/>
-          <a:lstStyle/>
-          <a:p>
-            <a:pPr marL="0" lvl="0" indent="0" algn="ctr" rtl="0">
-              <a:spcBef>
-                <a:spcPts val="0"/>
-              </a:spcBef>
-              <a:spcAft>
-                <a:spcPts val="0"/>
-              </a:spcAft>
-              <a:buNone/>
-            </a:pPr>
-            <a:fld id="{00000000-1234-1234-1234-123412341234}" type="slidenum">
-              <a:rPr lang="en" smtClean="0"/>
-              <a:t>15</a:t>
-            </a:fld>
-            <a:endParaRPr lang="en"/>
-          </a:p>
-        </p:txBody>
-      </p:sp>
-      <p:pic>
-        <p:nvPicPr>
-          <p:cNvPr id="4" name="図 3">
-            <a:extLst>
-              <a:ext uri="{FF2B5EF4-FFF2-40B4-BE49-F238E27FC236}">
-                <a16:creationId xmlns:a16="http://schemas.microsoft.com/office/drawing/2014/main" id="{EE3864A3-78D1-4E0F-93E3-DA2B3E3270AE}"/>
-              </a:ext>
-            </a:extLst>
-          </p:cNvPr>
-          <p:cNvPicPr>
-            <a:picLocks noChangeAspect="1"/>
-          </p:cNvPicPr>
-          <p:nvPr/>
-        </p:nvPicPr>
-        <p:blipFill>
-          <a:blip r:embed="rId2"/>
-          <a:stretch>
-            <a:fillRect/>
-          </a:stretch>
-        </p:blipFill>
-        <p:spPr>
-          <a:xfrm>
-            <a:off x="2170488" y="290627"/>
-            <a:ext cx="4444163" cy="4432544"/>
-          </a:xfrm>
-          <a:prstGeom prst="rect">
-            <a:avLst/>
-          </a:prstGeom>
-        </p:spPr>
-      </p:pic>
-      <p:sp>
-        <p:nvSpPr>
-          <p:cNvPr id="11" name="テキスト ボックス 10">
-            <a:extLst>
-              <a:ext uri="{FF2B5EF4-FFF2-40B4-BE49-F238E27FC236}">
-                <a16:creationId xmlns:a16="http://schemas.microsoft.com/office/drawing/2014/main" id="{22B19C68-36D4-47FF-B525-3BC41EF7A9C2}"/>
-              </a:ext>
-            </a:extLst>
-          </p:cNvPr>
-          <p:cNvSpPr txBox="1"/>
-          <p:nvPr/>
-        </p:nvSpPr>
-        <p:spPr>
-          <a:xfrm>
-            <a:off x="985684" y="673914"/>
-            <a:ext cx="569387" cy="246221"/>
-          </a:xfrm>
-          <a:prstGeom prst="rect">
-            <a:avLst/>
-          </a:prstGeom>
-          <a:noFill/>
-        </p:spPr>
-        <p:txBody>
-          <a:bodyPr wrap="none" rtlCol="0">
-            <a:spAutoFit/>
-          </a:bodyPr>
-          <a:lstStyle/>
-          <a:p>
-            <a:r>
-              <a:rPr kumimoji="1" lang="ja-JP" altLang="en-US" sz="1000" dirty="0">
-                <a:latin typeface="游ゴシック" panose="020B0400000000000000" pitchFamily="50" charset="-128"/>
-                <a:ea typeface="游ゴシック" panose="020B0400000000000000" pitchFamily="50" charset="-128"/>
-              </a:rPr>
-              <a:t>テスト</a:t>
-            </a:r>
-          </a:p>
-        </p:txBody>
-      </p:sp>
-      <p:cxnSp>
-        <p:nvCxnSpPr>
-          <p:cNvPr id="14" name="直線コネクタ 13">
-            <a:extLst>
-              <a:ext uri="{FF2B5EF4-FFF2-40B4-BE49-F238E27FC236}">
-                <a16:creationId xmlns:a16="http://schemas.microsoft.com/office/drawing/2014/main" id="{7CAF29CD-5865-483F-9BD2-0D6E75821860}"/>
-              </a:ext>
-            </a:extLst>
-          </p:cNvPr>
-          <p:cNvCxnSpPr/>
-          <p:nvPr/>
-        </p:nvCxnSpPr>
-        <p:spPr>
-          <a:xfrm>
-            <a:off x="701040" y="965526"/>
-            <a:ext cx="284644" cy="0"/>
-          </a:xfrm>
-          <a:prstGeom prst="line">
-            <a:avLst/>
-          </a:prstGeom>
-          <a:ln w="38100"/>
-        </p:spPr>
-        <p:style>
-          <a:lnRef idx="1">
-            <a:schemeClr val="accent5"/>
-          </a:lnRef>
-          <a:fillRef idx="0">
-            <a:schemeClr val="accent5"/>
-          </a:fillRef>
-          <a:effectRef idx="0">
-            <a:schemeClr val="accent5"/>
-          </a:effectRef>
-          <a:fontRef idx="minor">
-            <a:schemeClr val="tx1"/>
-          </a:fontRef>
-        </p:style>
-      </p:cxnSp>
-      <p:sp>
-        <p:nvSpPr>
-          <p:cNvPr id="15" name="テキスト ボックス 14">
-            <a:extLst>
-              <a:ext uri="{FF2B5EF4-FFF2-40B4-BE49-F238E27FC236}">
-                <a16:creationId xmlns:a16="http://schemas.microsoft.com/office/drawing/2014/main" id="{4DDFE604-7226-4D10-947E-09C9E2CAF35A}"/>
-              </a:ext>
-            </a:extLst>
-          </p:cNvPr>
-          <p:cNvSpPr txBox="1"/>
-          <p:nvPr/>
-        </p:nvSpPr>
-        <p:spPr>
-          <a:xfrm>
-            <a:off x="985683" y="845454"/>
-            <a:ext cx="441146" cy="246221"/>
-          </a:xfrm>
-          <a:prstGeom prst="rect">
-            <a:avLst/>
-          </a:prstGeom>
-          <a:noFill/>
-        </p:spPr>
-        <p:txBody>
-          <a:bodyPr wrap="none" rtlCol="0">
-            <a:spAutoFit/>
-          </a:bodyPr>
-          <a:lstStyle/>
-          <a:p>
-            <a:r>
-              <a:rPr kumimoji="1" lang="ja-JP" altLang="en-US" sz="1000" dirty="0">
-                <a:latin typeface="游ゴシック" panose="020B0400000000000000" pitchFamily="50" charset="-128"/>
-                <a:ea typeface="游ゴシック" panose="020B0400000000000000" pitchFamily="50" charset="-128"/>
-              </a:rPr>
-              <a:t>休み</a:t>
-            </a:r>
-          </a:p>
-        </p:txBody>
-      </p:sp>
-      <p:cxnSp>
-        <p:nvCxnSpPr>
-          <p:cNvPr id="17" name="直線コネクタ 16">
-            <a:extLst>
-              <a:ext uri="{FF2B5EF4-FFF2-40B4-BE49-F238E27FC236}">
-                <a16:creationId xmlns:a16="http://schemas.microsoft.com/office/drawing/2014/main" id="{69D8B640-0596-4387-A6BD-5A3C796C0E5A}"/>
-              </a:ext>
-            </a:extLst>
-          </p:cNvPr>
-          <p:cNvCxnSpPr/>
-          <p:nvPr/>
-        </p:nvCxnSpPr>
-        <p:spPr>
-          <a:xfrm>
-            <a:off x="4675730" y="947706"/>
-            <a:ext cx="284644" cy="0"/>
-          </a:xfrm>
-          <a:prstGeom prst="line">
-            <a:avLst/>
-          </a:prstGeom>
-          <a:ln w="38100"/>
-        </p:spPr>
-        <p:style>
-          <a:lnRef idx="1">
-            <a:schemeClr val="accent5"/>
-          </a:lnRef>
-          <a:fillRef idx="0">
-            <a:schemeClr val="accent5"/>
-          </a:fillRef>
-          <a:effectRef idx="0">
-            <a:schemeClr val="accent5"/>
-          </a:effectRef>
-          <a:fontRef idx="minor">
-            <a:schemeClr val="tx1"/>
-          </a:fontRef>
-        </p:style>
-      </p:cxnSp>
-      <p:cxnSp>
-        <p:nvCxnSpPr>
-          <p:cNvPr id="18" name="直線コネクタ 17">
-            <a:extLst>
-              <a:ext uri="{FF2B5EF4-FFF2-40B4-BE49-F238E27FC236}">
-                <a16:creationId xmlns:a16="http://schemas.microsoft.com/office/drawing/2014/main" id="{9C8F4B7F-9507-4D40-A0DF-C11D91008523}"/>
-              </a:ext>
-            </a:extLst>
-          </p:cNvPr>
-          <p:cNvCxnSpPr>
-            <a:cxnSpLocks/>
-          </p:cNvCxnSpPr>
-          <p:nvPr/>
-        </p:nvCxnSpPr>
-        <p:spPr>
-          <a:xfrm>
-            <a:off x="3764157" y="1152018"/>
-            <a:ext cx="1196217" cy="0"/>
-          </a:xfrm>
-          <a:prstGeom prst="line">
-            <a:avLst/>
-          </a:prstGeom>
-          <a:ln w="38100"/>
-        </p:spPr>
-        <p:style>
-          <a:lnRef idx="1">
-            <a:schemeClr val="accent5"/>
-          </a:lnRef>
-          <a:fillRef idx="0">
-            <a:schemeClr val="accent5"/>
-          </a:fillRef>
-          <a:effectRef idx="0">
-            <a:schemeClr val="accent5"/>
-          </a:effectRef>
-          <a:fontRef idx="minor">
-            <a:schemeClr val="tx1"/>
-          </a:fontRef>
-        </p:style>
-      </p:cxnSp>
-      <p:cxnSp>
-        <p:nvCxnSpPr>
-          <p:cNvPr id="20" name="直線コネクタ 19">
-            <a:extLst>
-              <a:ext uri="{FF2B5EF4-FFF2-40B4-BE49-F238E27FC236}">
-                <a16:creationId xmlns:a16="http://schemas.microsoft.com/office/drawing/2014/main" id="{B914F4B5-A661-4945-98CC-81CCBE462F38}"/>
-              </a:ext>
-            </a:extLst>
-          </p:cNvPr>
-          <p:cNvCxnSpPr>
-            <a:cxnSpLocks/>
-          </p:cNvCxnSpPr>
-          <p:nvPr/>
-        </p:nvCxnSpPr>
-        <p:spPr>
-          <a:xfrm>
-            <a:off x="3760470" y="1333915"/>
-            <a:ext cx="1196217" cy="0"/>
-          </a:xfrm>
-          <a:prstGeom prst="line">
-            <a:avLst/>
-          </a:prstGeom>
-          <a:ln w="38100"/>
-        </p:spPr>
-        <p:style>
-          <a:lnRef idx="1">
-            <a:schemeClr val="accent5"/>
-          </a:lnRef>
-          <a:fillRef idx="0">
-            <a:schemeClr val="accent5"/>
-          </a:fillRef>
-          <a:effectRef idx="0">
-            <a:schemeClr val="accent5"/>
-          </a:effectRef>
-          <a:fontRef idx="minor">
-            <a:schemeClr val="tx1"/>
-          </a:fontRef>
-        </p:style>
-      </p:cxnSp>
-      <p:cxnSp>
-        <p:nvCxnSpPr>
-          <p:cNvPr id="21" name="直線コネクタ 20">
-            <a:extLst>
-              <a:ext uri="{FF2B5EF4-FFF2-40B4-BE49-F238E27FC236}">
-                <a16:creationId xmlns:a16="http://schemas.microsoft.com/office/drawing/2014/main" id="{C602FB8C-E573-4522-90CD-159FE53C4AAE}"/>
-              </a:ext>
-            </a:extLst>
-          </p:cNvPr>
-          <p:cNvCxnSpPr>
-            <a:cxnSpLocks/>
-          </p:cNvCxnSpPr>
-          <p:nvPr/>
-        </p:nvCxnSpPr>
-        <p:spPr>
-          <a:xfrm>
-            <a:off x="3756414" y="1525644"/>
-            <a:ext cx="1196217" cy="0"/>
-          </a:xfrm>
-          <a:prstGeom prst="line">
-            <a:avLst/>
-          </a:prstGeom>
-          <a:ln w="38100"/>
-        </p:spPr>
-        <p:style>
-          <a:lnRef idx="1">
-            <a:schemeClr val="accent5"/>
-          </a:lnRef>
-          <a:fillRef idx="0">
-            <a:schemeClr val="accent5"/>
-          </a:fillRef>
-          <a:effectRef idx="0">
-            <a:schemeClr val="accent5"/>
-          </a:effectRef>
-          <a:fontRef idx="minor">
-            <a:schemeClr val="tx1"/>
-          </a:fontRef>
-        </p:style>
-      </p:cxnSp>
-      <p:cxnSp>
-        <p:nvCxnSpPr>
-          <p:cNvPr id="22" name="直線コネクタ 21">
-            <a:extLst>
-              <a:ext uri="{FF2B5EF4-FFF2-40B4-BE49-F238E27FC236}">
-                <a16:creationId xmlns:a16="http://schemas.microsoft.com/office/drawing/2014/main" id="{56C57656-1484-43F8-9B93-208F610A8235}"/>
-              </a:ext>
-            </a:extLst>
-          </p:cNvPr>
-          <p:cNvCxnSpPr>
-            <a:cxnSpLocks/>
-          </p:cNvCxnSpPr>
-          <p:nvPr/>
-        </p:nvCxnSpPr>
-        <p:spPr>
-          <a:xfrm>
-            <a:off x="3749040" y="1717373"/>
-            <a:ext cx="284644" cy="0"/>
-          </a:xfrm>
-          <a:prstGeom prst="line">
-            <a:avLst/>
-          </a:prstGeom>
-          <a:ln w="38100"/>
-        </p:spPr>
-        <p:style>
-          <a:lnRef idx="1">
-            <a:schemeClr val="accent5"/>
-          </a:lnRef>
-          <a:fillRef idx="0">
-            <a:schemeClr val="accent5"/>
-          </a:fillRef>
-          <a:effectRef idx="0">
-            <a:schemeClr val="accent5"/>
-          </a:effectRef>
-          <a:fontRef idx="minor">
-            <a:schemeClr val="tx1"/>
-          </a:fontRef>
-        </p:style>
-      </p:cxnSp>
-      <p:cxnSp>
-        <p:nvCxnSpPr>
-          <p:cNvPr id="24" name="直線コネクタ 23">
-            <a:extLst>
-              <a:ext uri="{FF2B5EF4-FFF2-40B4-BE49-F238E27FC236}">
-                <a16:creationId xmlns:a16="http://schemas.microsoft.com/office/drawing/2014/main" id="{73595DAE-315D-4394-A81D-F285E5F6AFCE}"/>
-              </a:ext>
-            </a:extLst>
-          </p:cNvPr>
-          <p:cNvCxnSpPr>
-            <a:cxnSpLocks/>
-          </p:cNvCxnSpPr>
-          <p:nvPr/>
-        </p:nvCxnSpPr>
-        <p:spPr>
-          <a:xfrm>
-            <a:off x="5471652" y="774166"/>
-            <a:ext cx="900694" cy="0"/>
-          </a:xfrm>
-          <a:prstGeom prst="line">
-            <a:avLst/>
-          </a:prstGeom>
-          <a:ln w="38100"/>
-        </p:spPr>
-        <p:style>
-          <a:lnRef idx="1">
-            <a:schemeClr val="accent5"/>
-          </a:lnRef>
-          <a:fillRef idx="0">
-            <a:schemeClr val="accent5"/>
-          </a:fillRef>
-          <a:effectRef idx="0">
-            <a:schemeClr val="accent5"/>
-          </a:effectRef>
-          <a:fontRef idx="minor">
-            <a:schemeClr val="tx1"/>
-          </a:fontRef>
-        </p:style>
-      </p:cxnSp>
-      <p:cxnSp>
-        <p:nvCxnSpPr>
-          <p:cNvPr id="26" name="直線コネクタ 25">
-            <a:extLst>
-              <a:ext uri="{FF2B5EF4-FFF2-40B4-BE49-F238E27FC236}">
-                <a16:creationId xmlns:a16="http://schemas.microsoft.com/office/drawing/2014/main" id="{198233F5-00CC-470D-BFA2-C85EDB00E910}"/>
-              </a:ext>
-            </a:extLst>
-          </p:cNvPr>
-          <p:cNvCxnSpPr>
-            <a:cxnSpLocks/>
-          </p:cNvCxnSpPr>
-          <p:nvPr/>
-        </p:nvCxnSpPr>
-        <p:spPr>
-          <a:xfrm>
-            <a:off x="5176129" y="956801"/>
-            <a:ext cx="1196217" cy="0"/>
-          </a:xfrm>
-          <a:prstGeom prst="line">
-            <a:avLst/>
-          </a:prstGeom>
-          <a:ln w="38100"/>
-        </p:spPr>
-        <p:style>
-          <a:lnRef idx="1">
-            <a:schemeClr val="accent5"/>
-          </a:lnRef>
-          <a:fillRef idx="0">
-            <a:schemeClr val="accent5"/>
-          </a:fillRef>
-          <a:effectRef idx="0">
-            <a:schemeClr val="accent5"/>
-          </a:effectRef>
-          <a:fontRef idx="minor">
-            <a:schemeClr val="tx1"/>
-          </a:fontRef>
-        </p:style>
-      </p:cxnSp>
-      <p:cxnSp>
-        <p:nvCxnSpPr>
-          <p:cNvPr id="27" name="直線コネクタ 26">
-            <a:extLst>
-              <a:ext uri="{FF2B5EF4-FFF2-40B4-BE49-F238E27FC236}">
-                <a16:creationId xmlns:a16="http://schemas.microsoft.com/office/drawing/2014/main" id="{50771693-1C26-4A5C-979D-EDCCC1CE7A6B}"/>
-              </a:ext>
-            </a:extLst>
-          </p:cNvPr>
-          <p:cNvCxnSpPr>
-            <a:cxnSpLocks/>
-          </p:cNvCxnSpPr>
-          <p:nvPr/>
-        </p:nvCxnSpPr>
-        <p:spPr>
-          <a:xfrm>
-            <a:off x="5176128" y="1151204"/>
-            <a:ext cx="1196217" cy="0"/>
-          </a:xfrm>
-          <a:prstGeom prst="line">
-            <a:avLst/>
-          </a:prstGeom>
-          <a:ln w="38100"/>
-        </p:spPr>
-        <p:style>
-          <a:lnRef idx="1">
-            <a:schemeClr val="accent5"/>
-          </a:lnRef>
-          <a:fillRef idx="0">
-            <a:schemeClr val="accent5"/>
-          </a:fillRef>
-          <a:effectRef idx="0">
-            <a:schemeClr val="accent5"/>
-          </a:effectRef>
-          <a:fontRef idx="minor">
-            <a:schemeClr val="tx1"/>
-          </a:fontRef>
-        </p:style>
-      </p:cxnSp>
-      <p:cxnSp>
-        <p:nvCxnSpPr>
-          <p:cNvPr id="28" name="直線コネクタ 27">
-            <a:extLst>
-              <a:ext uri="{FF2B5EF4-FFF2-40B4-BE49-F238E27FC236}">
-                <a16:creationId xmlns:a16="http://schemas.microsoft.com/office/drawing/2014/main" id="{CB90FF5C-2238-4091-A8D6-94DD6B544AC6}"/>
-              </a:ext>
-            </a:extLst>
-          </p:cNvPr>
-          <p:cNvCxnSpPr>
-            <a:cxnSpLocks/>
-          </p:cNvCxnSpPr>
-          <p:nvPr/>
-        </p:nvCxnSpPr>
-        <p:spPr>
-          <a:xfrm>
-            <a:off x="5176127" y="1333915"/>
-            <a:ext cx="1196217" cy="0"/>
-          </a:xfrm>
-          <a:prstGeom prst="line">
-            <a:avLst/>
-          </a:prstGeom>
-          <a:ln w="38100"/>
-        </p:spPr>
-        <p:style>
-          <a:lnRef idx="1">
-            <a:schemeClr val="accent5"/>
-          </a:lnRef>
-          <a:fillRef idx="0">
-            <a:schemeClr val="accent5"/>
-          </a:fillRef>
-          <a:effectRef idx="0">
-            <a:schemeClr val="accent5"/>
-          </a:effectRef>
-          <a:fontRef idx="minor">
-            <a:schemeClr val="tx1"/>
-          </a:fontRef>
-        </p:style>
-      </p:cxnSp>
-      <p:cxnSp>
-        <p:nvCxnSpPr>
-          <p:cNvPr id="29" name="直線コネクタ 28">
-            <a:extLst>
-              <a:ext uri="{FF2B5EF4-FFF2-40B4-BE49-F238E27FC236}">
-                <a16:creationId xmlns:a16="http://schemas.microsoft.com/office/drawing/2014/main" id="{845384BB-F477-4CB4-B8DE-A815E4195ED6}"/>
-              </a:ext>
-            </a:extLst>
-          </p:cNvPr>
-          <p:cNvCxnSpPr>
-            <a:cxnSpLocks/>
-          </p:cNvCxnSpPr>
-          <p:nvPr/>
-        </p:nvCxnSpPr>
-        <p:spPr>
-          <a:xfrm>
-            <a:off x="5176127" y="1525644"/>
-            <a:ext cx="664234" cy="0"/>
-          </a:xfrm>
-          <a:prstGeom prst="line">
-            <a:avLst/>
-          </a:prstGeom>
-          <a:ln w="38100"/>
-        </p:spPr>
-        <p:style>
-          <a:lnRef idx="1">
-            <a:schemeClr val="accent5"/>
-          </a:lnRef>
-          <a:fillRef idx="0">
-            <a:schemeClr val="accent5"/>
-          </a:fillRef>
-          <a:effectRef idx="0">
-            <a:schemeClr val="accent5"/>
-          </a:effectRef>
-          <a:fontRef idx="minor">
-            <a:schemeClr val="tx1"/>
-          </a:fontRef>
-        </p:style>
-      </p:cxnSp>
-      <p:cxnSp>
-        <p:nvCxnSpPr>
-          <p:cNvPr id="31" name="直線コネクタ 30">
-            <a:extLst>
-              <a:ext uri="{FF2B5EF4-FFF2-40B4-BE49-F238E27FC236}">
-                <a16:creationId xmlns:a16="http://schemas.microsoft.com/office/drawing/2014/main" id="{D588A6C7-9BEC-432D-AC6E-BB8A70EA7EAC}"/>
-              </a:ext>
-            </a:extLst>
-          </p:cNvPr>
-          <p:cNvCxnSpPr>
-            <a:cxnSpLocks/>
-          </p:cNvCxnSpPr>
-          <p:nvPr/>
-        </p:nvCxnSpPr>
-        <p:spPr>
-          <a:xfrm>
-            <a:off x="3764157" y="965526"/>
-            <a:ext cx="828461" cy="0"/>
-          </a:xfrm>
-          <a:prstGeom prst="line">
-            <a:avLst/>
-          </a:prstGeom>
-          <a:ln w="38100">
-            <a:solidFill>
-              <a:srgbClr val="FF0000"/>
-            </a:solidFill>
-          </a:ln>
-        </p:spPr>
-        <p:style>
-          <a:lnRef idx="1">
-            <a:schemeClr val="accent5"/>
-          </a:lnRef>
-          <a:fillRef idx="0">
-            <a:schemeClr val="accent5"/>
-          </a:fillRef>
-          <a:effectRef idx="0">
-            <a:schemeClr val="accent5"/>
-          </a:effectRef>
-          <a:fontRef idx="minor">
-            <a:schemeClr val="tx1"/>
-          </a:fontRef>
-        </p:style>
-      </p:cxnSp>
-      <p:cxnSp>
-        <p:nvCxnSpPr>
-          <p:cNvPr id="33" name="直線コネクタ 32">
-            <a:extLst>
-              <a:ext uri="{FF2B5EF4-FFF2-40B4-BE49-F238E27FC236}">
-                <a16:creationId xmlns:a16="http://schemas.microsoft.com/office/drawing/2014/main" id="{C3BFF3E1-E0C0-4595-AF70-66BF059B0A44}"/>
-              </a:ext>
-            </a:extLst>
-          </p:cNvPr>
-          <p:cNvCxnSpPr>
-            <a:cxnSpLocks/>
-          </p:cNvCxnSpPr>
-          <p:nvPr/>
-        </p:nvCxnSpPr>
-        <p:spPr>
-          <a:xfrm>
-            <a:off x="701040" y="794649"/>
-            <a:ext cx="284643" cy="0"/>
-          </a:xfrm>
-          <a:prstGeom prst="line">
-            <a:avLst/>
-          </a:prstGeom>
-          <a:ln w="38100">
-            <a:solidFill>
-              <a:srgbClr val="FF0000"/>
-            </a:solidFill>
-          </a:ln>
-        </p:spPr>
-        <p:style>
-          <a:lnRef idx="1">
-            <a:schemeClr val="accent5"/>
-          </a:lnRef>
-          <a:fillRef idx="0">
-            <a:schemeClr val="accent5"/>
-          </a:fillRef>
-          <a:effectRef idx="0">
-            <a:schemeClr val="accent5"/>
-          </a:effectRef>
-          <a:fontRef idx="minor">
-            <a:schemeClr val="tx1"/>
-          </a:fontRef>
-        </p:style>
-      </p:cxnSp>
-      <p:cxnSp>
-        <p:nvCxnSpPr>
-          <p:cNvPr id="35" name="直線コネクタ 34">
-            <a:extLst>
-              <a:ext uri="{FF2B5EF4-FFF2-40B4-BE49-F238E27FC236}">
-                <a16:creationId xmlns:a16="http://schemas.microsoft.com/office/drawing/2014/main" id="{5AC0FE1D-66B8-4D28-85E4-F1EC6FA19CCA}"/>
-              </a:ext>
-            </a:extLst>
-          </p:cNvPr>
-          <p:cNvCxnSpPr>
-            <a:cxnSpLocks/>
-          </p:cNvCxnSpPr>
-          <p:nvPr/>
-        </p:nvCxnSpPr>
-        <p:spPr>
-          <a:xfrm>
-            <a:off x="5508244" y="2231429"/>
-            <a:ext cx="496344" cy="0"/>
-          </a:xfrm>
-          <a:prstGeom prst="line">
-            <a:avLst/>
-          </a:prstGeom>
-          <a:ln w="38100">
-            <a:solidFill>
-              <a:srgbClr val="FF0000"/>
-            </a:solidFill>
-          </a:ln>
-        </p:spPr>
-        <p:style>
-          <a:lnRef idx="1">
-            <a:schemeClr val="accent5"/>
-          </a:lnRef>
-          <a:fillRef idx="0">
-            <a:schemeClr val="accent5"/>
-          </a:fillRef>
-          <a:effectRef idx="0">
-            <a:schemeClr val="accent5"/>
-          </a:effectRef>
-          <a:fontRef idx="minor">
-            <a:schemeClr val="tx1"/>
-          </a:fontRef>
-        </p:style>
-      </p:cxnSp>
-      <p:cxnSp>
-        <p:nvCxnSpPr>
-          <p:cNvPr id="37" name="直線コネクタ 36">
-            <a:extLst>
-              <a:ext uri="{FF2B5EF4-FFF2-40B4-BE49-F238E27FC236}">
-                <a16:creationId xmlns:a16="http://schemas.microsoft.com/office/drawing/2014/main" id="{171DAE21-1CDF-414A-BAC1-8C59050EA6DC}"/>
-              </a:ext>
-            </a:extLst>
-          </p:cNvPr>
-          <p:cNvCxnSpPr>
-            <a:cxnSpLocks/>
-          </p:cNvCxnSpPr>
-          <p:nvPr/>
-        </p:nvCxnSpPr>
-        <p:spPr>
-          <a:xfrm>
-            <a:off x="3739453" y="2988513"/>
-            <a:ext cx="331470" cy="0"/>
-          </a:xfrm>
-          <a:prstGeom prst="line">
-            <a:avLst/>
-          </a:prstGeom>
-          <a:ln w="38100">
-            <a:solidFill>
-              <a:srgbClr val="FF0000"/>
-            </a:solidFill>
-          </a:ln>
-        </p:spPr>
-        <p:style>
-          <a:lnRef idx="1">
-            <a:schemeClr val="accent5"/>
-          </a:lnRef>
-          <a:fillRef idx="0">
-            <a:schemeClr val="accent5"/>
-          </a:fillRef>
-          <a:effectRef idx="0">
-            <a:schemeClr val="accent5"/>
-          </a:effectRef>
-          <a:fontRef idx="minor">
-            <a:schemeClr val="tx1"/>
-          </a:fontRef>
-        </p:style>
-      </p:cxnSp>
-      <p:cxnSp>
-        <p:nvCxnSpPr>
-          <p:cNvPr id="39" name="直線コネクタ 38">
-            <a:extLst>
-              <a:ext uri="{FF2B5EF4-FFF2-40B4-BE49-F238E27FC236}">
-                <a16:creationId xmlns:a16="http://schemas.microsoft.com/office/drawing/2014/main" id="{3C0A5304-C5D7-48B6-8642-789B44BECF2F}"/>
-              </a:ext>
-            </a:extLst>
-          </p:cNvPr>
-          <p:cNvCxnSpPr>
-            <a:cxnSpLocks/>
-          </p:cNvCxnSpPr>
-          <p:nvPr/>
-        </p:nvCxnSpPr>
-        <p:spPr>
-          <a:xfrm>
-            <a:off x="4444918" y="3686603"/>
-            <a:ext cx="507713" cy="0"/>
-          </a:xfrm>
-          <a:prstGeom prst="line">
-            <a:avLst/>
-          </a:prstGeom>
-          <a:ln w="38100">
-            <a:solidFill>
-              <a:srgbClr val="FF0000"/>
-            </a:solidFill>
-          </a:ln>
-        </p:spPr>
-        <p:style>
-          <a:lnRef idx="1">
-            <a:schemeClr val="accent5"/>
-          </a:lnRef>
-          <a:fillRef idx="0">
-            <a:schemeClr val="accent5"/>
-          </a:fillRef>
-          <a:effectRef idx="0">
-            <a:schemeClr val="accent5"/>
-          </a:effectRef>
-          <a:fontRef idx="minor">
-            <a:schemeClr val="tx1"/>
-          </a:fontRef>
-        </p:style>
-      </p:cxnSp>
-      <p:cxnSp>
-        <p:nvCxnSpPr>
-          <p:cNvPr id="41" name="直線コネクタ 40">
-            <a:extLst>
-              <a:ext uri="{FF2B5EF4-FFF2-40B4-BE49-F238E27FC236}">
-                <a16:creationId xmlns:a16="http://schemas.microsoft.com/office/drawing/2014/main" id="{34F60355-6AD7-46C2-9EF5-5C28D5E6EFA1}"/>
-              </a:ext>
-            </a:extLst>
-          </p:cNvPr>
-          <p:cNvCxnSpPr>
-            <a:cxnSpLocks/>
-          </p:cNvCxnSpPr>
-          <p:nvPr/>
-        </p:nvCxnSpPr>
-        <p:spPr>
-          <a:xfrm>
-            <a:off x="3739453" y="3868499"/>
-            <a:ext cx="705465" cy="0"/>
-          </a:xfrm>
-          <a:prstGeom prst="line">
-            <a:avLst/>
-          </a:prstGeom>
-          <a:ln w="38100">
-            <a:solidFill>
-              <a:srgbClr val="FF0000"/>
-            </a:solidFill>
-          </a:ln>
-        </p:spPr>
-        <p:style>
-          <a:lnRef idx="1">
-            <a:schemeClr val="accent5"/>
-          </a:lnRef>
-          <a:fillRef idx="0">
-            <a:schemeClr val="accent5"/>
-          </a:fillRef>
-          <a:effectRef idx="0">
-            <a:schemeClr val="accent5"/>
-          </a:effectRef>
-          <a:fontRef idx="minor">
-            <a:schemeClr val="tx1"/>
-          </a:fontRef>
-        </p:style>
-      </p:cxnSp>
-      <p:cxnSp>
-        <p:nvCxnSpPr>
-          <p:cNvPr id="43" name="直線コネクタ 42">
-            <a:extLst>
-              <a:ext uri="{FF2B5EF4-FFF2-40B4-BE49-F238E27FC236}">
-                <a16:creationId xmlns:a16="http://schemas.microsoft.com/office/drawing/2014/main" id="{66678EAF-17E3-4CD4-A725-F889243F093F}"/>
-              </a:ext>
-            </a:extLst>
-          </p:cNvPr>
-          <p:cNvCxnSpPr>
-            <a:cxnSpLocks/>
-          </p:cNvCxnSpPr>
-          <p:nvPr/>
-        </p:nvCxnSpPr>
-        <p:spPr>
-          <a:xfrm>
-            <a:off x="6004588" y="2813669"/>
-            <a:ext cx="367756" cy="0"/>
-          </a:xfrm>
-          <a:prstGeom prst="line">
-            <a:avLst/>
-          </a:prstGeom>
-          <a:ln w="38100"/>
-        </p:spPr>
-        <p:style>
-          <a:lnRef idx="1">
-            <a:schemeClr val="accent5"/>
-          </a:lnRef>
-          <a:fillRef idx="0">
-            <a:schemeClr val="accent5"/>
-          </a:fillRef>
-          <a:effectRef idx="0">
-            <a:schemeClr val="accent5"/>
-          </a:effectRef>
-          <a:fontRef idx="minor">
-            <a:schemeClr val="tx1"/>
-          </a:fontRef>
-        </p:style>
-      </p:cxnSp>
-      <p:cxnSp>
-        <p:nvCxnSpPr>
-          <p:cNvPr id="45" name="直線コネクタ 44">
-            <a:extLst>
-              <a:ext uri="{FF2B5EF4-FFF2-40B4-BE49-F238E27FC236}">
-                <a16:creationId xmlns:a16="http://schemas.microsoft.com/office/drawing/2014/main" id="{3A870965-091B-4956-867F-2201DA7D55B8}"/>
-              </a:ext>
-            </a:extLst>
-          </p:cNvPr>
-          <p:cNvCxnSpPr>
-            <a:cxnSpLocks/>
-          </p:cNvCxnSpPr>
-          <p:nvPr/>
-        </p:nvCxnSpPr>
-        <p:spPr>
-          <a:xfrm>
-            <a:off x="5140488" y="2988513"/>
-            <a:ext cx="864100" cy="0"/>
-          </a:xfrm>
-          <a:prstGeom prst="line">
-            <a:avLst/>
-          </a:prstGeom>
-          <a:ln w="38100"/>
-        </p:spPr>
-        <p:style>
-          <a:lnRef idx="1">
-            <a:schemeClr val="accent5"/>
-          </a:lnRef>
-          <a:fillRef idx="0">
-            <a:schemeClr val="accent5"/>
-          </a:fillRef>
-          <a:effectRef idx="0">
-            <a:schemeClr val="accent5"/>
-          </a:effectRef>
-          <a:fontRef idx="minor">
-            <a:schemeClr val="tx1"/>
-          </a:fontRef>
-        </p:style>
-      </p:cxnSp>
-      <p:cxnSp>
-        <p:nvCxnSpPr>
-          <p:cNvPr id="47" name="直線コネクタ 46">
-            <a:extLst>
-              <a:ext uri="{FF2B5EF4-FFF2-40B4-BE49-F238E27FC236}">
-                <a16:creationId xmlns:a16="http://schemas.microsoft.com/office/drawing/2014/main" id="{7A93E88D-8DA1-43BC-BBB9-9CB4FB65A358}"/>
-              </a:ext>
-            </a:extLst>
-          </p:cNvPr>
-          <p:cNvCxnSpPr>
-            <a:cxnSpLocks/>
-          </p:cNvCxnSpPr>
-          <p:nvPr/>
-        </p:nvCxnSpPr>
-        <p:spPr>
-          <a:xfrm>
-            <a:off x="3199936" y="3686603"/>
-            <a:ext cx="367756" cy="0"/>
-          </a:xfrm>
-          <a:prstGeom prst="line">
-            <a:avLst/>
-          </a:prstGeom>
-          <a:ln w="38100"/>
-        </p:spPr>
-        <p:style>
-          <a:lnRef idx="1">
-            <a:schemeClr val="accent5"/>
-          </a:lnRef>
-          <a:fillRef idx="0">
-            <a:schemeClr val="accent5"/>
-          </a:fillRef>
-          <a:effectRef idx="0">
-            <a:schemeClr val="accent5"/>
-          </a:effectRef>
-          <a:fontRef idx="minor">
-            <a:schemeClr val="tx1"/>
-          </a:fontRef>
-        </p:style>
-      </p:cxnSp>
-      <p:cxnSp>
-        <p:nvCxnSpPr>
-          <p:cNvPr id="49" name="直線コネクタ 48">
-            <a:extLst>
-              <a:ext uri="{FF2B5EF4-FFF2-40B4-BE49-F238E27FC236}">
-                <a16:creationId xmlns:a16="http://schemas.microsoft.com/office/drawing/2014/main" id="{97DCECD6-0A14-494E-A555-BEA74CBA2079}"/>
-              </a:ext>
-            </a:extLst>
-          </p:cNvPr>
-          <p:cNvCxnSpPr>
-            <a:cxnSpLocks/>
-          </p:cNvCxnSpPr>
-          <p:nvPr/>
-        </p:nvCxnSpPr>
-        <p:spPr>
-          <a:xfrm>
-            <a:off x="2290452" y="3868499"/>
-            <a:ext cx="165154" cy="0"/>
-          </a:xfrm>
-          <a:prstGeom prst="line">
-            <a:avLst/>
-          </a:prstGeom>
-          <a:ln w="38100"/>
-        </p:spPr>
-        <p:style>
-          <a:lnRef idx="1">
-            <a:schemeClr val="accent5"/>
-          </a:lnRef>
-          <a:fillRef idx="0">
-            <a:schemeClr val="accent5"/>
-          </a:fillRef>
-          <a:effectRef idx="0">
-            <a:schemeClr val="accent5"/>
-          </a:effectRef>
-          <a:fontRef idx="minor">
-            <a:schemeClr val="tx1"/>
-          </a:fontRef>
-        </p:style>
-      </p:cxnSp>
-      <p:cxnSp>
-        <p:nvCxnSpPr>
-          <p:cNvPr id="52" name="直線コネクタ 51">
-            <a:extLst>
-              <a:ext uri="{FF2B5EF4-FFF2-40B4-BE49-F238E27FC236}">
-                <a16:creationId xmlns:a16="http://schemas.microsoft.com/office/drawing/2014/main" id="{C842A6D6-8475-48B8-85E0-A15BB026E1C7}"/>
-              </a:ext>
-            </a:extLst>
-          </p:cNvPr>
-          <p:cNvCxnSpPr>
-            <a:cxnSpLocks/>
-          </p:cNvCxnSpPr>
-          <p:nvPr/>
-        </p:nvCxnSpPr>
-        <p:spPr>
-          <a:xfrm>
-            <a:off x="5155236" y="3868499"/>
-            <a:ext cx="1196217" cy="0"/>
-          </a:xfrm>
-          <a:prstGeom prst="line">
-            <a:avLst/>
-          </a:prstGeom>
-          <a:ln w="38100"/>
-        </p:spPr>
-        <p:style>
-          <a:lnRef idx="1">
-            <a:schemeClr val="accent5"/>
-          </a:lnRef>
-          <a:fillRef idx="0">
-            <a:schemeClr val="accent5"/>
-          </a:fillRef>
-          <a:effectRef idx="0">
-            <a:schemeClr val="accent5"/>
-          </a:effectRef>
-          <a:fontRef idx="minor">
-            <a:schemeClr val="tx1"/>
-          </a:fontRef>
-        </p:style>
-      </p:cxnSp>
-      <p:cxnSp>
-        <p:nvCxnSpPr>
-          <p:cNvPr id="53" name="直線コネクタ 52">
-            <a:extLst>
-              <a:ext uri="{FF2B5EF4-FFF2-40B4-BE49-F238E27FC236}">
-                <a16:creationId xmlns:a16="http://schemas.microsoft.com/office/drawing/2014/main" id="{37D5B6FD-9C0F-4E2D-B831-AC110B6B77C9}"/>
-              </a:ext>
-            </a:extLst>
-          </p:cNvPr>
-          <p:cNvCxnSpPr>
-            <a:cxnSpLocks/>
-          </p:cNvCxnSpPr>
-          <p:nvPr/>
-        </p:nvCxnSpPr>
-        <p:spPr>
-          <a:xfrm>
-            <a:off x="5158307" y="4087266"/>
-            <a:ext cx="1196217" cy="0"/>
-          </a:xfrm>
-          <a:prstGeom prst="line">
-            <a:avLst/>
-          </a:prstGeom>
-          <a:ln w="38100"/>
-        </p:spPr>
-        <p:style>
-          <a:lnRef idx="1">
-            <a:schemeClr val="accent5"/>
-          </a:lnRef>
-          <a:fillRef idx="0">
-            <a:schemeClr val="accent5"/>
-          </a:fillRef>
-          <a:effectRef idx="0">
-            <a:schemeClr val="accent5"/>
-          </a:effectRef>
-          <a:fontRef idx="minor">
-            <a:schemeClr val="tx1"/>
-          </a:fontRef>
-        </p:style>
-      </p:cxnSp>
-      <p:cxnSp>
-        <p:nvCxnSpPr>
-          <p:cNvPr id="54" name="直線コネクタ 53">
-            <a:extLst>
-              <a:ext uri="{FF2B5EF4-FFF2-40B4-BE49-F238E27FC236}">
-                <a16:creationId xmlns:a16="http://schemas.microsoft.com/office/drawing/2014/main" id="{F3090848-537C-4DD8-8004-F7563F8B64EB}"/>
-              </a:ext>
-            </a:extLst>
-          </p:cNvPr>
-          <p:cNvCxnSpPr>
-            <a:cxnSpLocks/>
-          </p:cNvCxnSpPr>
-          <p:nvPr/>
-        </p:nvCxnSpPr>
-        <p:spPr>
-          <a:xfrm>
-            <a:off x="5155236" y="4251957"/>
-            <a:ext cx="1196217" cy="0"/>
-          </a:xfrm>
-          <a:prstGeom prst="line">
-            <a:avLst/>
-          </a:prstGeom>
-          <a:ln w="38100"/>
-        </p:spPr>
-        <p:style>
-          <a:lnRef idx="1">
-            <a:schemeClr val="accent5"/>
-          </a:lnRef>
-          <a:fillRef idx="0">
-            <a:schemeClr val="accent5"/>
-          </a:fillRef>
-          <a:effectRef idx="0">
-            <a:schemeClr val="accent5"/>
-          </a:effectRef>
-          <a:fontRef idx="minor">
-            <a:schemeClr val="tx1"/>
-          </a:fontRef>
-        </p:style>
-      </p:cxnSp>
-      <p:cxnSp>
-        <p:nvCxnSpPr>
-          <p:cNvPr id="55" name="直線コネクタ 54">
-            <a:extLst>
-              <a:ext uri="{FF2B5EF4-FFF2-40B4-BE49-F238E27FC236}">
-                <a16:creationId xmlns:a16="http://schemas.microsoft.com/office/drawing/2014/main" id="{7418AC40-1195-47C0-8792-08A15D3DB6A5}"/>
-              </a:ext>
-            </a:extLst>
-          </p:cNvPr>
-          <p:cNvCxnSpPr>
-            <a:cxnSpLocks/>
-          </p:cNvCxnSpPr>
-          <p:nvPr/>
-        </p:nvCxnSpPr>
-        <p:spPr>
-          <a:xfrm>
-            <a:off x="5294671" y="3668902"/>
-            <a:ext cx="1077672" cy="0"/>
-          </a:xfrm>
-          <a:prstGeom prst="line">
-            <a:avLst/>
-          </a:prstGeom>
-          <a:ln w="38100"/>
-        </p:spPr>
-        <p:style>
-          <a:lnRef idx="1">
-            <a:schemeClr val="accent5"/>
-          </a:lnRef>
-          <a:fillRef idx="0">
-            <a:schemeClr val="accent5"/>
-          </a:fillRef>
-          <a:effectRef idx="0">
-            <a:schemeClr val="accent5"/>
-          </a:effectRef>
-          <a:fontRef idx="minor">
-            <a:schemeClr val="tx1"/>
-          </a:fontRef>
-        </p:style>
-      </p:cxnSp>
-      <p:cxnSp>
-        <p:nvCxnSpPr>
-          <p:cNvPr id="57" name="直線コネクタ 56">
-            <a:extLst>
-              <a:ext uri="{FF2B5EF4-FFF2-40B4-BE49-F238E27FC236}">
-                <a16:creationId xmlns:a16="http://schemas.microsoft.com/office/drawing/2014/main" id="{AE8A0721-A1B1-4879-A6F9-E626C534EA87}"/>
-              </a:ext>
-            </a:extLst>
-          </p:cNvPr>
-          <p:cNvCxnSpPr>
-            <a:cxnSpLocks/>
-          </p:cNvCxnSpPr>
-          <p:nvPr/>
-        </p:nvCxnSpPr>
-        <p:spPr>
-          <a:xfrm>
-            <a:off x="5155235" y="4458434"/>
-            <a:ext cx="678272" cy="0"/>
-          </a:xfrm>
-          <a:prstGeom prst="line">
-            <a:avLst/>
-          </a:prstGeom>
-          <a:ln w="38100"/>
-        </p:spPr>
-        <p:style>
-          <a:lnRef idx="1">
-            <a:schemeClr val="accent5"/>
-          </a:lnRef>
-          <a:fillRef idx="0">
-            <a:schemeClr val="accent5"/>
-          </a:fillRef>
-          <a:effectRef idx="0">
-            <a:schemeClr val="accent5"/>
-          </a:effectRef>
-          <a:fontRef idx="minor">
-            <a:schemeClr val="tx1"/>
-          </a:fontRef>
-        </p:style>
-      </p:cxnSp>
-      <p:cxnSp>
-        <p:nvCxnSpPr>
-          <p:cNvPr id="60" name="直線コネクタ 59">
-            <a:extLst>
-              <a:ext uri="{FF2B5EF4-FFF2-40B4-BE49-F238E27FC236}">
-                <a16:creationId xmlns:a16="http://schemas.microsoft.com/office/drawing/2014/main" id="{E36AD8BF-5E10-4945-8BC0-DD56BA57F59C}"/>
-              </a:ext>
-            </a:extLst>
-          </p:cNvPr>
-          <p:cNvCxnSpPr/>
-          <p:nvPr/>
-        </p:nvCxnSpPr>
-        <p:spPr>
-          <a:xfrm>
-            <a:off x="701039" y="1137097"/>
-            <a:ext cx="284644" cy="0"/>
-          </a:xfrm>
-          <a:prstGeom prst="line">
-            <a:avLst/>
-          </a:prstGeom>
-          <a:ln w="38100">
-            <a:solidFill>
-              <a:schemeClr val="accent3"/>
-            </a:solidFill>
-            <a:headEnd type="triangle" w="med" len="sm"/>
-          </a:ln>
-        </p:spPr>
-        <p:style>
-          <a:lnRef idx="1">
-            <a:schemeClr val="accent5"/>
-          </a:lnRef>
-          <a:fillRef idx="0">
-            <a:schemeClr val="accent5"/>
-          </a:fillRef>
-          <a:effectRef idx="0">
-            <a:schemeClr val="accent5"/>
-          </a:effectRef>
-          <a:fontRef idx="minor">
-            <a:schemeClr val="tx1"/>
-          </a:fontRef>
-        </p:style>
-      </p:cxnSp>
-      <p:sp>
-        <p:nvSpPr>
-          <p:cNvPr id="61" name="テキスト ボックス 60">
-            <a:extLst>
-              <a:ext uri="{FF2B5EF4-FFF2-40B4-BE49-F238E27FC236}">
-                <a16:creationId xmlns:a16="http://schemas.microsoft.com/office/drawing/2014/main" id="{89467960-6E1E-4282-80CC-093A1DA1BF93}"/>
-              </a:ext>
-            </a:extLst>
-          </p:cNvPr>
-          <p:cNvSpPr txBox="1"/>
-          <p:nvPr/>
-        </p:nvSpPr>
-        <p:spPr>
-          <a:xfrm>
-            <a:off x="980864" y="1028093"/>
-            <a:ext cx="697627" cy="246221"/>
-          </a:xfrm>
-          <a:prstGeom prst="rect">
-            <a:avLst/>
-          </a:prstGeom>
-          <a:noFill/>
-        </p:spPr>
-        <p:txBody>
-          <a:bodyPr wrap="none" rtlCol="0">
-            <a:spAutoFit/>
-          </a:bodyPr>
-          <a:lstStyle/>
-          <a:p>
-            <a:r>
-              <a:rPr kumimoji="1" lang="ja-JP" altLang="en-US" sz="1000" dirty="0">
-                <a:latin typeface="游ゴシック" panose="020B0400000000000000" pitchFamily="50" charset="-128"/>
-                <a:ea typeface="游ゴシック" panose="020B0400000000000000" pitchFamily="50" charset="-128"/>
-              </a:rPr>
-              <a:t>授業開始</a:t>
-            </a:r>
-          </a:p>
-        </p:txBody>
-      </p:sp>
-      <p:cxnSp>
-        <p:nvCxnSpPr>
-          <p:cNvPr id="62" name="直線コネクタ 61">
-            <a:extLst>
-              <a:ext uri="{FF2B5EF4-FFF2-40B4-BE49-F238E27FC236}">
-                <a16:creationId xmlns:a16="http://schemas.microsoft.com/office/drawing/2014/main" id="{A8686060-1B9D-428C-A275-DE5D2BD98484}"/>
-              </a:ext>
-            </a:extLst>
-          </p:cNvPr>
-          <p:cNvCxnSpPr/>
-          <p:nvPr/>
-        </p:nvCxnSpPr>
-        <p:spPr>
-          <a:xfrm>
-            <a:off x="701039" y="1333915"/>
-            <a:ext cx="284644" cy="0"/>
-          </a:xfrm>
-          <a:prstGeom prst="line">
-            <a:avLst/>
-          </a:prstGeom>
-          <a:ln w="38100">
-            <a:solidFill>
-              <a:schemeClr val="accent3"/>
-            </a:solidFill>
-            <a:headEnd type="none"/>
-            <a:tailEnd type="triangle" w="med" len="sm"/>
-          </a:ln>
-        </p:spPr>
-        <p:style>
-          <a:lnRef idx="1">
-            <a:schemeClr val="accent5"/>
-          </a:lnRef>
-          <a:fillRef idx="0">
-            <a:schemeClr val="accent5"/>
-          </a:fillRef>
-          <a:effectRef idx="0">
-            <a:schemeClr val="accent5"/>
-          </a:effectRef>
-          <a:fontRef idx="minor">
-            <a:schemeClr val="tx1"/>
-          </a:fontRef>
-        </p:style>
-      </p:cxnSp>
-      <p:sp>
-        <p:nvSpPr>
-          <p:cNvPr id="63" name="テキスト ボックス 62">
-            <a:extLst>
-              <a:ext uri="{FF2B5EF4-FFF2-40B4-BE49-F238E27FC236}">
-                <a16:creationId xmlns:a16="http://schemas.microsoft.com/office/drawing/2014/main" id="{595C8645-0CB4-4E49-B10D-12FD0CFD4FAA}"/>
-              </a:ext>
-            </a:extLst>
-          </p:cNvPr>
-          <p:cNvSpPr txBox="1"/>
-          <p:nvPr/>
-        </p:nvSpPr>
-        <p:spPr>
-          <a:xfrm>
-            <a:off x="980863" y="1222268"/>
-            <a:ext cx="697627" cy="246221"/>
-          </a:xfrm>
-          <a:prstGeom prst="rect">
-            <a:avLst/>
-          </a:prstGeom>
-          <a:noFill/>
-        </p:spPr>
-        <p:txBody>
-          <a:bodyPr wrap="none" rtlCol="0">
-            <a:spAutoFit/>
-          </a:bodyPr>
-          <a:lstStyle/>
-          <a:p>
-            <a:r>
-              <a:rPr kumimoji="1" lang="ja-JP" altLang="en-US" sz="1000" dirty="0">
-                <a:latin typeface="游ゴシック" panose="020B0400000000000000" pitchFamily="50" charset="-128"/>
-                <a:ea typeface="游ゴシック" panose="020B0400000000000000" pitchFamily="50" charset="-128"/>
-              </a:rPr>
-              <a:t>授業終了</a:t>
-            </a:r>
-            <a:endParaRPr kumimoji="1" lang="en-US" altLang="ja-JP" sz="1000" dirty="0">
-              <a:latin typeface="游ゴシック" panose="020B0400000000000000" pitchFamily="50" charset="-128"/>
-              <a:ea typeface="游ゴシック" panose="020B0400000000000000" pitchFamily="50" charset="-128"/>
-            </a:endParaRPr>
-          </a:p>
-        </p:txBody>
-      </p:sp>
-      <p:cxnSp>
-        <p:nvCxnSpPr>
-          <p:cNvPr id="64" name="直線コネクタ 63">
-            <a:extLst>
-              <a:ext uri="{FF2B5EF4-FFF2-40B4-BE49-F238E27FC236}">
-                <a16:creationId xmlns:a16="http://schemas.microsoft.com/office/drawing/2014/main" id="{F7BD4F4E-6AE6-4AC8-AF9B-524D1F12FCF0}"/>
-              </a:ext>
-            </a:extLst>
-          </p:cNvPr>
-          <p:cNvCxnSpPr/>
-          <p:nvPr/>
-        </p:nvCxnSpPr>
-        <p:spPr>
-          <a:xfrm>
-            <a:off x="2726484" y="1537120"/>
-            <a:ext cx="284644" cy="0"/>
-          </a:xfrm>
-          <a:prstGeom prst="line">
-            <a:avLst/>
-          </a:prstGeom>
-          <a:ln w="38100">
-            <a:solidFill>
-              <a:schemeClr val="accent3"/>
-            </a:solidFill>
-            <a:headEnd type="none"/>
-            <a:tailEnd type="triangle" w="med" len="sm"/>
-          </a:ln>
-        </p:spPr>
-        <p:style>
-          <a:lnRef idx="1">
-            <a:schemeClr val="accent5"/>
-          </a:lnRef>
-          <a:fillRef idx="0">
-            <a:schemeClr val="accent5"/>
-          </a:fillRef>
-          <a:effectRef idx="0">
-            <a:schemeClr val="accent5"/>
-          </a:effectRef>
-          <a:fontRef idx="minor">
-            <a:schemeClr val="tx1"/>
-          </a:fontRef>
-        </p:style>
-      </p:cxnSp>
-      <p:cxnSp>
-        <p:nvCxnSpPr>
-          <p:cNvPr id="65" name="直線コネクタ 64">
-            <a:extLst>
-              <a:ext uri="{FF2B5EF4-FFF2-40B4-BE49-F238E27FC236}">
-                <a16:creationId xmlns:a16="http://schemas.microsoft.com/office/drawing/2014/main" id="{0BC0BB17-2EEA-4366-8523-A95A2F95E073}"/>
-              </a:ext>
-            </a:extLst>
-          </p:cNvPr>
-          <p:cNvCxnSpPr/>
-          <p:nvPr/>
-        </p:nvCxnSpPr>
-        <p:spPr>
-          <a:xfrm>
-            <a:off x="2313284" y="2417748"/>
-            <a:ext cx="284644" cy="0"/>
-          </a:xfrm>
-          <a:prstGeom prst="line">
-            <a:avLst/>
-          </a:prstGeom>
-          <a:ln w="38100">
-            <a:solidFill>
-              <a:schemeClr val="accent3"/>
-            </a:solidFill>
-            <a:headEnd type="triangle" w="med" len="sm"/>
-          </a:ln>
-        </p:spPr>
-        <p:style>
-          <a:lnRef idx="1">
-            <a:schemeClr val="accent5"/>
-          </a:lnRef>
-          <a:fillRef idx="0">
-            <a:schemeClr val="accent5"/>
-          </a:fillRef>
-          <a:effectRef idx="0">
-            <a:schemeClr val="accent5"/>
-          </a:effectRef>
-          <a:fontRef idx="minor">
-            <a:schemeClr val="tx1"/>
-          </a:fontRef>
-        </p:style>
-      </p:cxnSp>
-      <p:cxnSp>
-        <p:nvCxnSpPr>
-          <p:cNvPr id="66" name="直線コネクタ 65">
-            <a:extLst>
-              <a:ext uri="{FF2B5EF4-FFF2-40B4-BE49-F238E27FC236}">
-                <a16:creationId xmlns:a16="http://schemas.microsoft.com/office/drawing/2014/main" id="{ED5AFEB1-ACAD-42C8-B00B-3C06F64E56DC}"/>
-              </a:ext>
-            </a:extLst>
-          </p:cNvPr>
-          <p:cNvCxnSpPr/>
-          <p:nvPr/>
-        </p:nvCxnSpPr>
-        <p:spPr>
-          <a:xfrm>
-            <a:off x="4125832" y="2806295"/>
-            <a:ext cx="284644" cy="0"/>
-          </a:xfrm>
-          <a:prstGeom prst="line">
-            <a:avLst/>
-          </a:prstGeom>
-          <a:ln w="38100">
-            <a:solidFill>
-              <a:schemeClr val="accent3"/>
-            </a:solidFill>
-            <a:headEnd type="none"/>
-            <a:tailEnd type="triangle" w="med" len="sm"/>
-          </a:ln>
-        </p:spPr>
-        <p:style>
-          <a:lnRef idx="1">
-            <a:schemeClr val="accent5"/>
-          </a:lnRef>
-          <a:fillRef idx="0">
-            <a:schemeClr val="accent5"/>
-          </a:fillRef>
-          <a:effectRef idx="0">
-            <a:schemeClr val="accent5"/>
-          </a:effectRef>
-          <a:fontRef idx="minor">
-            <a:schemeClr val="tx1"/>
-          </a:fontRef>
-        </p:style>
-      </p:cxnSp>
-      <p:cxnSp>
-        <p:nvCxnSpPr>
-          <p:cNvPr id="67" name="直線コネクタ 66">
-            <a:extLst>
-              <a:ext uri="{FF2B5EF4-FFF2-40B4-BE49-F238E27FC236}">
-                <a16:creationId xmlns:a16="http://schemas.microsoft.com/office/drawing/2014/main" id="{EE7A7C69-D077-4EF6-9096-87F14207DFB8}"/>
-              </a:ext>
-            </a:extLst>
-          </p:cNvPr>
-          <p:cNvCxnSpPr/>
-          <p:nvPr/>
-        </p:nvCxnSpPr>
-        <p:spPr>
-          <a:xfrm>
-            <a:off x="2483137" y="3868499"/>
-            <a:ext cx="284644" cy="0"/>
-          </a:xfrm>
-          <a:prstGeom prst="line">
-            <a:avLst/>
-          </a:prstGeom>
-          <a:ln w="38100">
-            <a:solidFill>
-              <a:schemeClr val="accent3"/>
-            </a:solidFill>
-            <a:headEnd type="triangle" w="med" len="sm"/>
-          </a:ln>
-        </p:spPr>
-        <p:style>
-          <a:lnRef idx="1">
-            <a:schemeClr val="accent5"/>
-          </a:lnRef>
-          <a:fillRef idx="0">
-            <a:schemeClr val="accent5"/>
-          </a:fillRef>
-          <a:effectRef idx="0">
-            <a:schemeClr val="accent5"/>
-          </a:effectRef>
-          <a:fontRef idx="minor">
-            <a:schemeClr val="tx1"/>
-          </a:fontRef>
-        </p:style>
-      </p:cxnSp>
-      <p:cxnSp>
-        <p:nvCxnSpPr>
-          <p:cNvPr id="68" name="直線コネクタ 67">
-            <a:extLst>
-              <a:ext uri="{FF2B5EF4-FFF2-40B4-BE49-F238E27FC236}">
-                <a16:creationId xmlns:a16="http://schemas.microsoft.com/office/drawing/2014/main" id="{5549AAE0-FC5F-4FF1-ABD2-0DE2D7A55F98}"/>
-              </a:ext>
-            </a:extLst>
-          </p:cNvPr>
-          <p:cNvCxnSpPr/>
-          <p:nvPr/>
-        </p:nvCxnSpPr>
-        <p:spPr>
-          <a:xfrm>
-            <a:off x="3928601" y="3686603"/>
-            <a:ext cx="284644" cy="0"/>
-          </a:xfrm>
-          <a:prstGeom prst="line">
-            <a:avLst/>
-          </a:prstGeom>
-          <a:ln w="38100">
-            <a:solidFill>
-              <a:schemeClr val="accent3"/>
-            </a:solidFill>
-            <a:headEnd type="none"/>
-            <a:tailEnd type="triangle" w="med" len="sm"/>
-          </a:ln>
-        </p:spPr>
-        <p:style>
-          <a:lnRef idx="1">
-            <a:schemeClr val="accent5"/>
-          </a:lnRef>
-          <a:fillRef idx="0">
-            <a:schemeClr val="accent5"/>
-          </a:fillRef>
-          <a:effectRef idx="0">
-            <a:schemeClr val="accent5"/>
-          </a:effectRef>
-          <a:fontRef idx="minor">
-            <a:schemeClr val="tx1"/>
-          </a:fontRef>
-        </p:style>
-      </p:cxnSp>
-      <p:sp>
-        <p:nvSpPr>
-          <p:cNvPr id="69" name="四角形: 角を丸くする 68">
-            <a:extLst>
-              <a:ext uri="{FF2B5EF4-FFF2-40B4-BE49-F238E27FC236}">
-                <a16:creationId xmlns:a16="http://schemas.microsoft.com/office/drawing/2014/main" id="{0A097107-655C-4D74-894D-FD77405CDB8C}"/>
-              </a:ext>
-            </a:extLst>
-          </p:cNvPr>
-          <p:cNvSpPr/>
-          <p:nvPr/>
-        </p:nvSpPr>
-        <p:spPr>
-          <a:xfrm>
-            <a:off x="696219" y="1495127"/>
-            <a:ext cx="284644" cy="162230"/>
-          </a:xfrm>
-          <a:prstGeom prst="roundRect">
-            <a:avLst/>
-          </a:prstGeom>
-          <a:noFill/>
-          <a:ln>
-            <a:solidFill>
-              <a:schemeClr val="accent2"/>
-            </a:solidFill>
-            <a:prstDash val="sysDash"/>
-          </a:ln>
-        </p:spPr>
-        <p:style>
-          <a:lnRef idx="2">
-            <a:schemeClr val="accent1">
-              <a:shade val="50000"/>
-            </a:schemeClr>
-          </a:lnRef>
-          <a:fillRef idx="1">
-            <a:schemeClr val="accent1"/>
-          </a:fillRef>
-          <a:effectRef idx="0">
-            <a:schemeClr val="accent1"/>
-          </a:effectRef>
-          <a:fontRef idx="minor">
-            <a:schemeClr val="lt1"/>
-          </a:fontRef>
-        </p:style>
-        <p:txBody>
-          <a:bodyPr rtlCol="0" anchor="ctr"/>
-          <a:lstStyle/>
-          <a:p>
-            <a:pPr algn="ctr"/>
-            <a:endParaRPr kumimoji="1" lang="ja-JP" altLang="en-US"/>
-          </a:p>
-        </p:txBody>
-      </p:sp>
-      <p:sp>
-        <p:nvSpPr>
-          <p:cNvPr id="70" name="テキスト ボックス 69">
-            <a:extLst>
-              <a:ext uri="{FF2B5EF4-FFF2-40B4-BE49-F238E27FC236}">
-                <a16:creationId xmlns:a16="http://schemas.microsoft.com/office/drawing/2014/main" id="{86C1818C-A452-45F2-BBA4-F87C5266D2C0}"/>
-              </a:ext>
-            </a:extLst>
-          </p:cNvPr>
-          <p:cNvSpPr txBox="1"/>
-          <p:nvPr/>
-        </p:nvSpPr>
-        <p:spPr>
-          <a:xfrm>
-            <a:off x="980863" y="1455286"/>
-            <a:ext cx="697627" cy="246221"/>
-          </a:xfrm>
-          <a:prstGeom prst="rect">
-            <a:avLst/>
-          </a:prstGeom>
-          <a:noFill/>
-        </p:spPr>
-        <p:txBody>
-          <a:bodyPr wrap="none" rtlCol="0">
-            <a:spAutoFit/>
-          </a:bodyPr>
-          <a:lstStyle/>
-          <a:p>
-            <a:r>
-              <a:rPr kumimoji="1" lang="ja-JP" altLang="en-US" sz="1000" dirty="0">
-                <a:latin typeface="游ゴシック" panose="020B0400000000000000" pitchFamily="50" charset="-128"/>
-                <a:ea typeface="游ゴシック" panose="020B0400000000000000" pitchFamily="50" charset="-128"/>
-              </a:rPr>
-              <a:t>開催候補</a:t>
-            </a:r>
-            <a:endParaRPr kumimoji="1" lang="en-US" altLang="ja-JP" sz="1000" dirty="0">
-              <a:latin typeface="游ゴシック" panose="020B0400000000000000" pitchFamily="50" charset="-128"/>
-              <a:ea typeface="游ゴシック" panose="020B0400000000000000" pitchFamily="50" charset="-128"/>
-            </a:endParaRPr>
-          </a:p>
-        </p:txBody>
-      </p:sp>
-      <p:sp>
-        <p:nvSpPr>
-          <p:cNvPr id="71" name="四角形: 角を丸くする 70">
-            <a:extLst>
-              <a:ext uri="{FF2B5EF4-FFF2-40B4-BE49-F238E27FC236}">
-                <a16:creationId xmlns:a16="http://schemas.microsoft.com/office/drawing/2014/main" id="{AA3EDD14-2CC1-4AC7-A965-025D31081864}"/>
-              </a:ext>
-            </a:extLst>
-          </p:cNvPr>
-          <p:cNvSpPr/>
-          <p:nvPr/>
-        </p:nvSpPr>
-        <p:spPr>
-          <a:xfrm>
-            <a:off x="5095304" y="632100"/>
-            <a:ext cx="1316079" cy="540226"/>
-          </a:xfrm>
-          <a:prstGeom prst="roundRect">
-            <a:avLst>
-              <a:gd name="adj" fmla="val 8477"/>
-            </a:avLst>
-          </a:prstGeom>
-          <a:noFill/>
-          <a:ln>
-            <a:solidFill>
-              <a:schemeClr val="accent2"/>
-            </a:solidFill>
-            <a:prstDash val="sysDash"/>
-          </a:ln>
-        </p:spPr>
-        <p:style>
-          <a:lnRef idx="2">
-            <a:schemeClr val="accent1">
-              <a:shade val="50000"/>
-            </a:schemeClr>
-          </a:lnRef>
-          <a:fillRef idx="1">
-            <a:schemeClr val="accent1"/>
-          </a:fillRef>
-          <a:effectRef idx="0">
-            <a:schemeClr val="accent1"/>
-          </a:effectRef>
-          <a:fontRef idx="minor">
-            <a:schemeClr val="lt1"/>
-          </a:fontRef>
-        </p:style>
-        <p:txBody>
-          <a:bodyPr rtlCol="0" anchor="ctr"/>
-          <a:lstStyle/>
-          <a:p>
-            <a:pPr algn="ctr"/>
-            <a:endParaRPr kumimoji="1" lang="ja-JP" altLang="en-US"/>
-          </a:p>
-        </p:txBody>
-      </p:sp>
-      <p:sp>
-        <p:nvSpPr>
-          <p:cNvPr id="74" name="四角形: 角を丸くする 73">
-            <a:extLst>
-              <a:ext uri="{FF2B5EF4-FFF2-40B4-BE49-F238E27FC236}">
-                <a16:creationId xmlns:a16="http://schemas.microsoft.com/office/drawing/2014/main" id="{D165430C-F714-4505-A80F-35C69D0B70E5}"/>
-              </a:ext>
-            </a:extLst>
-          </p:cNvPr>
-          <p:cNvSpPr/>
-          <p:nvPr/>
-        </p:nvSpPr>
-        <p:spPr>
-          <a:xfrm>
-            <a:off x="3696482" y="3909725"/>
-            <a:ext cx="1316079" cy="572137"/>
-          </a:xfrm>
-          <a:prstGeom prst="roundRect">
-            <a:avLst>
-              <a:gd name="adj" fmla="val 8477"/>
-            </a:avLst>
-          </a:prstGeom>
-          <a:noFill/>
-          <a:ln>
-            <a:solidFill>
-              <a:schemeClr val="accent2"/>
-            </a:solidFill>
-            <a:prstDash val="sysDash"/>
-          </a:ln>
-        </p:spPr>
-        <p:style>
-          <a:lnRef idx="2">
-            <a:schemeClr val="accent1">
-              <a:shade val="50000"/>
-            </a:schemeClr>
-          </a:lnRef>
-          <a:fillRef idx="1">
-            <a:schemeClr val="accent1"/>
-          </a:fillRef>
-          <a:effectRef idx="0">
-            <a:schemeClr val="accent1"/>
-          </a:effectRef>
-          <a:fontRef idx="minor">
-            <a:schemeClr val="lt1"/>
-          </a:fontRef>
-        </p:style>
-        <p:txBody>
-          <a:bodyPr rtlCol="0" anchor="ctr"/>
-          <a:lstStyle/>
-          <a:p>
-            <a:pPr algn="ctr"/>
-            <a:endParaRPr kumimoji="1" lang="ja-JP" altLang="en-US"/>
-          </a:p>
-        </p:txBody>
-      </p:sp>
-      <p:sp>
-        <p:nvSpPr>
-          <p:cNvPr id="75" name="テキスト ボックス 74">
-            <a:extLst>
-              <a:ext uri="{FF2B5EF4-FFF2-40B4-BE49-F238E27FC236}">
-                <a16:creationId xmlns:a16="http://schemas.microsoft.com/office/drawing/2014/main" id="{72997F0B-D71C-4642-8889-146309A7AA5F}"/>
-              </a:ext>
-            </a:extLst>
-          </p:cNvPr>
-          <p:cNvSpPr txBox="1"/>
-          <p:nvPr/>
-        </p:nvSpPr>
-        <p:spPr>
-          <a:xfrm>
-            <a:off x="3137592" y="2324947"/>
-            <a:ext cx="492443" cy="215444"/>
-          </a:xfrm>
-          <a:prstGeom prst="rect">
-            <a:avLst/>
-          </a:prstGeom>
-          <a:noFill/>
-        </p:spPr>
-        <p:txBody>
-          <a:bodyPr wrap="none" rtlCol="0">
-            <a:spAutoFit/>
-          </a:bodyPr>
-          <a:lstStyle/>
-          <a:p>
-            <a:r>
-              <a:rPr kumimoji="1" lang="ja-JP" altLang="en-US" sz="800" dirty="0">
-                <a:latin typeface="游ゴシック" panose="020B0400000000000000" pitchFamily="50" charset="-128"/>
-                <a:ea typeface="游ゴシック" panose="020B0400000000000000" pitchFamily="50" charset="-128"/>
-              </a:rPr>
-              <a:t>蒼翔祭</a:t>
-            </a:r>
-            <a:endParaRPr kumimoji="1" lang="en-US" altLang="ja-JP" sz="800" dirty="0">
-              <a:latin typeface="游ゴシック" panose="020B0400000000000000" pitchFamily="50" charset="-128"/>
-              <a:ea typeface="游ゴシック" panose="020B0400000000000000" pitchFamily="50" charset="-128"/>
-            </a:endParaRPr>
-          </a:p>
-        </p:txBody>
-      </p:sp>
-      <p:sp>
-        <p:nvSpPr>
-          <p:cNvPr id="76" name="テキスト ボックス 75">
-            <a:extLst>
-              <a:ext uri="{FF2B5EF4-FFF2-40B4-BE49-F238E27FC236}">
-                <a16:creationId xmlns:a16="http://schemas.microsoft.com/office/drawing/2014/main" id="{3956ED39-974F-445E-BF28-BE9C5DDFD86E}"/>
-              </a:ext>
-            </a:extLst>
-          </p:cNvPr>
-          <p:cNvSpPr txBox="1"/>
-          <p:nvPr/>
-        </p:nvSpPr>
-        <p:spPr>
-          <a:xfrm>
-            <a:off x="5921999" y="2718757"/>
-            <a:ext cx="800219" cy="215444"/>
-          </a:xfrm>
-          <a:prstGeom prst="rect">
-            <a:avLst/>
-          </a:prstGeom>
-          <a:noFill/>
-        </p:spPr>
-        <p:txBody>
-          <a:bodyPr wrap="none" rtlCol="0">
-            <a:spAutoFit/>
-          </a:bodyPr>
-          <a:lstStyle/>
-          <a:p>
-            <a:r>
-              <a:rPr kumimoji="1" lang="ja-JP" altLang="en-US" sz="800" dirty="0">
-                <a:latin typeface="游ゴシック" panose="020B0400000000000000" pitchFamily="50" charset="-128"/>
-                <a:ea typeface="游ゴシック" panose="020B0400000000000000" pitchFamily="50" charset="-128"/>
-              </a:rPr>
-              <a:t>アイデアソン</a:t>
-            </a:r>
-            <a:endParaRPr kumimoji="1" lang="en-US" altLang="ja-JP" sz="800" dirty="0">
-              <a:latin typeface="游ゴシック" panose="020B0400000000000000" pitchFamily="50" charset="-128"/>
-              <a:ea typeface="游ゴシック" panose="020B0400000000000000" pitchFamily="50" charset="-128"/>
-            </a:endParaRPr>
-          </a:p>
-        </p:txBody>
-      </p:sp>
-      <p:cxnSp>
-        <p:nvCxnSpPr>
-          <p:cNvPr id="77" name="直線コネクタ 76">
-            <a:extLst>
-              <a:ext uri="{FF2B5EF4-FFF2-40B4-BE49-F238E27FC236}">
-                <a16:creationId xmlns:a16="http://schemas.microsoft.com/office/drawing/2014/main" id="{91308EEF-5F02-4ED5-81CA-FA921ECA2590}"/>
-              </a:ext>
-            </a:extLst>
-          </p:cNvPr>
-          <p:cNvCxnSpPr/>
-          <p:nvPr/>
-        </p:nvCxnSpPr>
-        <p:spPr>
-          <a:xfrm>
-            <a:off x="5125601" y="2417748"/>
-            <a:ext cx="284644" cy="0"/>
-          </a:xfrm>
-          <a:prstGeom prst="line">
-            <a:avLst/>
-          </a:prstGeom>
-          <a:ln w="38100">
-            <a:solidFill>
-              <a:schemeClr val="accent3"/>
-            </a:solidFill>
-            <a:headEnd type="triangle" w="med" len="sm"/>
-          </a:ln>
-        </p:spPr>
-        <p:style>
-          <a:lnRef idx="1">
-            <a:schemeClr val="accent5"/>
-          </a:lnRef>
-          <a:fillRef idx="0">
-            <a:schemeClr val="accent5"/>
-          </a:fillRef>
-          <a:effectRef idx="0">
-            <a:schemeClr val="accent5"/>
-          </a:effectRef>
-          <a:fontRef idx="minor">
-            <a:schemeClr val="tx1"/>
-          </a:fontRef>
-        </p:style>
-      </p:cxnSp>
-      <p:cxnSp>
-        <p:nvCxnSpPr>
-          <p:cNvPr id="79" name="直線コネクタ 78">
-            <a:extLst>
-              <a:ext uri="{FF2B5EF4-FFF2-40B4-BE49-F238E27FC236}">
-                <a16:creationId xmlns:a16="http://schemas.microsoft.com/office/drawing/2014/main" id="{941ECE18-9079-45AC-BC62-DB2305776EC7}"/>
-              </a:ext>
-            </a:extLst>
-          </p:cNvPr>
-          <p:cNvCxnSpPr/>
-          <p:nvPr/>
-        </p:nvCxnSpPr>
-        <p:spPr>
-          <a:xfrm>
-            <a:off x="5691185" y="2813669"/>
-            <a:ext cx="284644" cy="0"/>
-          </a:xfrm>
-          <a:prstGeom prst="line">
-            <a:avLst/>
-          </a:prstGeom>
-          <a:ln w="38100">
-            <a:solidFill>
-              <a:schemeClr val="accent3"/>
-            </a:solidFill>
-            <a:headEnd type="none"/>
-            <a:tailEnd type="triangle" w="med" len="sm"/>
-          </a:ln>
-        </p:spPr>
-        <p:style>
-          <a:lnRef idx="1">
-            <a:schemeClr val="accent5"/>
-          </a:lnRef>
-          <a:fillRef idx="0">
-            <a:schemeClr val="accent5"/>
-          </a:fillRef>
-          <a:effectRef idx="0">
-            <a:schemeClr val="accent5"/>
-          </a:effectRef>
-          <a:fontRef idx="minor">
-            <a:schemeClr val="tx1"/>
-          </a:fontRef>
-        </p:style>
-      </p:cxnSp>
-    </p:spTree>
-    <p:extLst>
-      <p:ext uri="{BB962C8B-B14F-4D97-AF65-F5344CB8AC3E}">
-        <p14:creationId xmlns:p14="http://schemas.microsoft.com/office/powerpoint/2010/main" val="1453171580"/>
-      </p:ext>
-    </p:extLst>
-  </p:cSld>
-  <p:clrMapOvr>
-    <a:masterClrMapping/>
-  </p:clrMapOvr>
-</p:sld>
-</file>
-
 <file path=ppt/slides/slide2.xml><?xml version="1.0" encoding="utf-8"?>
 <p:sld xmlns:a="http://schemas.openxmlformats.org/drawingml/2006/main" xmlns:r="http://schemas.openxmlformats.org/officeDocument/2006/relationships" xmlns:p="http://schemas.openxmlformats.org/presentationml/2006/main">
   <p:cSld>
@@ -38047,21 +36086,6 @@
 </file>
 
 <file path=customXml/item1.xml><?xml version="1.0" encoding="utf-8"?>
-<p:properties xmlns:p="http://schemas.microsoft.com/office/2006/metadata/properties" xmlns:xsi="http://www.w3.org/2001/XMLSchema-instance" xmlns:pc="http://schemas.microsoft.com/office/infopath/2007/PartnerControls">
-  <documentManagement/>
-</p:properties>
-</file>
-
-<file path=customXml/item2.xml><?xml version="1.0" encoding="utf-8"?>
-<?mso-contentType ?>
-<FormTemplates xmlns="http://schemas.microsoft.com/sharepoint/v3/contenttype/forms">
-  <Display>DocumentLibraryForm</Display>
-  <Edit>DocumentLibraryForm</Edit>
-  <New>DocumentLibraryForm</New>
-</FormTemplates>
-</file>
-
-<file path=customXml/item3.xml><?xml version="1.0" encoding="utf-8"?>
 <ct:contentTypeSchema xmlns:ct="http://schemas.microsoft.com/office/2006/metadata/contentType" xmlns:ma="http://schemas.microsoft.com/office/2006/metadata/properties/metaAttributes" ct:_="" ma:_="" ma:contentTypeName="ドキュメント" ma:contentTypeID="0x010100849F533D870BD84A9D38273CC91B496D" ma:contentTypeVersion="9" ma:contentTypeDescription="新しいドキュメントを作成します。" ma:contentTypeScope="" ma:versionID="ca4a1d3cb04f69359678dbec6c4b7a52">
   <xsd:schema xmlns:xsd="http://www.w3.org/2001/XMLSchema" xmlns:xs="http://www.w3.org/2001/XMLSchema" xmlns:p="http://schemas.microsoft.com/office/2006/metadata/properties" xmlns:ns2="f50685a2-08a6-49dc-aa5f-a248d4ba7af6" xmlns:ns3="08971484-f606-4522-aa8e-4044dc1a5090" targetNamespace="http://schemas.microsoft.com/office/2006/metadata/properties" ma:root="true" ma:fieldsID="13f254b1b3ba571b2a6d056e41aaac49" ns2:_="" ns3:_="">
     <xsd:import namespace="f50685a2-08a6-49dc-aa5f-a248d4ba7af6"/>
@@ -38258,32 +36282,22 @@
 </ct:contentTypeSchema>
 </file>
 
-<file path=customXml/itemProps1.xml><?xml version="1.0" encoding="utf-8"?>
-<ds:datastoreItem xmlns:ds="http://schemas.openxmlformats.org/officeDocument/2006/customXml" ds:itemID="{8AEE9B38-13DB-4563-ACCD-BDAB12348357}">
-  <ds:schemaRefs>
-    <ds:schemaRef ds:uri="http://www.w3.org/XML/1998/namespace"/>
-    <ds:schemaRef ds:uri="http://schemas.microsoft.com/office/infopath/2007/PartnerControls"/>
-    <ds:schemaRef ds:uri="08971484-f606-4522-aa8e-4044dc1a5090"/>
-    <ds:schemaRef ds:uri="http://schemas.microsoft.com/office/2006/metadata/properties"/>
-    <ds:schemaRef ds:uri="http://purl.org/dc/terms/"/>
-    <ds:schemaRef ds:uri="http://purl.org/dc/elements/1.1/"/>
-    <ds:schemaRef ds:uri="http://schemas.openxmlformats.org/package/2006/metadata/core-properties"/>
-    <ds:schemaRef ds:uri="http://schemas.microsoft.com/office/2006/documentManagement/types"/>
-    <ds:schemaRef ds:uri="f50685a2-08a6-49dc-aa5f-a248d4ba7af6"/>
-    <ds:schemaRef ds:uri="http://purl.org/dc/dcmitype/"/>
-  </ds:schemaRefs>
-</ds:datastoreItem>
+<file path=customXml/item2.xml><?xml version="1.0" encoding="utf-8"?>
+<?mso-contentType ?>
+<FormTemplates xmlns="http://schemas.microsoft.com/sharepoint/v3/contenttype/forms">
+  <Display>DocumentLibraryForm</Display>
+  <Edit>DocumentLibraryForm</Edit>
+  <New>DocumentLibraryForm</New>
+</FormTemplates>
 </file>
 
-<file path=customXml/itemProps2.xml><?xml version="1.0" encoding="utf-8"?>
-<ds:datastoreItem xmlns:ds="http://schemas.openxmlformats.org/officeDocument/2006/customXml" ds:itemID="{0EBD1781-257C-4386-A510-75977046327B}">
-  <ds:schemaRefs>
-    <ds:schemaRef ds:uri="http://schemas.microsoft.com/sharepoint/v3/contenttype/forms"/>
-  </ds:schemaRefs>
-</ds:datastoreItem>
+<file path=customXml/item3.xml><?xml version="1.0" encoding="utf-8"?>
+<p:properties xmlns:p="http://schemas.microsoft.com/office/2006/metadata/properties" xmlns:xsi="http://www.w3.org/2001/XMLSchema-instance" xmlns:pc="http://schemas.microsoft.com/office/infopath/2007/PartnerControls">
+  <documentManagement/>
+</p:properties>
 </file>
 
-<file path=customXml/itemProps3.xml><?xml version="1.0" encoding="utf-8"?>
+<file path=customXml/itemProps1.xml><?xml version="1.0" encoding="utf-8"?>
 <ds:datastoreItem xmlns:ds="http://schemas.openxmlformats.org/officeDocument/2006/customXml" ds:itemID="{E6AD931F-C54A-489C-81E1-A6D5DB399D7B}">
   <ds:schemaRefs>
     <ds:schemaRef ds:uri="http://schemas.microsoft.com/office/2006/metadata/contentType"/>
@@ -38300,4 +36314,29 @@
     <ds:schemaRef ds:uri="http://schemas.microsoft.com/internal/obd"/>
   </ds:schemaRefs>
 </ds:datastoreItem>
+</file>
+
+<file path=customXml/itemProps2.xml><?xml version="1.0" encoding="utf-8"?>
+<ds:datastoreItem xmlns:ds="http://schemas.openxmlformats.org/officeDocument/2006/customXml" ds:itemID="{0EBD1781-257C-4386-A510-75977046327B}">
+  <ds:schemaRefs>
+    <ds:schemaRef ds:uri="http://schemas.microsoft.com/sharepoint/v3/contenttype/forms"/>
+  </ds:schemaRefs>
+</ds:datastoreItem>
+</file>
+
+<file path=customXml/itemProps3.xml><?xml version="1.0" encoding="utf-8"?>
+<ds:datastoreItem xmlns:ds="http://schemas.openxmlformats.org/officeDocument/2006/customXml" ds:itemID="{8AEE9B38-13DB-4563-ACCD-BDAB12348357}">
+  <ds:schemaRefs>
+    <ds:schemaRef ds:uri="http://www.w3.org/XML/1998/namespace"/>
+    <ds:schemaRef ds:uri="http://schemas.microsoft.com/office/infopath/2007/PartnerControls"/>
+    <ds:schemaRef ds:uri="08971484-f606-4522-aa8e-4044dc1a5090"/>
+    <ds:schemaRef ds:uri="http://schemas.microsoft.com/office/2006/metadata/properties"/>
+    <ds:schemaRef ds:uri="http://purl.org/dc/terms/"/>
+    <ds:schemaRef ds:uri="http://purl.org/dc/elements/1.1/"/>
+    <ds:schemaRef ds:uri="http://schemas.openxmlformats.org/package/2006/metadata/core-properties"/>
+    <ds:schemaRef ds:uri="http://schemas.microsoft.com/office/2006/documentManagement/types"/>
+    <ds:schemaRef ds:uri="f50685a2-08a6-49dc-aa5f-a248d4ba7af6"/>
+    <ds:schemaRef ds:uri="http://purl.org/dc/dcmitype/"/>
+  </ds:schemaRefs>
+</ds:datastoreItem>
 </file>
--- a/2021/ITで地域課題を解決しよう.pptx
+++ b/2021/ITで地域課題を解決しよう.pptx
@@ -8677,7 +8677,7 @@
                 <a:latin typeface="游ゴシック" panose="020B0400000000000000" pitchFamily="50" charset="-128"/>
                 <a:ea typeface="游ゴシック" panose="020B0400000000000000" pitchFamily="50" charset="-128"/>
               </a:rPr>
-              <a:t>共催：会津若松市、会津大学、</a:t>
+              <a:t>協力：会津若松市　共催：会津大学、</a:t>
             </a:r>
             <a:r>
               <a:rPr lang="en-US" altLang="ja-JP" sz="1200" dirty="0">
@@ -9294,11 +9294,11 @@
           </a:lstStyle>
           <a:p>
             <a:r>
-              <a:rPr lang="en-US" altLang="ja-JP" sz="1200" dirty="0">
+              <a:rPr lang="en-US" altLang="ja-JP" sz="1200">
                 <a:latin typeface="游ゴシック" panose="020B0400000000000000" pitchFamily="50" charset="-128"/>
                 <a:ea typeface="游ゴシック" panose="020B0400000000000000" pitchFamily="50" charset="-128"/>
               </a:rPr>
-              <a:t>2021.07.13</a:t>
+              <a:t>2021.07.26</a:t>
             </a:r>
             <a:endParaRPr lang="en-US" sz="1200" dirty="0">
               <a:latin typeface="游ゴシック" panose="020B0400000000000000" pitchFamily="50" charset="-128"/>
@@ -13626,8 +13626,8 @@
         </p:nvSpPr>
         <p:spPr>
           <a:xfrm>
-            <a:off x="4120116" y="1413559"/>
-            <a:ext cx="1614296" cy="304481"/>
+            <a:off x="4083775" y="1429419"/>
+            <a:ext cx="2046768" cy="304481"/>
           </a:xfrm>
           <a:prstGeom prst="wedgeRoundRectCallout">
             <a:avLst>
@@ -13670,7 +13670,7 @@
                   <a:schemeClr val="accent3"/>
                 </a:solidFill>
               </a:rPr>
-              <a:t>会津若松市の中山間地域</a:t>
+              <a:t>会津若松市の地域コミュニティ</a:t>
             </a:r>
           </a:p>
         </p:txBody>
@@ -15288,7 +15288,7 @@
                 <a:cs typeface="Montserrat"/>
                 <a:sym typeface="Montserrat"/>
               </a:rPr>
-              <a:t>中山間地域の</a:t>
+              <a:t>地域コミュニティの</a:t>
             </a:r>
             <a:endParaRPr lang="en-US" altLang="ja-JP" sz="900" dirty="0">
               <a:solidFill>
@@ -15301,10 +15301,14 @@
             </a:endParaRPr>
           </a:p>
           <a:p>
-            <a:pPr algn="ctr">
+            <a:pPr marL="0" lvl="0" indent="0" algn="ctr" rtl="0">
               <a:spcBef>
                 <a:spcPts val="400"/>
               </a:spcBef>
+              <a:spcAft>
+                <a:spcPts val="0"/>
+              </a:spcAft>
+              <a:buNone/>
             </a:pPr>
             <a:r>
               <a:rPr lang="ja-JP" altLang="en-US" sz="900" dirty="0">
@@ -15316,7 +15320,7 @@
                 <a:cs typeface="Montserrat"/>
                 <a:sym typeface="Montserrat"/>
               </a:rPr>
-              <a:t>コミュニティ活性化</a:t>
+              <a:t>活性化</a:t>
             </a:r>
             <a:endParaRPr lang="en-US" altLang="ja-JP" sz="900" dirty="0">
               <a:solidFill>
@@ -36086,6 +36090,15 @@
 </file>
 
 <file path=customXml/item1.xml><?xml version="1.0" encoding="utf-8"?>
+<?mso-contentType ?>
+<FormTemplates xmlns="http://schemas.microsoft.com/sharepoint/v3/contenttype/forms">
+  <Display>DocumentLibraryForm</Display>
+  <Edit>DocumentLibraryForm</Edit>
+  <New>DocumentLibraryForm</New>
+</FormTemplates>
+</file>
+
+<file path=customXml/item2.xml><?xml version="1.0" encoding="utf-8"?>
 <ct:contentTypeSchema xmlns:ct="http://schemas.microsoft.com/office/2006/metadata/contentType" xmlns:ma="http://schemas.microsoft.com/office/2006/metadata/properties/metaAttributes" ct:_="" ma:_="" ma:contentTypeName="ドキュメント" ma:contentTypeID="0x010100849F533D870BD84A9D38273CC91B496D" ma:contentTypeVersion="9" ma:contentTypeDescription="新しいドキュメントを作成します。" ma:contentTypeScope="" ma:versionID="ca4a1d3cb04f69359678dbec6c4b7a52">
   <xsd:schema xmlns:xsd="http://www.w3.org/2001/XMLSchema" xmlns:xs="http://www.w3.org/2001/XMLSchema" xmlns:p="http://schemas.microsoft.com/office/2006/metadata/properties" xmlns:ns2="f50685a2-08a6-49dc-aa5f-a248d4ba7af6" xmlns:ns3="08971484-f606-4522-aa8e-4044dc1a5090" targetNamespace="http://schemas.microsoft.com/office/2006/metadata/properties" ma:root="true" ma:fieldsID="13f254b1b3ba571b2a6d056e41aaac49" ns2:_="" ns3:_="">
     <xsd:import namespace="f50685a2-08a6-49dc-aa5f-a248d4ba7af6"/>
@@ -36282,15 +36295,6 @@
 </ct:contentTypeSchema>
 </file>
 
-<file path=customXml/item2.xml><?xml version="1.0" encoding="utf-8"?>
-<?mso-contentType ?>
-<FormTemplates xmlns="http://schemas.microsoft.com/sharepoint/v3/contenttype/forms">
-  <Display>DocumentLibraryForm</Display>
-  <Edit>DocumentLibraryForm</Edit>
-  <New>DocumentLibraryForm</New>
-</FormTemplates>
-</file>
-
 <file path=customXml/item3.xml><?xml version="1.0" encoding="utf-8"?>
 <p:properties xmlns:p="http://schemas.microsoft.com/office/2006/metadata/properties" xmlns:xsi="http://www.w3.org/2001/XMLSchema-instance" xmlns:pc="http://schemas.microsoft.com/office/infopath/2007/PartnerControls">
   <documentManagement/>
@@ -36298,6 +36302,14 @@
 </file>
 
 <file path=customXml/itemProps1.xml><?xml version="1.0" encoding="utf-8"?>
+<ds:datastoreItem xmlns:ds="http://schemas.openxmlformats.org/officeDocument/2006/customXml" ds:itemID="{0EBD1781-257C-4386-A510-75977046327B}">
+  <ds:schemaRefs>
+    <ds:schemaRef ds:uri="http://schemas.microsoft.com/sharepoint/v3/contenttype/forms"/>
+  </ds:schemaRefs>
+</ds:datastoreItem>
+</file>
+
+<file path=customXml/itemProps2.xml><?xml version="1.0" encoding="utf-8"?>
 <ds:datastoreItem xmlns:ds="http://schemas.openxmlformats.org/officeDocument/2006/customXml" ds:itemID="{E6AD931F-C54A-489C-81E1-A6D5DB399D7B}">
   <ds:schemaRefs>
     <ds:schemaRef ds:uri="http://schemas.microsoft.com/office/2006/metadata/contentType"/>
@@ -36312,14 +36324,6 @@
     <ds:schemaRef ds:uri="http://purl.org/dc/elements/1.1/"/>
     <ds:schemaRef ds:uri="http://purl.org/dc/terms/"/>
     <ds:schemaRef ds:uri="http://schemas.microsoft.com/internal/obd"/>
-  </ds:schemaRefs>
-</ds:datastoreItem>
-</file>
-
-<file path=customXml/itemProps2.xml><?xml version="1.0" encoding="utf-8"?>
-<ds:datastoreItem xmlns:ds="http://schemas.openxmlformats.org/officeDocument/2006/customXml" ds:itemID="{0EBD1781-257C-4386-A510-75977046327B}">
-  <ds:schemaRefs>
-    <ds:schemaRef ds:uri="http://schemas.microsoft.com/sharepoint/v3/contenttype/forms"/>
   </ds:schemaRefs>
 </ds:datastoreItem>
 </file>

--- a/2021/ITで地域課題を解決しよう.pptx
+++ b/2021/ITで地域課題を解決しよう.pptx
@@ -12838,7 +12838,7 @@
         </p:nvSpPr>
         <p:spPr>
           <a:xfrm>
-            <a:off x="3516739" y="1861496"/>
+            <a:off x="3516739" y="1903862"/>
             <a:ext cx="2438100" cy="2423700"/>
           </a:xfrm>
           <a:prstGeom prst="ellipse">
@@ -12934,7 +12934,7 @@
         </p:nvSpPr>
         <p:spPr>
           <a:xfrm>
-            <a:off x="1317612" y="1861496"/>
+            <a:off x="1317612" y="1903862"/>
             <a:ext cx="2438100" cy="2423700"/>
           </a:xfrm>
           <a:prstGeom prst="ellipse">
@@ -13030,7 +13030,7 @@
         </p:nvSpPr>
         <p:spPr>
           <a:xfrm>
-            <a:off x="5749961" y="1861496"/>
+            <a:off x="5749961" y="1903862"/>
             <a:ext cx="2438100" cy="2423700"/>
           </a:xfrm>
           <a:prstGeom prst="ellipse">
@@ -13142,8 +13142,8 @@
         </p:nvSpPr>
         <p:spPr>
           <a:xfrm>
-            <a:off x="1311864" y="1410686"/>
-            <a:ext cx="1024936" cy="304481"/>
+            <a:off x="1252747" y="1453052"/>
+            <a:ext cx="1172392" cy="304481"/>
           </a:xfrm>
           <a:prstGeom prst="wedgeRoundRectCallout">
             <a:avLst>
@@ -13181,9 +13181,9 @@
           <a:p>
             <a:pPr algn="ctr"/>
             <a:r>
-              <a:rPr kumimoji="1" lang="ja-JP" altLang="en-US" sz="1000" dirty="0">
+              <a:rPr kumimoji="1" lang="ja-JP" altLang="en-US" sz="1200" b="1" dirty="0">
                 <a:solidFill>
-                  <a:schemeClr val="accent3"/>
+                  <a:schemeClr val="bg1"/>
                 </a:solidFill>
               </a:rPr>
               <a:t>アイデア創出</a:t>
@@ -13205,8 +13205,8 @@
         </p:nvSpPr>
         <p:spPr>
           <a:xfrm>
-            <a:off x="2825737" y="1516520"/>
-            <a:ext cx="927059" cy="304481"/>
+            <a:off x="2766620" y="1558886"/>
+            <a:ext cx="1024936" cy="304481"/>
           </a:xfrm>
           <a:prstGeom prst="wedgeRoundRectCallout">
             <a:avLst>
@@ -13244,9 +13244,9 @@
           <a:p>
             <a:pPr algn="ctr"/>
             <a:r>
-              <a:rPr kumimoji="1" lang="ja-JP" altLang="en-US" sz="1000" dirty="0">
+              <a:rPr kumimoji="1" lang="ja-JP" altLang="en-US" sz="1200" b="1" dirty="0">
                 <a:solidFill>
-                  <a:schemeClr val="accent3"/>
+                  <a:schemeClr val="bg1"/>
                 </a:solidFill>
               </a:rPr>
               <a:t>チーム開発</a:t>
@@ -13268,8 +13268,8 @@
         </p:nvSpPr>
         <p:spPr>
           <a:xfrm>
-            <a:off x="1212906" y="4495032"/>
-            <a:ext cx="1390986" cy="456722"/>
+            <a:off x="925033" y="4537398"/>
+            <a:ext cx="1630212" cy="456722"/>
           </a:xfrm>
           <a:prstGeom prst="wedgeRoundRectCallout">
             <a:avLst>
@@ -13307,25 +13307,25 @@
           <a:p>
             <a:pPr algn="ctr"/>
             <a:r>
-              <a:rPr kumimoji="1" lang="en-US" altLang="ja-JP" sz="1000" dirty="0">
+              <a:rPr kumimoji="1" lang="en-US" altLang="ja-JP" sz="1200" b="1" dirty="0">
                 <a:solidFill>
-                  <a:schemeClr val="accent3"/>
+                  <a:schemeClr val="bg1"/>
                 </a:solidFill>
               </a:rPr>
               <a:t>Web</a:t>
             </a:r>
             <a:r>
-              <a:rPr kumimoji="1" lang="ja-JP" altLang="en-US" sz="1000" dirty="0">
+              <a:rPr kumimoji="1" lang="ja-JP" altLang="en-US" sz="1200" b="1" dirty="0">
                 <a:solidFill>
-                  <a:schemeClr val="accent3"/>
+                  <a:schemeClr val="bg1"/>
                 </a:solidFill>
               </a:rPr>
               <a:t>アプリ </a:t>
             </a:r>
             <a:r>
-              <a:rPr kumimoji="1" lang="en-US" altLang="ja-JP" sz="1000" dirty="0">
+              <a:rPr kumimoji="1" lang="en-US" altLang="ja-JP" sz="1200" b="1" dirty="0">
                 <a:solidFill>
-                  <a:schemeClr val="accent3"/>
+                  <a:schemeClr val="bg1"/>
                 </a:solidFill>
               </a:rPr>
               <a:t>or</a:t>
@@ -13334,9 +13334,9 @@
           <a:p>
             <a:pPr algn="ctr"/>
             <a:r>
-              <a:rPr kumimoji="1" lang="ja-JP" altLang="en-US" sz="1000" dirty="0">
+              <a:rPr kumimoji="1" lang="ja-JP" altLang="en-US" sz="1200" b="1" dirty="0">
                 <a:solidFill>
-                  <a:schemeClr val="accent3"/>
+                  <a:schemeClr val="bg1"/>
                 </a:solidFill>
               </a:rPr>
               <a:t>モバイルアプリ開発</a:t>
@@ -13358,8 +13358,8 @@
         </p:nvSpPr>
         <p:spPr>
           <a:xfrm>
-            <a:off x="2784871" y="4428652"/>
-            <a:ext cx="796209" cy="304481"/>
+            <a:off x="2628266" y="4471018"/>
+            <a:ext cx="861635" cy="304481"/>
           </a:xfrm>
           <a:prstGeom prst="wedgeRoundRectCallout">
             <a:avLst>
@@ -13397,9 +13397,9 @@
           <a:p>
             <a:pPr algn="ctr"/>
             <a:r>
-              <a:rPr kumimoji="1" lang="ja-JP" altLang="en-US" sz="1000" dirty="0">
+              <a:rPr kumimoji="1" lang="ja-JP" altLang="en-US" sz="1200" b="1" dirty="0">
                 <a:solidFill>
-                  <a:schemeClr val="accent3"/>
+                  <a:schemeClr val="bg1"/>
                 </a:solidFill>
               </a:rPr>
               <a:t>成果発表</a:t>
@@ -13421,8 +13421,8 @@
         </p:nvSpPr>
         <p:spPr>
           <a:xfrm>
-            <a:off x="348159" y="2145072"/>
-            <a:ext cx="927059" cy="304481"/>
+            <a:off x="414670" y="2187438"/>
+            <a:ext cx="801431" cy="304481"/>
           </a:xfrm>
           <a:prstGeom prst="wedgeRoundRectCallout">
             <a:avLst>
@@ -13460,17 +13460,17 @@
           <a:p>
             <a:pPr algn="ctr"/>
             <a:r>
-              <a:rPr kumimoji="1" lang="en-US" altLang="ja-JP" sz="1000" dirty="0">
+              <a:rPr kumimoji="1" lang="en-US" altLang="ja-JP" sz="1200" b="1" dirty="0">
                 <a:solidFill>
-                  <a:schemeClr val="accent3"/>
+                  <a:schemeClr val="bg1"/>
                 </a:solidFill>
               </a:rPr>
               <a:t>UX</a:t>
             </a:r>
             <a:r>
-              <a:rPr kumimoji="1" lang="ja-JP" altLang="en-US" sz="1000" dirty="0">
+              <a:rPr kumimoji="1" lang="ja-JP" altLang="en-US" sz="1200" b="1" dirty="0">
                 <a:solidFill>
-                  <a:schemeClr val="accent3"/>
+                  <a:schemeClr val="bg1"/>
                 </a:solidFill>
               </a:rPr>
               <a:t>定義</a:t>
@@ -13492,7 +13492,7 @@
         </p:nvSpPr>
         <p:spPr>
           <a:xfrm>
-            <a:off x="284499" y="3258146"/>
+            <a:off x="235852" y="3300512"/>
             <a:ext cx="927059" cy="304481"/>
           </a:xfrm>
           <a:prstGeom prst="wedgeRoundRectCallout">
@@ -13531,17 +13531,17 @@
           <a:p>
             <a:pPr algn="ctr"/>
             <a:r>
-              <a:rPr kumimoji="1" lang="en-US" altLang="ja-JP" sz="1000" dirty="0">
+              <a:rPr kumimoji="1" lang="en-US" altLang="ja-JP" sz="1200" b="1" dirty="0">
                 <a:solidFill>
-                  <a:schemeClr val="accent3"/>
+                  <a:schemeClr val="bg1"/>
                 </a:solidFill>
               </a:rPr>
               <a:t>UI</a:t>
             </a:r>
             <a:r>
-              <a:rPr kumimoji="1" lang="ja-JP" altLang="en-US" sz="1000" dirty="0">
+              <a:rPr kumimoji="1" lang="ja-JP" altLang="en-US" sz="1200" b="1" dirty="0">
                 <a:solidFill>
-                  <a:schemeClr val="accent3"/>
+                  <a:schemeClr val="bg1"/>
                 </a:solidFill>
               </a:rPr>
               <a:t>作成</a:t>
@@ -13563,8 +13563,8 @@
         </p:nvSpPr>
         <p:spPr>
           <a:xfrm>
-            <a:off x="180761" y="2630591"/>
-            <a:ext cx="1052063" cy="304481"/>
+            <a:off x="67870" y="2695835"/>
+            <a:ext cx="1172392" cy="304481"/>
           </a:xfrm>
           <a:prstGeom prst="wedgeRoundRectCallout">
             <a:avLst>
@@ -13602,9 +13602,9 @@
           <a:p>
             <a:pPr algn="ctr"/>
             <a:r>
-              <a:rPr kumimoji="1" lang="ja-JP" altLang="en-US" sz="1000" dirty="0">
+              <a:rPr kumimoji="1" lang="ja-JP" altLang="en-US" sz="1200" b="1" dirty="0">
                 <a:solidFill>
-                  <a:schemeClr val="accent3"/>
+                  <a:schemeClr val="bg1"/>
                 </a:solidFill>
               </a:rPr>
               <a:t>インタビュー</a:t>
@@ -13626,13 +13626,13 @@
         </p:nvSpPr>
         <p:spPr>
           <a:xfrm>
-            <a:off x="4083775" y="1429419"/>
-            <a:ext cx="2046768" cy="304481"/>
+            <a:off x="4534708" y="1380811"/>
+            <a:ext cx="1509896" cy="430514"/>
           </a:xfrm>
           <a:prstGeom prst="wedgeRoundRectCallout">
             <a:avLst>
-              <a:gd name="adj1" fmla="val 5408"/>
-              <a:gd name="adj2" fmla="val 86944"/>
+              <a:gd name="adj1" fmla="val 7521"/>
+              <a:gd name="adj2" fmla="val 94353"/>
               <a:gd name="adj3" fmla="val 16667"/>
             </a:avLst>
           </a:prstGeom>
@@ -13665,12 +13665,28 @@
           <a:p>
             <a:pPr algn="ctr"/>
             <a:r>
-              <a:rPr kumimoji="1" lang="ja-JP" altLang="en-US" sz="1000" dirty="0">
+              <a:rPr kumimoji="1" lang="ja-JP" altLang="en-US" sz="1200" b="1" dirty="0">
                 <a:solidFill>
-                  <a:schemeClr val="accent3"/>
+                  <a:schemeClr val="bg1"/>
                 </a:solidFill>
               </a:rPr>
-              <a:t>会津若松市の地域コミュニティ</a:t>
+              <a:t>会津若松市の</a:t>
+            </a:r>
+            <a:endParaRPr kumimoji="1" lang="en-US" altLang="ja-JP" sz="1200" b="1" dirty="0">
+              <a:solidFill>
+                <a:schemeClr val="bg1"/>
+              </a:solidFill>
+            </a:endParaRPr>
+          </a:p>
+          <a:p>
+            <a:pPr algn="ctr"/>
+            <a:r>
+              <a:rPr kumimoji="1" lang="ja-JP" altLang="en-US" sz="1200" b="1" dirty="0">
+                <a:solidFill>
+                  <a:schemeClr val="bg1"/>
+                </a:solidFill>
+              </a:rPr>
+              <a:t>地域コミュニティ</a:t>
             </a:r>
           </a:p>
         </p:txBody>
@@ -13689,8 +13705,8 @@
         </p:nvSpPr>
         <p:spPr>
           <a:xfrm>
-            <a:off x="7839494" y="1413559"/>
-            <a:ext cx="1172392" cy="608962"/>
+            <a:off x="7702136" y="1379900"/>
+            <a:ext cx="1309750" cy="608962"/>
           </a:xfrm>
           <a:prstGeom prst="wedgeRoundRectCallout">
             <a:avLst>
@@ -13728,14 +13744,14 @@
           <a:p>
             <a:pPr algn="ctr"/>
             <a:r>
-              <a:rPr kumimoji="1" lang="ja-JP" altLang="en-US" sz="1000" dirty="0">
+              <a:rPr kumimoji="1" lang="ja-JP" altLang="en-US" sz="1200" b="1" dirty="0">
                 <a:solidFill>
                   <a:schemeClr val="bg1"/>
                 </a:solidFill>
               </a:rPr>
               <a:t>地域課題</a:t>
             </a:r>
-            <a:endParaRPr kumimoji="1" lang="en-US" altLang="ja-JP" sz="1000" dirty="0">
+            <a:endParaRPr kumimoji="1" lang="en-US" altLang="ja-JP" sz="1200" b="1" dirty="0">
               <a:solidFill>
                 <a:schemeClr val="bg1"/>
               </a:solidFill>
@@ -13744,14 +13760,14 @@
           <a:p>
             <a:pPr algn="ctr"/>
             <a:r>
-              <a:rPr kumimoji="1" lang="ja-JP" altLang="en-US" sz="1000" dirty="0">
+              <a:rPr kumimoji="1" lang="ja-JP" altLang="en-US" sz="1200" b="1" dirty="0">
                 <a:solidFill>
                   <a:schemeClr val="bg1"/>
                 </a:solidFill>
               </a:rPr>
               <a:t>スペシャリスト</a:t>
             </a:r>
-            <a:endParaRPr kumimoji="1" lang="en-US" altLang="ja-JP" sz="1000" dirty="0">
+            <a:endParaRPr kumimoji="1" lang="en-US" altLang="ja-JP" sz="1200" b="1" dirty="0">
               <a:solidFill>
                 <a:schemeClr val="bg1"/>
               </a:solidFill>
@@ -13760,7 +13776,7 @@
           <a:p>
             <a:pPr algn="ctr"/>
             <a:r>
-              <a:rPr kumimoji="1" lang="en-US" altLang="ja-JP" sz="1000" dirty="0">
+              <a:rPr kumimoji="1" lang="en-US" altLang="ja-JP" sz="1200" b="1" dirty="0">
                 <a:solidFill>
                   <a:schemeClr val="bg1"/>
                 </a:solidFill>
@@ -13768,7 +13784,7 @@
               <a:t>(</a:t>
             </a:r>
             <a:r>
-              <a:rPr kumimoji="1" lang="ja-JP" altLang="en-US" sz="1000" dirty="0">
+              <a:rPr kumimoji="1" lang="ja-JP" altLang="en-US" sz="1200" b="1" dirty="0">
                 <a:solidFill>
                   <a:schemeClr val="bg1"/>
                 </a:solidFill>
@@ -13776,14 +13792,14 @@
               <a:t>会津若松市</a:t>
             </a:r>
             <a:r>
-              <a:rPr kumimoji="1" lang="en-US" altLang="ja-JP" sz="1000" dirty="0">
+              <a:rPr kumimoji="1" lang="en-US" altLang="ja-JP" sz="1200" b="1" dirty="0">
                 <a:solidFill>
                   <a:schemeClr val="bg1"/>
                 </a:solidFill>
               </a:rPr>
               <a:t>)</a:t>
             </a:r>
-            <a:endParaRPr kumimoji="1" lang="ja-JP" altLang="en-US" sz="1000" dirty="0">
+            <a:endParaRPr kumimoji="1" lang="ja-JP" altLang="en-US" sz="1200" b="1" dirty="0">
               <a:solidFill>
                 <a:schemeClr val="bg1"/>
               </a:solidFill>
@@ -13805,7 +13821,7 @@
         </p:nvSpPr>
         <p:spPr>
           <a:xfrm>
-            <a:off x="797449" y="3682968"/>
+            <a:off x="748802" y="3725334"/>
             <a:ext cx="514415" cy="304481"/>
           </a:xfrm>
           <a:prstGeom prst="wedgeRoundRectCallout">
@@ -13844,16 +13860,16 @@
           <a:p>
             <a:pPr algn="ctr"/>
             <a:r>
-              <a:rPr kumimoji="1" lang="en-US" altLang="ja-JP" sz="1000" dirty="0">
+              <a:rPr kumimoji="1" lang="en-US" altLang="ja-JP" sz="1200" b="1" dirty="0">
                 <a:solidFill>
-                  <a:schemeClr val="accent3"/>
+                  <a:schemeClr val="bg1"/>
                 </a:solidFill>
               </a:rPr>
               <a:t>Git</a:t>
             </a:r>
-            <a:endParaRPr kumimoji="1" lang="ja-JP" altLang="en-US" sz="1000" dirty="0">
+            <a:endParaRPr kumimoji="1" lang="ja-JP" altLang="en-US" sz="1200" b="1" dirty="0">
               <a:solidFill>
-                <a:schemeClr val="accent3"/>
+                <a:schemeClr val="bg1"/>
               </a:solidFill>
             </a:endParaRPr>
           </a:p>
@@ -13873,8 +13889,8 @@
         </p:nvSpPr>
         <p:spPr>
           <a:xfrm>
-            <a:off x="719702" y="4132955"/>
-            <a:ext cx="796208" cy="304481"/>
+            <a:off x="605628" y="4175321"/>
+            <a:ext cx="861635" cy="304481"/>
           </a:xfrm>
           <a:prstGeom prst="wedgeRoundRectCallout">
             <a:avLst>
@@ -13912,9 +13928,9 @@
           <a:p>
             <a:pPr algn="ctr"/>
             <a:r>
-              <a:rPr kumimoji="1" lang="ja-JP" altLang="en-US" sz="1000" dirty="0">
+              <a:rPr kumimoji="1" lang="ja-JP" altLang="en-US" sz="1200" b="1" dirty="0">
                 <a:solidFill>
-                  <a:schemeClr val="accent3"/>
+                  <a:schemeClr val="bg1"/>
                 </a:solidFill>
               </a:rPr>
               <a:t>かんばん</a:t>
@@ -13936,13 +13952,13 @@
         </p:nvSpPr>
         <p:spPr>
           <a:xfrm>
-            <a:off x="7836469" y="4144787"/>
-            <a:ext cx="1172392" cy="456722"/>
+            <a:off x="7791826" y="4187153"/>
+            <a:ext cx="1313649" cy="456722"/>
           </a:xfrm>
           <a:prstGeom prst="wedgeRoundRectCallout">
             <a:avLst>
-              <a:gd name="adj1" fmla="val -58803"/>
-              <a:gd name="adj2" fmla="val -45236"/>
+              <a:gd name="adj1" fmla="val -36949"/>
+              <a:gd name="adj2" fmla="val -89468"/>
               <a:gd name="adj3" fmla="val 16667"/>
             </a:avLst>
           </a:prstGeom>
@@ -13975,14 +13991,14 @@
           <a:p>
             <a:pPr algn="ctr"/>
             <a:r>
-              <a:rPr kumimoji="1" lang="ja-JP" altLang="en-US" sz="1000" dirty="0">
+              <a:rPr kumimoji="1" lang="ja-JP" altLang="en-US" sz="1200" b="1" dirty="0">
                 <a:solidFill>
                   <a:schemeClr val="bg1"/>
                 </a:solidFill>
               </a:rPr>
               <a:t>現場エンジニア</a:t>
             </a:r>
-            <a:endParaRPr kumimoji="1" lang="en-US" altLang="ja-JP" sz="1000" dirty="0">
+            <a:endParaRPr kumimoji="1" lang="en-US" altLang="ja-JP" sz="1200" b="1" dirty="0">
               <a:solidFill>
                 <a:schemeClr val="bg1"/>
               </a:solidFill>
@@ -13991,14 +14007,14 @@
           <a:p>
             <a:pPr algn="ctr"/>
             <a:r>
-              <a:rPr kumimoji="1" lang="en-US" altLang="ja-JP" sz="1000" dirty="0">
+              <a:rPr kumimoji="1" lang="en-US" altLang="ja-JP" sz="1200" b="1" dirty="0">
                 <a:solidFill>
                   <a:schemeClr val="bg1"/>
                 </a:solidFill>
               </a:rPr>
               <a:t>(TIS)</a:t>
             </a:r>
-            <a:endParaRPr kumimoji="1" lang="ja-JP" altLang="en-US" sz="1000" dirty="0">
+            <a:endParaRPr kumimoji="1" lang="ja-JP" altLang="en-US" sz="1200" b="1" dirty="0">
               <a:solidFill>
                 <a:schemeClr val="bg1"/>
               </a:solidFill>
@@ -14020,13 +14036,13 @@
         </p:nvSpPr>
         <p:spPr>
           <a:xfrm>
-            <a:off x="6612003" y="4568345"/>
-            <a:ext cx="1090133" cy="456722"/>
+            <a:off x="6588757" y="4619439"/>
+            <a:ext cx="1179823" cy="407442"/>
           </a:xfrm>
           <a:prstGeom prst="wedgeRoundRectCallout">
             <a:avLst>
-              <a:gd name="adj1" fmla="val -27280"/>
-              <a:gd name="adj2" fmla="val -83712"/>
+              <a:gd name="adj1" fmla="val -13762"/>
+              <a:gd name="adj2" fmla="val -96760"/>
               <a:gd name="adj3" fmla="val 16667"/>
             </a:avLst>
           </a:prstGeom>
@@ -14059,14 +14075,14 @@
           <a:p>
             <a:pPr algn="ctr"/>
             <a:r>
-              <a:rPr kumimoji="1" lang="ja-JP" altLang="en-US" sz="1000" dirty="0">
+              <a:rPr kumimoji="1" lang="ja-JP" altLang="en-US" sz="1200" b="1" dirty="0">
                 <a:solidFill>
                   <a:schemeClr val="bg1"/>
                 </a:solidFill>
               </a:rPr>
               <a:t>運営サポート </a:t>
             </a:r>
-            <a:endParaRPr kumimoji="1" lang="en-US" altLang="ja-JP" sz="1000" dirty="0">
+            <a:endParaRPr kumimoji="1" lang="en-US" altLang="ja-JP" sz="1200" b="1" dirty="0">
               <a:solidFill>
                 <a:schemeClr val="bg1"/>
               </a:solidFill>
@@ -14075,7 +14091,7 @@
           <a:p>
             <a:pPr algn="ctr"/>
             <a:r>
-              <a:rPr kumimoji="1" lang="en-US" altLang="ja-JP" sz="1000" dirty="0">
+              <a:rPr kumimoji="1" lang="en-US" altLang="ja-JP" sz="1200" b="1" dirty="0">
                 <a:solidFill>
                   <a:schemeClr val="bg1"/>
                 </a:solidFill>
@@ -14083,7 +14099,7 @@
               <a:t>(</a:t>
             </a:r>
             <a:r>
-              <a:rPr kumimoji="1" lang="ja-JP" altLang="en-US" sz="1000" dirty="0">
+              <a:rPr kumimoji="1" lang="ja-JP" altLang="en-US" sz="1200" b="1" dirty="0">
                 <a:solidFill>
                   <a:schemeClr val="bg1"/>
                 </a:solidFill>
@@ -14091,14 +14107,14 @@
               <a:t>会津大学</a:t>
             </a:r>
             <a:r>
-              <a:rPr kumimoji="1" lang="en-US" altLang="ja-JP" sz="1000" dirty="0">
+              <a:rPr kumimoji="1" lang="en-US" altLang="ja-JP" sz="1200" b="1" dirty="0">
                 <a:solidFill>
                   <a:schemeClr val="bg1"/>
                 </a:solidFill>
               </a:rPr>
               <a:t>)</a:t>
             </a:r>
-            <a:endParaRPr kumimoji="1" lang="ja-JP" altLang="en-US" sz="1000" dirty="0">
+            <a:endParaRPr kumimoji="1" lang="ja-JP" altLang="en-US" sz="1200" b="1" dirty="0">
               <a:solidFill>
                 <a:schemeClr val="bg1"/>
               </a:solidFill>
@@ -14120,8 +14136,8 @@
         </p:nvSpPr>
         <p:spPr>
           <a:xfrm>
-            <a:off x="3752796" y="4482985"/>
-            <a:ext cx="796209" cy="304481"/>
+            <a:off x="3553659" y="4387122"/>
+            <a:ext cx="861635" cy="304481"/>
           </a:xfrm>
           <a:prstGeom prst="wedgeRoundRectCallout">
             <a:avLst>
@@ -14159,9 +14175,9 @@
           <a:p>
             <a:pPr algn="ctr"/>
             <a:r>
-              <a:rPr kumimoji="1" lang="ja-JP" altLang="en-US" sz="1000" dirty="0">
+              <a:rPr kumimoji="1" lang="ja-JP" altLang="en-US" sz="1200" b="1" dirty="0">
                 <a:solidFill>
-                  <a:schemeClr val="accent3"/>
+                  <a:schemeClr val="bg1"/>
                 </a:solidFill>
               </a:rPr>
               <a:t>地域資源</a:t>
@@ -14183,8 +14199,8 @@
         </p:nvSpPr>
         <p:spPr>
           <a:xfrm>
-            <a:off x="4625847" y="4592990"/>
-            <a:ext cx="861635" cy="304481"/>
+            <a:off x="4436876" y="4635356"/>
+            <a:ext cx="1001960" cy="304481"/>
           </a:xfrm>
           <a:prstGeom prst="wedgeRoundRectCallout">
             <a:avLst>
@@ -14222,9 +14238,9 @@
           <a:p>
             <a:pPr algn="ctr"/>
             <a:r>
-              <a:rPr kumimoji="1" lang="ja-JP" altLang="en-US" sz="1000" dirty="0">
+              <a:rPr kumimoji="1" lang="ja-JP" altLang="en-US" sz="1200" b="1" dirty="0">
                 <a:solidFill>
-                  <a:schemeClr val="accent3"/>
+                  <a:schemeClr val="bg1"/>
                 </a:solidFill>
               </a:rPr>
               <a:t>地域の課題</a:t>
@@ -14246,8 +14262,8 @@
         </p:nvSpPr>
         <p:spPr>
           <a:xfrm>
-            <a:off x="5524021" y="4325691"/>
-            <a:ext cx="861635" cy="304481"/>
+            <a:off x="5475374" y="4368057"/>
+            <a:ext cx="1046939" cy="407442"/>
           </a:xfrm>
           <a:prstGeom prst="wedgeRoundRectCallout">
             <a:avLst>
@@ -14285,25 +14301,25 @@
           <a:p>
             <a:pPr algn="ctr"/>
             <a:r>
-              <a:rPr kumimoji="1" lang="ja-JP" altLang="en-US" sz="1000" dirty="0">
+              <a:rPr kumimoji="1" lang="ja-JP" altLang="en-US" sz="1200" b="1" dirty="0">
                 <a:solidFill>
-                  <a:schemeClr val="accent3"/>
+                  <a:schemeClr val="bg1"/>
                 </a:solidFill>
               </a:rPr>
               <a:t>地域に</a:t>
             </a:r>
-            <a:endParaRPr kumimoji="1" lang="en-US" altLang="ja-JP" sz="1000" dirty="0">
+            <a:endParaRPr kumimoji="1" lang="en-US" altLang="ja-JP" sz="1200" b="1" dirty="0">
               <a:solidFill>
-                <a:schemeClr val="accent3"/>
+                <a:schemeClr val="bg1"/>
               </a:solidFill>
             </a:endParaRPr>
           </a:p>
           <a:p>
             <a:pPr algn="ctr"/>
             <a:r>
-              <a:rPr kumimoji="1" lang="ja-JP" altLang="en-US" sz="1000" dirty="0">
+              <a:rPr kumimoji="1" lang="ja-JP" altLang="en-US" sz="1200" b="1" dirty="0">
                 <a:solidFill>
-                  <a:schemeClr val="accent3"/>
+                  <a:schemeClr val="bg1"/>
                 </a:solidFill>
               </a:rPr>
               <a:t>欲しい機能</a:t>
@@ -14325,8 +14341,8 @@
         </p:nvSpPr>
         <p:spPr>
           <a:xfrm>
-            <a:off x="275899" y="1692636"/>
-            <a:ext cx="1024936" cy="304481"/>
+            <a:off x="69326" y="1735002"/>
+            <a:ext cx="1172392" cy="304481"/>
           </a:xfrm>
           <a:prstGeom prst="wedgeRoundRectCallout">
             <a:avLst>
@@ -14364,9 +14380,9 @@
           <a:p>
             <a:pPr algn="ctr"/>
             <a:r>
-              <a:rPr kumimoji="1" lang="ja-JP" altLang="en-US" sz="1000" dirty="0">
+              <a:rPr kumimoji="1" lang="ja-JP" altLang="en-US" sz="1200" b="1" dirty="0">
                 <a:solidFill>
-                  <a:schemeClr val="accent3"/>
+                  <a:schemeClr val="bg1"/>
                 </a:solidFill>
               </a:rPr>
               <a:t>ペルソナ作成</a:t>
@@ -17199,6 +17215,134 @@
           <a:chExt cx="0" cy="0"/>
         </a:xfrm>
       </p:grpSpPr>
+      <p:grpSp>
+        <p:nvGrpSpPr>
+          <p:cNvPr id="2" name="グループ化 1">
+            <a:extLst>
+              <a:ext uri="{FF2B5EF4-FFF2-40B4-BE49-F238E27FC236}">
+                <a16:creationId xmlns:a16="http://schemas.microsoft.com/office/drawing/2014/main" id="{53C909F4-A8C9-48F0-A933-1E4C035C6034}"/>
+              </a:ext>
+            </a:extLst>
+          </p:cNvPr>
+          <p:cNvGrpSpPr/>
+          <p:nvPr/>
+        </p:nvGrpSpPr>
+        <p:grpSpPr>
+          <a:xfrm>
+            <a:off x="2893992" y="4000960"/>
+            <a:ext cx="334744" cy="334744"/>
+            <a:chOff x="2893992" y="4000960"/>
+            <a:chExt cx="334744" cy="334744"/>
+          </a:xfrm>
+        </p:grpSpPr>
+        <p:sp>
+          <p:nvSpPr>
+            <p:cNvPr id="466" name="Google Shape;466;p38"/>
+            <p:cNvSpPr/>
+            <p:nvPr/>
+          </p:nvSpPr>
+          <p:spPr>
+            <a:xfrm rot="18900000">
+              <a:off x="2893992" y="4000960"/>
+              <a:ext cx="334744" cy="334744"/>
+            </a:xfrm>
+            <a:prstGeom prst="teardrop">
+              <a:avLst>
+                <a:gd name="adj" fmla="val 100000"/>
+              </a:avLst>
+            </a:prstGeom>
+            <a:solidFill>
+              <a:srgbClr val="FFC000"/>
+            </a:solidFill>
+            <a:ln>
+              <a:noFill/>
+            </a:ln>
+          </p:spPr>
+          <p:txBody>
+            <a:bodyPr spcFirstLastPara="1" wrap="square" lIns="91425" tIns="91425" rIns="91425" bIns="91425" anchor="ctr" anchorCtr="0">
+              <a:noAutofit/>
+            </a:bodyPr>
+            <a:lstStyle/>
+            <a:p>
+              <a:pPr marL="0" lvl="0" indent="0" algn="l" rtl="0">
+                <a:spcBef>
+                  <a:spcPts val="0"/>
+                </a:spcBef>
+                <a:spcAft>
+                  <a:spcPts val="0"/>
+                </a:spcAft>
+                <a:buNone/>
+              </a:pPr>
+              <a:endParaRPr>
+                <a:latin typeface="Montserrat"/>
+                <a:ea typeface="Montserrat"/>
+                <a:cs typeface="Montserrat"/>
+                <a:sym typeface="Montserrat"/>
+              </a:endParaRPr>
+            </a:p>
+          </p:txBody>
+        </p:sp>
+        <p:sp>
+          <p:nvSpPr>
+            <p:cNvPr id="467" name="Google Shape;467;p38"/>
+            <p:cNvSpPr/>
+            <p:nvPr/>
+          </p:nvSpPr>
+          <p:spPr>
+            <a:xfrm flipH="1">
+              <a:off x="2994314" y="4107834"/>
+              <a:ext cx="134100" cy="134100"/>
+            </a:xfrm>
+            <a:prstGeom prst="ellipse">
+              <a:avLst/>
+            </a:prstGeom>
+            <a:solidFill>
+              <a:schemeClr val="bg1"/>
+            </a:solidFill>
+            <a:ln>
+              <a:noFill/>
+            </a:ln>
+          </p:spPr>
+          <p:txBody>
+            <a:bodyPr spcFirstLastPara="1" wrap="square" lIns="0" tIns="0" rIns="0" bIns="0" anchor="ctr" anchorCtr="0">
+              <a:noAutofit/>
+            </a:bodyPr>
+            <a:lstStyle/>
+            <a:p>
+              <a:pPr marL="0" lvl="0" indent="0" algn="ctr" rtl="0">
+                <a:spcBef>
+                  <a:spcPts val="0"/>
+                </a:spcBef>
+                <a:spcAft>
+                  <a:spcPts val="0"/>
+                </a:spcAft>
+                <a:buNone/>
+              </a:pPr>
+              <a:r>
+                <a:rPr lang="en" sz="600" dirty="0">
+                  <a:solidFill>
+                    <a:schemeClr val="dk2"/>
+                  </a:solidFill>
+                  <a:latin typeface="Montserrat"/>
+                  <a:ea typeface="Montserrat"/>
+                  <a:cs typeface="Montserrat"/>
+                  <a:sym typeface="Montserrat"/>
+                </a:rPr>
+                <a:t>2</a:t>
+              </a:r>
+              <a:endParaRPr sz="600" dirty="0">
+                <a:solidFill>
+                  <a:schemeClr val="dk2"/>
+                </a:solidFill>
+                <a:latin typeface="Montserrat"/>
+                <a:ea typeface="Montserrat"/>
+                <a:cs typeface="Montserrat"/>
+                <a:sym typeface="Montserrat"/>
+              </a:endParaRPr>
+            </a:p>
+          </p:txBody>
+        </p:sp>
+      </p:grpSp>
       <p:sp>
         <p:nvSpPr>
           <p:cNvPr id="446" name="Google Shape;446;p38"/>
@@ -17211,7 +17355,7 @@
         </p:nvSpPr>
         <p:spPr>
           <a:xfrm>
-            <a:off x="691200" y="628125"/>
+            <a:off x="691200" y="543065"/>
             <a:ext cx="7761600" cy="493500"/>
           </a:xfrm>
           <a:prstGeom prst="rect">
@@ -18255,128 +18399,6 @@
           </p:txBody>
         </p:sp>
       </p:grpSp>
-      <p:grpSp>
-        <p:nvGrpSpPr>
-          <p:cNvPr id="465" name="Google Shape;465;p38"/>
-          <p:cNvGrpSpPr/>
-          <p:nvPr/>
-        </p:nvGrpSpPr>
-        <p:grpSpPr>
-          <a:xfrm>
-            <a:off x="2824664" y="3931632"/>
-            <a:ext cx="473400" cy="473400"/>
-            <a:chOff x="2824664" y="3576300"/>
-            <a:chExt cx="473400" cy="473400"/>
-          </a:xfrm>
-        </p:grpSpPr>
-        <p:sp>
-          <p:nvSpPr>
-            <p:cNvPr id="466" name="Google Shape;466;p38"/>
-            <p:cNvSpPr/>
-            <p:nvPr/>
-          </p:nvSpPr>
-          <p:spPr>
-            <a:xfrm rot="-2700000">
-              <a:off x="2893992" y="3645628"/>
-              <a:ext cx="334744" cy="334744"/>
-            </a:xfrm>
-            <a:prstGeom prst="teardrop">
-              <a:avLst>
-                <a:gd name="adj" fmla="val 100000"/>
-              </a:avLst>
-            </a:prstGeom>
-            <a:solidFill>
-              <a:schemeClr val="accent2"/>
-            </a:solidFill>
-            <a:ln>
-              <a:noFill/>
-            </a:ln>
-          </p:spPr>
-          <p:txBody>
-            <a:bodyPr spcFirstLastPara="1" wrap="square" lIns="91425" tIns="91425" rIns="91425" bIns="91425" anchor="ctr" anchorCtr="0">
-              <a:noAutofit/>
-            </a:bodyPr>
-            <a:lstStyle/>
-            <a:p>
-              <a:pPr marL="0" lvl="0" indent="0" algn="l" rtl="0">
-                <a:spcBef>
-                  <a:spcPts val="0"/>
-                </a:spcBef>
-                <a:spcAft>
-                  <a:spcPts val="0"/>
-                </a:spcAft>
-                <a:buNone/>
-              </a:pPr>
-              <a:endParaRPr>
-                <a:latin typeface="Montserrat"/>
-                <a:ea typeface="Montserrat"/>
-                <a:cs typeface="Montserrat"/>
-                <a:sym typeface="Montserrat"/>
-              </a:endParaRPr>
-            </a:p>
-          </p:txBody>
-        </p:sp>
-        <p:sp>
-          <p:nvSpPr>
-            <p:cNvPr id="467" name="Google Shape;467;p38"/>
-            <p:cNvSpPr/>
-            <p:nvPr/>
-          </p:nvSpPr>
-          <p:spPr>
-            <a:xfrm flipH="1">
-              <a:off x="2994314" y="3752502"/>
-              <a:ext cx="134100" cy="134100"/>
-            </a:xfrm>
-            <a:prstGeom prst="ellipse">
-              <a:avLst/>
-            </a:prstGeom>
-            <a:solidFill>
-              <a:schemeClr val="lt1"/>
-            </a:solidFill>
-            <a:ln>
-              <a:noFill/>
-            </a:ln>
-          </p:spPr>
-          <p:txBody>
-            <a:bodyPr spcFirstLastPara="1" wrap="square" lIns="0" tIns="0" rIns="0" bIns="0" anchor="ctr" anchorCtr="0">
-              <a:noAutofit/>
-            </a:bodyPr>
-            <a:lstStyle/>
-            <a:p>
-              <a:pPr marL="0" lvl="0" indent="0" algn="ctr" rtl="0">
-                <a:spcBef>
-                  <a:spcPts val="0"/>
-                </a:spcBef>
-                <a:spcAft>
-                  <a:spcPts val="0"/>
-                </a:spcAft>
-                <a:buNone/>
-              </a:pPr>
-              <a:r>
-                <a:rPr lang="en" sz="600">
-                  <a:solidFill>
-                    <a:schemeClr val="dk2"/>
-                  </a:solidFill>
-                  <a:latin typeface="Montserrat"/>
-                  <a:ea typeface="Montserrat"/>
-                  <a:cs typeface="Montserrat"/>
-                  <a:sym typeface="Montserrat"/>
-                </a:rPr>
-                <a:t>2</a:t>
-              </a:r>
-              <a:endParaRPr sz="600">
-                <a:solidFill>
-                  <a:schemeClr val="dk2"/>
-                </a:solidFill>
-                <a:latin typeface="Montserrat"/>
-                <a:ea typeface="Montserrat"/>
-                <a:cs typeface="Montserrat"/>
-                <a:sym typeface="Montserrat"/>
-              </a:endParaRPr>
-            </a:p>
-          </p:txBody>
-        </p:sp>
-      </p:grpSp>
       <p:sp>
         <p:nvSpPr>
           <p:cNvPr id="468" name="Google Shape;468;p38"/>
@@ -18417,7 +18439,7 @@
             <a:r>
               <a:rPr lang="ja-JP" altLang="en-US" sz="1200" b="1" u="sng" dirty="0">
                 <a:solidFill>
-                  <a:schemeClr val="dk2"/>
+                  <a:schemeClr val="accent3"/>
                 </a:solidFill>
                 <a:latin typeface="游ゴシック" panose="020B0400000000000000" pitchFamily="50" charset="-128"/>
                 <a:ea typeface="游ゴシック" panose="020B0400000000000000" pitchFamily="50" charset="-128"/>
@@ -18429,7 +18451,7 @@
             <a:r>
               <a:rPr lang="en-US" altLang="ja-JP" sz="1200" b="1" u="sng" dirty="0">
                 <a:solidFill>
-                  <a:schemeClr val="dk2"/>
+                  <a:schemeClr val="accent3"/>
                 </a:solidFill>
                 <a:latin typeface="游ゴシック" panose="020B0400000000000000" pitchFamily="50" charset="-128"/>
                 <a:ea typeface="游ゴシック" panose="020B0400000000000000" pitchFamily="50" charset="-128"/>
@@ -18441,7 +18463,7 @@
             <a:r>
               <a:rPr lang="ja-JP" altLang="en-US" sz="1200" b="1" u="sng" dirty="0">
                 <a:solidFill>
-                  <a:schemeClr val="dk2"/>
+                  <a:schemeClr val="accent3"/>
                 </a:solidFill>
                 <a:latin typeface="游ゴシック" panose="020B0400000000000000" pitchFamily="50" charset="-128"/>
                 <a:ea typeface="游ゴシック" panose="020B0400000000000000" pitchFamily="50" charset="-128"/>
@@ -18452,7 +18474,7 @@
             </a:r>
             <a:endParaRPr lang="en-US" altLang="ja-JP" sz="1200" b="1" u="sng" dirty="0">
               <a:solidFill>
-                <a:schemeClr val="dk2"/>
+                <a:schemeClr val="accent3"/>
               </a:solidFill>
               <a:latin typeface="游ゴシック" panose="020B0400000000000000" pitchFamily="50" charset="-128"/>
               <a:ea typeface="游ゴシック" panose="020B0400000000000000" pitchFamily="50" charset="-128"/>
@@ -18476,7 +18498,7 @@
             <a:r>
               <a:rPr lang="ja-JP" altLang="en-US" sz="1200" dirty="0">
                 <a:solidFill>
-                  <a:schemeClr val="dk2"/>
+                  <a:schemeClr val="accent3"/>
                 </a:solidFill>
                 <a:latin typeface="游ゴシック" panose="020B0400000000000000" pitchFamily="50" charset="-128"/>
                 <a:ea typeface="游ゴシック" panose="020B0400000000000000" pitchFamily="50" charset="-128"/>
@@ -18487,7 +18509,7 @@
             </a:r>
             <a:endParaRPr lang="en-US" altLang="ja-JP" sz="1200" dirty="0">
               <a:solidFill>
-                <a:schemeClr val="dk2"/>
+                <a:schemeClr val="accent3"/>
               </a:solidFill>
               <a:latin typeface="游ゴシック" panose="020B0400000000000000" pitchFamily="50" charset="-128"/>
               <a:ea typeface="游ゴシック" panose="020B0400000000000000" pitchFamily="50" charset="-128"/>
@@ -18511,7 +18533,7 @@
             <a:r>
               <a:rPr lang="ja-JP" altLang="en-US" sz="1200" dirty="0">
                 <a:solidFill>
-                  <a:schemeClr val="dk2"/>
+                  <a:schemeClr val="accent3"/>
                 </a:solidFill>
                 <a:latin typeface="游ゴシック" panose="020B0400000000000000" pitchFamily="50" charset="-128"/>
                 <a:ea typeface="游ゴシック" panose="020B0400000000000000" pitchFamily="50" charset="-128"/>
@@ -18522,7 +18544,7 @@
             </a:r>
             <a:endParaRPr lang="en-US" altLang="ja-JP" sz="1200" dirty="0">
               <a:solidFill>
-                <a:schemeClr val="dk2"/>
+                <a:schemeClr val="accent3"/>
               </a:solidFill>
               <a:latin typeface="游ゴシック" panose="020B0400000000000000" pitchFamily="50" charset="-128"/>
               <a:ea typeface="游ゴシック" panose="020B0400000000000000" pitchFamily="50" charset="-128"/>
@@ -18540,7 +18562,7 @@
         </p:nvSpPr>
         <p:spPr>
           <a:xfrm>
-            <a:off x="3091350" y="1518383"/>
+            <a:off x="3091350" y="1524063"/>
             <a:ext cx="1919527" cy="533400"/>
           </a:xfrm>
           <a:prstGeom prst="rect">
@@ -18572,7 +18594,7 @@
             <a:r>
               <a:rPr lang="ja-JP" altLang="en-US" sz="1200" b="1" u="sng" dirty="0">
                 <a:solidFill>
-                  <a:schemeClr val="dk2"/>
+                  <a:schemeClr val="accent3"/>
                 </a:solidFill>
                 <a:latin typeface="游ゴシック" panose="020B0400000000000000" pitchFamily="50" charset="-128"/>
                 <a:ea typeface="游ゴシック" panose="020B0400000000000000" pitchFamily="50" charset="-128"/>
@@ -18584,7 +18606,7 @@
             <a:r>
               <a:rPr lang="en-US" altLang="ja-JP" sz="1200" b="1" u="sng" dirty="0">
                 <a:solidFill>
-                  <a:schemeClr val="dk2"/>
+                  <a:schemeClr val="accent3"/>
                 </a:solidFill>
                 <a:latin typeface="游ゴシック" panose="020B0400000000000000" pitchFamily="50" charset="-128"/>
                 <a:ea typeface="游ゴシック" panose="020B0400000000000000" pitchFamily="50" charset="-128"/>
@@ -18596,7 +18618,7 @@
             <a:r>
               <a:rPr lang="ja-JP" altLang="en-US" sz="1200" b="1" u="sng" dirty="0">
                 <a:solidFill>
-                  <a:schemeClr val="dk2"/>
+                  <a:schemeClr val="accent3"/>
                 </a:solidFill>
                 <a:latin typeface="游ゴシック" panose="020B0400000000000000" pitchFamily="50" charset="-128"/>
                 <a:ea typeface="游ゴシック" panose="020B0400000000000000" pitchFamily="50" charset="-128"/>
@@ -18622,7 +18644,7 @@
             <a:r>
               <a:rPr lang="ja-JP" altLang="en-US" sz="1200" dirty="0">
                 <a:solidFill>
-                  <a:schemeClr val="dk2"/>
+                  <a:schemeClr val="accent3"/>
                 </a:solidFill>
                 <a:latin typeface="游ゴシック" panose="020B0400000000000000" pitchFamily="50" charset="-128"/>
                 <a:ea typeface="游ゴシック" panose="020B0400000000000000" pitchFamily="50" charset="-128"/>
@@ -18633,7 +18655,7 @@
             </a:r>
             <a:endParaRPr lang="en-US" altLang="ja-JP" sz="1200" dirty="0">
               <a:solidFill>
-                <a:schemeClr val="dk2"/>
+                <a:schemeClr val="accent3"/>
               </a:solidFill>
               <a:latin typeface="游ゴシック" panose="020B0400000000000000" pitchFamily="50" charset="-128"/>
               <a:ea typeface="游ゴシック" panose="020B0400000000000000" pitchFamily="50" charset="-128"/>
@@ -18657,7 +18679,7 @@
             <a:r>
               <a:rPr lang="ja-JP" altLang="en-US" sz="1200" dirty="0">
                 <a:solidFill>
-                  <a:schemeClr val="dk2"/>
+                  <a:schemeClr val="accent3"/>
                 </a:solidFill>
                 <a:latin typeface="游ゴシック" panose="020B0400000000000000" pitchFamily="50" charset="-128"/>
                 <a:ea typeface="游ゴシック" panose="020B0400000000000000" pitchFamily="50" charset="-128"/>
@@ -18669,7 +18691,7 @@
             <a:r>
               <a:rPr lang="en-US" altLang="ja-JP" sz="1200" dirty="0">
                 <a:solidFill>
-                  <a:schemeClr val="dk2"/>
+                  <a:schemeClr val="accent3"/>
                 </a:solidFill>
                 <a:latin typeface="游ゴシック" panose="020B0400000000000000" pitchFamily="50" charset="-128"/>
                 <a:ea typeface="游ゴシック" panose="020B0400000000000000" pitchFamily="50" charset="-128"/>
@@ -18681,7 +18703,7 @@
             <a:r>
               <a:rPr lang="ja-JP" altLang="en-US" sz="1200" dirty="0">
                 <a:solidFill>
-                  <a:schemeClr val="dk2"/>
+                  <a:schemeClr val="accent3"/>
                 </a:solidFill>
                 <a:latin typeface="游ゴシック" panose="020B0400000000000000" pitchFamily="50" charset="-128"/>
                 <a:ea typeface="游ゴシック" panose="020B0400000000000000" pitchFamily="50" charset="-128"/>
@@ -18692,7 +18714,7 @@
             </a:r>
             <a:endParaRPr lang="en-US" altLang="ja-JP" sz="1200" dirty="0">
               <a:solidFill>
-                <a:schemeClr val="dk2"/>
+                <a:schemeClr val="accent3"/>
               </a:solidFill>
               <a:latin typeface="游ゴシック" panose="020B0400000000000000" pitchFamily="50" charset="-128"/>
               <a:ea typeface="游ゴシック" panose="020B0400000000000000" pitchFamily="50" charset="-128"/>
@@ -18715,7 +18737,7 @@
             </a:pPr>
             <a:endParaRPr lang="en-US" altLang="ja-JP" sz="1200" dirty="0">
               <a:solidFill>
-                <a:schemeClr val="dk2"/>
+                <a:schemeClr val="accent3"/>
               </a:solidFill>
               <a:latin typeface="游ゴシック" panose="020B0400000000000000" pitchFamily="50" charset="-128"/>
               <a:ea typeface="游ゴシック" panose="020B0400000000000000" pitchFamily="50" charset="-128"/>
@@ -18733,7 +18755,7 @@
         </p:nvSpPr>
         <p:spPr>
           <a:xfrm>
-            <a:off x="5035262" y="1518383"/>
+            <a:off x="5035262" y="1524063"/>
             <a:ext cx="2149302" cy="533400"/>
           </a:xfrm>
           <a:prstGeom prst="rect">
@@ -18765,7 +18787,7 @@
             <a:r>
               <a:rPr lang="ja-JP" altLang="en-US" sz="1200" b="1" u="sng" dirty="0">
                 <a:solidFill>
-                  <a:schemeClr val="dk2"/>
+                  <a:schemeClr val="accent3"/>
                 </a:solidFill>
                 <a:latin typeface="游ゴシック" panose="020B0400000000000000" pitchFamily="50" charset="-128"/>
                 <a:ea typeface="游ゴシック" panose="020B0400000000000000" pitchFamily="50" charset="-128"/>
@@ -18777,7 +18799,7 @@
             <a:r>
               <a:rPr lang="en-US" altLang="ja-JP" sz="1200" b="1" u="sng" dirty="0">
                 <a:solidFill>
-                  <a:schemeClr val="dk2"/>
+                  <a:schemeClr val="accent3"/>
                 </a:solidFill>
                 <a:latin typeface="游ゴシック" panose="020B0400000000000000" pitchFamily="50" charset="-128"/>
                 <a:ea typeface="游ゴシック" panose="020B0400000000000000" pitchFamily="50" charset="-128"/>
@@ -18789,7 +18811,7 @@
             <a:r>
               <a:rPr lang="ja-JP" altLang="en-US" sz="1200" b="1" u="sng" dirty="0">
                 <a:solidFill>
-                  <a:schemeClr val="dk2"/>
+                  <a:schemeClr val="accent3"/>
                 </a:solidFill>
                 <a:latin typeface="游ゴシック" panose="020B0400000000000000" pitchFamily="50" charset="-128"/>
                 <a:ea typeface="游ゴシック" panose="020B0400000000000000" pitchFamily="50" charset="-128"/>
@@ -18800,7 +18822,7 @@
             </a:r>
             <a:endParaRPr lang="en-US" altLang="ja-JP" sz="1200" b="1" u="sng" dirty="0">
               <a:solidFill>
-                <a:schemeClr val="dk2"/>
+                <a:schemeClr val="accent3"/>
               </a:solidFill>
               <a:latin typeface="游ゴシック" panose="020B0400000000000000" pitchFamily="50" charset="-128"/>
               <a:ea typeface="游ゴシック" panose="020B0400000000000000" pitchFamily="50" charset="-128"/>
@@ -18824,7 +18846,7 @@
             <a:r>
               <a:rPr lang="ja-JP" altLang="en-US" sz="1200" dirty="0">
                 <a:solidFill>
-                  <a:schemeClr val="dk2"/>
+                  <a:schemeClr val="accent3"/>
                 </a:solidFill>
                 <a:latin typeface="游ゴシック" panose="020B0400000000000000" pitchFamily="50" charset="-128"/>
                 <a:ea typeface="游ゴシック" panose="020B0400000000000000" pitchFamily="50" charset="-128"/>
@@ -18835,7 +18857,7 @@
             </a:r>
             <a:endParaRPr lang="en-US" altLang="ja-JP" sz="1200" dirty="0">
               <a:solidFill>
-                <a:schemeClr val="dk2"/>
+                <a:schemeClr val="accent3"/>
               </a:solidFill>
               <a:latin typeface="游ゴシック" panose="020B0400000000000000" pitchFamily="50" charset="-128"/>
               <a:ea typeface="游ゴシック" panose="020B0400000000000000" pitchFamily="50" charset="-128"/>
@@ -18859,7 +18881,7 @@
             <a:r>
               <a:rPr lang="ja-JP" altLang="en-US" sz="1200" dirty="0">
                 <a:solidFill>
-                  <a:schemeClr val="dk2"/>
+                  <a:schemeClr val="accent3"/>
                 </a:solidFill>
                 <a:latin typeface="游ゴシック" panose="020B0400000000000000" pitchFamily="50" charset="-128"/>
                 <a:ea typeface="游ゴシック" panose="020B0400000000000000" pitchFamily="50" charset="-128"/>
@@ -18870,7 +18892,7 @@
             </a:r>
             <a:endParaRPr sz="1200" dirty="0">
               <a:solidFill>
-                <a:schemeClr val="dk2"/>
+                <a:schemeClr val="accent3"/>
               </a:solidFill>
               <a:latin typeface="游ゴシック" panose="020B0400000000000000" pitchFamily="50" charset="-128"/>
               <a:ea typeface="游ゴシック" panose="020B0400000000000000" pitchFamily="50" charset="-128"/>
@@ -18888,7 +18910,7 @@
         </p:nvSpPr>
         <p:spPr>
           <a:xfrm>
-            <a:off x="2129022" y="4418932"/>
+            <a:off x="2129022" y="4424612"/>
             <a:ext cx="1886586" cy="533400"/>
           </a:xfrm>
           <a:prstGeom prst="rect">
@@ -18920,7 +18942,7 @@
             <a:r>
               <a:rPr lang="ja-JP" altLang="en-US" sz="1200" b="1" u="sng" dirty="0">
                 <a:solidFill>
-                  <a:schemeClr val="dk2"/>
+                  <a:schemeClr val="accent3"/>
                 </a:solidFill>
                 <a:latin typeface="游ゴシック" panose="020B0400000000000000" pitchFamily="50" charset="-128"/>
                 <a:ea typeface="游ゴシック" panose="020B0400000000000000" pitchFamily="50" charset="-128"/>
@@ -18932,7 +18954,7 @@
             <a:r>
               <a:rPr lang="en-US" altLang="ja-JP" sz="1200" b="1" u="sng" dirty="0">
                 <a:solidFill>
-                  <a:schemeClr val="dk2"/>
+                  <a:schemeClr val="accent3"/>
                 </a:solidFill>
                 <a:latin typeface="游ゴシック" panose="020B0400000000000000" pitchFamily="50" charset="-128"/>
                 <a:ea typeface="游ゴシック" panose="020B0400000000000000" pitchFamily="50" charset="-128"/>
@@ -18944,7 +18966,7 @@
             <a:r>
               <a:rPr lang="ja-JP" altLang="en-US" sz="1200" b="1" u="sng" dirty="0">
                 <a:solidFill>
-                  <a:schemeClr val="dk2"/>
+                  <a:schemeClr val="accent3"/>
                 </a:solidFill>
                 <a:latin typeface="游ゴシック" panose="020B0400000000000000" pitchFamily="50" charset="-128"/>
                 <a:ea typeface="游ゴシック" panose="020B0400000000000000" pitchFamily="50" charset="-128"/>
@@ -18955,7 +18977,7 @@
             </a:r>
             <a:endParaRPr lang="en-US" altLang="ja-JP" sz="1200" b="1" u="sng" dirty="0">
               <a:solidFill>
-                <a:schemeClr val="dk2"/>
+                <a:schemeClr val="accent3"/>
               </a:solidFill>
               <a:latin typeface="游ゴシック" panose="020B0400000000000000" pitchFamily="50" charset="-128"/>
               <a:ea typeface="游ゴシック" panose="020B0400000000000000" pitchFamily="50" charset="-128"/>
@@ -18979,7 +19001,7 @@
             <a:r>
               <a:rPr lang="ja-JP" altLang="en-US" sz="1200" dirty="0">
                 <a:solidFill>
-                  <a:schemeClr val="dk2"/>
+                  <a:schemeClr val="accent3"/>
                 </a:solidFill>
                 <a:latin typeface="游ゴシック" panose="020B0400000000000000" pitchFamily="50" charset="-128"/>
                 <a:ea typeface="游ゴシック" panose="020B0400000000000000" pitchFamily="50" charset="-128"/>
@@ -18990,7 +19012,7 @@
             </a:r>
             <a:endParaRPr lang="en-US" altLang="ja-JP" sz="1200" dirty="0">
               <a:solidFill>
-                <a:schemeClr val="dk2"/>
+                <a:schemeClr val="accent3"/>
               </a:solidFill>
               <a:latin typeface="游ゴシック" panose="020B0400000000000000" pitchFamily="50" charset="-128"/>
               <a:ea typeface="游ゴシック" panose="020B0400000000000000" pitchFamily="50" charset="-128"/>
@@ -19014,7 +19036,7 @@
             <a:r>
               <a:rPr lang="ja-JP" altLang="en-US" sz="1200" dirty="0">
                 <a:solidFill>
-                  <a:schemeClr val="dk2"/>
+                  <a:schemeClr val="accent3"/>
                 </a:solidFill>
                 <a:latin typeface="游ゴシック" panose="020B0400000000000000" pitchFamily="50" charset="-128"/>
                 <a:ea typeface="游ゴシック" panose="020B0400000000000000" pitchFamily="50" charset="-128"/>
@@ -19025,7 +19047,7 @@
             </a:r>
             <a:endParaRPr sz="1200" dirty="0">
               <a:solidFill>
-                <a:schemeClr val="dk2"/>
+                <a:schemeClr val="accent3"/>
               </a:solidFill>
               <a:latin typeface="游ゴシック" panose="020B0400000000000000" pitchFamily="50" charset="-128"/>
               <a:ea typeface="游ゴシック" panose="020B0400000000000000" pitchFamily="50" charset="-128"/>
@@ -19043,7 +19065,7 @@
         </p:nvSpPr>
         <p:spPr>
           <a:xfrm>
-            <a:off x="4209018" y="4418932"/>
+            <a:off x="4209018" y="4424612"/>
             <a:ext cx="1760841" cy="533400"/>
           </a:xfrm>
           <a:prstGeom prst="rect">
@@ -19075,7 +19097,7 @@
             <a:r>
               <a:rPr lang="ja-JP" altLang="en-US" sz="1200" b="1" u="sng" dirty="0">
                 <a:solidFill>
-                  <a:schemeClr val="dk2"/>
+                  <a:schemeClr val="accent3"/>
                 </a:solidFill>
                 <a:latin typeface="游ゴシック" panose="020B0400000000000000" pitchFamily="50" charset="-128"/>
                 <a:ea typeface="游ゴシック" panose="020B0400000000000000" pitchFamily="50" charset="-128"/>
@@ -19087,7 +19109,7 @@
             <a:r>
               <a:rPr lang="en-US" altLang="ja-JP" sz="1200" b="1" u="sng" dirty="0">
                 <a:solidFill>
-                  <a:schemeClr val="dk2"/>
+                  <a:schemeClr val="accent3"/>
                 </a:solidFill>
                 <a:latin typeface="游ゴシック" panose="020B0400000000000000" pitchFamily="50" charset="-128"/>
                 <a:ea typeface="游ゴシック" panose="020B0400000000000000" pitchFamily="50" charset="-128"/>
@@ -19099,7 +19121,7 @@
             <a:r>
               <a:rPr lang="ja-JP" altLang="en-US" sz="1200" b="1" u="sng" dirty="0">
                 <a:solidFill>
-                  <a:schemeClr val="dk2"/>
+                  <a:schemeClr val="accent3"/>
                 </a:solidFill>
                 <a:latin typeface="游ゴシック" panose="020B0400000000000000" pitchFamily="50" charset="-128"/>
                 <a:ea typeface="游ゴシック" panose="020B0400000000000000" pitchFamily="50" charset="-128"/>
@@ -19110,7 +19132,7 @@
             </a:r>
             <a:endParaRPr lang="en-US" altLang="ja-JP" sz="1200" b="1" u="sng" dirty="0">
               <a:solidFill>
-                <a:schemeClr val="dk2"/>
+                <a:schemeClr val="accent3"/>
               </a:solidFill>
               <a:latin typeface="游ゴシック" panose="020B0400000000000000" pitchFamily="50" charset="-128"/>
               <a:ea typeface="游ゴシック" panose="020B0400000000000000" pitchFamily="50" charset="-128"/>
@@ -19134,7 +19156,7 @@
             <a:r>
               <a:rPr lang="ja-JP" altLang="en-US" sz="1200" dirty="0">
                 <a:solidFill>
-                  <a:schemeClr val="dk2"/>
+                  <a:schemeClr val="accent3"/>
                 </a:solidFill>
                 <a:latin typeface="游ゴシック" panose="020B0400000000000000" pitchFamily="50" charset="-128"/>
                 <a:ea typeface="游ゴシック" panose="020B0400000000000000" pitchFamily="50" charset="-128"/>
@@ -19146,7 +19168,7 @@
             <a:r>
               <a:rPr lang="en-US" altLang="ja-JP" sz="1200" dirty="0">
                 <a:solidFill>
-                  <a:schemeClr val="dk2"/>
+                  <a:schemeClr val="accent3"/>
                 </a:solidFill>
                 <a:latin typeface="游ゴシック" panose="020B0400000000000000" pitchFamily="50" charset="-128"/>
                 <a:ea typeface="游ゴシック" panose="020B0400000000000000" pitchFamily="50" charset="-128"/>
@@ -19158,7 +19180,7 @@
             <a:r>
               <a:rPr lang="ja-JP" altLang="en-US" sz="1200" dirty="0">
                 <a:solidFill>
-                  <a:schemeClr val="dk2"/>
+                  <a:schemeClr val="accent3"/>
                 </a:solidFill>
                 <a:latin typeface="游ゴシック" panose="020B0400000000000000" pitchFamily="50" charset="-128"/>
                 <a:ea typeface="游ゴシック" panose="020B0400000000000000" pitchFamily="50" charset="-128"/>
@@ -19169,7 +19191,7 @@
             </a:r>
             <a:endParaRPr lang="en-US" altLang="ja-JP" sz="1200" dirty="0">
               <a:solidFill>
-                <a:schemeClr val="dk2"/>
+                <a:schemeClr val="accent3"/>
               </a:solidFill>
               <a:latin typeface="游ゴシック" panose="020B0400000000000000" pitchFamily="50" charset="-128"/>
               <a:ea typeface="游ゴシック" panose="020B0400000000000000" pitchFamily="50" charset="-128"/>
@@ -19193,7 +19215,7 @@
             <a:r>
               <a:rPr lang="ja-JP" altLang="en-US" sz="1200" dirty="0">
                 <a:solidFill>
-                  <a:schemeClr val="dk2"/>
+                  <a:schemeClr val="accent3"/>
                 </a:solidFill>
                 <a:latin typeface="游ゴシック" panose="020B0400000000000000" pitchFamily="50" charset="-128"/>
                 <a:ea typeface="游ゴシック" panose="020B0400000000000000" pitchFamily="50" charset="-128"/>
@@ -19204,7 +19226,7 @@
             </a:r>
             <a:endParaRPr lang="en-US" altLang="ja-JP" sz="1200" dirty="0">
               <a:solidFill>
-                <a:schemeClr val="dk2"/>
+                <a:schemeClr val="accent3"/>
               </a:solidFill>
               <a:latin typeface="游ゴシック" panose="020B0400000000000000" pitchFamily="50" charset="-128"/>
               <a:ea typeface="游ゴシック" panose="020B0400000000000000" pitchFamily="50" charset="-128"/>
@@ -19254,7 +19276,7 @@
             <a:r>
               <a:rPr lang="en-US" altLang="ja-JP" sz="1200" b="1" u="sng" dirty="0">
                 <a:solidFill>
-                  <a:schemeClr val="dk2"/>
+                  <a:schemeClr val="accent3"/>
                 </a:solidFill>
                 <a:latin typeface="游ゴシック" panose="020B0400000000000000" pitchFamily="50" charset="-128"/>
                 <a:ea typeface="游ゴシック" panose="020B0400000000000000" pitchFamily="50" charset="-128"/>
@@ -19266,7 +19288,7 @@
             <a:r>
               <a:rPr lang="ja-JP" altLang="en-US" sz="1200" b="1" u="sng" dirty="0">
                 <a:solidFill>
-                  <a:schemeClr val="dk2"/>
+                  <a:schemeClr val="accent3"/>
                 </a:solidFill>
                 <a:latin typeface="游ゴシック" panose="020B0400000000000000" pitchFamily="50" charset="-128"/>
                 <a:ea typeface="游ゴシック" panose="020B0400000000000000" pitchFamily="50" charset="-128"/>
@@ -19277,7 +19299,7 @@
             </a:r>
             <a:endParaRPr lang="en-US" altLang="ja-JP" sz="1200" b="1" u="sng" dirty="0">
               <a:solidFill>
-                <a:schemeClr val="dk2"/>
+                <a:schemeClr val="accent3"/>
               </a:solidFill>
               <a:latin typeface="游ゴシック" panose="020B0400000000000000" pitchFamily="50" charset="-128"/>
               <a:ea typeface="游ゴシック" panose="020B0400000000000000" pitchFamily="50" charset="-128"/>
@@ -19301,7 +19323,7 @@
             <a:r>
               <a:rPr lang="ja-JP" altLang="en-US" sz="1200" dirty="0">
                 <a:solidFill>
-                  <a:schemeClr val="dk2"/>
+                  <a:schemeClr val="accent3"/>
                 </a:solidFill>
                 <a:latin typeface="游ゴシック" panose="020B0400000000000000" pitchFamily="50" charset="-128"/>
                 <a:ea typeface="游ゴシック" panose="020B0400000000000000" pitchFamily="50" charset="-128"/>
@@ -19312,7 +19334,7 @@
             </a:r>
             <a:endParaRPr lang="en-US" altLang="ja-JP" sz="1200" dirty="0">
               <a:solidFill>
-                <a:schemeClr val="dk2"/>
+                <a:schemeClr val="accent3"/>
               </a:solidFill>
               <a:latin typeface="游ゴシック" panose="020B0400000000000000" pitchFamily="50" charset="-128"/>
               <a:ea typeface="游ゴシック" panose="020B0400000000000000" pitchFamily="50" charset="-128"/>
@@ -19336,7 +19358,7 @@
             <a:r>
               <a:rPr lang="ja-JP" altLang="en-US" sz="1200" dirty="0">
                 <a:solidFill>
-                  <a:schemeClr val="dk2"/>
+                  <a:schemeClr val="accent3"/>
                 </a:solidFill>
                 <a:latin typeface="游ゴシック" panose="020B0400000000000000" pitchFamily="50" charset="-128"/>
                 <a:ea typeface="游ゴシック" panose="020B0400000000000000" pitchFamily="50" charset="-128"/>
@@ -19347,7 +19369,7 @@
             </a:r>
             <a:endParaRPr lang="en-US" altLang="ja-JP" sz="1200" dirty="0">
               <a:solidFill>
-                <a:schemeClr val="dk2"/>
+                <a:schemeClr val="accent3"/>
               </a:solidFill>
               <a:latin typeface="游ゴシック" panose="020B0400000000000000" pitchFamily="50" charset="-128"/>
               <a:ea typeface="游ゴシック" panose="020B0400000000000000" pitchFamily="50" charset="-128"/>
@@ -19370,7 +19392,7 @@
             </a:pPr>
             <a:endParaRPr lang="en-US" altLang="ja-JP" sz="1200" dirty="0">
               <a:solidFill>
-                <a:schemeClr val="dk2"/>
+                <a:schemeClr val="accent3"/>
               </a:solidFill>
               <a:latin typeface="游ゴシック" panose="020B0400000000000000" pitchFamily="50" charset="-128"/>
               <a:ea typeface="游ゴシック" panose="020B0400000000000000" pitchFamily="50" charset="-128"/>
@@ -36090,15 +36112,6 @@
 </file>
 
 <file path=customXml/item1.xml><?xml version="1.0" encoding="utf-8"?>
-<?mso-contentType ?>
-<FormTemplates xmlns="http://schemas.microsoft.com/sharepoint/v3/contenttype/forms">
-  <Display>DocumentLibraryForm</Display>
-  <Edit>DocumentLibraryForm</Edit>
-  <New>DocumentLibraryForm</New>
-</FormTemplates>
-</file>
-
-<file path=customXml/item2.xml><?xml version="1.0" encoding="utf-8"?>
 <ct:contentTypeSchema xmlns:ct="http://schemas.microsoft.com/office/2006/metadata/contentType" xmlns:ma="http://schemas.microsoft.com/office/2006/metadata/properties/metaAttributes" ct:_="" ma:_="" ma:contentTypeName="ドキュメント" ma:contentTypeID="0x010100849F533D870BD84A9D38273CC91B496D" ma:contentTypeVersion="9" ma:contentTypeDescription="新しいドキュメントを作成します。" ma:contentTypeScope="" ma:versionID="ca4a1d3cb04f69359678dbec6c4b7a52">
   <xsd:schema xmlns:xsd="http://www.w3.org/2001/XMLSchema" xmlns:xs="http://www.w3.org/2001/XMLSchema" xmlns:p="http://schemas.microsoft.com/office/2006/metadata/properties" xmlns:ns2="f50685a2-08a6-49dc-aa5f-a248d4ba7af6" xmlns:ns3="08971484-f606-4522-aa8e-4044dc1a5090" targetNamespace="http://schemas.microsoft.com/office/2006/metadata/properties" ma:root="true" ma:fieldsID="13f254b1b3ba571b2a6d056e41aaac49" ns2:_="" ns3:_="">
     <xsd:import namespace="f50685a2-08a6-49dc-aa5f-a248d4ba7af6"/>
@@ -36295,6 +36308,15 @@
 </ct:contentTypeSchema>
 </file>
 
+<file path=customXml/item2.xml><?xml version="1.0" encoding="utf-8"?>
+<?mso-contentType ?>
+<FormTemplates xmlns="http://schemas.microsoft.com/sharepoint/v3/contenttype/forms">
+  <Display>DocumentLibraryForm</Display>
+  <Edit>DocumentLibraryForm</Edit>
+  <New>DocumentLibraryForm</New>
+</FormTemplates>
+</file>
+
 <file path=customXml/item3.xml><?xml version="1.0" encoding="utf-8"?>
 <p:properties xmlns:p="http://schemas.microsoft.com/office/2006/metadata/properties" xmlns:xsi="http://www.w3.org/2001/XMLSchema-instance" xmlns:pc="http://schemas.microsoft.com/office/infopath/2007/PartnerControls">
   <documentManagement/>
@@ -36302,14 +36324,6 @@
 </file>
 
 <file path=customXml/itemProps1.xml><?xml version="1.0" encoding="utf-8"?>
-<ds:datastoreItem xmlns:ds="http://schemas.openxmlformats.org/officeDocument/2006/customXml" ds:itemID="{0EBD1781-257C-4386-A510-75977046327B}">
-  <ds:schemaRefs>
-    <ds:schemaRef ds:uri="http://schemas.microsoft.com/sharepoint/v3/contenttype/forms"/>
-  </ds:schemaRefs>
-</ds:datastoreItem>
-</file>
-
-<file path=customXml/itemProps2.xml><?xml version="1.0" encoding="utf-8"?>
 <ds:datastoreItem xmlns:ds="http://schemas.openxmlformats.org/officeDocument/2006/customXml" ds:itemID="{E6AD931F-C54A-489C-81E1-A6D5DB399D7B}">
   <ds:schemaRefs>
     <ds:schemaRef ds:uri="http://schemas.microsoft.com/office/2006/metadata/contentType"/>
@@ -36324,6 +36338,14 @@
     <ds:schemaRef ds:uri="http://purl.org/dc/elements/1.1/"/>
     <ds:schemaRef ds:uri="http://purl.org/dc/terms/"/>
     <ds:schemaRef ds:uri="http://schemas.microsoft.com/internal/obd"/>
+  </ds:schemaRefs>
+</ds:datastoreItem>
+</file>
+
+<file path=customXml/itemProps2.xml><?xml version="1.0" encoding="utf-8"?>
+<ds:datastoreItem xmlns:ds="http://schemas.openxmlformats.org/officeDocument/2006/customXml" ds:itemID="{0EBD1781-257C-4386-A510-75977046327B}">
+  <ds:schemaRefs>
+    <ds:schemaRef ds:uri="http://schemas.microsoft.com/sharepoint/v3/contenttype/forms"/>
   </ds:schemaRefs>
 </ds:datastoreItem>
 </file>

--- a/2021/ITで地域課題を解決しよう.pptx
+++ b/2021/ITで地域課題を解決しよう.pptx
@@ -9294,11 +9294,11 @@
           </a:lstStyle>
           <a:p>
             <a:r>
-              <a:rPr lang="en-US" altLang="ja-JP" sz="1200">
+              <a:rPr lang="en-US" altLang="ja-JP" sz="1200" dirty="0">
                 <a:latin typeface="游ゴシック" panose="020B0400000000000000" pitchFamily="50" charset="-128"/>
                 <a:ea typeface="游ゴシック" panose="020B0400000000000000" pitchFamily="50" charset="-128"/>
               </a:rPr>
-              <a:t>2021.07.26</a:t>
+              <a:t>2021.08.31</a:t>
             </a:r>
             <a:endParaRPr lang="en-US" sz="1200" dirty="0">
               <a:latin typeface="游ゴシック" panose="020B0400000000000000" pitchFamily="50" charset="-128"/>
@@ -9592,7 +9592,7 @@
             <a:r>
               <a:rPr lang="en-US" altLang="ja-JP" sz="4000">
                 <a:solidFill>
-                  <a:schemeClr val="accent2"/>
+                  <a:schemeClr val="bg1"/>
                 </a:solidFill>
                 <a:latin typeface="游ゴシック" panose="020B0400000000000000" pitchFamily="50" charset="-128"/>
                 <a:ea typeface="游ゴシック" panose="020B0400000000000000" pitchFamily="50" charset="-128"/>
@@ -9602,7 +9602,7 @@
             <a:r>
               <a:rPr lang="ja-JP" altLang="en-US" sz="4000">
                 <a:solidFill>
-                  <a:schemeClr val="accent2"/>
+                  <a:schemeClr val="bg1"/>
                 </a:solidFill>
                 <a:latin typeface="游ゴシック" panose="020B0400000000000000" pitchFamily="50" charset="-128"/>
                 <a:ea typeface="游ゴシック" panose="020B0400000000000000" pitchFamily="50" charset="-128"/>
@@ -9611,7 +9611,7 @@
             </a:r>
             <a:endParaRPr lang="en-US" sz="4000" dirty="0">
               <a:solidFill>
-                <a:schemeClr val="accent2"/>
+                <a:schemeClr val="bg1"/>
               </a:solidFill>
               <a:latin typeface="游ゴシック" panose="020B0400000000000000" pitchFamily="50" charset="-128"/>
               <a:ea typeface="游ゴシック" panose="020B0400000000000000" pitchFamily="50" charset="-128"/>
@@ -13952,12 +13952,12 @@
         </p:nvSpPr>
         <p:spPr>
           <a:xfrm>
-            <a:off x="7791826" y="4187153"/>
+            <a:off x="7791826" y="4080676"/>
             <a:ext cx="1313649" cy="456722"/>
           </a:xfrm>
           <a:prstGeom prst="wedgeRoundRectCallout">
             <a:avLst>
-              <a:gd name="adj1" fmla="val -36949"/>
+              <a:gd name="adj1" fmla="val -33554"/>
               <a:gd name="adj2" fmla="val -89468"/>
               <a:gd name="adj3" fmla="val 16667"/>
             </a:avLst>
@@ -14037,7 +14037,7 @@
         <p:spPr>
           <a:xfrm>
             <a:off x="6588757" y="4619439"/>
-            <a:ext cx="1179823" cy="407442"/>
+            <a:ext cx="1599304" cy="407442"/>
           </a:xfrm>
           <a:prstGeom prst="wedgeRoundRectCallout">
             <a:avLst>
@@ -14104,7 +14104,7 @@
                   <a:schemeClr val="bg1"/>
                 </a:solidFill>
               </a:rPr>
-              <a:t>会津大学</a:t>
+              <a:t>復興支援センター</a:t>
             </a:r>
             <a:r>
               <a:rPr kumimoji="1" lang="en-US" altLang="ja-JP" sz="1200" b="1" dirty="0">
@@ -14606,39 +14606,11 @@
               <a:t>5</a:t>
             </a:r>
             <a:r>
-              <a:rPr lang="ja-JP" altLang="en-US" sz="1600" dirty="0">
+              <a:rPr lang="ja-JP" altLang="en-US" sz="1600">
                 <a:latin typeface="游ゴシック" panose="020B0400000000000000" pitchFamily="50" charset="-128"/>
                 <a:ea typeface="游ゴシック" panose="020B0400000000000000" pitchFamily="50" charset="-128"/>
               </a:rPr>
-              <a:t>名。</a:t>
-            </a:r>
-            <a:r>
-              <a:rPr lang="en-US" altLang="ja-JP" sz="1600" dirty="0">
-                <a:latin typeface="游ゴシック" panose="020B0400000000000000" pitchFamily="50" charset="-128"/>
-                <a:ea typeface="游ゴシック" panose="020B0400000000000000" pitchFamily="50" charset="-128"/>
-              </a:rPr>
-              <a:t>3</a:t>
-            </a:r>
-            <a:r>
-              <a:rPr lang="ja-JP" altLang="en-US" sz="1600" dirty="0">
-                <a:latin typeface="游ゴシック" panose="020B0400000000000000" pitchFamily="50" charset="-128"/>
-                <a:ea typeface="游ゴシック" panose="020B0400000000000000" pitchFamily="50" charset="-128"/>
-              </a:rPr>
-              <a:t>～</a:t>
-            </a:r>
-            <a:r>
-              <a:rPr lang="en-US" altLang="ja-JP" sz="1600" dirty="0">
-                <a:latin typeface="游ゴシック" panose="020B0400000000000000" pitchFamily="50" charset="-128"/>
-                <a:ea typeface="游ゴシック" panose="020B0400000000000000" pitchFamily="50" charset="-128"/>
-              </a:rPr>
-              <a:t>6</a:t>
-            </a:r>
-            <a:r>
-              <a:rPr lang="ja-JP" altLang="en-US" sz="1600" dirty="0">
-                <a:latin typeface="游ゴシック" panose="020B0400000000000000" pitchFamily="50" charset="-128"/>
-                <a:ea typeface="游ゴシック" panose="020B0400000000000000" pitchFamily="50" charset="-128"/>
-              </a:rPr>
-              <a:t>チームの予定</a:t>
+              <a:t>名</a:t>
             </a:r>
             <a:endParaRPr lang="en-US" altLang="ja-JP" sz="1600" dirty="0">
               <a:latin typeface="游ゴシック" panose="020B0400000000000000" pitchFamily="50" charset="-128"/>
@@ -15132,7 +15104,7 @@
         </p:nvSpPr>
         <p:spPr>
           <a:xfrm>
-            <a:off x="818602" y="3297474"/>
+            <a:off x="1302271" y="2680919"/>
             <a:ext cx="1339554" cy="618660"/>
           </a:xfrm>
           <a:prstGeom prst="rect">
@@ -15254,142 +15226,6 @@
               </a:rPr>
               <a:t>副主幹</a:t>
             </a:r>
-            <a:endParaRPr lang="en-US" altLang="ja-JP" sz="800" dirty="0">
-              <a:solidFill>
-                <a:schemeClr val="dk2"/>
-              </a:solidFill>
-              <a:latin typeface="游ゴシック" panose="020B0400000000000000" pitchFamily="50" charset="-128"/>
-              <a:ea typeface="游ゴシック" panose="020B0400000000000000" pitchFamily="50" charset="-128"/>
-              <a:cs typeface="Montserrat"/>
-              <a:sym typeface="Montserrat"/>
-            </a:endParaRPr>
-          </a:p>
-          <a:p>
-            <a:pPr marL="0" lvl="0" indent="0" algn="ctr" rtl="0">
-              <a:spcBef>
-                <a:spcPts val="400"/>
-              </a:spcBef>
-              <a:spcAft>
-                <a:spcPts val="0"/>
-              </a:spcAft>
-              <a:buNone/>
-            </a:pPr>
-            <a:endParaRPr lang="en-US" altLang="ja-JP" sz="900" dirty="0">
-              <a:solidFill>
-                <a:schemeClr val="dk2"/>
-              </a:solidFill>
-              <a:latin typeface="游ゴシック" panose="020B0400000000000000" pitchFamily="50" charset="-128"/>
-              <a:ea typeface="游ゴシック" panose="020B0400000000000000" pitchFamily="50" charset="-128"/>
-              <a:cs typeface="Montserrat"/>
-              <a:sym typeface="Montserrat"/>
-            </a:endParaRPr>
-          </a:p>
-          <a:p>
-            <a:pPr marL="0" lvl="0" indent="0" algn="ctr" rtl="0">
-              <a:spcBef>
-                <a:spcPts val="400"/>
-              </a:spcBef>
-              <a:spcAft>
-                <a:spcPts val="0"/>
-              </a:spcAft>
-              <a:buNone/>
-            </a:pPr>
-            <a:r>
-              <a:rPr lang="ja-JP" altLang="en-US" sz="900" dirty="0">
-                <a:solidFill>
-                  <a:schemeClr val="dk2"/>
-                </a:solidFill>
-                <a:latin typeface="游ゴシック" panose="020B0400000000000000" pitchFamily="50" charset="-128"/>
-                <a:ea typeface="游ゴシック" panose="020B0400000000000000" pitchFamily="50" charset="-128"/>
-                <a:cs typeface="Montserrat"/>
-                <a:sym typeface="Montserrat"/>
-              </a:rPr>
-              <a:t>地域コミュニティの</a:t>
-            </a:r>
-            <a:endParaRPr lang="en-US" altLang="ja-JP" sz="900" dirty="0">
-              <a:solidFill>
-                <a:schemeClr val="dk2"/>
-              </a:solidFill>
-              <a:latin typeface="游ゴシック" panose="020B0400000000000000" pitchFamily="50" charset="-128"/>
-              <a:ea typeface="游ゴシック" panose="020B0400000000000000" pitchFamily="50" charset="-128"/>
-              <a:cs typeface="Montserrat"/>
-              <a:sym typeface="Montserrat"/>
-            </a:endParaRPr>
-          </a:p>
-          <a:p>
-            <a:pPr marL="0" lvl="0" indent="0" algn="ctr" rtl="0">
-              <a:spcBef>
-                <a:spcPts val="400"/>
-              </a:spcBef>
-              <a:spcAft>
-                <a:spcPts val="0"/>
-              </a:spcAft>
-              <a:buNone/>
-            </a:pPr>
-            <a:r>
-              <a:rPr lang="ja-JP" altLang="en-US" sz="900" dirty="0">
-                <a:solidFill>
-                  <a:schemeClr val="dk2"/>
-                </a:solidFill>
-                <a:latin typeface="游ゴシック" panose="020B0400000000000000" pitchFamily="50" charset="-128"/>
-                <a:ea typeface="游ゴシック" panose="020B0400000000000000" pitchFamily="50" charset="-128"/>
-                <a:cs typeface="Montserrat"/>
-                <a:sym typeface="Montserrat"/>
-              </a:rPr>
-              <a:t>活性化</a:t>
-            </a:r>
-            <a:endParaRPr lang="en-US" altLang="ja-JP" sz="900" dirty="0">
-              <a:solidFill>
-                <a:schemeClr val="dk2"/>
-              </a:solidFill>
-              <a:latin typeface="游ゴシック" panose="020B0400000000000000" pitchFamily="50" charset="-128"/>
-              <a:ea typeface="游ゴシック" panose="020B0400000000000000" pitchFamily="50" charset="-128"/>
-              <a:cs typeface="Montserrat"/>
-              <a:sym typeface="Montserrat"/>
-            </a:endParaRPr>
-          </a:p>
-          <a:p>
-            <a:pPr marL="0" lvl="0" indent="0" algn="ctr" rtl="0">
-              <a:spcBef>
-                <a:spcPts val="400"/>
-              </a:spcBef>
-              <a:spcAft>
-                <a:spcPts val="0"/>
-              </a:spcAft>
-              <a:buNone/>
-            </a:pPr>
-            <a:endParaRPr lang="en-US" altLang="ja-JP" sz="900" dirty="0">
-              <a:solidFill>
-                <a:schemeClr val="dk2"/>
-              </a:solidFill>
-              <a:latin typeface="游ゴシック" panose="020B0400000000000000" pitchFamily="50" charset="-128"/>
-              <a:ea typeface="游ゴシック" panose="020B0400000000000000" pitchFamily="50" charset="-128"/>
-              <a:cs typeface="Montserrat"/>
-              <a:sym typeface="Montserrat"/>
-            </a:endParaRPr>
-          </a:p>
-          <a:p>
-            <a:pPr marL="0" lvl="0" indent="0" algn="ctr" rtl="0">
-              <a:spcBef>
-                <a:spcPts val="400"/>
-              </a:spcBef>
-              <a:spcAft>
-                <a:spcPts val="0"/>
-              </a:spcAft>
-              <a:buNone/>
-            </a:pPr>
-            <a:r>
-              <a:rPr lang="ja-JP" altLang="en-US" sz="900" b="1" dirty="0">
-                <a:solidFill>
-                  <a:schemeClr val="dk2"/>
-                </a:solidFill>
-                <a:latin typeface="游ゴシック" panose="020B0400000000000000" pitchFamily="50" charset="-128"/>
-                <a:ea typeface="游ゴシック" panose="020B0400000000000000" pitchFamily="50" charset="-128"/>
-                <a:cs typeface="Montserrat"/>
-                <a:sym typeface="Montserrat"/>
-              </a:rPr>
-              <a:t>アイデア創出サポート</a:t>
-            </a:r>
             <a:endParaRPr lang="ja-JP" altLang="en-US" b="1" dirty="0">
               <a:latin typeface="游ゴシック" panose="020B0400000000000000" pitchFamily="50" charset="-128"/>
               <a:ea typeface="游ゴシック" panose="020B0400000000000000" pitchFamily="50" charset="-128"/>
@@ -15407,7 +15243,7 @@
         </p:nvSpPr>
         <p:spPr>
           <a:xfrm>
-            <a:off x="2255432" y="3297474"/>
+            <a:off x="1207558" y="4446691"/>
             <a:ext cx="1557729" cy="618660"/>
           </a:xfrm>
           <a:prstGeom prst="rect">
@@ -15553,154 +15389,6 @@
               </a:rPr>
               <a:t>テクニカルエキスパート</a:t>
             </a:r>
-            <a:endParaRPr sz="800" dirty="0">
-              <a:solidFill>
-                <a:schemeClr val="dk2"/>
-              </a:solidFill>
-              <a:latin typeface="游ゴシック" panose="020B0400000000000000" pitchFamily="50" charset="-128"/>
-              <a:ea typeface="游ゴシック" panose="020B0400000000000000" pitchFamily="50" charset="-128"/>
-              <a:cs typeface="Montserrat"/>
-              <a:sym typeface="Montserrat"/>
-            </a:endParaRPr>
-          </a:p>
-          <a:p>
-            <a:pPr marL="0" lvl="0" indent="0" algn="ctr" rtl="0">
-              <a:spcBef>
-                <a:spcPts val="400"/>
-              </a:spcBef>
-              <a:spcAft>
-                <a:spcPts val="0"/>
-              </a:spcAft>
-              <a:buNone/>
-            </a:pPr>
-            <a:endParaRPr lang="en-US" altLang="ja-JP" sz="900" dirty="0">
-              <a:solidFill>
-                <a:schemeClr val="dk2"/>
-              </a:solidFill>
-              <a:latin typeface="游ゴシック" panose="020B0400000000000000" pitchFamily="50" charset="-128"/>
-              <a:ea typeface="游ゴシック" panose="020B0400000000000000" pitchFamily="50" charset="-128"/>
-              <a:cs typeface="Montserrat"/>
-              <a:sym typeface="Montserrat"/>
-            </a:endParaRPr>
-          </a:p>
-          <a:p>
-            <a:pPr marL="0" lvl="0" indent="0" algn="ctr" rtl="0">
-              <a:spcBef>
-                <a:spcPts val="400"/>
-              </a:spcBef>
-              <a:spcAft>
-                <a:spcPts val="0"/>
-              </a:spcAft>
-              <a:buNone/>
-            </a:pPr>
-            <a:r>
-              <a:rPr lang="en-US" altLang="ja-JP" sz="900" dirty="0">
-                <a:solidFill>
-                  <a:schemeClr val="dk2"/>
-                </a:solidFill>
-                <a:latin typeface="游ゴシック" panose="020B0400000000000000" pitchFamily="50" charset="-128"/>
-                <a:ea typeface="游ゴシック" panose="020B0400000000000000" pitchFamily="50" charset="-128"/>
-                <a:cs typeface="Montserrat"/>
-                <a:sym typeface="Montserrat"/>
-              </a:rPr>
-              <a:t>XR</a:t>
-            </a:r>
-            <a:r>
-              <a:rPr lang="ja-JP" altLang="en-US" sz="900" dirty="0">
-                <a:solidFill>
-                  <a:schemeClr val="dk2"/>
-                </a:solidFill>
-                <a:latin typeface="游ゴシック" panose="020B0400000000000000" pitchFamily="50" charset="-128"/>
-                <a:ea typeface="游ゴシック" panose="020B0400000000000000" pitchFamily="50" charset="-128"/>
-                <a:cs typeface="Montserrat"/>
-                <a:sym typeface="Montserrat"/>
-              </a:rPr>
-              <a:t>サービスの</a:t>
-            </a:r>
-            <a:endParaRPr lang="en-US" altLang="ja-JP" sz="900" dirty="0">
-              <a:solidFill>
-                <a:schemeClr val="dk2"/>
-              </a:solidFill>
-              <a:latin typeface="游ゴシック" panose="020B0400000000000000" pitchFamily="50" charset="-128"/>
-              <a:ea typeface="游ゴシック" panose="020B0400000000000000" pitchFamily="50" charset="-128"/>
-              <a:cs typeface="Montserrat"/>
-              <a:sym typeface="Montserrat"/>
-            </a:endParaRPr>
-          </a:p>
-          <a:p>
-            <a:pPr marL="0" lvl="0" indent="0" algn="ctr" rtl="0">
-              <a:spcBef>
-                <a:spcPts val="400"/>
-              </a:spcBef>
-              <a:spcAft>
-                <a:spcPts val="0"/>
-              </a:spcAft>
-              <a:buNone/>
-            </a:pPr>
-            <a:r>
-              <a:rPr lang="ja-JP" altLang="en-US" sz="900" dirty="0">
-                <a:solidFill>
-                  <a:schemeClr val="dk2"/>
-                </a:solidFill>
-                <a:latin typeface="游ゴシック" panose="020B0400000000000000" pitchFamily="50" charset="-128"/>
-                <a:ea typeface="游ゴシック" panose="020B0400000000000000" pitchFamily="50" charset="-128"/>
-                <a:cs typeface="Montserrat"/>
-                <a:sym typeface="Montserrat"/>
-              </a:rPr>
-              <a:t>新規事業開発</a:t>
-            </a:r>
-            <a:endParaRPr lang="en-US" altLang="ja-JP" sz="900" dirty="0">
-              <a:solidFill>
-                <a:schemeClr val="dk2"/>
-              </a:solidFill>
-              <a:latin typeface="游ゴシック" panose="020B0400000000000000" pitchFamily="50" charset="-128"/>
-              <a:ea typeface="游ゴシック" panose="020B0400000000000000" pitchFamily="50" charset="-128"/>
-              <a:cs typeface="Montserrat"/>
-              <a:sym typeface="Montserrat"/>
-            </a:endParaRPr>
-          </a:p>
-          <a:p>
-            <a:pPr marL="0" lvl="0" indent="0" algn="ctr" rtl="0">
-              <a:spcBef>
-                <a:spcPts val="400"/>
-              </a:spcBef>
-              <a:spcAft>
-                <a:spcPts val="0"/>
-              </a:spcAft>
-              <a:buNone/>
-            </a:pPr>
-            <a:endParaRPr lang="en-US" altLang="ja-JP" sz="900" dirty="0">
-              <a:solidFill>
-                <a:schemeClr val="dk2"/>
-              </a:solidFill>
-              <a:latin typeface="游ゴシック" panose="020B0400000000000000" pitchFamily="50" charset="-128"/>
-              <a:ea typeface="游ゴシック" panose="020B0400000000000000" pitchFamily="50" charset="-128"/>
-              <a:cs typeface="Montserrat"/>
-              <a:sym typeface="Montserrat"/>
-            </a:endParaRPr>
-          </a:p>
-          <a:p>
-            <a:pPr marL="0" lvl="0" indent="0" algn="ctr" rtl="0">
-              <a:spcBef>
-                <a:spcPts val="400"/>
-              </a:spcBef>
-              <a:spcAft>
-                <a:spcPts val="0"/>
-              </a:spcAft>
-              <a:buNone/>
-            </a:pPr>
-            <a:r>
-              <a:rPr lang="ja-JP" altLang="en-US" sz="900" b="1" dirty="0">
-                <a:solidFill>
-                  <a:schemeClr val="dk2"/>
-                </a:solidFill>
-                <a:latin typeface="游ゴシック" panose="020B0400000000000000" pitchFamily="50" charset="-128"/>
-                <a:ea typeface="游ゴシック" panose="020B0400000000000000" pitchFamily="50" charset="-128"/>
-                <a:cs typeface="Montserrat"/>
-                <a:sym typeface="Montserrat"/>
-              </a:rPr>
-              <a:t>アプリ開発サポート</a:t>
-            </a:r>
             <a:endParaRPr lang="ja-JP" altLang="en-US" b="1" dirty="0">
               <a:latin typeface="游ゴシック" panose="020B0400000000000000" pitchFamily="50" charset="-128"/>
               <a:ea typeface="游ゴシック" panose="020B0400000000000000" pitchFamily="50" charset="-128"/>
@@ -15718,7 +15406,7 @@
         </p:nvSpPr>
         <p:spPr>
           <a:xfrm>
-            <a:off x="3907237" y="3297474"/>
+            <a:off x="3683659" y="2683001"/>
             <a:ext cx="1329525" cy="618660"/>
           </a:xfrm>
           <a:prstGeom prst="rect">
@@ -15852,154 +15540,6 @@
               </a:rPr>
               <a:t>主任補</a:t>
             </a:r>
-            <a:endParaRPr sz="800" dirty="0">
-              <a:solidFill>
-                <a:schemeClr val="dk2"/>
-              </a:solidFill>
-              <a:latin typeface="游ゴシック" panose="020B0400000000000000" pitchFamily="50" charset="-128"/>
-              <a:ea typeface="游ゴシック" panose="020B0400000000000000" pitchFamily="50" charset="-128"/>
-              <a:cs typeface="Montserrat"/>
-              <a:sym typeface="Montserrat"/>
-            </a:endParaRPr>
-          </a:p>
-          <a:p>
-            <a:pPr marL="0" lvl="0" indent="0" algn="ctr" rtl="0">
-              <a:spcBef>
-                <a:spcPts val="400"/>
-              </a:spcBef>
-              <a:spcAft>
-                <a:spcPts val="0"/>
-              </a:spcAft>
-              <a:buNone/>
-            </a:pPr>
-            <a:endParaRPr lang="en-US" altLang="ja-JP" sz="900" dirty="0">
-              <a:solidFill>
-                <a:schemeClr val="dk2"/>
-              </a:solidFill>
-              <a:latin typeface="游ゴシック" panose="020B0400000000000000" pitchFamily="50" charset="-128"/>
-              <a:ea typeface="游ゴシック" panose="020B0400000000000000" pitchFamily="50" charset="-128"/>
-              <a:cs typeface="Montserrat"/>
-              <a:sym typeface="Montserrat"/>
-            </a:endParaRPr>
-          </a:p>
-          <a:p>
-            <a:pPr marL="0" lvl="0" indent="0" algn="ctr" rtl="0">
-              <a:spcBef>
-                <a:spcPts val="400"/>
-              </a:spcBef>
-              <a:spcAft>
-                <a:spcPts val="0"/>
-              </a:spcAft>
-              <a:buNone/>
-            </a:pPr>
-            <a:r>
-              <a:rPr lang="en-US" altLang="ja-JP" sz="900" dirty="0">
-                <a:solidFill>
-                  <a:schemeClr val="dk2"/>
-                </a:solidFill>
-                <a:latin typeface="游ゴシック" panose="020B0400000000000000" pitchFamily="50" charset="-128"/>
-                <a:ea typeface="游ゴシック" panose="020B0400000000000000" pitchFamily="50" charset="-128"/>
-                <a:cs typeface="Montserrat"/>
-                <a:sym typeface="Montserrat"/>
-              </a:rPr>
-              <a:t>XR</a:t>
-            </a:r>
-            <a:r>
-              <a:rPr lang="ja-JP" altLang="en-US" sz="900" dirty="0">
-                <a:solidFill>
-                  <a:schemeClr val="dk2"/>
-                </a:solidFill>
-                <a:latin typeface="游ゴシック" panose="020B0400000000000000" pitchFamily="50" charset="-128"/>
-                <a:ea typeface="游ゴシック" panose="020B0400000000000000" pitchFamily="50" charset="-128"/>
-                <a:cs typeface="Montserrat"/>
-                <a:sym typeface="Montserrat"/>
-              </a:rPr>
-              <a:t>サービスの</a:t>
-            </a:r>
-            <a:endParaRPr lang="en-US" altLang="ja-JP" sz="900" dirty="0">
-              <a:solidFill>
-                <a:schemeClr val="dk2"/>
-              </a:solidFill>
-              <a:latin typeface="游ゴシック" panose="020B0400000000000000" pitchFamily="50" charset="-128"/>
-              <a:ea typeface="游ゴシック" panose="020B0400000000000000" pitchFamily="50" charset="-128"/>
-              <a:cs typeface="Montserrat"/>
-              <a:sym typeface="Montserrat"/>
-            </a:endParaRPr>
-          </a:p>
-          <a:p>
-            <a:pPr marL="0" lvl="0" indent="0" algn="ctr" rtl="0">
-              <a:spcBef>
-                <a:spcPts val="400"/>
-              </a:spcBef>
-              <a:spcAft>
-                <a:spcPts val="0"/>
-              </a:spcAft>
-              <a:buNone/>
-            </a:pPr>
-            <a:r>
-              <a:rPr lang="ja-JP" altLang="en-US" sz="900" dirty="0">
-                <a:solidFill>
-                  <a:schemeClr val="dk2"/>
-                </a:solidFill>
-                <a:latin typeface="游ゴシック" panose="020B0400000000000000" pitchFamily="50" charset="-128"/>
-                <a:ea typeface="游ゴシック" panose="020B0400000000000000" pitchFamily="50" charset="-128"/>
-                <a:cs typeface="Montserrat"/>
-                <a:sym typeface="Montserrat"/>
-              </a:rPr>
-              <a:t>新規事業開発</a:t>
-            </a:r>
-            <a:endParaRPr lang="en-US" altLang="ja-JP" sz="900" dirty="0">
-              <a:solidFill>
-                <a:schemeClr val="dk2"/>
-              </a:solidFill>
-              <a:latin typeface="游ゴシック" panose="020B0400000000000000" pitchFamily="50" charset="-128"/>
-              <a:ea typeface="游ゴシック" panose="020B0400000000000000" pitchFamily="50" charset="-128"/>
-              <a:cs typeface="Montserrat"/>
-              <a:sym typeface="Montserrat"/>
-            </a:endParaRPr>
-          </a:p>
-          <a:p>
-            <a:pPr marL="0" lvl="0" indent="0" algn="ctr" rtl="0">
-              <a:spcBef>
-                <a:spcPts val="400"/>
-              </a:spcBef>
-              <a:spcAft>
-                <a:spcPts val="0"/>
-              </a:spcAft>
-              <a:buNone/>
-            </a:pPr>
-            <a:endParaRPr lang="en-US" altLang="ja-JP" sz="900" dirty="0">
-              <a:solidFill>
-                <a:schemeClr val="dk2"/>
-              </a:solidFill>
-              <a:latin typeface="游ゴシック" panose="020B0400000000000000" pitchFamily="50" charset="-128"/>
-              <a:ea typeface="游ゴシック" panose="020B0400000000000000" pitchFamily="50" charset="-128"/>
-              <a:cs typeface="Montserrat"/>
-              <a:sym typeface="Montserrat"/>
-            </a:endParaRPr>
-          </a:p>
-          <a:p>
-            <a:pPr marL="0" lvl="0" indent="0" algn="ctr" rtl="0">
-              <a:spcBef>
-                <a:spcPts val="400"/>
-              </a:spcBef>
-              <a:spcAft>
-                <a:spcPts val="0"/>
-              </a:spcAft>
-              <a:buNone/>
-            </a:pPr>
-            <a:r>
-              <a:rPr lang="ja-JP" altLang="en-US" sz="900" b="1" dirty="0">
-                <a:solidFill>
-                  <a:schemeClr val="dk2"/>
-                </a:solidFill>
-                <a:latin typeface="游ゴシック" panose="020B0400000000000000" pitchFamily="50" charset="-128"/>
-                <a:ea typeface="游ゴシック" panose="020B0400000000000000" pitchFamily="50" charset="-128"/>
-                <a:cs typeface="Montserrat"/>
-                <a:sym typeface="Montserrat"/>
-              </a:rPr>
-              <a:t>アプリ開発サポート</a:t>
-            </a:r>
             <a:endParaRPr b="1" dirty="0">
               <a:latin typeface="游ゴシック" panose="020B0400000000000000" pitchFamily="50" charset="-128"/>
               <a:ea typeface="游ゴシック" panose="020B0400000000000000" pitchFamily="50" charset="-128"/>
@@ -16017,7 +15557,7 @@
         </p:nvSpPr>
         <p:spPr>
           <a:xfrm>
-            <a:off x="5454954" y="3297474"/>
+            <a:off x="6050249" y="2683001"/>
             <a:ext cx="1255018" cy="618660"/>
           </a:xfrm>
           <a:prstGeom prst="rect">
@@ -16107,186 +15647,6 @@
               </a:rPr>
               <a:t>復興支援センター</a:t>
             </a:r>
-            <a:endParaRPr lang="en-US" altLang="ja-JP" sz="800" dirty="0">
-              <a:solidFill>
-                <a:schemeClr val="dk2"/>
-              </a:solidFill>
-              <a:latin typeface="游ゴシック" panose="020B0400000000000000" pitchFamily="50" charset="-128"/>
-              <a:ea typeface="游ゴシック" panose="020B0400000000000000" pitchFamily="50" charset="-128"/>
-              <a:cs typeface="Montserrat"/>
-              <a:sym typeface="Montserrat"/>
-            </a:endParaRPr>
-          </a:p>
-          <a:p>
-            <a:pPr marL="0" lvl="0" indent="0" algn="ctr" rtl="0">
-              <a:spcBef>
-                <a:spcPts val="0"/>
-              </a:spcBef>
-              <a:spcAft>
-                <a:spcPts val="0"/>
-              </a:spcAft>
-              <a:buNone/>
-            </a:pPr>
-            <a:endParaRPr lang="en-US" altLang="ja-JP" sz="800" dirty="0">
-              <a:solidFill>
-                <a:schemeClr val="dk2"/>
-              </a:solidFill>
-              <a:latin typeface="游ゴシック" panose="020B0400000000000000" pitchFamily="50" charset="-128"/>
-              <a:ea typeface="游ゴシック" panose="020B0400000000000000" pitchFamily="50" charset="-128"/>
-              <a:cs typeface="Montserrat"/>
-              <a:sym typeface="Montserrat"/>
-            </a:endParaRPr>
-          </a:p>
-          <a:p>
-            <a:pPr marL="0" lvl="0" indent="0" algn="ctr" rtl="0">
-              <a:spcBef>
-                <a:spcPts val="400"/>
-              </a:spcBef>
-              <a:spcAft>
-                <a:spcPts val="0"/>
-              </a:spcAft>
-              <a:buNone/>
-            </a:pPr>
-            <a:endParaRPr lang="en-US" altLang="ja-JP" sz="900" dirty="0">
-              <a:solidFill>
-                <a:schemeClr val="dk2"/>
-              </a:solidFill>
-              <a:latin typeface="游ゴシック" panose="020B0400000000000000" pitchFamily="50" charset="-128"/>
-              <a:ea typeface="游ゴシック" panose="020B0400000000000000" pitchFamily="50" charset="-128"/>
-              <a:cs typeface="Montserrat"/>
-              <a:sym typeface="Montserrat"/>
-            </a:endParaRPr>
-          </a:p>
-          <a:p>
-            <a:pPr marL="0" lvl="0" indent="0" algn="ctr" rtl="0">
-              <a:spcBef>
-                <a:spcPts val="400"/>
-              </a:spcBef>
-              <a:spcAft>
-                <a:spcPts val="0"/>
-              </a:spcAft>
-              <a:buNone/>
-            </a:pPr>
-            <a:r>
-              <a:rPr lang="en-US" altLang="ja-JP" sz="900" dirty="0">
-                <a:solidFill>
-                  <a:schemeClr val="dk2"/>
-                </a:solidFill>
-                <a:latin typeface="游ゴシック" panose="020B0400000000000000" pitchFamily="50" charset="-128"/>
-                <a:ea typeface="游ゴシック" panose="020B0400000000000000" pitchFamily="50" charset="-128"/>
-                <a:cs typeface="Montserrat"/>
-                <a:sym typeface="Montserrat"/>
-              </a:rPr>
-              <a:t>ICT</a:t>
-            </a:r>
-            <a:r>
-              <a:rPr lang="ja-JP" altLang="en-US" sz="900" dirty="0">
-                <a:solidFill>
-                  <a:schemeClr val="dk2"/>
-                </a:solidFill>
-                <a:latin typeface="游ゴシック" panose="020B0400000000000000" pitchFamily="50" charset="-128"/>
-                <a:ea typeface="游ゴシック" panose="020B0400000000000000" pitchFamily="50" charset="-128"/>
-                <a:cs typeface="Montserrat"/>
-                <a:sym typeface="Montserrat"/>
-              </a:rPr>
-              <a:t>人材育成事業</a:t>
-            </a:r>
-            <a:endParaRPr lang="en-US" altLang="ja-JP" sz="900" dirty="0">
-              <a:solidFill>
-                <a:schemeClr val="dk2"/>
-              </a:solidFill>
-              <a:latin typeface="游ゴシック" panose="020B0400000000000000" pitchFamily="50" charset="-128"/>
-              <a:ea typeface="游ゴシック" panose="020B0400000000000000" pitchFamily="50" charset="-128"/>
-              <a:cs typeface="Montserrat"/>
-              <a:sym typeface="Montserrat"/>
-            </a:endParaRPr>
-          </a:p>
-          <a:p>
-            <a:pPr marL="0" lvl="0" indent="0" algn="ctr" rtl="0">
-              <a:spcBef>
-                <a:spcPts val="400"/>
-              </a:spcBef>
-              <a:spcAft>
-                <a:spcPts val="0"/>
-              </a:spcAft>
-              <a:buNone/>
-            </a:pPr>
-            <a:r>
-              <a:rPr lang="en-US" altLang="ja-JP" sz="900" dirty="0">
-                <a:solidFill>
-                  <a:schemeClr val="dk2"/>
-                </a:solidFill>
-                <a:latin typeface="游ゴシック" panose="020B0400000000000000" pitchFamily="50" charset="-128"/>
-                <a:ea typeface="游ゴシック" panose="020B0400000000000000" pitchFamily="50" charset="-128"/>
-                <a:cs typeface="Montserrat"/>
-                <a:sym typeface="Montserrat"/>
-              </a:rPr>
-              <a:t>AOI</a:t>
-            </a:r>
-            <a:r>
-              <a:rPr lang="ja-JP" altLang="en-US" sz="900" dirty="0">
-                <a:solidFill>
-                  <a:schemeClr val="dk2"/>
-                </a:solidFill>
-                <a:latin typeface="游ゴシック" panose="020B0400000000000000" pitchFamily="50" charset="-128"/>
-                <a:ea typeface="游ゴシック" panose="020B0400000000000000" pitchFamily="50" charset="-128"/>
-                <a:cs typeface="Montserrat"/>
-                <a:sym typeface="Montserrat"/>
-              </a:rPr>
-              <a:t>会議</a:t>
-            </a:r>
-            <a:endParaRPr lang="en-US" altLang="ja-JP" sz="900" dirty="0">
-              <a:solidFill>
-                <a:schemeClr val="dk2"/>
-              </a:solidFill>
-              <a:latin typeface="游ゴシック" panose="020B0400000000000000" pitchFamily="50" charset="-128"/>
-              <a:ea typeface="游ゴシック" panose="020B0400000000000000" pitchFamily="50" charset="-128"/>
-              <a:cs typeface="Montserrat"/>
-              <a:sym typeface="Montserrat"/>
-            </a:endParaRPr>
-          </a:p>
-          <a:p>
-            <a:pPr marL="0" lvl="0" indent="0" algn="ctr" rtl="0">
-              <a:spcBef>
-                <a:spcPts val="400"/>
-              </a:spcBef>
-              <a:spcAft>
-                <a:spcPts val="0"/>
-              </a:spcAft>
-              <a:buNone/>
-            </a:pPr>
-            <a:endParaRPr lang="en-US" altLang="ja-JP" sz="900" dirty="0">
-              <a:solidFill>
-                <a:schemeClr val="dk2"/>
-              </a:solidFill>
-              <a:latin typeface="游ゴシック" panose="020B0400000000000000" pitchFamily="50" charset="-128"/>
-              <a:ea typeface="游ゴシック" panose="020B0400000000000000" pitchFamily="50" charset="-128"/>
-              <a:cs typeface="Montserrat"/>
-              <a:sym typeface="Montserrat"/>
-            </a:endParaRPr>
-          </a:p>
-          <a:p>
-            <a:pPr marL="0" lvl="0" indent="0" algn="ctr" rtl="0">
-              <a:spcBef>
-                <a:spcPts val="400"/>
-              </a:spcBef>
-              <a:spcAft>
-                <a:spcPts val="0"/>
-              </a:spcAft>
-              <a:buNone/>
-            </a:pPr>
-            <a:r>
-              <a:rPr lang="ja-JP" altLang="en-US" sz="900" b="1" dirty="0">
-                <a:solidFill>
-                  <a:schemeClr val="dk2"/>
-                </a:solidFill>
-                <a:latin typeface="游ゴシック" panose="020B0400000000000000" pitchFamily="50" charset="-128"/>
-                <a:ea typeface="游ゴシック" panose="020B0400000000000000" pitchFamily="50" charset="-128"/>
-                <a:cs typeface="Montserrat"/>
-                <a:sym typeface="Montserrat"/>
-              </a:rPr>
-              <a:t>運営サポート</a:t>
-            </a:r>
             <a:endParaRPr lang="en-US" altLang="ja-JP" sz="900" b="1" dirty="0">
               <a:solidFill>
                 <a:schemeClr val="dk2"/>
@@ -16314,62 +15674,8 @@
         </p:blipFill>
         <p:spPr>
           <a:xfrm>
-            <a:off x="855300" y="1594589"/>
-            <a:ext cx="1255018" cy="1255018"/>
-          </a:xfrm>
-          <a:prstGeom prst="ellipse">
-            <a:avLst/>
-          </a:prstGeom>
-          <a:noFill/>
-          <a:ln>
-            <a:noFill/>
-          </a:ln>
-        </p:spPr>
-      </p:pic>
-      <p:pic>
-        <p:nvPicPr>
-          <p:cNvPr id="576" name="Google Shape;576;p43"/>
-          <p:cNvPicPr preferRelativeResize="0"/>
-          <p:nvPr/>
-        </p:nvPicPr>
-        <p:blipFill rotWithShape="1">
-          <a:blip r:embed="rId4">
-            <a:alphaModFix/>
-          </a:blip>
-          <a:srcRect/>
-          <a:stretch/>
-        </p:blipFill>
-        <p:spPr>
-          <a:xfrm>
-            <a:off x="2386843" y="1594589"/>
-            <a:ext cx="1255018" cy="1255018"/>
-          </a:xfrm>
-          <a:prstGeom prst="ellipse">
-            <a:avLst/>
-          </a:prstGeom>
-          <a:noFill/>
-          <a:ln>
-            <a:noFill/>
-          </a:ln>
-        </p:spPr>
-      </p:pic>
-      <p:pic>
-        <p:nvPicPr>
-          <p:cNvPr id="577" name="Google Shape;577;p43"/>
-          <p:cNvPicPr preferRelativeResize="0"/>
-          <p:nvPr/>
-        </p:nvPicPr>
-        <p:blipFill rotWithShape="1">
-          <a:blip r:embed="rId5">
-            <a:alphaModFix/>
-          </a:blip>
-          <a:srcRect l="47271" t="22330" b="24940"/>
-          <a:stretch/>
-        </p:blipFill>
-        <p:spPr>
-          <a:xfrm>
-            <a:off x="3918386" y="1594589"/>
-            <a:ext cx="1255018" cy="1255018"/>
+            <a:off x="1528538" y="1647140"/>
+            <a:ext cx="920446" cy="920446"/>
           </a:xfrm>
           <a:prstGeom prst="ellipse">
             <a:avLst/>
@@ -16387,7 +15693,7 @@
           <p:nvPr/>
         </p:nvPicPr>
         <p:blipFill rotWithShape="1">
-          <a:blip r:embed="rId6">
+          <a:blip r:embed="rId4">
             <a:alphaModFix/>
           </a:blip>
           <a:srcRect t="3926" b="29406"/>
@@ -16395,8 +15701,8 @@
         </p:blipFill>
         <p:spPr>
           <a:xfrm>
-            <a:off x="5449929" y="1594589"/>
-            <a:ext cx="1255018" cy="1255018"/>
+            <a:off x="6234793" y="1649222"/>
+            <a:ext cx="920446" cy="920446"/>
           </a:xfrm>
           <a:prstGeom prst="ellipse">
             <a:avLst/>
@@ -16421,7 +15727,7 @@
         </p:nvSpPr>
         <p:spPr>
           <a:xfrm>
-            <a:off x="6986497" y="3297474"/>
+            <a:off x="6050249" y="4446691"/>
             <a:ext cx="1255018" cy="618660"/>
           </a:xfrm>
           <a:prstGeom prst="rect">
@@ -16502,159 +15808,6 @@
               </a:rPr>
               <a:t>復興支援センター</a:t>
             </a:r>
-          </a:p>
-          <a:p>
-            <a:pPr marL="0" lvl="0" indent="0" algn="ctr" rtl="0">
-              <a:spcBef>
-                <a:spcPts val="0"/>
-              </a:spcBef>
-              <a:spcAft>
-                <a:spcPts val="0"/>
-              </a:spcAft>
-              <a:buNone/>
-            </a:pPr>
-            <a:endParaRPr lang="ja-JP" altLang="en-US" sz="800" dirty="0">
-              <a:solidFill>
-                <a:schemeClr val="dk2"/>
-              </a:solidFill>
-              <a:latin typeface="游ゴシック" panose="020B0400000000000000" pitchFamily="50" charset="-128"/>
-              <a:ea typeface="游ゴシック" panose="020B0400000000000000" pitchFamily="50" charset="-128"/>
-              <a:cs typeface="Montserrat"/>
-              <a:sym typeface="Montserrat"/>
-            </a:endParaRPr>
-          </a:p>
-          <a:p>
-            <a:pPr marL="0" lvl="0" indent="0" algn="ctr" rtl="0">
-              <a:spcBef>
-                <a:spcPts val="400"/>
-              </a:spcBef>
-              <a:spcAft>
-                <a:spcPts val="0"/>
-              </a:spcAft>
-              <a:buNone/>
-            </a:pPr>
-            <a:endParaRPr lang="en-US" altLang="ja-JP" sz="900" dirty="0">
-              <a:solidFill>
-                <a:schemeClr val="dk2"/>
-              </a:solidFill>
-              <a:latin typeface="游ゴシック" panose="020B0400000000000000" pitchFamily="50" charset="-128"/>
-              <a:ea typeface="游ゴシック" panose="020B0400000000000000" pitchFamily="50" charset="-128"/>
-              <a:cs typeface="Montserrat"/>
-              <a:sym typeface="Montserrat"/>
-            </a:endParaRPr>
-          </a:p>
-          <a:p>
-            <a:pPr marL="0" lvl="0" indent="0" algn="ctr" rtl="0">
-              <a:spcBef>
-                <a:spcPts val="400"/>
-              </a:spcBef>
-              <a:spcAft>
-                <a:spcPts val="0"/>
-              </a:spcAft>
-              <a:buNone/>
-            </a:pPr>
-            <a:r>
-              <a:rPr lang="en-US" altLang="ja-JP" sz="900" dirty="0">
-                <a:solidFill>
-                  <a:schemeClr val="dk2"/>
-                </a:solidFill>
-                <a:latin typeface="游ゴシック" panose="020B0400000000000000" pitchFamily="50" charset="-128"/>
-                <a:ea typeface="游ゴシック" panose="020B0400000000000000" pitchFamily="50" charset="-128"/>
-                <a:cs typeface="Montserrat"/>
-                <a:sym typeface="Montserrat"/>
-              </a:rPr>
-              <a:t>ICT</a:t>
-            </a:r>
-            <a:r>
-              <a:rPr lang="ja-JP" altLang="en-US" sz="900" dirty="0">
-                <a:solidFill>
-                  <a:schemeClr val="dk2"/>
-                </a:solidFill>
-                <a:latin typeface="游ゴシック" panose="020B0400000000000000" pitchFamily="50" charset="-128"/>
-                <a:ea typeface="游ゴシック" panose="020B0400000000000000" pitchFamily="50" charset="-128"/>
-                <a:cs typeface="Montserrat"/>
-                <a:sym typeface="Montserrat"/>
-              </a:rPr>
-              <a:t>人材育成事業</a:t>
-            </a:r>
-          </a:p>
-          <a:p>
-            <a:pPr marL="0" lvl="0" indent="0" algn="ctr" rtl="0">
-              <a:spcBef>
-                <a:spcPts val="400"/>
-              </a:spcBef>
-              <a:spcAft>
-                <a:spcPts val="0"/>
-              </a:spcAft>
-              <a:buNone/>
-            </a:pPr>
-            <a:r>
-              <a:rPr lang="en-US" altLang="ja-JP" sz="900" dirty="0">
-                <a:solidFill>
-                  <a:schemeClr val="dk2"/>
-                </a:solidFill>
-                <a:latin typeface="游ゴシック" panose="020B0400000000000000" pitchFamily="50" charset="-128"/>
-                <a:ea typeface="游ゴシック" panose="020B0400000000000000" pitchFamily="50" charset="-128"/>
-                <a:cs typeface="Montserrat"/>
-                <a:sym typeface="Montserrat"/>
-              </a:rPr>
-              <a:t>AOI</a:t>
-            </a:r>
-            <a:r>
-              <a:rPr lang="ja-JP" altLang="en-US" sz="900" dirty="0">
-                <a:solidFill>
-                  <a:schemeClr val="dk2"/>
-                </a:solidFill>
-                <a:latin typeface="游ゴシック" panose="020B0400000000000000" pitchFamily="50" charset="-128"/>
-                <a:ea typeface="游ゴシック" panose="020B0400000000000000" pitchFamily="50" charset="-128"/>
-                <a:cs typeface="Montserrat"/>
-                <a:sym typeface="Montserrat"/>
-              </a:rPr>
-              <a:t>会議</a:t>
-            </a:r>
-          </a:p>
-          <a:p>
-            <a:pPr marL="0" lvl="0" indent="0" algn="ctr" rtl="0">
-              <a:spcBef>
-                <a:spcPts val="400"/>
-              </a:spcBef>
-              <a:spcAft>
-                <a:spcPts val="0"/>
-              </a:spcAft>
-              <a:buNone/>
-            </a:pPr>
-            <a:endParaRPr lang="ja-JP" altLang="en-US" sz="900" dirty="0">
-              <a:solidFill>
-                <a:schemeClr val="dk2"/>
-              </a:solidFill>
-              <a:latin typeface="游ゴシック" panose="020B0400000000000000" pitchFamily="50" charset="-128"/>
-              <a:ea typeface="游ゴシック" panose="020B0400000000000000" pitchFamily="50" charset="-128"/>
-              <a:cs typeface="Montserrat"/>
-              <a:sym typeface="Montserrat"/>
-            </a:endParaRPr>
-          </a:p>
-          <a:p>
-            <a:pPr marL="0" lvl="0" indent="0" algn="ctr" rtl="0">
-              <a:spcBef>
-                <a:spcPts val="400"/>
-              </a:spcBef>
-              <a:spcAft>
-                <a:spcPts val="0"/>
-              </a:spcAft>
-              <a:buNone/>
-            </a:pPr>
-            <a:r>
-              <a:rPr lang="ja-JP" altLang="en-US" sz="900" b="1" dirty="0">
-                <a:solidFill>
-                  <a:schemeClr val="dk2"/>
-                </a:solidFill>
-                <a:latin typeface="游ゴシック" panose="020B0400000000000000" pitchFamily="50" charset="-128"/>
-                <a:ea typeface="游ゴシック" panose="020B0400000000000000" pitchFamily="50" charset="-128"/>
-                <a:cs typeface="Montserrat"/>
-                <a:sym typeface="Montserrat"/>
-              </a:rPr>
-              <a:t>運営サポート</a:t>
-            </a:r>
             <a:endParaRPr lang="ja-JP" altLang="en-US" b="1" dirty="0">
               <a:latin typeface="游ゴシック" panose="020B0400000000000000" pitchFamily="50" charset="-128"/>
               <a:ea typeface="游ゴシック" panose="020B0400000000000000" pitchFamily="50" charset="-128"/>
@@ -16677,7 +15830,7 @@
           <p:nvPr/>
         </p:nvPicPr>
         <p:blipFill rotWithShape="1">
-          <a:blip r:embed="rId6">
+          <a:blip r:embed="rId4">
             <a:alphaModFix/>
           </a:blip>
           <a:srcRect t="3926" b="29406"/>
@@ -16685,8 +15838,8 @@
         </p:blipFill>
         <p:spPr>
           <a:xfrm>
-            <a:off x="6981472" y="1594589"/>
-            <a:ext cx="1255018" cy="1255018"/>
+            <a:off x="6234793" y="3412912"/>
+            <a:ext cx="920446" cy="920446"/>
           </a:xfrm>
           <a:prstGeom prst="ellipse">
             <a:avLst/>
@@ -16695,6 +15848,250 @@
           <a:ln>
             <a:noFill/>
           </a:ln>
+        </p:spPr>
+      </p:pic>
+      <p:sp>
+        <p:nvSpPr>
+          <p:cNvPr id="14" name="Google Shape;573;p43">
+            <a:extLst>
+              <a:ext uri="{FF2B5EF4-FFF2-40B4-BE49-F238E27FC236}">
+                <a16:creationId xmlns:a16="http://schemas.microsoft.com/office/drawing/2014/main" id="{65EADFE7-8285-48B7-A098-D8F151F16348}"/>
+              </a:ext>
+            </a:extLst>
+          </p:cNvPr>
+          <p:cNvSpPr txBox="1"/>
+          <p:nvPr/>
+        </p:nvSpPr>
+        <p:spPr>
+          <a:xfrm>
+            <a:off x="3447927" y="4446691"/>
+            <a:ext cx="1924450" cy="618660"/>
+          </a:xfrm>
+          <a:prstGeom prst="rect">
+            <a:avLst/>
+          </a:prstGeom>
+          <a:noFill/>
+          <a:ln>
+            <a:noFill/>
+          </a:ln>
+        </p:spPr>
+        <p:txBody>
+          <a:bodyPr spcFirstLastPara="1" wrap="square" lIns="0" tIns="0" rIns="0" bIns="0" anchor="t" anchorCtr="0">
+            <a:noAutofit/>
+          </a:bodyPr>
+          <a:lstStyle/>
+          <a:p>
+            <a:pPr marL="0" lvl="0" indent="0" algn="ctr" rtl="0">
+              <a:spcBef>
+                <a:spcPts val="0"/>
+              </a:spcBef>
+              <a:spcAft>
+                <a:spcPts val="0"/>
+              </a:spcAft>
+              <a:buNone/>
+            </a:pPr>
+            <a:r>
+              <a:rPr lang="ja-JP" altLang="en-US" sz="1200" b="1" dirty="0">
+                <a:solidFill>
+                  <a:schemeClr val="dk1"/>
+                </a:solidFill>
+                <a:latin typeface="游ゴシック" panose="020B0400000000000000" pitchFamily="50" charset="-128"/>
+                <a:ea typeface="游ゴシック" panose="020B0400000000000000" pitchFamily="50" charset="-128"/>
+                <a:cs typeface="Montserrat"/>
+                <a:sym typeface="Montserrat"/>
+              </a:rPr>
+              <a:t>野村 知加</a:t>
+            </a:r>
+            <a:br>
+              <a:rPr lang="en" dirty="0">
+                <a:latin typeface="游ゴシック" panose="020B0400000000000000" pitchFamily="50" charset="-128"/>
+                <a:ea typeface="游ゴシック" panose="020B0400000000000000" pitchFamily="50" charset="-128"/>
+                <a:cs typeface="Montserrat"/>
+                <a:sym typeface="Montserrat"/>
+              </a:rPr>
+            </a:br>
+            <a:r>
+              <a:rPr lang="en-US" altLang="ja-JP" sz="800" dirty="0">
+                <a:solidFill>
+                  <a:schemeClr val="dk2"/>
+                </a:solidFill>
+                <a:latin typeface="游ゴシック" panose="020B0400000000000000" pitchFamily="50" charset="-128"/>
+                <a:ea typeface="游ゴシック" panose="020B0400000000000000" pitchFamily="50" charset="-128"/>
+                <a:cs typeface="Montserrat"/>
+                <a:sym typeface="Montserrat"/>
+              </a:rPr>
+              <a:t>TIS</a:t>
+            </a:r>
+            <a:r>
+              <a:rPr lang="ja-JP" altLang="en-US" sz="800" dirty="0">
+                <a:solidFill>
+                  <a:schemeClr val="dk2"/>
+                </a:solidFill>
+                <a:latin typeface="游ゴシック" panose="020B0400000000000000" pitchFamily="50" charset="-128"/>
+                <a:ea typeface="游ゴシック" panose="020B0400000000000000" pitchFamily="50" charset="-128"/>
+                <a:cs typeface="Montserrat"/>
+                <a:sym typeface="Montserrat"/>
+              </a:rPr>
+              <a:t>株式会社</a:t>
+            </a:r>
+            <a:endParaRPr lang="en-US" altLang="ja-JP" sz="800" dirty="0">
+              <a:solidFill>
+                <a:schemeClr val="dk2"/>
+              </a:solidFill>
+              <a:latin typeface="游ゴシック" panose="020B0400000000000000" pitchFamily="50" charset="-128"/>
+              <a:ea typeface="游ゴシック" panose="020B0400000000000000" pitchFamily="50" charset="-128"/>
+              <a:cs typeface="Montserrat"/>
+              <a:sym typeface="Montserrat"/>
+            </a:endParaRPr>
+          </a:p>
+          <a:p>
+            <a:pPr marL="0" lvl="0" indent="0" algn="ctr" rtl="0">
+              <a:spcBef>
+                <a:spcPts val="0"/>
+              </a:spcBef>
+              <a:spcAft>
+                <a:spcPts val="0"/>
+              </a:spcAft>
+              <a:buNone/>
+            </a:pPr>
+            <a:r>
+              <a:rPr lang="ja-JP" altLang="en-US" sz="800" dirty="0">
+                <a:solidFill>
+                  <a:schemeClr val="dk2"/>
+                </a:solidFill>
+                <a:latin typeface="游ゴシック" panose="020B0400000000000000" pitchFamily="50" charset="-128"/>
+                <a:ea typeface="游ゴシック" panose="020B0400000000000000" pitchFamily="50" charset="-128"/>
+                <a:cs typeface="Montserrat"/>
+                <a:sym typeface="Montserrat"/>
+              </a:rPr>
+              <a:t>西日本テクノロジー＆イノベーション室</a:t>
+            </a:r>
+            <a:endParaRPr lang="en-US" altLang="ja-JP" sz="800" dirty="0">
+              <a:solidFill>
+                <a:schemeClr val="dk2"/>
+              </a:solidFill>
+              <a:latin typeface="游ゴシック" panose="020B0400000000000000" pitchFamily="50" charset="-128"/>
+              <a:ea typeface="游ゴシック" panose="020B0400000000000000" pitchFamily="50" charset="-128"/>
+              <a:cs typeface="Montserrat"/>
+              <a:sym typeface="Montserrat"/>
+            </a:endParaRPr>
+          </a:p>
+          <a:p>
+            <a:pPr marL="0" lvl="0" indent="0" algn="ctr" rtl="0">
+              <a:spcBef>
+                <a:spcPts val="0"/>
+              </a:spcBef>
+              <a:spcAft>
+                <a:spcPts val="0"/>
+              </a:spcAft>
+              <a:buNone/>
+            </a:pPr>
+            <a:r>
+              <a:rPr lang="ja-JP" altLang="en-US" sz="800" dirty="0">
+                <a:solidFill>
+                  <a:schemeClr val="dk2"/>
+                </a:solidFill>
+                <a:latin typeface="游ゴシック" panose="020B0400000000000000" pitchFamily="50" charset="-128"/>
+                <a:ea typeface="游ゴシック" panose="020B0400000000000000" pitchFamily="50" charset="-128"/>
+                <a:cs typeface="Montserrat"/>
+                <a:sym typeface="Montserrat"/>
+              </a:rPr>
+              <a:t>主任補</a:t>
+            </a:r>
+            <a:endParaRPr b="1" dirty="0">
+              <a:latin typeface="游ゴシック" panose="020B0400000000000000" pitchFamily="50" charset="-128"/>
+              <a:ea typeface="游ゴシック" panose="020B0400000000000000" pitchFamily="50" charset="-128"/>
+              <a:cs typeface="Montserrat"/>
+              <a:sym typeface="Montserrat"/>
+            </a:endParaRPr>
+          </a:p>
+        </p:txBody>
+      </p:sp>
+      <p:pic>
+        <p:nvPicPr>
+          <p:cNvPr id="5" name="図 4">
+            <a:extLst>
+              <a:ext uri="{FF2B5EF4-FFF2-40B4-BE49-F238E27FC236}">
+                <a16:creationId xmlns:a16="http://schemas.microsoft.com/office/drawing/2014/main" id="{FC0D4F1A-9F5A-4E4C-A3B2-AF7C585BE30F}"/>
+              </a:ext>
+            </a:extLst>
+          </p:cNvPr>
+          <p:cNvPicPr>
+            <a:picLocks noChangeAspect="1"/>
+          </p:cNvPicPr>
+          <p:nvPr/>
+        </p:nvPicPr>
+        <p:blipFill rotWithShape="1">
+          <a:blip r:embed="rId5"/>
+          <a:srcRect l="3683" t="10929" r="3683"/>
+          <a:stretch/>
+        </p:blipFill>
+        <p:spPr>
+          <a:xfrm>
+            <a:off x="3884377" y="1647140"/>
+            <a:ext cx="920446" cy="920446"/>
+          </a:xfrm>
+          <a:prstGeom prst="ellipse">
+            <a:avLst/>
+          </a:prstGeom>
+        </p:spPr>
+      </p:pic>
+      <p:pic>
+        <p:nvPicPr>
+          <p:cNvPr id="7" name="図 6">
+            <a:extLst>
+              <a:ext uri="{FF2B5EF4-FFF2-40B4-BE49-F238E27FC236}">
+                <a16:creationId xmlns:a16="http://schemas.microsoft.com/office/drawing/2014/main" id="{82EC8D5F-B5F9-4104-9267-4B70A6192801}"/>
+              </a:ext>
+            </a:extLst>
+          </p:cNvPr>
+          <p:cNvPicPr>
+            <a:picLocks noChangeAspect="1"/>
+          </p:cNvPicPr>
+          <p:nvPr/>
+        </p:nvPicPr>
+        <p:blipFill rotWithShape="1">
+          <a:blip r:embed="rId6"/>
+          <a:srcRect t="2127" b="2127"/>
+          <a:stretch/>
+        </p:blipFill>
+        <p:spPr>
+          <a:xfrm>
+            <a:off x="3881665" y="3412912"/>
+            <a:ext cx="920446" cy="920446"/>
+          </a:xfrm>
+          <a:prstGeom prst="ellipse">
+            <a:avLst/>
+          </a:prstGeom>
+        </p:spPr>
+      </p:pic>
+      <p:pic>
+        <p:nvPicPr>
+          <p:cNvPr id="9" name="図 8">
+            <a:extLst>
+              <a:ext uri="{FF2B5EF4-FFF2-40B4-BE49-F238E27FC236}">
+                <a16:creationId xmlns:a16="http://schemas.microsoft.com/office/drawing/2014/main" id="{C2AEE637-3AA7-42CE-8C0F-11FA3EFB2AB0}"/>
+              </a:ext>
+            </a:extLst>
+          </p:cNvPr>
+          <p:cNvPicPr>
+            <a:picLocks noChangeAspect="1"/>
+          </p:cNvPicPr>
+          <p:nvPr/>
+        </p:nvPicPr>
+        <p:blipFill rotWithShape="1">
+          <a:blip r:embed="rId7"/>
+          <a:srcRect t="5858" b="5858"/>
+          <a:stretch/>
+        </p:blipFill>
+        <p:spPr>
+          <a:xfrm>
+            <a:off x="1511825" y="3412912"/>
+            <a:ext cx="920446" cy="920446"/>
+          </a:xfrm>
+          <a:prstGeom prst="ellipse">
+            <a:avLst/>
+          </a:prstGeom>
         </p:spPr>
       </p:pic>
     </p:spTree>
@@ -36112,6 +35509,21 @@
 </file>
 
 <file path=customXml/item1.xml><?xml version="1.0" encoding="utf-8"?>
+<p:properties xmlns:p="http://schemas.microsoft.com/office/2006/metadata/properties" xmlns:xsi="http://www.w3.org/2001/XMLSchema-instance" xmlns:pc="http://schemas.microsoft.com/office/infopath/2007/PartnerControls">
+  <documentManagement/>
+</p:properties>
+</file>
+
+<file path=customXml/item2.xml><?xml version="1.0" encoding="utf-8"?>
+<?mso-contentType ?>
+<FormTemplates xmlns="http://schemas.microsoft.com/sharepoint/v3/contenttype/forms">
+  <Display>DocumentLibraryForm</Display>
+  <Edit>DocumentLibraryForm</Edit>
+  <New>DocumentLibraryForm</New>
+</FormTemplates>
+</file>
+
+<file path=customXml/item3.xml><?xml version="1.0" encoding="utf-8"?>
 <ct:contentTypeSchema xmlns:ct="http://schemas.microsoft.com/office/2006/metadata/contentType" xmlns:ma="http://schemas.microsoft.com/office/2006/metadata/properties/metaAttributes" ct:_="" ma:_="" ma:contentTypeName="ドキュメント" ma:contentTypeID="0x010100849F533D870BD84A9D38273CC91B496D" ma:contentTypeVersion="9" ma:contentTypeDescription="新しいドキュメントを作成します。" ma:contentTypeScope="" ma:versionID="ca4a1d3cb04f69359678dbec6c4b7a52">
   <xsd:schema xmlns:xsd="http://www.w3.org/2001/XMLSchema" xmlns:xs="http://www.w3.org/2001/XMLSchema" xmlns:p="http://schemas.microsoft.com/office/2006/metadata/properties" xmlns:ns2="f50685a2-08a6-49dc-aa5f-a248d4ba7af6" xmlns:ns3="08971484-f606-4522-aa8e-4044dc1a5090" targetNamespace="http://schemas.microsoft.com/office/2006/metadata/properties" ma:root="true" ma:fieldsID="13f254b1b3ba571b2a6d056e41aaac49" ns2:_="" ns3:_="">
     <xsd:import namespace="f50685a2-08a6-49dc-aa5f-a248d4ba7af6"/>
@@ -36308,22 +35720,32 @@
 </ct:contentTypeSchema>
 </file>
 
-<file path=customXml/item2.xml><?xml version="1.0" encoding="utf-8"?>
-<?mso-contentType ?>
-<FormTemplates xmlns="http://schemas.microsoft.com/sharepoint/v3/contenttype/forms">
-  <Display>DocumentLibraryForm</Display>
-  <Edit>DocumentLibraryForm</Edit>
-  <New>DocumentLibraryForm</New>
-</FormTemplates>
+<file path=customXml/itemProps1.xml><?xml version="1.0" encoding="utf-8"?>
+<ds:datastoreItem xmlns:ds="http://schemas.openxmlformats.org/officeDocument/2006/customXml" ds:itemID="{8AEE9B38-13DB-4563-ACCD-BDAB12348357}">
+  <ds:schemaRefs>
+    <ds:schemaRef ds:uri="http://www.w3.org/XML/1998/namespace"/>
+    <ds:schemaRef ds:uri="http://schemas.microsoft.com/office/infopath/2007/PartnerControls"/>
+    <ds:schemaRef ds:uri="08971484-f606-4522-aa8e-4044dc1a5090"/>
+    <ds:schemaRef ds:uri="http://schemas.microsoft.com/office/2006/metadata/properties"/>
+    <ds:schemaRef ds:uri="http://purl.org/dc/terms/"/>
+    <ds:schemaRef ds:uri="http://purl.org/dc/elements/1.1/"/>
+    <ds:schemaRef ds:uri="http://schemas.openxmlformats.org/package/2006/metadata/core-properties"/>
+    <ds:schemaRef ds:uri="http://schemas.microsoft.com/office/2006/documentManagement/types"/>
+    <ds:schemaRef ds:uri="f50685a2-08a6-49dc-aa5f-a248d4ba7af6"/>
+    <ds:schemaRef ds:uri="http://purl.org/dc/dcmitype/"/>
+  </ds:schemaRefs>
+</ds:datastoreItem>
 </file>
 
-<file path=customXml/item3.xml><?xml version="1.0" encoding="utf-8"?>
-<p:properties xmlns:p="http://schemas.microsoft.com/office/2006/metadata/properties" xmlns:xsi="http://www.w3.org/2001/XMLSchema-instance" xmlns:pc="http://schemas.microsoft.com/office/infopath/2007/PartnerControls">
-  <documentManagement/>
-</p:properties>
+<file path=customXml/itemProps2.xml><?xml version="1.0" encoding="utf-8"?>
+<ds:datastoreItem xmlns:ds="http://schemas.openxmlformats.org/officeDocument/2006/customXml" ds:itemID="{0EBD1781-257C-4386-A510-75977046327B}">
+  <ds:schemaRefs>
+    <ds:schemaRef ds:uri="http://schemas.microsoft.com/sharepoint/v3/contenttype/forms"/>
+  </ds:schemaRefs>
+</ds:datastoreItem>
 </file>
 
-<file path=customXml/itemProps1.xml><?xml version="1.0" encoding="utf-8"?>
+<file path=customXml/itemProps3.xml><?xml version="1.0" encoding="utf-8"?>
 <ds:datastoreItem xmlns:ds="http://schemas.openxmlformats.org/officeDocument/2006/customXml" ds:itemID="{E6AD931F-C54A-489C-81E1-A6D5DB399D7B}">
   <ds:schemaRefs>
     <ds:schemaRef ds:uri="http://schemas.microsoft.com/office/2006/metadata/contentType"/>
@@ -36340,29 +35762,4 @@
     <ds:schemaRef ds:uri="http://schemas.microsoft.com/internal/obd"/>
   </ds:schemaRefs>
 </ds:datastoreItem>
-</file>
-
-<file path=customXml/itemProps2.xml><?xml version="1.0" encoding="utf-8"?>
-<ds:datastoreItem xmlns:ds="http://schemas.openxmlformats.org/officeDocument/2006/customXml" ds:itemID="{0EBD1781-257C-4386-A510-75977046327B}">
-  <ds:schemaRefs>
-    <ds:schemaRef ds:uri="http://schemas.microsoft.com/sharepoint/v3/contenttype/forms"/>
-  </ds:schemaRefs>
-</ds:datastoreItem>
-</file>
-
-<file path=customXml/itemProps3.xml><?xml version="1.0" encoding="utf-8"?>
-<ds:datastoreItem xmlns:ds="http://schemas.openxmlformats.org/officeDocument/2006/customXml" ds:itemID="{8AEE9B38-13DB-4563-ACCD-BDAB12348357}">
-  <ds:schemaRefs>
-    <ds:schemaRef ds:uri="http://www.w3.org/XML/1998/namespace"/>
-    <ds:schemaRef ds:uri="http://schemas.microsoft.com/office/infopath/2007/PartnerControls"/>
-    <ds:schemaRef ds:uri="08971484-f606-4522-aa8e-4044dc1a5090"/>
-    <ds:schemaRef ds:uri="http://schemas.microsoft.com/office/2006/metadata/properties"/>
-    <ds:schemaRef ds:uri="http://purl.org/dc/terms/"/>
-    <ds:schemaRef ds:uri="http://purl.org/dc/elements/1.1/"/>
-    <ds:schemaRef ds:uri="http://schemas.openxmlformats.org/package/2006/metadata/core-properties"/>
-    <ds:schemaRef ds:uri="http://schemas.microsoft.com/office/2006/documentManagement/types"/>
-    <ds:schemaRef ds:uri="f50685a2-08a6-49dc-aa5f-a248d4ba7af6"/>
-    <ds:schemaRef ds:uri="http://purl.org/dc/dcmitype/"/>
-  </ds:schemaRefs>
-</ds:datastoreItem>
 </file>
--- a/2021/ITで地域課題を解決しよう.pptx
+++ b/2021/ITで地域課題を解決しよう.pptx
@@ -15661,39 +15661,12 @@
       </p:sp>
       <p:pic>
         <p:nvPicPr>
-          <p:cNvPr id="575" name="Google Shape;575;p43"/>
+          <p:cNvPr id="578" name="Google Shape;578;p43"/>
           <p:cNvPicPr preferRelativeResize="0"/>
           <p:nvPr/>
         </p:nvPicPr>
         <p:blipFill rotWithShape="1">
           <a:blip r:embed="rId3">
-            <a:alphaModFix/>
-          </a:blip>
-          <a:srcRect l="19633" t="9820" b="9812"/>
-          <a:stretch/>
-        </p:blipFill>
-        <p:spPr>
-          <a:xfrm>
-            <a:off x="1528538" y="1647140"/>
-            <a:ext cx="920446" cy="920446"/>
-          </a:xfrm>
-          <a:prstGeom prst="ellipse">
-            <a:avLst/>
-          </a:prstGeom>
-          <a:noFill/>
-          <a:ln>
-            <a:noFill/>
-          </a:ln>
-        </p:spPr>
-      </p:pic>
-      <p:pic>
-        <p:nvPicPr>
-          <p:cNvPr id="578" name="Google Shape;578;p43"/>
-          <p:cNvPicPr preferRelativeResize="0"/>
-          <p:nvPr/>
-        </p:nvPicPr>
-        <p:blipFill rotWithShape="1">
-          <a:blip r:embed="rId4">
             <a:alphaModFix/>
           </a:blip>
           <a:srcRect t="3926" b="29406"/>
@@ -15830,7 +15803,7 @@
           <p:nvPr/>
         </p:nvPicPr>
         <p:blipFill rotWithShape="1">
-          <a:blip r:embed="rId4">
+          <a:blip r:embed="rId3">
             <a:alphaModFix/>
           </a:blip>
           <a:srcRect t="3926" b="29406"/>
@@ -16022,7 +15995,7 @@
           <p:nvPr/>
         </p:nvPicPr>
         <p:blipFill rotWithShape="1">
-          <a:blip r:embed="rId5"/>
+          <a:blip r:embed="rId4"/>
           <a:srcRect l="3683" t="10929" r="3683"/>
           <a:stretch/>
         </p:blipFill>
@@ -16051,7 +16024,7 @@
           <p:nvPr/>
         </p:nvPicPr>
         <p:blipFill rotWithShape="1">
-          <a:blip r:embed="rId6"/>
+          <a:blip r:embed="rId5"/>
           <a:srcRect t="2127" b="2127"/>
           <a:stretch/>
         </p:blipFill>
@@ -16080,13 +16053,42 @@
           <p:nvPr/>
         </p:nvPicPr>
         <p:blipFill rotWithShape="1">
-          <a:blip r:embed="rId7"/>
+          <a:blip r:embed="rId6"/>
           <a:srcRect t="5858" b="5858"/>
           <a:stretch/>
         </p:blipFill>
         <p:spPr>
           <a:xfrm>
             <a:off x="1511825" y="3412912"/>
+            <a:ext cx="920446" cy="920446"/>
+          </a:xfrm>
+          <a:prstGeom prst="ellipse">
+            <a:avLst/>
+          </a:prstGeom>
+        </p:spPr>
+      </p:pic>
+      <p:pic>
+        <p:nvPicPr>
+          <p:cNvPr id="3" name="図 2">
+            <a:extLst>
+              <a:ext uri="{FF2B5EF4-FFF2-40B4-BE49-F238E27FC236}">
+                <a16:creationId xmlns:a16="http://schemas.microsoft.com/office/drawing/2014/main" id="{46C583CE-DAF5-4A13-B544-0968A7912F4D}"/>
+              </a:ext>
+            </a:extLst>
+          </p:cNvPr>
+          <p:cNvPicPr>
+            <a:picLocks noChangeAspect="1"/>
+          </p:cNvPicPr>
+          <p:nvPr/>
+        </p:nvPicPr>
+        <p:blipFill rotWithShape="1">
+          <a:blip r:embed="rId7"/>
+          <a:srcRect l="7092" t="14184" r="7092"/>
+          <a:stretch/>
+        </p:blipFill>
+        <p:spPr>
+          <a:xfrm>
+            <a:off x="1511825" y="1647140"/>
             <a:ext cx="920446" cy="920446"/>
           </a:xfrm>
           <a:prstGeom prst="ellipse">
@@ -35509,21 +35511,6 @@
 </file>
 
 <file path=customXml/item1.xml><?xml version="1.0" encoding="utf-8"?>
-<p:properties xmlns:p="http://schemas.microsoft.com/office/2006/metadata/properties" xmlns:xsi="http://www.w3.org/2001/XMLSchema-instance" xmlns:pc="http://schemas.microsoft.com/office/infopath/2007/PartnerControls">
-  <documentManagement/>
-</p:properties>
-</file>
-
-<file path=customXml/item2.xml><?xml version="1.0" encoding="utf-8"?>
-<?mso-contentType ?>
-<FormTemplates xmlns="http://schemas.microsoft.com/sharepoint/v3/contenttype/forms">
-  <Display>DocumentLibraryForm</Display>
-  <Edit>DocumentLibraryForm</Edit>
-  <New>DocumentLibraryForm</New>
-</FormTemplates>
-</file>
-
-<file path=customXml/item3.xml><?xml version="1.0" encoding="utf-8"?>
 <ct:contentTypeSchema xmlns:ct="http://schemas.microsoft.com/office/2006/metadata/contentType" xmlns:ma="http://schemas.microsoft.com/office/2006/metadata/properties/metaAttributes" ct:_="" ma:_="" ma:contentTypeName="ドキュメント" ma:contentTypeID="0x010100849F533D870BD84A9D38273CC91B496D" ma:contentTypeVersion="9" ma:contentTypeDescription="新しいドキュメントを作成します。" ma:contentTypeScope="" ma:versionID="ca4a1d3cb04f69359678dbec6c4b7a52">
   <xsd:schema xmlns:xsd="http://www.w3.org/2001/XMLSchema" xmlns:xs="http://www.w3.org/2001/XMLSchema" xmlns:p="http://schemas.microsoft.com/office/2006/metadata/properties" xmlns:ns2="f50685a2-08a6-49dc-aa5f-a248d4ba7af6" xmlns:ns3="08971484-f606-4522-aa8e-4044dc1a5090" targetNamespace="http://schemas.microsoft.com/office/2006/metadata/properties" ma:root="true" ma:fieldsID="13f254b1b3ba571b2a6d056e41aaac49" ns2:_="" ns3:_="">
     <xsd:import namespace="f50685a2-08a6-49dc-aa5f-a248d4ba7af6"/>
@@ -35720,32 +35707,22 @@
 </ct:contentTypeSchema>
 </file>
 
-<file path=customXml/itemProps1.xml><?xml version="1.0" encoding="utf-8"?>
-<ds:datastoreItem xmlns:ds="http://schemas.openxmlformats.org/officeDocument/2006/customXml" ds:itemID="{8AEE9B38-13DB-4563-ACCD-BDAB12348357}">
-  <ds:schemaRefs>
-    <ds:schemaRef ds:uri="http://www.w3.org/XML/1998/namespace"/>
-    <ds:schemaRef ds:uri="http://schemas.microsoft.com/office/infopath/2007/PartnerControls"/>
-    <ds:schemaRef ds:uri="08971484-f606-4522-aa8e-4044dc1a5090"/>
-    <ds:schemaRef ds:uri="http://schemas.microsoft.com/office/2006/metadata/properties"/>
-    <ds:schemaRef ds:uri="http://purl.org/dc/terms/"/>
-    <ds:schemaRef ds:uri="http://purl.org/dc/elements/1.1/"/>
-    <ds:schemaRef ds:uri="http://schemas.openxmlformats.org/package/2006/metadata/core-properties"/>
-    <ds:schemaRef ds:uri="http://schemas.microsoft.com/office/2006/documentManagement/types"/>
-    <ds:schemaRef ds:uri="f50685a2-08a6-49dc-aa5f-a248d4ba7af6"/>
-    <ds:schemaRef ds:uri="http://purl.org/dc/dcmitype/"/>
-  </ds:schemaRefs>
-</ds:datastoreItem>
+<file path=customXml/item2.xml><?xml version="1.0" encoding="utf-8"?>
+<?mso-contentType ?>
+<FormTemplates xmlns="http://schemas.microsoft.com/sharepoint/v3/contenttype/forms">
+  <Display>DocumentLibraryForm</Display>
+  <Edit>DocumentLibraryForm</Edit>
+  <New>DocumentLibraryForm</New>
+</FormTemplates>
 </file>
 
-<file path=customXml/itemProps2.xml><?xml version="1.0" encoding="utf-8"?>
-<ds:datastoreItem xmlns:ds="http://schemas.openxmlformats.org/officeDocument/2006/customXml" ds:itemID="{0EBD1781-257C-4386-A510-75977046327B}">
-  <ds:schemaRefs>
-    <ds:schemaRef ds:uri="http://schemas.microsoft.com/sharepoint/v3/contenttype/forms"/>
-  </ds:schemaRefs>
-</ds:datastoreItem>
+<file path=customXml/item3.xml><?xml version="1.0" encoding="utf-8"?>
+<p:properties xmlns:p="http://schemas.microsoft.com/office/2006/metadata/properties" xmlns:xsi="http://www.w3.org/2001/XMLSchema-instance" xmlns:pc="http://schemas.microsoft.com/office/infopath/2007/PartnerControls">
+  <documentManagement/>
+</p:properties>
 </file>
 
-<file path=customXml/itemProps3.xml><?xml version="1.0" encoding="utf-8"?>
+<file path=customXml/itemProps1.xml><?xml version="1.0" encoding="utf-8"?>
 <ds:datastoreItem xmlns:ds="http://schemas.openxmlformats.org/officeDocument/2006/customXml" ds:itemID="{E6AD931F-C54A-489C-81E1-A6D5DB399D7B}">
   <ds:schemaRefs>
     <ds:schemaRef ds:uri="http://schemas.microsoft.com/office/2006/metadata/contentType"/>
@@ -35762,4 +35739,29 @@
     <ds:schemaRef ds:uri="http://schemas.microsoft.com/internal/obd"/>
   </ds:schemaRefs>
 </ds:datastoreItem>
+</file>
+
+<file path=customXml/itemProps2.xml><?xml version="1.0" encoding="utf-8"?>
+<ds:datastoreItem xmlns:ds="http://schemas.openxmlformats.org/officeDocument/2006/customXml" ds:itemID="{0EBD1781-257C-4386-A510-75977046327B}">
+  <ds:schemaRefs>
+    <ds:schemaRef ds:uri="http://schemas.microsoft.com/sharepoint/v3/contenttype/forms"/>
+  </ds:schemaRefs>
+</ds:datastoreItem>
+</file>
+
+<file path=customXml/itemProps3.xml><?xml version="1.0" encoding="utf-8"?>
+<ds:datastoreItem xmlns:ds="http://schemas.openxmlformats.org/officeDocument/2006/customXml" ds:itemID="{8AEE9B38-13DB-4563-ACCD-BDAB12348357}">
+  <ds:schemaRefs>
+    <ds:schemaRef ds:uri="http://www.w3.org/XML/1998/namespace"/>
+    <ds:schemaRef ds:uri="http://schemas.microsoft.com/office/infopath/2007/PartnerControls"/>
+    <ds:schemaRef ds:uri="08971484-f606-4522-aa8e-4044dc1a5090"/>
+    <ds:schemaRef ds:uri="http://schemas.microsoft.com/office/2006/metadata/properties"/>
+    <ds:schemaRef ds:uri="http://purl.org/dc/terms/"/>
+    <ds:schemaRef ds:uri="http://purl.org/dc/elements/1.1/"/>
+    <ds:schemaRef ds:uri="http://schemas.openxmlformats.org/package/2006/metadata/core-properties"/>
+    <ds:schemaRef ds:uri="http://schemas.microsoft.com/office/2006/documentManagement/types"/>
+    <ds:schemaRef ds:uri="f50685a2-08a6-49dc-aa5f-a248d4ba7af6"/>
+    <ds:schemaRef ds:uri="http://purl.org/dc/dcmitype/"/>
+  </ds:schemaRefs>
+</ds:datastoreItem>
 </file>
--- a/2021/ITで地域課題を解決しよう.pptx
+++ b/2021/ITで地域課題を解決しよう.pptx
@@ -10220,6 +10220,29 @@
               <a:ea typeface="游ゴシック" panose="020B0400000000000000" pitchFamily="50" charset="-128"/>
             </a:endParaRPr>
           </a:p>
+          <a:p>
+            <a:pPr marL="457200" lvl="0" indent="-381000" algn="l" rtl="0">
+              <a:spcBef>
+                <a:spcPts val="600"/>
+              </a:spcBef>
+              <a:spcAft>
+                <a:spcPts val="0"/>
+              </a:spcAft>
+              <a:buSzPts val="2400"/>
+              <a:buChar char="▣"/>
+            </a:pPr>
+            <a:r>
+              <a:rPr lang="ja-JP" altLang="en-US" sz="1600" dirty="0">
+                <a:latin typeface="游ゴシック" panose="020B0400000000000000" pitchFamily="50" charset="-128"/>
+                <a:ea typeface="游ゴシック" panose="020B0400000000000000" pitchFamily="50" charset="-128"/>
+              </a:rPr>
+              <a:t>アイデアソン、ハッカソンは終了後、アンケートへのご協力をお願いします。</a:t>
+            </a:r>
+            <a:endParaRPr lang="en-US" altLang="ja-JP" sz="1600" dirty="0">
+              <a:latin typeface="游ゴシック" panose="020B0400000000000000" pitchFamily="50" charset="-128"/>
+              <a:ea typeface="游ゴシック" panose="020B0400000000000000" pitchFamily="50" charset="-128"/>
+            </a:endParaRPr>
+          </a:p>
         </p:txBody>
       </p:sp>
       <p:sp>
@@ -15243,7 +15266,7 @@
         </p:nvSpPr>
         <p:spPr>
           <a:xfrm>
-            <a:off x="1207558" y="4446691"/>
+            <a:off x="1120009" y="4444609"/>
             <a:ext cx="1557729" cy="618660"/>
           </a:xfrm>
           <a:prstGeom prst="rect">
@@ -15659,33 +15682,6 @@
           </a:p>
         </p:txBody>
       </p:sp>
-      <p:pic>
-        <p:nvPicPr>
-          <p:cNvPr id="578" name="Google Shape;578;p43"/>
-          <p:cNvPicPr preferRelativeResize="0"/>
-          <p:nvPr/>
-        </p:nvPicPr>
-        <p:blipFill rotWithShape="1">
-          <a:blip r:embed="rId3">
-            <a:alphaModFix/>
-          </a:blip>
-          <a:srcRect t="3926" b="29406"/>
-          <a:stretch/>
-        </p:blipFill>
-        <p:spPr>
-          <a:xfrm>
-            <a:off x="6234793" y="1649222"/>
-            <a:ext cx="920446" cy="920446"/>
-          </a:xfrm>
-          <a:prstGeom prst="ellipse">
-            <a:avLst/>
-          </a:prstGeom>
-          <a:noFill/>
-          <a:ln>
-            <a:noFill/>
-          </a:ln>
-        </p:spPr>
-      </p:pic>
       <p:sp>
         <p:nvSpPr>
           <p:cNvPr id="12" name="Google Shape;574;p43">
@@ -15700,7 +15696,7 @@
         </p:nvSpPr>
         <p:spPr>
           <a:xfrm>
-            <a:off x="6050249" y="4446691"/>
+            <a:off x="5962700" y="4444609"/>
             <a:ext cx="1255018" cy="618660"/>
           </a:xfrm>
           <a:prstGeom prst="rect">
@@ -15790,39 +15786,6 @@
           </a:p>
         </p:txBody>
       </p:sp>
-      <p:pic>
-        <p:nvPicPr>
-          <p:cNvPr id="13" name="Google Shape;578;p43">
-            <a:extLst>
-              <a:ext uri="{FF2B5EF4-FFF2-40B4-BE49-F238E27FC236}">
-                <a16:creationId xmlns:a16="http://schemas.microsoft.com/office/drawing/2014/main" id="{89745F87-87D6-451F-B64F-040E7270F060}"/>
-              </a:ext>
-            </a:extLst>
-          </p:cNvPr>
-          <p:cNvPicPr preferRelativeResize="0"/>
-          <p:nvPr/>
-        </p:nvPicPr>
-        <p:blipFill rotWithShape="1">
-          <a:blip r:embed="rId3">
-            <a:alphaModFix/>
-          </a:blip>
-          <a:srcRect t="3926" b="29406"/>
-          <a:stretch/>
-        </p:blipFill>
-        <p:spPr>
-          <a:xfrm>
-            <a:off x="6234793" y="3412912"/>
-            <a:ext cx="920446" cy="920446"/>
-          </a:xfrm>
-          <a:prstGeom prst="ellipse">
-            <a:avLst/>
-          </a:prstGeom>
-          <a:noFill/>
-          <a:ln>
-            <a:noFill/>
-          </a:ln>
-        </p:spPr>
-      </p:pic>
       <p:sp>
         <p:nvSpPr>
           <p:cNvPr id="14" name="Google Shape;573;p43">
@@ -15837,7 +15800,7 @@
         </p:nvSpPr>
         <p:spPr>
           <a:xfrm>
-            <a:off x="3447927" y="4446691"/>
+            <a:off x="3360378" y="4444609"/>
             <a:ext cx="1924450" cy="618660"/>
           </a:xfrm>
           <a:prstGeom prst="rect">
@@ -15995,7 +15958,7 @@
           <p:nvPr/>
         </p:nvPicPr>
         <p:blipFill rotWithShape="1">
-          <a:blip r:embed="rId4"/>
+          <a:blip r:embed="rId3"/>
           <a:srcRect l="3683" t="10929" r="3683"/>
           <a:stretch/>
         </p:blipFill>
@@ -16024,7 +15987,7 @@
           <p:nvPr/>
         </p:nvPicPr>
         <p:blipFill rotWithShape="1">
-          <a:blip r:embed="rId5"/>
+          <a:blip r:embed="rId4"/>
           <a:srcRect t="2127" b="2127"/>
           <a:stretch/>
         </p:blipFill>
@@ -16053,7 +16016,7 @@
           <p:nvPr/>
         </p:nvPicPr>
         <p:blipFill rotWithShape="1">
-          <a:blip r:embed="rId6"/>
+          <a:blip r:embed="rId5"/>
           <a:srcRect t="5858" b="5858"/>
           <a:stretch/>
         </p:blipFill>
@@ -16082,7 +16045,7 @@
           <p:nvPr/>
         </p:nvPicPr>
         <p:blipFill rotWithShape="1">
-          <a:blip r:embed="rId7"/>
+          <a:blip r:embed="rId6"/>
           <a:srcRect l="7092" t="14184" r="7092"/>
           <a:stretch/>
         </p:blipFill>
@@ -16094,6 +16057,90 @@
           <a:prstGeom prst="ellipse">
             <a:avLst/>
           </a:prstGeom>
+        </p:spPr>
+      </p:pic>
+      <p:pic>
+        <p:nvPicPr>
+          <p:cNvPr id="16" name="図 15">
+            <a:extLst>
+              <a:ext uri="{FF2B5EF4-FFF2-40B4-BE49-F238E27FC236}">
+                <a16:creationId xmlns:a16="http://schemas.microsoft.com/office/drawing/2014/main" id="{82C0BA99-28DE-4966-AC9D-69DA7C580370}"/>
+              </a:ext>
+            </a:extLst>
+          </p:cNvPr>
+          <p:cNvPicPr/>
+          <p:nvPr/>
+        </p:nvPicPr>
+        <p:blipFill rotWithShape="1">
+          <a:blip r:embed="rId7">
+            <a:extLst>
+              <a:ext uri="{28A0092B-C50C-407E-A947-70E740481C1C}">
+                <a14:useLocalDpi xmlns:a14="http://schemas.microsoft.com/office/drawing/2010/main" val="0"/>
+              </a:ext>
+            </a:extLst>
+          </a:blip>
+          <a:srcRect l="15616" t="12621" r="15155" b="18448"/>
+          <a:stretch/>
+        </p:blipFill>
+        <p:spPr bwMode="auto">
+          <a:xfrm>
+            <a:off x="6217535" y="3412912"/>
+            <a:ext cx="920446" cy="920446"/>
+          </a:xfrm>
+          <a:prstGeom prst="ellipse">
+            <a:avLst/>
+          </a:prstGeom>
+          <a:noFill/>
+          <a:ln>
+            <a:noFill/>
+          </a:ln>
+          <a:extLst>
+            <a:ext uri="{53640926-AAD7-44D8-BBD7-CCE9431645EC}">
+              <a14:shadowObscured xmlns:a14="http://schemas.microsoft.com/office/drawing/2010/main"/>
+            </a:ext>
+          </a:extLst>
+        </p:spPr>
+      </p:pic>
+      <p:pic>
+        <p:nvPicPr>
+          <p:cNvPr id="17" name="図 16">
+            <a:extLst>
+              <a:ext uri="{FF2B5EF4-FFF2-40B4-BE49-F238E27FC236}">
+                <a16:creationId xmlns:a16="http://schemas.microsoft.com/office/drawing/2014/main" id="{9F73CA47-D096-45B0-97DE-493A2BD693B5}"/>
+              </a:ext>
+            </a:extLst>
+          </p:cNvPr>
+          <p:cNvPicPr/>
+          <p:nvPr/>
+        </p:nvPicPr>
+        <p:blipFill rotWithShape="1">
+          <a:blip r:embed="rId8">
+            <a:extLst>
+              <a:ext uri="{28A0092B-C50C-407E-A947-70E740481C1C}">
+                <a14:useLocalDpi xmlns:a14="http://schemas.microsoft.com/office/drawing/2010/main" val="0"/>
+              </a:ext>
+            </a:extLst>
+          </a:blip>
+          <a:srcRect l="16612" t="15806" r="15016" b="24028"/>
+          <a:stretch/>
+        </p:blipFill>
+        <p:spPr bwMode="auto">
+          <a:xfrm>
+            <a:off x="6217535" y="1647140"/>
+            <a:ext cx="920446" cy="920446"/>
+          </a:xfrm>
+          <a:prstGeom prst="ellipse">
+            <a:avLst/>
+          </a:prstGeom>
+          <a:noFill/>
+          <a:ln>
+            <a:noFill/>
+          </a:ln>
+          <a:extLst>
+            <a:ext uri="{53640926-AAD7-44D8-BBD7-CCE9431645EC}">
+              <a14:shadowObscured xmlns:a14="http://schemas.microsoft.com/office/drawing/2010/main"/>
+            </a:ext>
+          </a:extLst>
         </p:spPr>
       </p:pic>
     </p:spTree>
@@ -18360,7 +18407,7 @@
                 <a:cs typeface="Montserrat"/>
                 <a:sym typeface="Montserrat"/>
               </a:rPr>
-              <a:t>1</a:t>
+              <a:t>3</a:t>
             </a:r>
             <a:r>
               <a:rPr lang="ja-JP" altLang="en-US" sz="1200" b="1" u="sng" dirty="0">
@@ -18372,7 +18419,7 @@
                 <a:cs typeface="Montserrat"/>
                 <a:sym typeface="Montserrat"/>
               </a:rPr>
-              <a:t>週間）</a:t>
+              <a:t>日間）</a:t>
             </a:r>
             <a:endParaRPr lang="en-US" altLang="ja-JP" sz="1200" b="1" u="sng" dirty="0">
               <a:solidFill>
@@ -35511,6 +35558,21 @@
 </file>
 
 <file path=customXml/item1.xml><?xml version="1.0" encoding="utf-8"?>
+<p:properties xmlns:p="http://schemas.microsoft.com/office/2006/metadata/properties" xmlns:xsi="http://www.w3.org/2001/XMLSchema-instance" xmlns:pc="http://schemas.microsoft.com/office/infopath/2007/PartnerControls">
+  <documentManagement/>
+</p:properties>
+</file>
+
+<file path=customXml/item2.xml><?xml version="1.0" encoding="utf-8"?>
+<?mso-contentType ?>
+<FormTemplates xmlns="http://schemas.microsoft.com/sharepoint/v3/contenttype/forms">
+  <Display>DocumentLibraryForm</Display>
+  <Edit>DocumentLibraryForm</Edit>
+  <New>DocumentLibraryForm</New>
+</FormTemplates>
+</file>
+
+<file path=customXml/item3.xml><?xml version="1.0" encoding="utf-8"?>
 <ct:contentTypeSchema xmlns:ct="http://schemas.microsoft.com/office/2006/metadata/contentType" xmlns:ma="http://schemas.microsoft.com/office/2006/metadata/properties/metaAttributes" ct:_="" ma:_="" ma:contentTypeName="ドキュメント" ma:contentTypeID="0x010100849F533D870BD84A9D38273CC91B496D" ma:contentTypeVersion="9" ma:contentTypeDescription="新しいドキュメントを作成します。" ma:contentTypeScope="" ma:versionID="ca4a1d3cb04f69359678dbec6c4b7a52">
   <xsd:schema xmlns:xsd="http://www.w3.org/2001/XMLSchema" xmlns:xs="http://www.w3.org/2001/XMLSchema" xmlns:p="http://schemas.microsoft.com/office/2006/metadata/properties" xmlns:ns2="f50685a2-08a6-49dc-aa5f-a248d4ba7af6" xmlns:ns3="08971484-f606-4522-aa8e-4044dc1a5090" targetNamespace="http://schemas.microsoft.com/office/2006/metadata/properties" ma:root="true" ma:fieldsID="13f254b1b3ba571b2a6d056e41aaac49" ns2:_="" ns3:_="">
     <xsd:import namespace="f50685a2-08a6-49dc-aa5f-a248d4ba7af6"/>
@@ -35707,22 +35769,32 @@
 </ct:contentTypeSchema>
 </file>
 
-<file path=customXml/item2.xml><?xml version="1.0" encoding="utf-8"?>
-<?mso-contentType ?>
-<FormTemplates xmlns="http://schemas.microsoft.com/sharepoint/v3/contenttype/forms">
-  <Display>DocumentLibraryForm</Display>
-  <Edit>DocumentLibraryForm</Edit>
-  <New>DocumentLibraryForm</New>
-</FormTemplates>
+<file path=customXml/itemProps1.xml><?xml version="1.0" encoding="utf-8"?>
+<ds:datastoreItem xmlns:ds="http://schemas.openxmlformats.org/officeDocument/2006/customXml" ds:itemID="{8AEE9B38-13DB-4563-ACCD-BDAB12348357}">
+  <ds:schemaRefs>
+    <ds:schemaRef ds:uri="http://www.w3.org/XML/1998/namespace"/>
+    <ds:schemaRef ds:uri="http://schemas.microsoft.com/office/infopath/2007/PartnerControls"/>
+    <ds:schemaRef ds:uri="08971484-f606-4522-aa8e-4044dc1a5090"/>
+    <ds:schemaRef ds:uri="http://schemas.microsoft.com/office/2006/metadata/properties"/>
+    <ds:schemaRef ds:uri="http://purl.org/dc/terms/"/>
+    <ds:schemaRef ds:uri="http://purl.org/dc/elements/1.1/"/>
+    <ds:schemaRef ds:uri="http://schemas.openxmlformats.org/package/2006/metadata/core-properties"/>
+    <ds:schemaRef ds:uri="http://schemas.microsoft.com/office/2006/documentManagement/types"/>
+    <ds:schemaRef ds:uri="f50685a2-08a6-49dc-aa5f-a248d4ba7af6"/>
+    <ds:schemaRef ds:uri="http://purl.org/dc/dcmitype/"/>
+  </ds:schemaRefs>
+</ds:datastoreItem>
 </file>
 
-<file path=customXml/item3.xml><?xml version="1.0" encoding="utf-8"?>
-<p:properties xmlns:p="http://schemas.microsoft.com/office/2006/metadata/properties" xmlns:xsi="http://www.w3.org/2001/XMLSchema-instance" xmlns:pc="http://schemas.microsoft.com/office/infopath/2007/PartnerControls">
-  <documentManagement/>
-</p:properties>
+<file path=customXml/itemProps2.xml><?xml version="1.0" encoding="utf-8"?>
+<ds:datastoreItem xmlns:ds="http://schemas.openxmlformats.org/officeDocument/2006/customXml" ds:itemID="{0EBD1781-257C-4386-A510-75977046327B}">
+  <ds:schemaRefs>
+    <ds:schemaRef ds:uri="http://schemas.microsoft.com/sharepoint/v3/contenttype/forms"/>
+  </ds:schemaRefs>
+</ds:datastoreItem>
 </file>
 
-<file path=customXml/itemProps1.xml><?xml version="1.0" encoding="utf-8"?>
+<file path=customXml/itemProps3.xml><?xml version="1.0" encoding="utf-8"?>
 <ds:datastoreItem xmlns:ds="http://schemas.openxmlformats.org/officeDocument/2006/customXml" ds:itemID="{E6AD931F-C54A-489C-81E1-A6D5DB399D7B}">
   <ds:schemaRefs>
     <ds:schemaRef ds:uri="http://schemas.microsoft.com/office/2006/metadata/contentType"/>
@@ -35739,29 +35811,4 @@
     <ds:schemaRef ds:uri="http://schemas.microsoft.com/internal/obd"/>
   </ds:schemaRefs>
 </ds:datastoreItem>
-</file>
-
-<file path=customXml/itemProps2.xml><?xml version="1.0" encoding="utf-8"?>
-<ds:datastoreItem xmlns:ds="http://schemas.openxmlformats.org/officeDocument/2006/customXml" ds:itemID="{0EBD1781-257C-4386-A510-75977046327B}">
-  <ds:schemaRefs>
-    <ds:schemaRef ds:uri="http://schemas.microsoft.com/sharepoint/v3/contenttype/forms"/>
-  </ds:schemaRefs>
-</ds:datastoreItem>
-</file>
-
-<file path=customXml/itemProps3.xml><?xml version="1.0" encoding="utf-8"?>
-<ds:datastoreItem xmlns:ds="http://schemas.openxmlformats.org/officeDocument/2006/customXml" ds:itemID="{8AEE9B38-13DB-4563-ACCD-BDAB12348357}">
-  <ds:schemaRefs>
-    <ds:schemaRef ds:uri="http://www.w3.org/XML/1998/namespace"/>
-    <ds:schemaRef ds:uri="http://schemas.microsoft.com/office/infopath/2007/PartnerControls"/>
-    <ds:schemaRef ds:uri="08971484-f606-4522-aa8e-4044dc1a5090"/>
-    <ds:schemaRef ds:uri="http://schemas.microsoft.com/office/2006/metadata/properties"/>
-    <ds:schemaRef ds:uri="http://purl.org/dc/terms/"/>
-    <ds:schemaRef ds:uri="http://purl.org/dc/elements/1.1/"/>
-    <ds:schemaRef ds:uri="http://schemas.openxmlformats.org/package/2006/metadata/core-properties"/>
-    <ds:schemaRef ds:uri="http://schemas.microsoft.com/office/2006/documentManagement/types"/>
-    <ds:schemaRef ds:uri="f50685a2-08a6-49dc-aa5f-a248d4ba7af6"/>
-    <ds:schemaRef ds:uri="http://purl.org/dc/dcmitype/"/>
-  </ds:schemaRefs>
-</ds:datastoreItem>
 </file>